--- a/Final.pptx
+++ b/Final.pptx
@@ -5,7 +5,7 @@
     <p:sldMasterId id="2147483648" r:id="rId1"/>
   </p:sldMasterIdLst>
   <p:notesMasterIdLst>
-    <p:notesMasterId r:id="rId44"/>
+    <p:notesMasterId r:id="rId45"/>
   </p:notesMasterIdLst>
   <p:sldIdLst>
     <p:sldId id="302" r:id="rId2"/>
@@ -43,13 +43,14 @@
     <p:sldId id="343" r:id="rId34"/>
     <p:sldId id="344" r:id="rId35"/>
     <p:sldId id="345" r:id="rId36"/>
-    <p:sldId id="346" r:id="rId37"/>
-    <p:sldId id="347" r:id="rId38"/>
-    <p:sldId id="348" r:id="rId39"/>
-    <p:sldId id="349" r:id="rId40"/>
-    <p:sldId id="350" r:id="rId41"/>
-    <p:sldId id="351" r:id="rId42"/>
-    <p:sldId id="299" r:id="rId43"/>
+    <p:sldId id="352" r:id="rId37"/>
+    <p:sldId id="346" r:id="rId38"/>
+    <p:sldId id="347" r:id="rId39"/>
+    <p:sldId id="348" r:id="rId40"/>
+    <p:sldId id="349" r:id="rId41"/>
+    <p:sldId id="350" r:id="rId42"/>
+    <p:sldId id="351" r:id="rId43"/>
+    <p:sldId id="299" r:id="rId44"/>
   </p:sldIdLst>
   <p:sldSz cx="9144000" cy="6858000" type="screen4x3"/>
   <p:notesSz cx="6858000" cy="9144000"/>
@@ -234,7 +235,7 @@
             <a:fld id="{6AE2A795-C458-40B5-8DAC-0FAA59AA937C}" type="datetimeFigureOut">
               <a:rPr lang="en-US" smtClean="0"/>
               <a:pPr/>
-              <a:t>9/27/2015</a:t>
+              <a:t>9/28/2015</a:t>
             </a:fld>
             <a:endParaRPr lang="en-IN"/>
           </a:p>
@@ -682,7 +683,7 @@
             <a:fld id="{B0633AD1-F25B-4771-B030-9557703CF562}" type="datetime1">
               <a:rPr lang="en-US" smtClean="0"/>
               <a:pPr/>
-              <a:t>9/27/2015</a:t>
+              <a:t>9/28/2015</a:t>
             </a:fld>
             <a:endParaRPr lang="en-US"/>
           </a:p>
@@ -849,7 +850,7 @@
             <a:fld id="{571AC3C7-5314-4DE0-9422-46E60B0BA20E}" type="datetime1">
               <a:rPr lang="en-US" smtClean="0"/>
               <a:pPr/>
-              <a:t>9/27/2015</a:t>
+              <a:t>9/28/2015</a:t>
             </a:fld>
             <a:endParaRPr lang="en-US"/>
           </a:p>
@@ -1026,7 +1027,7 @@
             <a:fld id="{B82520AA-AFC1-413E-B6CE-FDC8422933F6}" type="datetime1">
               <a:rPr lang="en-US" smtClean="0"/>
               <a:pPr/>
-              <a:t>9/27/2015</a:t>
+              <a:t>9/28/2015</a:t>
             </a:fld>
             <a:endParaRPr lang="en-US"/>
           </a:p>
@@ -1193,7 +1194,7 @@
             <a:fld id="{D61F00A8-49DA-4D8A-AEDB-7BD94A7E0CD2}" type="datetime1">
               <a:rPr lang="en-US" smtClean="0"/>
               <a:pPr/>
-              <a:t>9/27/2015</a:t>
+              <a:t>9/28/2015</a:t>
             </a:fld>
             <a:endParaRPr lang="en-US"/>
           </a:p>
@@ -1436,7 +1437,7 @@
             <a:fld id="{993DB274-D426-409D-8D2B-531932A9E028}" type="datetime1">
               <a:rPr lang="en-US" smtClean="0"/>
               <a:pPr/>
-              <a:t>9/27/2015</a:t>
+              <a:t>9/28/2015</a:t>
             </a:fld>
             <a:endParaRPr lang="en-US"/>
           </a:p>
@@ -1721,7 +1722,7 @@
             <a:fld id="{4D615806-EE5E-4B28-B078-7471A69B810B}" type="datetime1">
               <a:rPr lang="en-US" smtClean="0"/>
               <a:pPr/>
-              <a:t>9/27/2015</a:t>
+              <a:t>9/28/2015</a:t>
             </a:fld>
             <a:endParaRPr lang="en-US"/>
           </a:p>
@@ -2140,7 +2141,7 @@
             <a:fld id="{6F86B8E0-8C66-4E44-92F8-EAD16A9A38C1}" type="datetime1">
               <a:rPr lang="en-US" smtClean="0"/>
               <a:pPr/>
-              <a:t>9/27/2015</a:t>
+              <a:t>9/28/2015</a:t>
             </a:fld>
             <a:endParaRPr lang="en-US"/>
           </a:p>
@@ -2255,7 +2256,7 @@
             <a:fld id="{239FA6A6-A06E-425E-8FF2-D332FE167C28}" type="datetime1">
               <a:rPr lang="en-US" smtClean="0"/>
               <a:pPr/>
-              <a:t>9/27/2015</a:t>
+              <a:t>9/28/2015</a:t>
             </a:fld>
             <a:endParaRPr lang="en-US"/>
           </a:p>
@@ -2347,7 +2348,7 @@
             <a:fld id="{41C6D6D3-6A1B-43C8-B55F-D89599CF0595}" type="datetime1">
               <a:rPr lang="en-US" smtClean="0"/>
               <a:pPr/>
-              <a:t>9/27/2015</a:t>
+              <a:t>9/28/2015</a:t>
             </a:fld>
             <a:endParaRPr lang="en-US"/>
           </a:p>
@@ -2621,7 +2622,7 @@
             <a:fld id="{D21A22C1-EA09-49B2-B3A9-37918F9E642C}" type="datetime1">
               <a:rPr lang="en-US" smtClean="0"/>
               <a:pPr/>
-              <a:t>9/27/2015</a:t>
+              <a:t>9/28/2015</a:t>
             </a:fld>
             <a:endParaRPr lang="en-US"/>
           </a:p>
@@ -2871,7 +2872,7 @@
             <a:fld id="{8A5B2E36-137E-4545-8F9E-7ABCFE453D73}" type="datetime1">
               <a:rPr lang="en-US" smtClean="0"/>
               <a:pPr/>
-              <a:t>9/27/2015</a:t>
+              <a:t>9/28/2015</a:t>
             </a:fld>
             <a:endParaRPr lang="en-US"/>
           </a:p>
@@ -3081,7 +3082,7 @@
             <a:fld id="{83D0A050-89BC-4B1E-B72D-A74D7E90139A}" type="datetime1">
               <a:rPr lang="en-US" smtClean="0"/>
               <a:pPr/>
-              <a:t>9/27/2015</a:t>
+              <a:t>9/28/2015</a:t>
             </a:fld>
             <a:endParaRPr lang="en-US"/>
           </a:p>
@@ -3549,6 +3550,16 @@
           </a:p>
           <a:p>
             <a:pPr algn="l"/>
+            <a:endParaRPr lang="de-DE" sz="3000" dirty="0" smtClean="0">
+              <a:solidFill>
+                <a:srgbClr val="002060"/>
+              </a:solidFill>
+              <a:latin typeface="Arial" pitchFamily="34" charset="0"/>
+              <a:cs typeface="Arial" pitchFamily="34" charset="0"/>
+            </a:endParaRPr>
+          </a:p>
+          <a:p>
+            <a:pPr algn="l"/>
             <a:r>
               <a:rPr lang="de-DE" sz="3000" dirty="0" smtClean="0">
                 <a:solidFill>
@@ -3557,11 +3568,8 @@
                 <a:latin typeface="Arial" pitchFamily="34" charset="0"/>
                 <a:cs typeface="Arial" pitchFamily="34" charset="0"/>
               </a:rPr>
-              <a:t>Informatics (Masters)</a:t>
-            </a:r>
-          </a:p>
-          <a:p>
-            <a:pPr algn="l"/>
+              <a:t>Winter </a:t>
+            </a:r>
             <a:r>
               <a:rPr lang="de-DE" sz="3000" dirty="0" smtClean="0">
                 <a:solidFill>
@@ -3570,7 +3578,7 @@
                 <a:latin typeface="Arial" pitchFamily="34" charset="0"/>
                 <a:cs typeface="Arial" pitchFamily="34" charset="0"/>
               </a:rPr>
-              <a:t>Winter term (15/16)</a:t>
+              <a:t>term (15/16)</a:t>
             </a:r>
           </a:p>
           <a:p>
@@ -3705,6 +3713,58 @@
           <a:xfrm>
             <a:off x="609600" y="6248400"/>
             <a:ext cx="8153400" cy="457200"/>
+          </a:xfrm>
+          <a:prstGeom prst="rect">
+            <a:avLst/>
+          </a:prstGeom>
+          <a:noFill/>
+        </p:spPr>
+      </p:pic>
+      <p:pic>
+        <p:nvPicPr>
+          <p:cNvPr id="4098" name="Picture 2" descr="C:\Users\Jimmy\Dropbox\TUM\WS15\Java Script Technology (IN0014, IN2107, IN4790)\rostlab_logo.png"/>
+          <p:cNvPicPr>
+            <a:picLocks noChangeAspect="1" noChangeArrowheads="1"/>
+          </p:cNvPicPr>
+          <p:nvPr/>
+        </p:nvPicPr>
+        <p:blipFill>
+          <a:blip r:embed="rId3"/>
+          <a:srcRect/>
+          <a:stretch>
+            <a:fillRect/>
+          </a:stretch>
+        </p:blipFill>
+        <p:spPr bwMode="auto">
+          <a:xfrm>
+            <a:off x="2971800" y="228600"/>
+            <a:ext cx="3429000" cy="474106"/>
+          </a:xfrm>
+          <a:prstGeom prst="rect">
+            <a:avLst/>
+          </a:prstGeom>
+          <a:noFill/>
+        </p:spPr>
+      </p:pic>
+      <p:pic>
+        <p:nvPicPr>
+          <p:cNvPr id="4100" name="Picture 4" descr="C:\Users\Jimmy\Dropbox\TUM\WS15\Java Script Technology (IN0014, IN2107, IN4790)\ezgif.com-gif-maker.gif"/>
+          <p:cNvPicPr>
+            <a:picLocks noChangeAspect="1" noChangeArrowheads="1" noCrop="1"/>
+          </p:cNvPicPr>
+          <p:nvPr/>
+        </p:nvPicPr>
+        <p:blipFill>
+          <a:blip r:embed="rId4"/>
+          <a:srcRect/>
+          <a:stretch>
+            <a:fillRect/>
+          </a:stretch>
+        </p:blipFill>
+        <p:spPr bwMode="auto">
+          <a:xfrm>
+            <a:off x="3457575" y="257175"/>
+            <a:ext cx="428625" cy="428625"/>
           </a:xfrm>
           <a:prstGeom prst="rect">
             <a:avLst/>
@@ -4538,6 +4598,13 @@
   <p:clrMapOvr>
     <a:masterClrMapping/>
   </p:clrMapOvr>
+  <p:timing>
+    <p:tnLst>
+      <p:par>
+        <p:cTn id="1" dur="indefinite" restart="never" nodeType="tmRoot"/>
+      </p:par>
+    </p:tnLst>
+  </p:timing>
 </p:sld>
 </file>
 
@@ -4742,6 +4809,13 @@
   <p:clrMapOvr>
     <a:masterClrMapping/>
   </p:clrMapOvr>
+  <p:timing>
+    <p:tnLst>
+      <p:par>
+        <p:cTn id="1" dur="indefinite" restart="never" nodeType="tmRoot"/>
+      </p:par>
+    </p:tnLst>
+  </p:timing>
 </p:sld>
 </file>
 
@@ -5055,6 +5129,13 @@
   <p:clrMapOvr>
     <a:masterClrMapping/>
   </p:clrMapOvr>
+  <p:timing>
+    <p:tnLst>
+      <p:par>
+        <p:cTn id="1" dur="indefinite" restart="never" nodeType="tmRoot"/>
+      </p:par>
+    </p:tnLst>
+  </p:timing>
 </p:sld>
 </file>
 
@@ -5753,6 +5834,13 @@
   <p:clrMapOvr>
     <a:masterClrMapping/>
   </p:clrMapOvr>
+  <p:timing>
+    <p:tnLst>
+      <p:par>
+        <p:cTn id="1" dur="indefinite" restart="never" nodeType="tmRoot"/>
+      </p:par>
+    </p:tnLst>
+  </p:timing>
 </p:sld>
 </file>
 
@@ -6381,6 +6469,13 @@
   <p:clrMapOvr>
     <a:masterClrMapping/>
   </p:clrMapOvr>
+  <p:timing>
+    <p:tnLst>
+      <p:par>
+        <p:cTn id="1" dur="indefinite" restart="never" nodeType="tmRoot"/>
+      </p:par>
+    </p:tnLst>
+  </p:timing>
 </p:sld>
 </file>
 
@@ -7026,6 +7121,13 @@
   <p:clrMapOvr>
     <a:masterClrMapping/>
   </p:clrMapOvr>
+  <p:timing>
+    <p:tnLst>
+      <p:par>
+        <p:cTn id="1" dur="indefinite" restart="never" nodeType="tmRoot"/>
+      </p:par>
+    </p:tnLst>
+  </p:timing>
 </p:sld>
 </file>
 
@@ -7442,6 +7544,13 @@
   <p:clrMapOvr>
     <a:masterClrMapping/>
   </p:clrMapOvr>
+  <p:timing>
+    <p:tnLst>
+      <p:par>
+        <p:cTn id="1" dur="indefinite" restart="never" nodeType="tmRoot"/>
+      </p:par>
+    </p:tnLst>
+  </p:timing>
 </p:sld>
 </file>
 
@@ -7902,6 +8011,13 @@
   <p:clrMapOvr>
     <a:masterClrMapping/>
   </p:clrMapOvr>
+  <p:timing>
+    <p:tnLst>
+      <p:par>
+        <p:cTn id="1" dur="indefinite" restart="never" nodeType="tmRoot"/>
+      </p:par>
+    </p:tnLst>
+  </p:timing>
 </p:sld>
 </file>
 
@@ -8325,6 +8441,13 @@
   <p:clrMapOvr>
     <a:masterClrMapping/>
   </p:clrMapOvr>
+  <p:timing>
+    <p:tnLst>
+      <p:par>
+        <p:cTn id="1" dur="indefinite" restart="never" nodeType="tmRoot"/>
+      </p:par>
+    </p:tnLst>
+  </p:timing>
 </p:sld>
 </file>
 
@@ -8917,6 +9040,13 @@
   <p:clrMapOvr>
     <a:masterClrMapping/>
   </p:clrMapOvr>
+  <p:timing>
+    <p:tnLst>
+      <p:par>
+        <p:cTn id="1" dur="indefinite" restart="never" nodeType="tmRoot"/>
+      </p:par>
+    </p:tnLst>
+  </p:timing>
 </p:sld>
 </file>
 
@@ -9149,6 +9279,13 @@
   <p:clrMapOvr>
     <a:masterClrMapping/>
   </p:clrMapOvr>
+  <p:timing>
+    <p:tnLst>
+      <p:par>
+        <p:cTn id="1" dur="indefinite" restart="never" nodeType="tmRoot"/>
+      </p:par>
+    </p:tnLst>
+  </p:timing>
 </p:sld>
 </file>
 
@@ -9566,6 +9703,13 @@
   <p:clrMapOvr>
     <a:masterClrMapping/>
   </p:clrMapOvr>
+  <p:timing>
+    <p:tnLst>
+      <p:par>
+        <p:cTn id="1" dur="indefinite" restart="never" nodeType="tmRoot"/>
+      </p:par>
+    </p:tnLst>
+  </p:timing>
 </p:sld>
 </file>
 
@@ -9900,6 +10044,13 @@
   <p:clrMapOvr>
     <a:masterClrMapping/>
   </p:clrMapOvr>
+  <p:timing>
+    <p:tnLst>
+      <p:par>
+        <p:cTn id="1" dur="indefinite" restart="never" nodeType="tmRoot"/>
+      </p:par>
+    </p:tnLst>
+  </p:timing>
 </p:sld>
 </file>
 
@@ -10396,6 +10547,13 @@
   <p:clrMapOvr>
     <a:masterClrMapping/>
   </p:clrMapOvr>
+  <p:timing>
+    <p:tnLst>
+      <p:par>
+        <p:cTn id="1" dur="indefinite" restart="never" nodeType="tmRoot"/>
+      </p:par>
+    </p:tnLst>
+  </p:timing>
 </p:sld>
 </file>
 
@@ -10810,6 +10968,13 @@
   <p:clrMapOvr>
     <a:masterClrMapping/>
   </p:clrMapOvr>
+  <p:timing>
+    <p:tnLst>
+      <p:par>
+        <p:cTn id="1" dur="indefinite" restart="never" nodeType="tmRoot"/>
+      </p:par>
+    </p:tnLst>
+  </p:timing>
 </p:sld>
 </file>
 
@@ -11290,6 +11455,13 @@
   <p:clrMapOvr>
     <a:masterClrMapping/>
   </p:clrMapOvr>
+  <p:timing>
+    <p:tnLst>
+      <p:par>
+        <p:cTn id="1" dur="indefinite" restart="never" nodeType="tmRoot"/>
+      </p:par>
+    </p:tnLst>
+  </p:timing>
 </p:sld>
 </file>
 
@@ -11533,6 +11705,13 @@
   <p:clrMapOvr>
     <a:masterClrMapping/>
   </p:clrMapOvr>
+  <p:timing>
+    <p:tnLst>
+      <p:par>
+        <p:cTn id="1" dur="indefinite" restart="never" nodeType="tmRoot"/>
+      </p:par>
+    </p:tnLst>
+  </p:timing>
 </p:sld>
 </file>
 
@@ -11741,6 +11920,13 @@
   <p:clrMapOvr>
     <a:masterClrMapping/>
   </p:clrMapOvr>
+  <p:timing>
+    <p:tnLst>
+      <p:par>
+        <p:cTn id="1" dur="indefinite" restart="never" nodeType="tmRoot"/>
+      </p:par>
+    </p:tnLst>
+  </p:timing>
 </p:sld>
 </file>
 
@@ -11818,11 +12004,18 @@
               <a:buChar char="•"/>
             </a:pPr>
             <a:r>
+              <a:rPr lang="en-US" sz="2200" b="1" dirty="0" smtClean="0">
+                <a:latin typeface="Arial" pitchFamily="34" charset="0"/>
+                <a:cs typeface="Arial" pitchFamily="34" charset="0"/>
+              </a:rPr>
+              <a:t>Why?</a:t>
+            </a:r>
+            <a:r>
               <a:rPr lang="en-US" sz="2200" dirty="0" smtClean="0">
                 <a:latin typeface="Arial" pitchFamily="34" charset="0"/>
                 <a:cs typeface="Arial" pitchFamily="34" charset="0"/>
               </a:rPr>
-              <a:t>The process of ensuring that user input is clean, correct, and as expected. </a:t>
+              <a:t> To ensure that user input is clean, correct, and as expected. </a:t>
             </a:r>
           </a:p>
           <a:p>
@@ -11949,7 +12142,19 @@
                 <a:latin typeface="Arial" pitchFamily="34" charset="0"/>
                 <a:cs typeface="Arial" pitchFamily="34" charset="0"/>
               </a:rPr>
-              <a:t>(we will discussed today). </a:t>
+              <a:t>(will be </a:t>
+            </a:r>
+            <a:r>
+              <a:rPr lang="en-US" sz="2200" dirty="0" smtClean="0">
+                <a:solidFill>
+                  <a:schemeClr val="bg1">
+                    <a:lumMod val="50000"/>
+                  </a:schemeClr>
+                </a:solidFill>
+                <a:latin typeface="Arial" pitchFamily="34" charset="0"/>
+                <a:cs typeface="Arial" pitchFamily="34" charset="0"/>
+              </a:rPr>
+              <a:t>discussed today). </a:t>
             </a:r>
           </a:p>
           <a:p>
@@ -12025,6 +12230,13 @@
   <p:clrMapOvr>
     <a:masterClrMapping/>
   </p:clrMapOvr>
+  <p:timing>
+    <p:tnLst>
+      <p:par>
+        <p:cTn id="1" dur="indefinite" restart="never" nodeType="tmRoot"/>
+      </p:par>
+    </p:tnLst>
+  </p:timing>
 </p:sld>
 </file>
 
@@ -12234,6 +12446,13 @@
   <p:clrMapOvr>
     <a:masterClrMapping/>
   </p:clrMapOvr>
+  <p:timing>
+    <p:tnLst>
+      <p:par>
+        <p:cTn id="1" dur="indefinite" restart="never" nodeType="tmRoot"/>
+      </p:par>
+    </p:tnLst>
+  </p:timing>
 </p:sld>
 </file>
 
@@ -12347,7 +12566,21 @@
                 <a:latin typeface="Arial" pitchFamily="34" charset="0"/>
                 <a:cs typeface="Arial" pitchFamily="34" charset="0"/>
               </a:rPr>
-              <a:t>For every DOM control (</a:t>
+              <a:t>For every </a:t>
+            </a:r>
+            <a:r>
+              <a:rPr lang="en-US" sz="2200" dirty="0" smtClean="0">
+                <a:latin typeface="Arial" pitchFamily="34" charset="0"/>
+                <a:cs typeface="Arial" pitchFamily="34" charset="0"/>
+              </a:rPr>
+              <a:t>html control </a:t>
+            </a:r>
+            <a:r>
+              <a:rPr lang="en-US" sz="2200" dirty="0" smtClean="0">
+                <a:latin typeface="Arial" pitchFamily="34" charset="0"/>
+                <a:cs typeface="Arial" pitchFamily="34" charset="0"/>
+              </a:rPr>
+              <a:t>(</a:t>
             </a:r>
             <a:r>
               <a:rPr lang="en-US" sz="2200" i="1" dirty="0" err="1" smtClean="0">
@@ -13092,6 +13325,13 @@
   <p:clrMapOvr>
     <a:masterClrMapping/>
   </p:clrMapOvr>
+  <p:timing>
+    <p:tnLst>
+      <p:par>
+        <p:cTn id="1" dur="indefinite" restart="never" nodeType="tmRoot"/>
+      </p:par>
+    </p:tnLst>
+  </p:timing>
 </p:sld>
 </file>
 
@@ -13181,7 +13421,7 @@
               <a:buNone/>
             </a:pPr>
             <a:r>
-              <a:rPr lang="en-US" sz="2200" b="1" dirty="0" smtClean="0">
+              <a:rPr lang="en-US" sz="2300" b="1" dirty="0" smtClean="0">
                 <a:solidFill>
                   <a:srgbClr val="00B050"/>
                 </a:solidFill>
@@ -13191,7 +13431,7 @@
               <a:t>&lt;input </a:t>
             </a:r>
             <a:r>
-              <a:rPr lang="en-US" sz="2200" dirty="0" smtClean="0">
+              <a:rPr lang="en-US" sz="2300" dirty="0" smtClean="0">
                 <a:solidFill>
                   <a:srgbClr val="00B050"/>
                 </a:solidFill>
@@ -13201,7 +13441,7 @@
               <a:t>id="id1" type="</a:t>
             </a:r>
             <a:r>
-              <a:rPr lang="en-US" sz="2200" dirty="0" smtClean="0">
+              <a:rPr lang="en-US" sz="2300" dirty="0" smtClean="0">
                 <a:solidFill>
                   <a:srgbClr val="FF0000"/>
                 </a:solidFill>
@@ -13211,7 +13451,7 @@
               <a:t>number</a:t>
             </a:r>
             <a:r>
-              <a:rPr lang="en-US" sz="2200" dirty="0" smtClean="0">
+              <a:rPr lang="en-US" sz="2300" dirty="0" smtClean="0">
                 <a:solidFill>
                   <a:srgbClr val="00B050"/>
                 </a:solidFill>
@@ -13221,7 +13461,7 @@
               <a:t>" min="</a:t>
             </a:r>
             <a:r>
-              <a:rPr lang="en-US" sz="2200" dirty="0" smtClean="0">
+              <a:rPr lang="en-US" sz="2300" dirty="0" smtClean="0">
                 <a:solidFill>
                   <a:srgbClr val="FF0000"/>
                 </a:solidFill>
@@ -13231,7 +13471,7 @@
               <a:t>100</a:t>
             </a:r>
             <a:r>
-              <a:rPr lang="en-US" sz="2200" dirty="0" smtClean="0">
+              <a:rPr lang="en-US" sz="2300" dirty="0" smtClean="0">
                 <a:solidFill>
                   <a:srgbClr val="00B050"/>
                 </a:solidFill>
@@ -13241,7 +13481,7 @@
               <a:t>" max="</a:t>
             </a:r>
             <a:r>
-              <a:rPr lang="en-US" sz="2200" dirty="0" smtClean="0">
+              <a:rPr lang="en-US" sz="2300" dirty="0" smtClean="0">
                 <a:solidFill>
                   <a:srgbClr val="FF0000"/>
                 </a:solidFill>
@@ -13251,7 +13491,7 @@
               <a:t>300</a:t>
             </a:r>
             <a:r>
-              <a:rPr lang="en-US" sz="2200" dirty="0" smtClean="0">
+              <a:rPr lang="en-US" sz="2300" dirty="0" smtClean="0">
                 <a:solidFill>
                   <a:srgbClr val="00B050"/>
                 </a:solidFill>
@@ -13261,7 +13501,7 @@
               <a:t>"</a:t>
             </a:r>
             <a:r>
-              <a:rPr lang="en-US" sz="2200" b="1" dirty="0" smtClean="0">
+              <a:rPr lang="en-US" sz="2300" b="1" dirty="0" smtClean="0">
                 <a:solidFill>
                   <a:srgbClr val="00B050"/>
                 </a:solidFill>
@@ -13271,7 +13511,7 @@
               <a:t>&gt;</a:t>
             </a:r>
             <a:r>
-              <a:rPr lang="en-US" sz="2200" dirty="0" smtClean="0">
+              <a:rPr lang="en-US" sz="2300" dirty="0" smtClean="0">
                 <a:latin typeface="Arial" pitchFamily="34" charset="0"/>
                 <a:cs typeface="Arial" pitchFamily="34" charset="0"/>
               </a:rPr>
@@ -13282,55 +13522,31 @@
             <a:pPr algn="just">
               <a:buNone/>
             </a:pPr>
-            <a:r>
-              <a:rPr lang="en-US" sz="2200" dirty="0" smtClean="0">
-                <a:latin typeface="Arial" pitchFamily="34" charset="0"/>
-                <a:cs typeface="Arial" pitchFamily="34" charset="0"/>
-              </a:rPr>
-              <a:t>function </a:t>
-            </a:r>
-            <a:r>
-              <a:rPr lang="en-US" sz="2200" dirty="0" err="1" smtClean="0">
-                <a:latin typeface="Arial" pitchFamily="34" charset="0"/>
-                <a:cs typeface="Arial" pitchFamily="34" charset="0"/>
-              </a:rPr>
-              <a:t>myFunction</a:t>
-            </a:r>
-            <a:r>
-              <a:rPr lang="en-US" sz="2200" dirty="0" smtClean="0">
-                <a:latin typeface="Arial" pitchFamily="34" charset="0"/>
-                <a:cs typeface="Arial" pitchFamily="34" charset="0"/>
-              </a:rPr>
-              <a:t>() { </a:t>
-            </a:r>
+            <a:endParaRPr lang="en-US" sz="2300" dirty="0" smtClean="0">
+              <a:latin typeface="Arial" pitchFamily="34" charset="0"/>
+              <a:cs typeface="Arial" pitchFamily="34" charset="0"/>
+            </a:endParaRPr>
           </a:p>
           <a:p>
             <a:pPr algn="just">
               <a:buNone/>
             </a:pPr>
             <a:r>
-              <a:rPr lang="en-US" sz="2200" dirty="0" smtClean="0">
-                <a:latin typeface="Arial" pitchFamily="34" charset="0"/>
-                <a:cs typeface="Arial" pitchFamily="34" charset="0"/>
-              </a:rPr>
-              <a:t>     </a:t>
-            </a:r>
-            <a:r>
-              <a:rPr lang="en-US" sz="2200" dirty="0" err="1" smtClean="0">
+              <a:rPr lang="en-US" sz="2300" dirty="0" err="1" smtClean="0">
                 <a:latin typeface="Arial" pitchFamily="34" charset="0"/>
                 <a:cs typeface="Arial" pitchFamily="34" charset="0"/>
               </a:rPr>
               <a:t>var</a:t>
             </a:r>
             <a:r>
-              <a:rPr lang="en-US" sz="2200" dirty="0" smtClean="0">
+              <a:rPr lang="en-US" sz="2300" dirty="0" smtClean="0">
                 <a:latin typeface="Arial" pitchFamily="34" charset="0"/>
                 <a:cs typeface="Arial" pitchFamily="34" charset="0"/>
               </a:rPr>
               <a:t> </a:t>
             </a:r>
             <a:r>
-              <a:rPr lang="en-US" sz="2200" dirty="0" err="1" smtClean="0">
+              <a:rPr lang="en-US" sz="2300" dirty="0" err="1" smtClean="0">
                 <a:solidFill>
                   <a:schemeClr val="tx2">
                     <a:lumMod val="60000"/>
@@ -13343,21 +13559,21 @@
               <a:t>inpObj</a:t>
             </a:r>
             <a:r>
-              <a:rPr lang="en-US" sz="2200" dirty="0" smtClean="0">
+              <a:rPr lang="en-US" sz="2300" dirty="0" smtClean="0">
                 <a:latin typeface="Arial" pitchFamily="34" charset="0"/>
                 <a:cs typeface="Arial" pitchFamily="34" charset="0"/>
               </a:rPr>
               <a:t> = </a:t>
             </a:r>
             <a:r>
-              <a:rPr lang="en-US" sz="2200" dirty="0" err="1" smtClean="0">
+              <a:rPr lang="en-US" sz="2300" dirty="0" err="1" smtClean="0">
                 <a:latin typeface="Arial" pitchFamily="34" charset="0"/>
                 <a:cs typeface="Arial" pitchFamily="34" charset="0"/>
               </a:rPr>
               <a:t>document.getElementById</a:t>
             </a:r>
             <a:r>
-              <a:rPr lang="en-US" sz="2200" dirty="0" smtClean="0">
+              <a:rPr lang="en-US" sz="2300" dirty="0" smtClean="0">
                 <a:latin typeface="Arial" pitchFamily="34" charset="0"/>
                 <a:cs typeface="Arial" pitchFamily="34" charset="0"/>
               </a:rPr>
@@ -13369,7 +13585,7 @@
               <a:buNone/>
             </a:pPr>
             <a:r>
-              <a:rPr lang="en-US" sz="2200" dirty="0" smtClean="0">
+              <a:rPr lang="en-US" sz="2300" dirty="0" smtClean="0">
                 <a:solidFill>
                   <a:srgbClr val="00B050"/>
                 </a:solidFill>
@@ -13379,14 +13595,14 @@
               <a:t>     if </a:t>
             </a:r>
             <a:r>
-              <a:rPr lang="en-US" sz="2200" dirty="0" smtClean="0">
+              <a:rPr lang="en-US" sz="2300" dirty="0" smtClean="0">
                 <a:latin typeface="Arial" pitchFamily="34" charset="0"/>
                 <a:cs typeface="Arial" pitchFamily="34" charset="0"/>
               </a:rPr>
               <a:t>(</a:t>
             </a:r>
             <a:r>
-              <a:rPr lang="en-US" sz="2200" dirty="0" err="1" smtClean="0">
+              <a:rPr lang="en-US" sz="2300" dirty="0" err="1" smtClean="0">
                 <a:solidFill>
                   <a:schemeClr val="tx2">
                     <a:lumMod val="60000"/>
@@ -13399,7 +13615,7 @@
               <a:t>inpObj</a:t>
             </a:r>
             <a:r>
-              <a:rPr lang="en-US" sz="2200" dirty="0" err="1" smtClean="0">
+              <a:rPr lang="en-US" sz="2300" dirty="0" err="1" smtClean="0">
                 <a:solidFill>
                   <a:srgbClr val="C00000"/>
                 </a:solidFill>
@@ -13409,7 +13625,7 @@
               <a:t>.</a:t>
             </a:r>
             <a:r>
-              <a:rPr lang="en-US" sz="2200" dirty="0" err="1" smtClean="0">
+              <a:rPr lang="en-US" sz="2300" dirty="0" err="1" smtClean="0">
                 <a:solidFill>
                   <a:srgbClr val="FF0000"/>
                 </a:solidFill>
@@ -13419,7 +13635,7 @@
               <a:t>checkValidity</a:t>
             </a:r>
             <a:r>
-              <a:rPr lang="en-US" sz="2200" dirty="0" smtClean="0">
+              <a:rPr lang="en-US" sz="2300" dirty="0" smtClean="0">
                 <a:solidFill>
                   <a:srgbClr val="FF0000"/>
                 </a:solidFill>
@@ -13429,14 +13645,14 @@
               <a:t>() </a:t>
             </a:r>
             <a:r>
-              <a:rPr lang="en-US" sz="2200" dirty="0" smtClean="0">
+              <a:rPr lang="en-US" sz="2300" dirty="0" smtClean="0">
                 <a:latin typeface="Arial" pitchFamily="34" charset="0"/>
                 <a:cs typeface="Arial" pitchFamily="34" charset="0"/>
               </a:rPr>
               <a:t>== </a:t>
             </a:r>
             <a:r>
-              <a:rPr lang="en-US" sz="2200" dirty="0" smtClean="0">
+              <a:rPr lang="en-US" sz="2300" dirty="0" smtClean="0">
                 <a:solidFill>
                   <a:srgbClr val="00B050"/>
                 </a:solidFill>
@@ -13446,7 +13662,7 @@
               <a:t>false</a:t>
             </a:r>
             <a:r>
-              <a:rPr lang="en-US" sz="2200" dirty="0" smtClean="0">
+              <a:rPr lang="en-US" sz="2300" dirty="0" smtClean="0">
                 <a:latin typeface="Arial" pitchFamily="34" charset="0"/>
                 <a:cs typeface="Arial" pitchFamily="34" charset="0"/>
               </a:rPr>
@@ -13458,31 +13674,40 @@
               <a:buNone/>
             </a:pPr>
             <a:r>
-              <a:rPr lang="en-US" sz="2200" dirty="0" smtClean="0">
+              <a:rPr lang="en-US" sz="2300" dirty="0" smtClean="0">
                 <a:latin typeface="Arial" pitchFamily="34" charset="0"/>
                 <a:cs typeface="Arial" pitchFamily="34" charset="0"/>
               </a:rPr>
               <a:t>     { </a:t>
             </a:r>
-            <a:r>
-              <a:rPr lang="en-US" sz="2200" dirty="0" smtClean="0">
+            <a:endParaRPr lang="en-US" sz="2300" dirty="0" smtClean="0">
+              <a:latin typeface="Arial" pitchFamily="34" charset="0"/>
+              <a:cs typeface="Arial" pitchFamily="34" charset="0"/>
+            </a:endParaRPr>
+          </a:p>
+          <a:p>
+            <a:pPr lvl="1" algn="just">
+              <a:buNone/>
+            </a:pPr>
+            <a:r>
+              <a:rPr lang="en-US" sz="2300" dirty="0" smtClean="0">
                 <a:solidFill>
                   <a:srgbClr val="00B050"/>
                 </a:solidFill>
                 <a:latin typeface="Arial" pitchFamily="34" charset="0"/>
                 <a:cs typeface="Arial" pitchFamily="34" charset="0"/>
               </a:rPr>
-              <a:t>alert</a:t>
-            </a:r>
-            <a:r>
-              <a:rPr lang="en-US" sz="2200" dirty="0" smtClean="0">
+              <a:t>	alert</a:t>
+            </a:r>
+            <a:r>
+              <a:rPr lang="en-US" sz="2300" dirty="0" smtClean="0">
                 <a:latin typeface="Arial" pitchFamily="34" charset="0"/>
                 <a:cs typeface="Arial" pitchFamily="34" charset="0"/>
               </a:rPr>
               <a:t>( </a:t>
             </a:r>
             <a:r>
-              <a:rPr lang="en-US" sz="2200" dirty="0" err="1" smtClean="0">
+              <a:rPr lang="en-US" sz="2300" dirty="0" err="1" smtClean="0">
                 <a:solidFill>
                   <a:schemeClr val="tx2">
                     <a:lumMod val="60000"/>
@@ -13495,7 +13720,7 @@
               <a:t>inpObj</a:t>
             </a:r>
             <a:r>
-              <a:rPr lang="en-US" sz="2200" dirty="0" err="1" smtClean="0">
+              <a:rPr lang="en-US" sz="2300" dirty="0" err="1" smtClean="0">
                 <a:solidFill>
                   <a:srgbClr val="FF0000"/>
                 </a:solidFill>
@@ -13505,12 +13730,28 @@
               <a:t>.validationMessage</a:t>
             </a:r>
             <a:r>
-              <a:rPr lang="en-US" sz="2200" dirty="0" smtClean="0">
-                <a:latin typeface="Arial" pitchFamily="34" charset="0"/>
-                <a:cs typeface="Arial" pitchFamily="34" charset="0"/>
-              </a:rPr>
-              <a:t>);}</a:t>
-            </a:r>
+              <a:rPr lang="en-US" sz="2300" dirty="0" smtClean="0">
+                <a:latin typeface="Arial" pitchFamily="34" charset="0"/>
+                <a:cs typeface="Arial" pitchFamily="34" charset="0"/>
+              </a:rPr>
+              <a:t>);</a:t>
+            </a:r>
+          </a:p>
+          <a:p>
+            <a:pPr lvl="1" algn="just">
+              <a:buNone/>
+            </a:pPr>
+            <a:r>
+              <a:rPr lang="en-US" sz="2300" dirty="0" smtClean="0">
+                <a:latin typeface="Arial" pitchFamily="34" charset="0"/>
+                <a:cs typeface="Arial" pitchFamily="34" charset="0"/>
+              </a:rPr>
+              <a:t>}</a:t>
+            </a:r>
+            <a:endParaRPr lang="en-US" sz="2300" dirty="0" smtClean="0">
+              <a:latin typeface="Arial" pitchFamily="34" charset="0"/>
+              <a:cs typeface="Arial" pitchFamily="34" charset="0"/>
+            </a:endParaRPr>
           </a:p>
           <a:p>
             <a:pPr marL="0" algn="just">
@@ -13519,7 +13760,7 @@
               </a:lnSpc>
               <a:buNone/>
             </a:pPr>
-            <a:endParaRPr lang="en-US" sz="2200" dirty="0" smtClean="0">
+            <a:endParaRPr lang="en-US" sz="2300" dirty="0" smtClean="0">
               <a:latin typeface="Arial" pitchFamily="34" charset="0"/>
               <a:cs typeface="Arial" pitchFamily="34" charset="0"/>
             </a:endParaRPr>
@@ -13532,24 +13773,34 @@
               <a:buNone/>
             </a:pPr>
             <a:r>
-              <a:rPr lang="en-US" sz="2200" dirty="0" smtClean="0">
+              <a:rPr lang="en-US" sz="2300" dirty="0" smtClean="0">
                 <a:solidFill>
                   <a:srgbClr val="00B050"/>
                 </a:solidFill>
                 <a:latin typeface="Arial" pitchFamily="34" charset="0"/>
                 <a:cs typeface="Arial" pitchFamily="34" charset="0"/>
               </a:rPr>
-              <a:t>    if</a:t>
-            </a:r>
-            <a:r>
-              <a:rPr lang="en-US" sz="2200" dirty="0" smtClean="0">
+              <a:t>    </a:t>
+            </a:r>
+            <a:r>
+              <a:rPr lang="en-US" sz="2300" dirty="0" smtClean="0">
+                <a:solidFill>
+                  <a:srgbClr val="00B050"/>
+                </a:solidFill>
+                <a:latin typeface="Arial" pitchFamily="34" charset="0"/>
+                <a:cs typeface="Arial" pitchFamily="34" charset="0"/>
+              </a:rPr>
+              <a:t>if</a:t>
+            </a:r>
+            <a:r>
+              <a:rPr lang="en-US" sz="2300" dirty="0" smtClean="0">
                 <a:latin typeface="Arial" pitchFamily="34" charset="0"/>
                 <a:cs typeface="Arial" pitchFamily="34" charset="0"/>
               </a:rPr>
               <a:t>(</a:t>
             </a:r>
             <a:r>
-              <a:rPr lang="en-US" sz="2200" dirty="0" err="1" smtClean="0">
+              <a:rPr lang="en-US" sz="2300" dirty="0" err="1" smtClean="0">
                 <a:solidFill>
                   <a:schemeClr val="tx2">
                     <a:lumMod val="60000"/>
@@ -13562,34 +13813,17 @@
               <a:t>inpObj</a:t>
             </a:r>
             <a:r>
-              <a:rPr lang="en-US" sz="2200" dirty="0" smtClean="0">
-                <a:latin typeface="Arial" pitchFamily="34" charset="0"/>
-                <a:cs typeface="Arial" pitchFamily="34" charset="0"/>
-              </a:rPr>
-              <a:t> </a:t>
-            </a:r>
-            <a:r>
-              <a:rPr lang="en-US" sz="2200" dirty="0" smtClean="0">
+              <a:rPr lang="en-US" sz="2300" dirty="0" err="1" smtClean="0">
                 <a:solidFill>
                   <a:srgbClr val="FF0000"/>
                 </a:solidFill>
                 <a:latin typeface="Arial" pitchFamily="34" charset="0"/>
                 <a:cs typeface="Arial" pitchFamily="34" charset="0"/>
               </a:rPr>
-              <a:t>.</a:t>
-            </a:r>
-            <a:r>
-              <a:rPr lang="en-US" sz="2200" dirty="0" err="1" smtClean="0">
-                <a:solidFill>
-                  <a:srgbClr val="FF0000"/>
-                </a:solidFill>
-                <a:latin typeface="Arial" pitchFamily="34" charset="0"/>
-                <a:cs typeface="Arial" pitchFamily="34" charset="0"/>
-              </a:rPr>
-              <a:t>validity.rangeOverflow</a:t>
-            </a:r>
-            <a:r>
-              <a:rPr lang="en-US" sz="2200" dirty="0" smtClean="0">
+              <a:t>.validity.rangeOverflow</a:t>
+            </a:r>
+            <a:r>
+              <a:rPr lang="en-US" sz="2300" dirty="0" smtClean="0">
                 <a:latin typeface="Arial" pitchFamily="34" charset="0"/>
                 <a:cs typeface="Arial" pitchFamily="34" charset="0"/>
               </a:rPr>
@@ -13604,14 +13838,14 @@
               <a:buNone/>
             </a:pPr>
             <a:r>
-              <a:rPr lang="en-US" sz="2200" dirty="0" smtClean="0">
+              <a:rPr lang="en-US" sz="2300" dirty="0" smtClean="0">
                 <a:latin typeface="Arial" pitchFamily="34" charset="0"/>
                 <a:cs typeface="Arial" pitchFamily="34" charset="0"/>
               </a:rPr>
               <a:t>     { </a:t>
             </a:r>
             <a:r>
-              <a:rPr lang="en-US" sz="2200" dirty="0" smtClean="0">
+              <a:rPr lang="en-US" sz="2300" dirty="0" smtClean="0">
                 <a:solidFill>
                   <a:srgbClr val="00B050"/>
                 </a:solidFill>
@@ -13621,7 +13855,7 @@
               <a:t>alert</a:t>
             </a:r>
             <a:r>
-              <a:rPr lang="en-US" sz="2200" dirty="0" smtClean="0">
+              <a:rPr lang="en-US" sz="2300" dirty="0" smtClean="0">
                 <a:latin typeface="Arial" pitchFamily="34" charset="0"/>
                 <a:cs typeface="Arial" pitchFamily="34" charset="0"/>
               </a:rPr>
@@ -13768,7 +14002,7 @@
         <p:spPr>
           <a:xfrm>
             <a:off x="533400" y="1295400"/>
-            <a:ext cx="8229600" cy="4525963"/>
+            <a:ext cx="8229600" cy="4876800"/>
           </a:xfrm>
         </p:spPr>
         <p:txBody>
@@ -14225,23 +14459,13 @@
               </a:rPr>
               <a:t> </a:t>
             </a:r>
-            <a:r>
-              <a:rPr lang="en-US" sz="1800" dirty="0" smtClean="0">
-                <a:latin typeface="Arial" pitchFamily="34" charset="0"/>
-                <a:cs typeface="Arial" pitchFamily="34" charset="0"/>
-              </a:rPr>
-              <a:t>{</a:t>
-            </a:r>
-            <a:r>
-              <a:rPr lang="en-US" sz="1800" dirty="0" smtClean="0">
-                <a:solidFill>
-                  <a:srgbClr val="00B050"/>
-                </a:solidFill>
-                <a:latin typeface="Arial" pitchFamily="34" charset="0"/>
-                <a:cs typeface="Arial" pitchFamily="34" charset="0"/>
-              </a:rPr>
-              <a:t>  </a:t>
-            </a:r>
+            <a:endParaRPr lang="en-US" sz="1800" dirty="0" smtClean="0">
+              <a:solidFill>
+                <a:srgbClr val="00B050"/>
+              </a:solidFill>
+              <a:latin typeface="Arial" pitchFamily="34" charset="0"/>
+              <a:cs typeface="Arial" pitchFamily="34" charset="0"/>
+            </a:endParaRPr>
           </a:p>
           <a:p>
             <a:pPr marL="0" indent="0">
@@ -14252,21 +14476,28 @@
             </a:pPr>
             <a:r>
               <a:rPr lang="en-US" sz="1800" dirty="0" smtClean="0">
+                <a:latin typeface="Arial" pitchFamily="34" charset="0"/>
+                <a:cs typeface="Arial" pitchFamily="34" charset="0"/>
+              </a:rPr>
+              <a:t>{</a:t>
+            </a:r>
+            <a:r>
+              <a:rPr lang="en-US" sz="1800" dirty="0" smtClean="0">
                 <a:solidFill>
                   <a:srgbClr val="00B050"/>
                 </a:solidFill>
                 <a:latin typeface="Arial" pitchFamily="34" charset="0"/>
                 <a:cs typeface="Arial" pitchFamily="34" charset="0"/>
               </a:rPr>
-              <a:t>    alert</a:t>
-            </a:r>
-            <a:r>
-              <a:rPr lang="en-US" sz="1800" dirty="0" smtClean="0">
-                <a:latin typeface="Arial" pitchFamily="34" charset="0"/>
-                <a:cs typeface="Arial" pitchFamily="34" charset="0"/>
-              </a:rPr>
-              <a:t>("Name must be filled out"); </a:t>
-            </a:r>
+              <a:t>  </a:t>
+            </a:r>
+            <a:endParaRPr lang="en-US" sz="1800" dirty="0" smtClean="0">
+              <a:solidFill>
+                <a:srgbClr val="00B050"/>
+              </a:solidFill>
+              <a:latin typeface="Arial" pitchFamily="34" charset="0"/>
+              <a:cs typeface="Arial" pitchFamily="34" charset="0"/>
+            </a:endParaRPr>
           </a:p>
           <a:p>
             <a:pPr marL="0" indent="0">
@@ -14283,6 +14514,31 @@
                 <a:latin typeface="Arial" pitchFamily="34" charset="0"/>
                 <a:cs typeface="Arial" pitchFamily="34" charset="0"/>
               </a:rPr>
+              <a:t>    alert</a:t>
+            </a:r>
+            <a:r>
+              <a:rPr lang="en-US" sz="1800" dirty="0" smtClean="0">
+                <a:latin typeface="Arial" pitchFamily="34" charset="0"/>
+                <a:cs typeface="Arial" pitchFamily="34" charset="0"/>
+              </a:rPr>
+              <a:t>("Name must be filled out"); </a:t>
+            </a:r>
+          </a:p>
+          <a:p>
+            <a:pPr marL="0" indent="0">
+              <a:spcBef>
+                <a:spcPts val="0"/>
+              </a:spcBef>
+              <a:buNone/>
+            </a:pPr>
+            <a:r>
+              <a:rPr lang="en-US" sz="1800" dirty="0" smtClean="0">
+                <a:solidFill>
+                  <a:srgbClr val="00B050"/>
+                </a:solidFill>
+                <a:latin typeface="Arial" pitchFamily="34" charset="0"/>
+                <a:cs typeface="Arial" pitchFamily="34" charset="0"/>
+              </a:rPr>
               <a:t>    </a:t>
             </a:r>
             <a:r>
@@ -14308,13 +14564,13 @@
               </a:rPr>
               <a:t> false; </a:t>
             </a:r>
-            <a:r>
-              <a:rPr lang="en-US" sz="1800" dirty="0" smtClean="0">
-                <a:latin typeface="Arial" pitchFamily="34" charset="0"/>
-                <a:cs typeface="Arial" pitchFamily="34" charset="0"/>
-              </a:rPr>
-              <a:t>}</a:t>
-            </a:r>
+            <a:endParaRPr lang="en-US" sz="1800" dirty="0" smtClean="0">
+              <a:solidFill>
+                <a:srgbClr val="00B050"/>
+              </a:solidFill>
+              <a:latin typeface="Arial" pitchFamily="34" charset="0"/>
+              <a:cs typeface="Arial" pitchFamily="34" charset="0"/>
+            </a:endParaRPr>
           </a:p>
           <a:p>
             <a:pPr marL="0" indent="0">
@@ -14323,6 +14579,25 @@
               </a:spcBef>
               <a:buNone/>
             </a:pPr>
+            <a:r>
+              <a:rPr lang="en-US" sz="1800" dirty="0" smtClean="0">
+                <a:latin typeface="Arial" pitchFamily="34" charset="0"/>
+                <a:cs typeface="Arial" pitchFamily="34" charset="0"/>
+              </a:rPr>
+              <a:t>}</a:t>
+            </a:r>
+            <a:endParaRPr lang="en-US" sz="1800" dirty="0" smtClean="0">
+              <a:latin typeface="Arial" pitchFamily="34" charset="0"/>
+              <a:cs typeface="Arial" pitchFamily="34" charset="0"/>
+            </a:endParaRPr>
+          </a:p>
+          <a:p>
+            <a:pPr marL="0" indent="0">
+              <a:spcBef>
+                <a:spcPts val="0"/>
+              </a:spcBef>
+              <a:buNone/>
+            </a:pPr>
             <a:endParaRPr lang="en-US" sz="2200" b="1" dirty="0" smtClean="0">
               <a:latin typeface="Arial" pitchFamily="34" charset="0"/>
               <a:cs typeface="Arial" pitchFamily="34" charset="0"/>
@@ -14337,7 +14612,56 @@
                 <a:latin typeface="Arial" pitchFamily="34" charset="0"/>
                 <a:cs typeface="Arial" pitchFamily="34" charset="0"/>
               </a:rPr>
-              <a:t>Here comes the HTML5 power, it let the browser understand and do the validation for you. No JS function or logic needed:</a:t>
+              <a:t>We can </a:t>
+            </a:r>
+            <a:r>
+              <a:rPr lang="en-US" sz="2200" dirty="0" err="1" smtClean="0">
+                <a:latin typeface="Arial" pitchFamily="34" charset="0"/>
+                <a:cs typeface="Arial" pitchFamily="34" charset="0"/>
+              </a:rPr>
+              <a:t>achive</a:t>
+            </a:r>
+            <a:r>
+              <a:rPr lang="en-US" sz="2200" dirty="0" smtClean="0">
+                <a:latin typeface="Arial" pitchFamily="34" charset="0"/>
+                <a:cs typeface="Arial" pitchFamily="34" charset="0"/>
+              </a:rPr>
+              <a:t> the same with HTML5 </a:t>
+            </a:r>
+            <a:r>
+              <a:rPr lang="en-US" sz="2200" dirty="0" smtClean="0">
+                <a:latin typeface="Arial" pitchFamily="34" charset="0"/>
+                <a:cs typeface="Arial" pitchFamily="34" charset="0"/>
+              </a:rPr>
+              <a:t>tags</a:t>
+            </a:r>
+            <a:r>
+              <a:rPr lang="en-US" sz="2200" dirty="0" smtClean="0">
+                <a:latin typeface="Arial" pitchFamily="34" charset="0"/>
+                <a:cs typeface="Arial" pitchFamily="34" charset="0"/>
+              </a:rPr>
+              <a:t>, which let </a:t>
+            </a:r>
+            <a:r>
+              <a:rPr lang="en-US" sz="2200" dirty="0" smtClean="0">
+                <a:latin typeface="Arial" pitchFamily="34" charset="0"/>
+                <a:cs typeface="Arial" pitchFamily="34" charset="0"/>
+              </a:rPr>
+              <a:t>the browser understand and do the validation for you. No JS </a:t>
+            </a:r>
+            <a:r>
+              <a:rPr lang="en-US" sz="2200" dirty="0" smtClean="0">
+                <a:latin typeface="Arial" pitchFamily="34" charset="0"/>
+                <a:cs typeface="Arial" pitchFamily="34" charset="0"/>
+              </a:rPr>
+              <a:t>needed</a:t>
+            </a:r>
+            <a:r>
+              <a:rPr lang="en-US" sz="2200" dirty="0" smtClean="0">
+                <a:latin typeface="Arial" pitchFamily="34" charset="0"/>
+                <a:cs typeface="Arial" pitchFamily="34" charset="0"/>
+              </a:rPr>
+              <a:t>:</a:t>
             </a:r>
           </a:p>
           <a:p>
@@ -15005,21 +15329,21 @@
               <a:buNone/>
             </a:pPr>
             <a:r>
-              <a:rPr lang="en-US" sz="1800" dirty="0" err="1" smtClean="0">
+              <a:rPr lang="en-US" sz="2000" dirty="0" err="1" smtClean="0">
                 <a:latin typeface="Arial" pitchFamily="34" charset="0"/>
                 <a:cs typeface="Arial" pitchFamily="34" charset="0"/>
               </a:rPr>
               <a:t>var</a:t>
             </a:r>
             <a:r>
-              <a:rPr lang="en-US" sz="1800" dirty="0" smtClean="0">
+              <a:rPr lang="en-US" sz="2000" dirty="0" smtClean="0">
                 <a:latin typeface="Arial" pitchFamily="34" charset="0"/>
                 <a:cs typeface="Arial" pitchFamily="34" charset="0"/>
               </a:rPr>
               <a:t> </a:t>
             </a:r>
             <a:r>
-              <a:rPr lang="en-US" sz="1800" dirty="0" err="1" smtClean="0">
+              <a:rPr lang="en-US" sz="2000" dirty="0" err="1" smtClean="0">
                 <a:solidFill>
                   <a:schemeClr val="tx2">
                     <a:lumMod val="60000"/>
@@ -15032,14 +15356,14 @@
               <a:t>ck_name</a:t>
             </a:r>
             <a:r>
-              <a:rPr lang="en-US" sz="1800" dirty="0" smtClean="0">
+              <a:rPr lang="en-US" sz="2000" dirty="0" smtClean="0">
                 <a:latin typeface="Arial" pitchFamily="34" charset="0"/>
                 <a:cs typeface="Arial" pitchFamily="34" charset="0"/>
               </a:rPr>
               <a:t> = </a:t>
             </a:r>
             <a:r>
-              <a:rPr lang="en-US" sz="1800" b="1" i="1" dirty="0" smtClean="0">
+              <a:rPr lang="en-US" sz="2000" b="1" i="1" dirty="0" smtClean="0">
                 <a:solidFill>
                   <a:srgbClr val="00B050"/>
                 </a:solidFill>
@@ -15049,7 +15373,7 @@
               <a:t>/^[A-Za-z0-9 ]{3,20}$/;</a:t>
             </a:r>
             <a:r>
-              <a:rPr lang="en-US" sz="1800" b="1" i="1" dirty="0" smtClean="0">
+              <a:rPr lang="en-US" sz="2000" b="1" i="1" dirty="0" smtClean="0">
                 <a:latin typeface="Arial" pitchFamily="34" charset="0"/>
                 <a:cs typeface="Arial" pitchFamily="34" charset="0"/>
               </a:rPr>
@@ -15061,7 +15385,7 @@
               <a:buNone/>
             </a:pPr>
             <a:r>
-              <a:rPr lang="en-US" sz="1800" dirty="0" smtClean="0">
+              <a:rPr lang="en-US" sz="2000" dirty="0" smtClean="0">
                 <a:solidFill>
                   <a:srgbClr val="00B050"/>
                 </a:solidFill>
@@ -15071,14 +15395,14 @@
               <a:t>if </a:t>
             </a:r>
             <a:r>
-              <a:rPr lang="en-US" sz="1800" dirty="0" smtClean="0">
+              <a:rPr lang="en-US" sz="2000" dirty="0" smtClean="0">
                 <a:latin typeface="Arial" pitchFamily="34" charset="0"/>
                 <a:cs typeface="Arial" pitchFamily="34" charset="0"/>
               </a:rPr>
               <a:t>(!</a:t>
             </a:r>
             <a:r>
-              <a:rPr lang="en-US" sz="1800" dirty="0" err="1" smtClean="0">
+              <a:rPr lang="en-US" sz="2000" dirty="0" err="1" smtClean="0">
                 <a:solidFill>
                   <a:schemeClr val="tx2">
                     <a:lumMod val="60000"/>
@@ -15091,7 +15415,7 @@
               <a:t>ck_name</a:t>
             </a:r>
             <a:r>
-              <a:rPr lang="en-US" sz="1800" dirty="0" err="1" smtClean="0">
+              <a:rPr lang="en-US" sz="2000" dirty="0" err="1" smtClean="0">
                 <a:solidFill>
                   <a:srgbClr val="FF0000"/>
                 </a:solidFill>
@@ -15101,21 +15425,21 @@
               <a:t>.test</a:t>
             </a:r>
             <a:r>
-              <a:rPr lang="en-US" sz="1800" dirty="0" smtClean="0">
+              <a:rPr lang="en-US" sz="2000" dirty="0" smtClean="0">
                 <a:latin typeface="Arial" pitchFamily="34" charset="0"/>
                 <a:cs typeface="Arial" pitchFamily="34" charset="0"/>
               </a:rPr>
               <a:t>({</a:t>
             </a:r>
             <a:r>
-              <a:rPr lang="en-US" sz="1800" dirty="0" err="1" smtClean="0">
+              <a:rPr lang="en-US" sz="2000" dirty="0" err="1" smtClean="0">
                 <a:latin typeface="Arial" pitchFamily="34" charset="0"/>
                 <a:cs typeface="Arial" pitchFamily="34" charset="0"/>
               </a:rPr>
               <a:t>nameFieldValue</a:t>
             </a:r>
             <a:r>
-              <a:rPr lang="en-US" sz="1800" dirty="0" smtClean="0">
+              <a:rPr lang="en-US" sz="2000" dirty="0" smtClean="0">
                 <a:latin typeface="Arial" pitchFamily="34" charset="0"/>
                 <a:cs typeface="Arial" pitchFamily="34" charset="0"/>
               </a:rPr>
@@ -15127,7 +15451,7 @@
               <a:buNone/>
             </a:pPr>
             <a:r>
-              <a:rPr lang="en-US" sz="1800" dirty="0" smtClean="0">
+              <a:rPr lang="en-US" sz="2000" dirty="0" smtClean="0">
                 <a:latin typeface="Arial" pitchFamily="34" charset="0"/>
                 <a:cs typeface="Arial" pitchFamily="34" charset="0"/>
               </a:rPr>
@@ -15139,7 +15463,7 @@
               <a:buNone/>
             </a:pPr>
             <a:r>
-              <a:rPr lang="en-US" sz="1800" dirty="0" smtClean="0">
+              <a:rPr lang="en-US" sz="2000" dirty="0" smtClean="0">
                 <a:solidFill>
                   <a:srgbClr val="00B050"/>
                 </a:solidFill>
@@ -15149,7 +15473,7 @@
               <a:t>      alert</a:t>
             </a:r>
             <a:r>
-              <a:rPr lang="en-US" sz="1800" dirty="0" smtClean="0">
+              <a:rPr lang="en-US" sz="2000" dirty="0" smtClean="0">
                 <a:latin typeface="Arial" pitchFamily="34" charset="0"/>
                 <a:cs typeface="Arial" pitchFamily="34" charset="0"/>
               </a:rPr>
@@ -15161,7 +15485,7 @@
               <a:buNone/>
             </a:pPr>
             <a:r>
-              <a:rPr lang="en-US" sz="1800" dirty="0" smtClean="0">
+              <a:rPr lang="en-US" sz="2000" dirty="0" smtClean="0">
                 <a:latin typeface="Arial" pitchFamily="34" charset="0"/>
                 <a:cs typeface="Arial" pitchFamily="34" charset="0"/>
               </a:rPr>
@@ -15415,7 +15739,21 @@
                 <a:latin typeface="Arial" pitchFamily="34" charset="0"/>
                 <a:cs typeface="Arial" pitchFamily="34" charset="0"/>
               </a:rPr>
-              <a:t>JS frameworks define multiple attributes that get translated into special actions at runtime.</a:t>
+              <a:t>JS frameworks define multiple </a:t>
+            </a:r>
+            <a:r>
+              <a:rPr lang="en-US" sz="2000" dirty="0" smtClean="0">
+                <a:latin typeface="Arial" pitchFamily="34" charset="0"/>
+                <a:cs typeface="Arial" pitchFamily="34" charset="0"/>
+              </a:rPr>
+              <a:t>attributes / objects </a:t>
+            </a:r>
+            <a:r>
+              <a:rPr lang="en-US" sz="2000" dirty="0" smtClean="0">
+                <a:latin typeface="Arial" pitchFamily="34" charset="0"/>
+                <a:cs typeface="Arial" pitchFamily="34" charset="0"/>
+              </a:rPr>
+              <a:t>that get translated into special actions at runtime.</a:t>
             </a:r>
           </a:p>
         </p:txBody>
@@ -15557,8 +15895,8 @@
         </p:nvSpPr>
         <p:spPr>
           <a:xfrm>
-            <a:off x="381000" y="1143000"/>
-            <a:ext cx="8382000" cy="5105400"/>
+            <a:off x="381000" y="1066800"/>
+            <a:ext cx="8382000" cy="5181600"/>
           </a:xfrm>
         </p:spPr>
         <p:txBody>
@@ -15578,7 +15916,17 @@
                 <a:latin typeface="Arial" pitchFamily="34" charset="0"/>
                 <a:cs typeface="Arial" pitchFamily="34" charset="0"/>
               </a:rPr>
-              <a:t>Usage (some of what can be done):</a:t>
+              <a:t>Usage </a:t>
+            </a:r>
+            <a:r>
+              <a:rPr lang="en-US" sz="2000" i="1" dirty="0" smtClean="0">
+                <a:solidFill>
+                  <a:srgbClr val="000000"/>
+                </a:solidFill>
+                <a:latin typeface="Arial" pitchFamily="34" charset="0"/>
+                <a:cs typeface="Arial" pitchFamily="34" charset="0"/>
+              </a:rPr>
+              <a:t>(code snippets from our web-app):</a:t>
             </a:r>
           </a:p>
           <a:p>
@@ -15598,15 +15946,20 @@
               <a:buNone/>
             </a:pPr>
             <a:r>
-              <a:rPr lang="en-US" sz="2000" dirty="0" smtClean="0">
+              <a:rPr lang="en-US" sz="2000" b="1" dirty="0" smtClean="0">
                 <a:solidFill>
                   <a:srgbClr val="000000"/>
                 </a:solidFill>
                 <a:latin typeface="Arial" pitchFamily="34" charset="0"/>
                 <a:cs typeface="Arial" pitchFamily="34" charset="0"/>
               </a:rPr>
-              <a:t>- Form definition: </a:t>
-            </a:r>
+              <a:t>Form declaration:</a:t>
+            </a:r>
+          </a:p>
+          <a:p>
+            <a:pPr>
+              <a:buNone/>
+            </a:pPr>
             <a:r>
               <a:rPr lang="en-US" sz="2000" b="1" dirty="0" smtClean="0">
                 <a:solidFill>
@@ -15615,127 +15968,45 @@
                 <a:latin typeface="Arial" pitchFamily="34" charset="0"/>
                 <a:cs typeface="Arial" pitchFamily="34" charset="0"/>
               </a:rPr>
+              <a:t>Inline: </a:t>
+            </a:r>
+            <a:r>
+              <a:rPr lang="en-US" sz="2000" b="1" dirty="0" smtClean="0">
+                <a:solidFill>
+                  <a:srgbClr val="002060"/>
+                </a:solidFill>
+                <a:latin typeface="Arial" pitchFamily="34" charset="0"/>
+                <a:cs typeface="Arial" pitchFamily="34" charset="0"/>
+              </a:rPr>
               <a:t>&lt;form </a:t>
             </a:r>
             <a:r>
-              <a:rPr lang="en-US" sz="2000" dirty="0" smtClean="0">
-                <a:solidFill>
-                  <a:srgbClr val="00B050"/>
-                </a:solidFill>
-                <a:latin typeface="Arial" pitchFamily="34" charset="0"/>
-                <a:cs typeface="Arial" pitchFamily="34" charset="0"/>
-              </a:rPr>
-              <a:t>id="demo-form" </a:t>
-            </a:r>
-            <a:r>
-              <a:rPr lang="en-US" sz="2000" dirty="0" smtClean="0">
+              <a:rPr lang="en-US" sz="2000" b="1" dirty="0" smtClean="0">
+                <a:latin typeface="Arial" pitchFamily="34" charset="0"/>
+                <a:cs typeface="Arial" pitchFamily="34" charset="0"/>
+              </a:rPr>
+              <a:t>data-parsley-</a:t>
+            </a:r>
+            <a:r>
+              <a:rPr lang="en-US" sz="2000" b="1" dirty="0" smtClean="0">
                 <a:solidFill>
                   <a:srgbClr val="FF0000"/>
                 </a:solidFill>
                 <a:latin typeface="Arial" pitchFamily="34" charset="0"/>
                 <a:cs typeface="Arial" pitchFamily="34" charset="0"/>
               </a:rPr>
-              <a:t>data-parsley-validate</a:t>
+              <a:t>validate</a:t>
             </a:r>
             <a:r>
               <a:rPr lang="en-US" sz="2000" b="1" dirty="0" smtClean="0">
                 <a:solidFill>
-                  <a:srgbClr val="00B050"/>
+                  <a:srgbClr val="002060"/>
                 </a:solidFill>
                 <a:latin typeface="Arial" pitchFamily="34" charset="0"/>
                 <a:cs typeface="Arial" pitchFamily="34" charset="0"/>
               </a:rPr>
               <a:t>&gt;</a:t>
             </a:r>
-            <a:r>
-              <a:rPr lang="en-US" sz="2000" dirty="0" smtClean="0">
-                <a:solidFill>
-                  <a:srgbClr val="00B050"/>
-                </a:solidFill>
-                <a:latin typeface="Arial" pitchFamily="34" charset="0"/>
-                <a:cs typeface="Arial" pitchFamily="34" charset="0"/>
-              </a:rPr>
-              <a:t> </a:t>
-            </a:r>
-          </a:p>
-          <a:p>
-            <a:pPr>
-              <a:buNone/>
-            </a:pPr>
-            <a:endParaRPr lang="en-US" sz="2000" dirty="0" smtClean="0">
-              <a:solidFill>
-                <a:srgbClr val="00B050"/>
-              </a:solidFill>
-              <a:latin typeface="Arial" pitchFamily="34" charset="0"/>
-              <a:cs typeface="Arial" pitchFamily="34" charset="0"/>
-            </a:endParaRPr>
-          </a:p>
-          <a:p>
-            <a:pPr>
-              <a:buNone/>
-            </a:pPr>
-            <a:r>
-              <a:rPr lang="en-US" sz="2000" dirty="0" smtClean="0">
-                <a:latin typeface="Arial" pitchFamily="34" charset="0"/>
-                <a:cs typeface="Arial" pitchFamily="34" charset="0"/>
-              </a:rPr>
-              <a:t>- Field validation on change event: </a:t>
-            </a:r>
-            <a:r>
-              <a:rPr lang="en-US" sz="2000" b="1" dirty="0" smtClean="0">
-                <a:solidFill>
-                  <a:srgbClr val="00B050"/>
-                </a:solidFill>
-                <a:latin typeface="Arial" pitchFamily="34" charset="0"/>
-                <a:cs typeface="Arial" pitchFamily="34" charset="0"/>
-              </a:rPr>
-              <a:t>&lt;input </a:t>
-            </a:r>
-            <a:r>
-              <a:rPr lang="en-US" sz="2000" dirty="0" smtClean="0">
-                <a:solidFill>
-                  <a:srgbClr val="00B050"/>
-                </a:solidFill>
-                <a:latin typeface="Arial" pitchFamily="34" charset="0"/>
-                <a:cs typeface="Arial" pitchFamily="34" charset="0"/>
-              </a:rPr>
-              <a:t>type=“text" </a:t>
-            </a:r>
-            <a:r>
-              <a:rPr lang="en-US" sz="2000" dirty="0" smtClean="0">
-                <a:solidFill>
-                  <a:srgbClr val="FF0000"/>
-                </a:solidFill>
-                <a:latin typeface="Arial" pitchFamily="34" charset="0"/>
-                <a:cs typeface="Arial" pitchFamily="34" charset="0"/>
-              </a:rPr>
-              <a:t>data-parsley-trigger="change"</a:t>
-            </a:r>
-            <a:r>
-              <a:rPr lang="en-US" sz="2000" dirty="0" smtClean="0">
-                <a:solidFill>
-                  <a:srgbClr val="00B050"/>
-                </a:solidFill>
-                <a:latin typeface="Arial" pitchFamily="34" charset="0"/>
-                <a:cs typeface="Arial" pitchFamily="34" charset="0"/>
-              </a:rPr>
-              <a:t> </a:t>
-            </a:r>
-            <a:r>
-              <a:rPr lang="en-US" sz="2000" b="1" dirty="0" smtClean="0">
-                <a:solidFill>
-                  <a:srgbClr val="00B050"/>
-                </a:solidFill>
-                <a:latin typeface="Arial" pitchFamily="34" charset="0"/>
-                <a:cs typeface="Arial" pitchFamily="34" charset="0"/>
-              </a:rPr>
-              <a:t>/&gt;</a:t>
-            </a:r>
-          </a:p>
-          <a:p>
-            <a:pPr>
-              <a:buNone/>
-            </a:pPr>
             <a:endParaRPr lang="en-US" sz="2000" b="1" dirty="0" smtClean="0">
               <a:solidFill>
                 <a:srgbClr val="00B050"/>
@@ -15749,70 +16020,75 @@
               <a:buNone/>
             </a:pPr>
             <a:r>
-              <a:rPr lang="en-US" sz="2000" dirty="0" smtClean="0">
-                <a:latin typeface="Arial" pitchFamily="34" charset="0"/>
-                <a:cs typeface="Arial" pitchFamily="34" charset="0"/>
-              </a:rPr>
-              <a:t>- Password matching: </a:t>
-            </a:r>
-            <a:r>
-              <a:rPr lang="en-US" sz="2000" dirty="0" smtClean="0">
+              <a:rPr lang="en-US" sz="2000" b="1" dirty="0" smtClean="0">
+                <a:solidFill>
+                  <a:srgbClr val="00B050"/>
+                </a:solidFill>
+                <a:latin typeface="Arial" pitchFamily="34" charset="0"/>
+                <a:cs typeface="Arial" pitchFamily="34" charset="0"/>
+              </a:rPr>
+              <a:t>JS Code</a:t>
+            </a:r>
+            <a:r>
+              <a:rPr lang="en-US" sz="2000" b="1" dirty="0" smtClean="0">
+                <a:solidFill>
+                  <a:srgbClr val="00B050"/>
+                </a:solidFill>
+                <a:latin typeface="Arial" pitchFamily="34" charset="0"/>
+                <a:cs typeface="Arial" pitchFamily="34" charset="0"/>
+              </a:rPr>
+              <a:t>: </a:t>
+            </a:r>
+            <a:r>
+              <a:rPr lang="en-US" sz="2000" b="1" dirty="0" smtClean="0">
+                <a:solidFill>
+                  <a:srgbClr val="002060"/>
+                </a:solidFill>
+                <a:latin typeface="Arial" pitchFamily="34" charset="0"/>
+                <a:cs typeface="Arial" pitchFamily="34" charset="0"/>
+              </a:rPr>
+              <a:t>$(</a:t>
+            </a:r>
+            <a:r>
+              <a:rPr lang="en-US" sz="2000" b="1" dirty="0" smtClean="0">
+                <a:latin typeface="Arial" pitchFamily="34" charset="0"/>
+                <a:cs typeface="Arial" pitchFamily="34" charset="0"/>
+              </a:rPr>
+              <a:t>"form[name=form-login]"</a:t>
+            </a:r>
+            <a:r>
+              <a:rPr lang="en-US" sz="2000" b="1" dirty="0" smtClean="0">
+                <a:solidFill>
+                  <a:srgbClr val="002060"/>
+                </a:solidFill>
+                <a:latin typeface="Arial" pitchFamily="34" charset="0"/>
+                <a:cs typeface="Arial" pitchFamily="34" charset="0"/>
+              </a:rPr>
+              <a:t>).</a:t>
+            </a:r>
+            <a:r>
+              <a:rPr lang="en-US" sz="2000" b="1" dirty="0" smtClean="0">
                 <a:solidFill>
                   <a:srgbClr val="FF0000"/>
                 </a:solidFill>
                 <a:latin typeface="Arial" pitchFamily="34" charset="0"/>
                 <a:cs typeface="Arial" pitchFamily="34" charset="0"/>
               </a:rPr>
-              <a:t>data-parsley-</a:t>
-            </a:r>
-            <a:r>
-              <a:rPr lang="en-US" sz="2000" dirty="0" err="1" smtClean="0">
-                <a:solidFill>
-                  <a:srgbClr val="FF0000"/>
-                </a:solidFill>
-                <a:latin typeface="Arial" pitchFamily="34" charset="0"/>
-                <a:cs typeface="Arial" pitchFamily="34" charset="0"/>
-              </a:rPr>
-              <a:t>equalto</a:t>
-            </a:r>
-            <a:r>
-              <a:rPr lang="en-US" sz="2000" dirty="0" smtClean="0">
-                <a:solidFill>
-                  <a:srgbClr val="00B050"/>
-                </a:solidFill>
-                <a:latin typeface="Arial" pitchFamily="34" charset="0"/>
-                <a:cs typeface="Arial" pitchFamily="34" charset="0"/>
-              </a:rPr>
-              <a:t>=“{</a:t>
-            </a:r>
-            <a:r>
-              <a:rPr lang="en-US" sz="2000" dirty="0" err="1" smtClean="0">
-                <a:solidFill>
-                  <a:srgbClr val="00B050"/>
-                </a:solidFill>
-                <a:latin typeface="Arial" pitchFamily="34" charset="0"/>
-                <a:cs typeface="Arial" pitchFamily="34" charset="0"/>
-              </a:rPr>
-              <a:t>FieldName</a:t>
-            </a:r>
-            <a:r>
-              <a:rPr lang="en-US" sz="2000" dirty="0" smtClean="0">
-                <a:solidFill>
-                  <a:srgbClr val="00B050"/>
-                </a:solidFill>
-                <a:latin typeface="Arial" pitchFamily="34" charset="0"/>
-                <a:cs typeface="Arial" pitchFamily="34" charset="0"/>
-              </a:rPr>
-              <a:t>}"</a:t>
-            </a:r>
-          </a:p>
-          <a:p>
-            <a:pPr>
-              <a:buNone/>
-            </a:pPr>
-            <a:endParaRPr lang="en-US" sz="2000" dirty="0" smtClean="0">
+              <a:t>parsley()</a:t>
+            </a:r>
+            <a:r>
+              <a:rPr lang="en-US" sz="2000" b="1" dirty="0" smtClean="0">
+                <a:solidFill>
+                  <a:srgbClr val="002060"/>
+                </a:solidFill>
+                <a:latin typeface="Arial" pitchFamily="34" charset="0"/>
+                <a:cs typeface="Arial" pitchFamily="34" charset="0"/>
+              </a:rPr>
+              <a:t>;</a:t>
+            </a:r>
+            <a:endParaRPr lang="en-US" sz="2000" b="1" dirty="0" smtClean="0">
               <a:solidFill>
-                <a:srgbClr val="FF0000"/>
+                <a:srgbClr val="002060"/>
               </a:solidFill>
               <a:latin typeface="Arial" pitchFamily="34" charset="0"/>
               <a:cs typeface="Arial" pitchFamily="34" charset="0"/>
@@ -15822,88 +16098,9 @@
             <a:pPr>
               <a:buNone/>
             </a:pPr>
-            <a:r>
-              <a:rPr lang="en-US" sz="2000" dirty="0" smtClean="0">
-                <a:latin typeface="Arial" pitchFamily="34" charset="0"/>
-                <a:cs typeface="Arial" pitchFamily="34" charset="0"/>
-              </a:rPr>
-              <a:t>- Custom validation rules (custom logic): </a:t>
-            </a:r>
-          </a:p>
-          <a:p>
-            <a:pPr>
-              <a:buNone/>
-            </a:pPr>
-            <a:r>
-              <a:rPr lang="en-US" sz="2000" dirty="0" smtClean="0">
-                <a:latin typeface="Arial" pitchFamily="34" charset="0"/>
-                <a:cs typeface="Arial" pitchFamily="34" charset="0"/>
-              </a:rPr>
-              <a:t>DOM: </a:t>
-            </a:r>
-            <a:r>
-              <a:rPr lang="en-US" sz="2000" b="1" dirty="0" smtClean="0">
-                <a:solidFill>
-                  <a:srgbClr val="00B050"/>
-                </a:solidFill>
-                <a:latin typeface="Arial" pitchFamily="34" charset="0"/>
-                <a:cs typeface="Arial" pitchFamily="34" charset="0"/>
-              </a:rPr>
-              <a:t>&lt;input </a:t>
-            </a:r>
-            <a:r>
-              <a:rPr lang="en-US" sz="2000" dirty="0" smtClean="0">
-                <a:solidFill>
-                  <a:srgbClr val="00B050"/>
-                </a:solidFill>
-                <a:latin typeface="Arial" pitchFamily="34" charset="0"/>
-                <a:cs typeface="Arial" pitchFamily="34" charset="0"/>
-              </a:rPr>
-              <a:t>type=“text" </a:t>
-            </a:r>
-            <a:r>
-              <a:rPr lang="en-US" sz="2000" dirty="0" smtClean="0">
-                <a:solidFill>
-                  <a:srgbClr val="FF0000"/>
-                </a:solidFill>
-                <a:latin typeface="Arial" pitchFamily="34" charset="0"/>
-                <a:cs typeface="Arial" pitchFamily="34" charset="0"/>
-              </a:rPr>
-              <a:t>data-parsley-</a:t>
-            </a:r>
-            <a:r>
-              <a:rPr lang="en-US" sz="2000" dirty="0" err="1" smtClean="0">
-                <a:solidFill>
-                  <a:srgbClr val="FF0000"/>
-                </a:solidFill>
-                <a:latin typeface="Arial" pitchFamily="34" charset="0"/>
-                <a:cs typeface="Arial" pitchFamily="34" charset="0"/>
-              </a:rPr>
-              <a:t>userexist</a:t>
-            </a:r>
-            <a:r>
-              <a:rPr lang="en-US" sz="2000" dirty="0" smtClean="0">
-                <a:solidFill>
-                  <a:srgbClr val="00B050"/>
-                </a:solidFill>
-                <a:latin typeface="Arial" pitchFamily="34" charset="0"/>
-                <a:cs typeface="Arial" pitchFamily="34" charset="0"/>
-              </a:rPr>
-              <a:t> </a:t>
-            </a:r>
-            <a:r>
-              <a:rPr lang="en-US" sz="2000" b="1" dirty="0" smtClean="0">
-                <a:solidFill>
-                  <a:srgbClr val="00B050"/>
-                </a:solidFill>
-                <a:latin typeface="Arial" pitchFamily="34" charset="0"/>
-                <a:cs typeface="Arial" pitchFamily="34" charset="0"/>
-              </a:rPr>
-              <a:t>/&gt;</a:t>
-            </a:r>
-            <a:endParaRPr lang="en-US" sz="2000" dirty="0" smtClean="0">
+            <a:endParaRPr lang="en-US" sz="2000" b="1" dirty="0" smtClean="0">
               <a:solidFill>
-                <a:srgbClr val="FF0000"/>
+                <a:srgbClr val="00B050"/>
               </a:solidFill>
               <a:latin typeface="Arial" pitchFamily="34" charset="0"/>
               <a:cs typeface="Arial" pitchFamily="34" charset="0"/>
@@ -15913,88 +16110,10 @@
             <a:pPr>
               <a:buNone/>
             </a:pPr>
-            <a:r>
-              <a:rPr lang="en-US" sz="2000" dirty="0" smtClean="0">
-                <a:latin typeface="Arial" pitchFamily="34" charset="0"/>
-                <a:cs typeface="Arial" pitchFamily="34" charset="0"/>
-              </a:rPr>
-              <a:t>JS: </a:t>
-            </a:r>
-            <a:r>
-              <a:rPr lang="en-US" sz="2000" dirty="0" err="1" smtClean="0">
-                <a:solidFill>
-                  <a:srgbClr val="0070C0"/>
-                </a:solidFill>
-                <a:latin typeface="Arial" pitchFamily="34" charset="0"/>
-                <a:cs typeface="Arial" pitchFamily="34" charset="0"/>
-              </a:rPr>
-              <a:t>window.ParsleyValidator.addValidator</a:t>
-            </a:r>
-            <a:r>
-              <a:rPr lang="en-US" sz="2000" dirty="0" smtClean="0">
-                <a:solidFill>
-                  <a:srgbClr val="0070C0"/>
-                </a:solidFill>
-                <a:latin typeface="Arial" pitchFamily="34" charset="0"/>
-                <a:cs typeface="Arial" pitchFamily="34" charset="0"/>
-              </a:rPr>
-              <a:t>(</a:t>
-            </a:r>
-            <a:r>
-              <a:rPr lang="en-US" sz="2000" dirty="0" smtClean="0">
-                <a:solidFill>
-                  <a:srgbClr val="FF0000"/>
-                </a:solidFill>
-                <a:latin typeface="Arial" pitchFamily="34" charset="0"/>
-                <a:cs typeface="Arial" pitchFamily="34" charset="0"/>
-              </a:rPr>
-              <a:t>'</a:t>
-            </a:r>
-            <a:r>
-              <a:rPr lang="en-US" sz="2000" dirty="0" err="1" smtClean="0">
-                <a:solidFill>
-                  <a:srgbClr val="FF0000"/>
-                </a:solidFill>
-                <a:latin typeface="Arial" pitchFamily="34" charset="0"/>
-                <a:cs typeface="Arial" pitchFamily="34" charset="0"/>
-              </a:rPr>
-              <a:t>userexist</a:t>
-            </a:r>
-            <a:r>
-              <a:rPr lang="en-US" sz="2000" dirty="0" smtClean="0">
-                <a:solidFill>
-                  <a:srgbClr val="FF0000"/>
-                </a:solidFill>
-                <a:latin typeface="Arial" pitchFamily="34" charset="0"/>
-                <a:cs typeface="Arial" pitchFamily="34" charset="0"/>
-              </a:rPr>
-              <a:t>'</a:t>
-            </a:r>
-            <a:r>
-              <a:rPr lang="en-US" sz="2000" dirty="0" smtClean="0">
-                <a:latin typeface="Arial" pitchFamily="34" charset="0"/>
-                <a:cs typeface="Arial" pitchFamily="34" charset="0"/>
-              </a:rPr>
-              <a:t>, function(value, requirement) {</a:t>
-            </a:r>
-            <a:r>
-              <a:rPr lang="en-US" sz="2000" dirty="0" smtClean="0">
-                <a:solidFill>
-                  <a:srgbClr val="00B050"/>
-                </a:solidFill>
-                <a:latin typeface="Arial" pitchFamily="34" charset="0"/>
-                <a:cs typeface="Arial" pitchFamily="34" charset="0"/>
-              </a:rPr>
-              <a:t>//some code</a:t>
-            </a:r>
-            <a:r>
-              <a:rPr lang="en-US" sz="2000" dirty="0" smtClean="0">
-                <a:latin typeface="Arial" pitchFamily="34" charset="0"/>
-                <a:cs typeface="Arial" pitchFamily="34" charset="0"/>
-              </a:rPr>
-              <a:t>});</a:t>
-            </a:r>
-            <a:endParaRPr lang="en-US" sz="2000" dirty="0">
+            <a:endParaRPr lang="en-US" sz="2000" b="1" dirty="0" smtClean="0">
+              <a:solidFill>
+                <a:srgbClr val="00B050"/>
+              </a:solidFill>
               <a:latin typeface="Arial" pitchFamily="34" charset="0"/>
               <a:cs typeface="Arial" pitchFamily="34" charset="0"/>
             </a:endParaRPr>
@@ -16051,6 +16170,529 @@
           <a:noFill/>
         </p:spPr>
       </p:pic>
+      <p:sp>
+        <p:nvSpPr>
+          <p:cNvPr id="9" name="TextBox 8"/>
+          <p:cNvSpPr txBox="1"/>
+          <p:nvPr/>
+        </p:nvSpPr>
+        <p:spPr>
+          <a:xfrm>
+            <a:off x="457200" y="3124200"/>
+            <a:ext cx="7696200" cy="1200329"/>
+          </a:xfrm>
+          <a:prstGeom prst="rect">
+            <a:avLst/>
+          </a:prstGeom>
+          <a:noFill/>
+        </p:spPr>
+        <p:txBody>
+          <a:bodyPr wrap="square" rtlCol="0">
+            <a:spAutoFit/>
+          </a:bodyPr>
+          <a:lstStyle/>
+          <a:p>
+            <a:pPr>
+              <a:buFont typeface="Arial" pitchFamily="34" charset="0"/>
+              <a:buChar char="•"/>
+            </a:pPr>
+            <a:r>
+              <a:rPr lang="en-US" b="1" dirty="0" smtClean="0">
+                <a:solidFill>
+                  <a:srgbClr val="00B050"/>
+                </a:solidFill>
+                <a:latin typeface="Arial" pitchFamily="34" charset="0"/>
+                <a:cs typeface="Arial" pitchFamily="34" charset="0"/>
+              </a:rPr>
+              <a:t>"data-parsley-</a:t>
+            </a:r>
+            <a:r>
+              <a:rPr lang="en-US" b="1" dirty="0" smtClean="0">
+                <a:solidFill>
+                  <a:srgbClr val="FF0000"/>
+                </a:solidFill>
+                <a:latin typeface="Arial" pitchFamily="34" charset="0"/>
+                <a:cs typeface="Arial" pitchFamily="34" charset="0"/>
+              </a:rPr>
+              <a:t>pattern</a:t>
+            </a:r>
+            <a:r>
+              <a:rPr lang="en-US" b="1" dirty="0" smtClean="0">
+                <a:solidFill>
+                  <a:srgbClr val="00B050"/>
+                </a:solidFill>
+                <a:latin typeface="Arial" pitchFamily="34" charset="0"/>
+                <a:cs typeface="Arial" pitchFamily="34" charset="0"/>
+              </a:rPr>
+              <a:t>"              </a:t>
+            </a:r>
+            <a:r>
+              <a:rPr lang="en-US" dirty="0" smtClean="0">
+                <a:latin typeface="Arial" pitchFamily="34" charset="0"/>
+                <a:cs typeface="Arial" pitchFamily="34" charset="0"/>
+                <a:sym typeface="Wingdings" pitchFamily="2" charset="2"/>
+              </a:rPr>
+              <a:t>  </a:t>
+            </a:r>
+            <a:r>
+              <a:rPr lang="en-US" dirty="0" smtClean="0">
+                <a:latin typeface="Arial" pitchFamily="34" charset="0"/>
+                <a:cs typeface="Arial" pitchFamily="34" charset="0"/>
+              </a:rPr>
+              <a:t>Takes </a:t>
+            </a:r>
+            <a:r>
+              <a:rPr lang="en-US" dirty="0" err="1" smtClean="0">
+                <a:latin typeface="Arial" pitchFamily="34" charset="0"/>
+                <a:cs typeface="Arial" pitchFamily="34" charset="0"/>
+              </a:rPr>
+              <a:t>RegEx</a:t>
+            </a:r>
+            <a:r>
+              <a:rPr lang="en-US" dirty="0" smtClean="0">
+                <a:latin typeface="Arial" pitchFamily="34" charset="0"/>
+                <a:cs typeface="Arial" pitchFamily="34" charset="0"/>
+              </a:rPr>
+              <a:t> pattern</a:t>
+            </a:r>
+            <a:endParaRPr lang="en-US" dirty="0" smtClean="0">
+              <a:latin typeface="Arial" pitchFamily="34" charset="0"/>
+              <a:cs typeface="Arial" pitchFamily="34" charset="0"/>
+            </a:endParaRPr>
+          </a:p>
+          <a:p>
+            <a:pPr>
+              <a:buFont typeface="Arial" pitchFamily="34" charset="0"/>
+              <a:buChar char="•"/>
+            </a:pPr>
+            <a:r>
+              <a:rPr lang="en-US" b="1" dirty="0" smtClean="0">
+                <a:solidFill>
+                  <a:srgbClr val="00B050"/>
+                </a:solidFill>
+                <a:latin typeface="Arial" pitchFamily="34" charset="0"/>
+                <a:cs typeface="Arial" pitchFamily="34" charset="0"/>
+              </a:rPr>
+              <a:t>"data-parsley-</a:t>
+            </a:r>
+            <a:r>
+              <a:rPr lang="en-US" b="1" dirty="0" smtClean="0">
+                <a:solidFill>
+                  <a:srgbClr val="FF0000"/>
+                </a:solidFill>
+                <a:latin typeface="Arial" pitchFamily="34" charset="0"/>
+                <a:cs typeface="Arial" pitchFamily="34" charset="0"/>
+              </a:rPr>
+              <a:t>required</a:t>
+            </a:r>
+            <a:r>
+              <a:rPr lang="en-US" b="1" dirty="0" smtClean="0">
+                <a:solidFill>
+                  <a:srgbClr val="00B050"/>
+                </a:solidFill>
+                <a:latin typeface="Arial" pitchFamily="34" charset="0"/>
+                <a:cs typeface="Arial" pitchFamily="34" charset="0"/>
+              </a:rPr>
+              <a:t>" </a:t>
+            </a:r>
+            <a:r>
+              <a:rPr lang="en-US" b="1" dirty="0" smtClean="0">
+                <a:solidFill>
+                  <a:srgbClr val="00B050"/>
+                </a:solidFill>
+                <a:latin typeface="Arial" pitchFamily="34" charset="0"/>
+                <a:cs typeface="Arial" pitchFamily="34" charset="0"/>
+              </a:rPr>
+              <a:t>           </a:t>
+            </a:r>
+            <a:r>
+              <a:rPr lang="en-US" dirty="0" smtClean="0">
+                <a:latin typeface="Arial" pitchFamily="34" charset="0"/>
+                <a:cs typeface="Arial" pitchFamily="34" charset="0"/>
+                <a:sym typeface="Wingdings" pitchFamily="2" charset="2"/>
+              </a:rPr>
+              <a:t>  </a:t>
+            </a:r>
+            <a:r>
+              <a:rPr lang="en-US" dirty="0" smtClean="0">
+                <a:latin typeface="Arial" pitchFamily="34" charset="0"/>
+                <a:cs typeface="Arial" pitchFamily="34" charset="0"/>
+              </a:rPr>
+              <a:t>Set </a:t>
+            </a:r>
+            <a:r>
+              <a:rPr lang="en-US" dirty="0" smtClean="0">
+                <a:latin typeface="Arial" pitchFamily="34" charset="0"/>
+                <a:cs typeface="Arial" pitchFamily="34" charset="0"/>
+              </a:rPr>
+              <a:t>the field </a:t>
+            </a:r>
+            <a:r>
+              <a:rPr lang="en-US" dirty="0" smtClean="0">
+                <a:latin typeface="Arial" pitchFamily="34" charset="0"/>
+                <a:cs typeface="Arial" pitchFamily="34" charset="0"/>
+              </a:rPr>
+              <a:t>as required</a:t>
+            </a:r>
+          </a:p>
+          <a:p>
+            <a:pPr>
+              <a:buFont typeface="Arial" pitchFamily="34" charset="0"/>
+              <a:buChar char="•"/>
+            </a:pPr>
+            <a:r>
+              <a:rPr lang="en-US" b="1" dirty="0" smtClean="0">
+                <a:solidFill>
+                  <a:srgbClr val="00B050"/>
+                </a:solidFill>
+                <a:latin typeface="Arial" pitchFamily="34" charset="0"/>
+                <a:cs typeface="Arial" pitchFamily="34" charset="0"/>
+              </a:rPr>
+              <a:t>"</a:t>
+            </a:r>
+            <a:r>
+              <a:rPr lang="en-US" b="1" dirty="0" smtClean="0">
+                <a:solidFill>
+                  <a:srgbClr val="00B050"/>
+                </a:solidFill>
+                <a:latin typeface="Arial" pitchFamily="34" charset="0"/>
+                <a:cs typeface="Arial" pitchFamily="34" charset="0"/>
+              </a:rPr>
+              <a:t>data-parsley-</a:t>
+            </a:r>
+            <a:r>
+              <a:rPr lang="en-US" b="1" dirty="0" smtClean="0">
+                <a:solidFill>
+                  <a:srgbClr val="FF0000"/>
+                </a:solidFill>
+                <a:latin typeface="Arial" pitchFamily="34" charset="0"/>
+                <a:cs typeface="Arial" pitchFamily="34" charset="0"/>
+              </a:rPr>
+              <a:t>trigger</a:t>
+            </a:r>
+            <a:r>
+              <a:rPr lang="en-US" b="1" dirty="0" smtClean="0">
+                <a:solidFill>
+                  <a:srgbClr val="00B050"/>
+                </a:solidFill>
+                <a:latin typeface="Arial" pitchFamily="34" charset="0"/>
+                <a:cs typeface="Arial" pitchFamily="34" charset="0"/>
+              </a:rPr>
+              <a:t>" </a:t>
+            </a:r>
+            <a:r>
+              <a:rPr lang="en-US" b="1" dirty="0" smtClean="0">
+                <a:solidFill>
+                  <a:srgbClr val="00B050"/>
+                </a:solidFill>
+                <a:latin typeface="Arial" pitchFamily="34" charset="0"/>
+                <a:cs typeface="Arial" pitchFamily="34" charset="0"/>
+              </a:rPr>
+              <a:t>              </a:t>
+            </a:r>
+            <a:r>
+              <a:rPr lang="en-US" dirty="0" smtClean="0">
+                <a:latin typeface="Arial" pitchFamily="34" charset="0"/>
+                <a:cs typeface="Arial" pitchFamily="34" charset="0"/>
+                <a:sym typeface="Wingdings" pitchFamily="2" charset="2"/>
+              </a:rPr>
+              <a:t>  </a:t>
+            </a:r>
+            <a:r>
+              <a:rPr lang="en-US" dirty="0" smtClean="0">
+                <a:latin typeface="Arial" pitchFamily="34" charset="0"/>
+                <a:cs typeface="Arial" pitchFamily="34" charset="0"/>
+              </a:rPr>
+              <a:t>Set </a:t>
+            </a:r>
+            <a:r>
+              <a:rPr lang="en-US" dirty="0" smtClean="0">
+                <a:latin typeface="Arial" pitchFamily="34" charset="0"/>
+                <a:cs typeface="Arial" pitchFamily="34" charset="0"/>
+              </a:rPr>
+              <a:t>trigger validation </a:t>
+            </a:r>
+            <a:r>
+              <a:rPr lang="en-US" dirty="0" smtClean="0">
+                <a:latin typeface="Arial" pitchFamily="34" charset="0"/>
+                <a:cs typeface="Arial" pitchFamily="34" charset="0"/>
+              </a:rPr>
+              <a:t>event</a:t>
+            </a:r>
+            <a:endParaRPr lang="en-US" dirty="0" smtClean="0">
+              <a:latin typeface="Arial" pitchFamily="34" charset="0"/>
+              <a:cs typeface="Arial" pitchFamily="34" charset="0"/>
+            </a:endParaRPr>
+          </a:p>
+          <a:p>
+            <a:pPr>
+              <a:buFont typeface="Arial" pitchFamily="34" charset="0"/>
+              <a:buChar char="•"/>
+            </a:pPr>
+            <a:r>
+              <a:rPr lang="en-US" b="1" dirty="0" smtClean="0">
+                <a:solidFill>
+                  <a:srgbClr val="00B050"/>
+                </a:solidFill>
+                <a:latin typeface="Arial" pitchFamily="34" charset="0"/>
+                <a:cs typeface="Arial" pitchFamily="34" charset="0"/>
+              </a:rPr>
+              <a:t>"data-parsley-</a:t>
+            </a:r>
+            <a:r>
+              <a:rPr lang="en-US" b="1" dirty="0" smtClean="0">
+                <a:solidFill>
+                  <a:srgbClr val="FF0000"/>
+                </a:solidFill>
+                <a:latin typeface="Arial" pitchFamily="34" charset="0"/>
+                <a:cs typeface="Arial" pitchFamily="34" charset="0"/>
+              </a:rPr>
+              <a:t>error-message</a:t>
+            </a:r>
+            <a:r>
+              <a:rPr lang="en-US" b="1" dirty="0" smtClean="0">
+                <a:solidFill>
+                  <a:srgbClr val="00B050"/>
+                </a:solidFill>
+                <a:latin typeface="Arial" pitchFamily="34" charset="0"/>
+                <a:cs typeface="Arial" pitchFamily="34" charset="0"/>
+              </a:rPr>
+              <a:t>“ </a:t>
+            </a:r>
+            <a:r>
+              <a:rPr lang="en-US" dirty="0" smtClean="0">
+                <a:latin typeface="Arial" pitchFamily="34" charset="0"/>
+                <a:cs typeface="Arial" pitchFamily="34" charset="0"/>
+                <a:sym typeface="Wingdings" pitchFamily="2" charset="2"/>
+              </a:rPr>
+              <a:t></a:t>
+            </a:r>
+            <a:r>
+              <a:rPr lang="en-US" dirty="0" smtClean="0">
+                <a:latin typeface="Arial" pitchFamily="34" charset="0"/>
+                <a:cs typeface="Arial" pitchFamily="34" charset="0"/>
+              </a:rPr>
+              <a:t>  Set custom </a:t>
+            </a:r>
+            <a:r>
+              <a:rPr lang="en-US" dirty="0" smtClean="0">
+                <a:latin typeface="Arial" pitchFamily="34" charset="0"/>
+                <a:cs typeface="Arial" pitchFamily="34" charset="0"/>
+              </a:rPr>
+              <a:t>error message</a:t>
+            </a:r>
+            <a:endParaRPr lang="en-US" dirty="0">
+              <a:latin typeface="Arial" pitchFamily="34" charset="0"/>
+              <a:cs typeface="Arial" pitchFamily="34" charset="0"/>
+            </a:endParaRPr>
+          </a:p>
+        </p:txBody>
+      </p:sp>
+      <p:sp>
+        <p:nvSpPr>
+          <p:cNvPr id="10" name="TextBox 9"/>
+          <p:cNvSpPr txBox="1"/>
+          <p:nvPr/>
+        </p:nvSpPr>
+        <p:spPr>
+          <a:xfrm>
+            <a:off x="304800" y="4572000"/>
+            <a:ext cx="8534400" cy="1477328"/>
+          </a:xfrm>
+          <a:prstGeom prst="rect">
+            <a:avLst/>
+          </a:prstGeom>
+        </p:spPr>
+        <p:style>
+          <a:lnRef idx="2">
+            <a:schemeClr val="accent6"/>
+          </a:lnRef>
+          <a:fillRef idx="1">
+            <a:schemeClr val="lt1"/>
+          </a:fillRef>
+          <a:effectRef idx="0">
+            <a:schemeClr val="accent6"/>
+          </a:effectRef>
+          <a:fontRef idx="minor">
+            <a:schemeClr val="dk1"/>
+          </a:fontRef>
+        </p:style>
+        <p:txBody>
+          <a:bodyPr wrap="square" rtlCol="0">
+            <a:spAutoFit/>
+          </a:bodyPr>
+          <a:lstStyle/>
+          <a:p>
+            <a:r>
+              <a:rPr lang="en-US" b="1" dirty="0" smtClean="0">
+                <a:solidFill>
+                  <a:srgbClr val="002060"/>
+                </a:solidFill>
+                <a:latin typeface="Arial" pitchFamily="34" charset="0"/>
+                <a:cs typeface="Arial" pitchFamily="34" charset="0"/>
+              </a:rPr>
+              <a:t>&lt;input </a:t>
+            </a:r>
+            <a:r>
+              <a:rPr lang="en-US" b="1" dirty="0" smtClean="0">
+                <a:solidFill>
+                  <a:srgbClr val="00B050"/>
+                </a:solidFill>
+                <a:latin typeface="Arial" pitchFamily="34" charset="0"/>
+                <a:cs typeface="Arial" pitchFamily="34" charset="0"/>
+              </a:rPr>
+              <a:t>data-parsley-</a:t>
+            </a:r>
+            <a:r>
+              <a:rPr lang="en-US" b="1" dirty="0" smtClean="0">
+                <a:solidFill>
+                  <a:srgbClr val="FF0000"/>
+                </a:solidFill>
+                <a:latin typeface="Arial" pitchFamily="34" charset="0"/>
+                <a:cs typeface="Arial" pitchFamily="34" charset="0"/>
+              </a:rPr>
+              <a:t>trigger</a:t>
+            </a:r>
+            <a:r>
+              <a:rPr lang="en-US" b="1" dirty="0" smtClean="0">
+                <a:solidFill>
+                  <a:srgbClr val="002060"/>
+                </a:solidFill>
+                <a:latin typeface="Arial" pitchFamily="34" charset="0"/>
+                <a:cs typeface="Arial" pitchFamily="34" charset="0"/>
+              </a:rPr>
+              <a:t>="change" </a:t>
+            </a:r>
+            <a:endParaRPr lang="en-US" b="1" dirty="0" smtClean="0">
+              <a:solidFill>
+                <a:srgbClr val="002060"/>
+              </a:solidFill>
+              <a:latin typeface="Arial" pitchFamily="34" charset="0"/>
+              <a:cs typeface="Arial" pitchFamily="34" charset="0"/>
+            </a:endParaRPr>
+          </a:p>
+          <a:p>
+            <a:r>
+              <a:rPr lang="en-US" b="1" dirty="0" smtClean="0">
+                <a:solidFill>
+                  <a:srgbClr val="00B050"/>
+                </a:solidFill>
+                <a:latin typeface="Arial" pitchFamily="34" charset="0"/>
+                <a:cs typeface="Arial" pitchFamily="34" charset="0"/>
+              </a:rPr>
+              <a:t>data-parsley-</a:t>
+            </a:r>
+            <a:r>
+              <a:rPr lang="en-US" b="1" dirty="0" smtClean="0">
+                <a:solidFill>
+                  <a:srgbClr val="FF0000"/>
+                </a:solidFill>
+                <a:latin typeface="Arial" pitchFamily="34" charset="0"/>
+                <a:cs typeface="Arial" pitchFamily="34" charset="0"/>
+              </a:rPr>
+              <a:t>required</a:t>
+            </a:r>
+            <a:r>
+              <a:rPr lang="en-US" b="1" dirty="0" smtClean="0">
+                <a:solidFill>
+                  <a:srgbClr val="002060"/>
+                </a:solidFill>
+                <a:latin typeface="Arial" pitchFamily="34" charset="0"/>
+                <a:cs typeface="Arial" pitchFamily="34" charset="0"/>
+              </a:rPr>
+              <a:t>="true"</a:t>
+            </a:r>
+            <a:endParaRPr lang="en-US" b="1" dirty="0" smtClean="0">
+              <a:solidFill>
+                <a:srgbClr val="002060"/>
+              </a:solidFill>
+              <a:latin typeface="Arial" pitchFamily="34" charset="0"/>
+              <a:cs typeface="Arial" pitchFamily="34" charset="0"/>
+            </a:endParaRPr>
+          </a:p>
+          <a:p>
+            <a:r>
+              <a:rPr lang="en-US" b="1" dirty="0" smtClean="0">
+                <a:solidFill>
+                  <a:srgbClr val="00B050"/>
+                </a:solidFill>
+                <a:latin typeface="Arial" pitchFamily="34" charset="0"/>
+                <a:cs typeface="Arial" pitchFamily="34" charset="0"/>
+              </a:rPr>
+              <a:t>data-parsley-</a:t>
+            </a:r>
+            <a:r>
+              <a:rPr lang="en-US" b="1" dirty="0" smtClean="0">
+                <a:solidFill>
+                  <a:srgbClr val="FF0000"/>
+                </a:solidFill>
+                <a:latin typeface="Arial" pitchFamily="34" charset="0"/>
+                <a:cs typeface="Arial" pitchFamily="34" charset="0"/>
+              </a:rPr>
+              <a:t>pattern</a:t>
+            </a:r>
+            <a:r>
+              <a:rPr lang="en-US" b="1" dirty="0" smtClean="0">
+                <a:solidFill>
+                  <a:srgbClr val="002060"/>
+                </a:solidFill>
+                <a:latin typeface="Arial" pitchFamily="34" charset="0"/>
+                <a:cs typeface="Arial" pitchFamily="34" charset="0"/>
+              </a:rPr>
+              <a:t>="/^[A-Za-z0-9 ]{3,25</a:t>
+            </a:r>
+            <a:r>
+              <a:rPr lang="en-US" b="1" dirty="0" smtClean="0">
+                <a:solidFill>
+                  <a:srgbClr val="002060"/>
+                </a:solidFill>
+                <a:latin typeface="Arial" pitchFamily="34" charset="0"/>
+                <a:cs typeface="Arial" pitchFamily="34" charset="0"/>
+              </a:rPr>
+              <a:t>}$/“ </a:t>
+            </a:r>
+          </a:p>
+          <a:p>
+            <a:r>
+              <a:rPr lang="en-US" b="1" dirty="0" smtClean="0">
+                <a:solidFill>
+                  <a:srgbClr val="00B050"/>
+                </a:solidFill>
+                <a:latin typeface="Arial" pitchFamily="34" charset="0"/>
+                <a:cs typeface="Arial" pitchFamily="34" charset="0"/>
+              </a:rPr>
+              <a:t>data-parsley-</a:t>
+            </a:r>
+            <a:r>
+              <a:rPr lang="en-US" b="1" dirty="0" smtClean="0">
+                <a:solidFill>
+                  <a:srgbClr val="FF0000"/>
+                </a:solidFill>
+                <a:latin typeface="Arial" pitchFamily="34" charset="0"/>
+                <a:cs typeface="Arial" pitchFamily="34" charset="0"/>
+              </a:rPr>
+              <a:t>error-message</a:t>
+            </a:r>
+            <a:r>
+              <a:rPr lang="en-US" b="1" dirty="0" smtClean="0">
+                <a:solidFill>
+                  <a:srgbClr val="002060"/>
+                </a:solidFill>
+                <a:latin typeface="Arial" pitchFamily="34" charset="0"/>
+                <a:cs typeface="Arial" pitchFamily="34" charset="0"/>
+              </a:rPr>
+              <a:t>="Your name is required and cannot have danger characters with length between 3 - 25"&gt;</a:t>
+            </a:r>
+            <a:endParaRPr lang="en-US" b="1" dirty="0">
+              <a:solidFill>
+                <a:srgbClr val="002060"/>
+              </a:solidFill>
+              <a:latin typeface="Arial" pitchFamily="34" charset="0"/>
+              <a:cs typeface="Arial" pitchFamily="34" charset="0"/>
+            </a:endParaRPr>
+          </a:p>
+        </p:txBody>
+      </p:sp>
     </p:spTree>
   </p:cSld>
   <p:clrMapOvr>
@@ -16096,12 +16738,12 @@
         <p:spPr>
           <a:xfrm>
             <a:off x="457200" y="228600"/>
-            <a:ext cx="8229600" cy="944562"/>
+            <a:ext cx="8229600" cy="868362"/>
           </a:xfrm>
         </p:spPr>
         <p:txBody>
           <a:bodyPr>
-            <a:normAutofit/>
+            <a:noAutofit/>
           </a:bodyPr>
           <a:lstStyle/>
           <a:p>
@@ -16114,9 +16756,9 @@
                 <a:latin typeface="Arial" pitchFamily="34" charset="0"/>
                 <a:cs typeface="Arial" pitchFamily="34" charset="0"/>
               </a:rPr>
-              <a:t>Verify.js</a:t>
-            </a:r>
-            <a:endParaRPr lang="en-US" sz="3600" dirty="0">
+              <a:t>Parsley.js</a:t>
+            </a:r>
+            <a:endParaRPr lang="en-US" sz="3600" b="1" dirty="0">
               <a:solidFill>
                 <a:srgbClr val="0070C0"/>
               </a:solidFill>
@@ -16138,13 +16780,13 @@
         </p:nvSpPr>
         <p:spPr>
           <a:xfrm>
-            <a:off x="381000" y="1219200"/>
-            <a:ext cx="8458200" cy="4754563"/>
+            <a:off x="381000" y="1066800"/>
+            <a:ext cx="8382000" cy="5105400"/>
           </a:xfrm>
         </p:spPr>
         <p:txBody>
           <a:bodyPr>
-            <a:noAutofit/>
+            <a:normAutofit/>
           </a:bodyPr>
           <a:lstStyle/>
           <a:p>
@@ -16159,14 +16801,27 @@
                 <a:latin typeface="Arial" pitchFamily="34" charset="0"/>
                 <a:cs typeface="Arial" pitchFamily="34" charset="0"/>
               </a:rPr>
-              <a:t>Usage (some of what can be done):</a:t>
+              <a:t>Usage </a:t>
+            </a:r>
+            <a:r>
+              <a:rPr lang="en-US" sz="2000" i="1" dirty="0" smtClean="0">
+                <a:solidFill>
+                  <a:srgbClr val="000000"/>
+                </a:solidFill>
+                <a:latin typeface="Arial" pitchFamily="34" charset="0"/>
+                <a:cs typeface="Arial" pitchFamily="34" charset="0"/>
+              </a:rPr>
+              <a:t>(code snippets from our web-app):</a:t>
             </a:r>
           </a:p>
           <a:p>
             <a:pPr>
               <a:buNone/>
             </a:pPr>
-            <a:endParaRPr lang="en-US" sz="2000" dirty="0" smtClean="0">
+            <a:endParaRPr lang="en-US" sz="2000" i="1" dirty="0" smtClean="0">
+              <a:solidFill>
+                <a:srgbClr val="000000"/>
+              </a:solidFill>
               <a:latin typeface="Arial" pitchFamily="34" charset="0"/>
               <a:cs typeface="Arial" pitchFamily="34" charset="0"/>
             </a:endParaRPr>
@@ -16176,79 +16831,19 @@
               <a:buNone/>
             </a:pPr>
             <a:r>
-              <a:rPr lang="en-US" sz="2000" dirty="0" smtClean="0">
-                <a:latin typeface="Arial" pitchFamily="34" charset="0"/>
-                <a:cs typeface="Arial" pitchFamily="34" charset="0"/>
-              </a:rPr>
-              <a:t>- Field validation as number, email, </a:t>
-            </a:r>
-            <a:r>
-              <a:rPr lang="en-US" sz="2000" dirty="0" err="1" smtClean="0">
-                <a:latin typeface="Arial" pitchFamily="34" charset="0"/>
-                <a:cs typeface="Arial" pitchFamily="34" charset="0"/>
-              </a:rPr>
-              <a:t>url</a:t>
-            </a:r>
-            <a:r>
-              <a:rPr lang="en-US" sz="2000" dirty="0" smtClean="0">
-                <a:latin typeface="Arial" pitchFamily="34" charset="0"/>
-                <a:cs typeface="Arial" pitchFamily="34" charset="0"/>
-              </a:rPr>
-              <a:t> or required (one or multiple): </a:t>
-            </a:r>
-            <a:r>
-              <a:rPr lang="en-US" sz="2000" dirty="0" smtClean="0">
-                <a:solidFill>
-                  <a:srgbClr val="FF0000"/>
-                </a:solidFill>
-                <a:latin typeface="Arial" pitchFamily="34" charset="0"/>
-                <a:cs typeface="Arial" pitchFamily="34" charset="0"/>
-              </a:rPr>
-              <a:t>data-validate</a:t>
-            </a:r>
-            <a:r>
-              <a:rPr lang="en-US" sz="2000" dirty="0" smtClean="0">
-                <a:solidFill>
-                  <a:srgbClr val="00B050"/>
-                </a:solidFill>
-                <a:latin typeface="Arial" pitchFamily="34" charset="0"/>
-                <a:cs typeface="Arial" pitchFamily="34" charset="0"/>
-              </a:rPr>
-              <a:t>=“{</a:t>
-            </a:r>
-            <a:r>
-              <a:rPr lang="en-US" sz="2000" dirty="0" err="1" smtClean="0">
-                <a:solidFill>
-                  <a:srgbClr val="00B050"/>
-                </a:solidFill>
-                <a:latin typeface="Arial" pitchFamily="34" charset="0"/>
-                <a:cs typeface="Arial" pitchFamily="34" charset="0"/>
-              </a:rPr>
-              <a:t>number,email,url,required</a:t>
-            </a:r>
-            <a:r>
-              <a:rPr lang="en-US" sz="2000" dirty="0" smtClean="0">
-                <a:solidFill>
-                  <a:srgbClr val="00B050"/>
-                </a:solidFill>
-                <a:latin typeface="Arial" pitchFamily="34" charset="0"/>
-                <a:cs typeface="Arial" pitchFamily="34" charset="0"/>
-              </a:rPr>
-              <a:t>}“</a:t>
-            </a:r>
-            <a:r>
-              <a:rPr lang="en-US" sz="2000" dirty="0" smtClean="0">
-                <a:latin typeface="Arial" pitchFamily="34" charset="0"/>
-                <a:cs typeface="Arial" pitchFamily="34" charset="0"/>
-              </a:rPr>
-              <a:t> </a:t>
-            </a:r>
-          </a:p>
-          <a:p>
-            <a:pPr>
-              <a:buNone/>
-            </a:pPr>
-            <a:endParaRPr lang="en-US" sz="2000" dirty="0" smtClean="0">
+              <a:rPr lang="en-US" sz="2000" b="1" dirty="0" smtClean="0">
+                <a:solidFill>
+                  <a:srgbClr val="000000"/>
+                </a:solidFill>
+                <a:latin typeface="Arial" pitchFamily="34" charset="0"/>
+                <a:cs typeface="Arial" pitchFamily="34" charset="0"/>
+              </a:rPr>
+              <a:t>Confirm Password: </a:t>
+            </a:r>
+            <a:endParaRPr lang="en-US" sz="2000" b="1" dirty="0" smtClean="0">
+              <a:solidFill>
+                <a:srgbClr val="00B050"/>
+              </a:solidFill>
               <a:latin typeface="Arial" pitchFamily="34" charset="0"/>
               <a:cs typeface="Arial" pitchFamily="34" charset="0"/>
             </a:endParaRPr>
@@ -16257,123 +16852,10 @@
             <a:pPr>
               <a:buNone/>
             </a:pPr>
-            <a:r>
-              <a:rPr lang="en-US" sz="2000" dirty="0" smtClean="0">
-                <a:latin typeface="Arial" pitchFamily="34" charset="0"/>
-                <a:cs typeface="Arial" pitchFamily="34" charset="0"/>
-              </a:rPr>
-              <a:t>- validate using </a:t>
-            </a:r>
-            <a:r>
-              <a:rPr lang="en-US" sz="2000" dirty="0" err="1" smtClean="0">
-                <a:latin typeface="Arial" pitchFamily="34" charset="0"/>
-                <a:cs typeface="Arial" pitchFamily="34" charset="0"/>
-              </a:rPr>
-              <a:t>RegEx</a:t>
-            </a:r>
-            <a:r>
-              <a:rPr lang="en-US" sz="2000" dirty="0" smtClean="0">
-                <a:latin typeface="Arial" pitchFamily="34" charset="0"/>
-                <a:cs typeface="Arial" pitchFamily="34" charset="0"/>
-              </a:rPr>
-              <a:t>: </a:t>
-            </a:r>
-            <a:r>
-              <a:rPr lang="en-US" sz="2000" dirty="0" smtClean="0">
-                <a:solidFill>
-                  <a:srgbClr val="FF0000"/>
-                </a:solidFill>
-                <a:latin typeface="Arial" pitchFamily="34" charset="0"/>
-                <a:cs typeface="Arial" pitchFamily="34" charset="0"/>
-              </a:rPr>
-              <a:t>data-validate</a:t>
-            </a:r>
-            <a:r>
-              <a:rPr lang="en-US" sz="2000" dirty="0" smtClean="0">
-                <a:solidFill>
-                  <a:srgbClr val="00B050"/>
-                </a:solidFill>
-                <a:latin typeface="Arial" pitchFamily="34" charset="0"/>
-                <a:cs typeface="Arial" pitchFamily="34" charset="0"/>
-              </a:rPr>
-              <a:t>="</a:t>
-            </a:r>
-            <a:r>
-              <a:rPr lang="en-US" sz="2000" dirty="0" err="1" smtClean="0">
-                <a:solidFill>
-                  <a:schemeClr val="tx2">
-                    <a:lumMod val="60000"/>
-                    <a:lumOff val="40000"/>
-                  </a:schemeClr>
-                </a:solidFill>
-                <a:latin typeface="Arial" pitchFamily="34" charset="0"/>
-                <a:cs typeface="Arial" pitchFamily="34" charset="0"/>
-              </a:rPr>
-              <a:t>regex</a:t>
-            </a:r>
-            <a:r>
-              <a:rPr lang="en-US" sz="2000" dirty="0" smtClean="0">
-                <a:solidFill>
-                  <a:srgbClr val="00B050"/>
-                </a:solidFill>
-                <a:latin typeface="Arial" pitchFamily="34" charset="0"/>
-                <a:cs typeface="Arial" pitchFamily="34" charset="0"/>
-              </a:rPr>
-              <a:t>(</a:t>
-            </a:r>
-            <a:r>
-              <a:rPr lang="en-US" sz="2000" dirty="0" err="1" smtClean="0">
-                <a:solidFill>
-                  <a:srgbClr val="00B050"/>
-                </a:solidFill>
-                <a:latin typeface="Arial" pitchFamily="34" charset="0"/>
-                <a:cs typeface="Arial" pitchFamily="34" charset="0"/>
-              </a:rPr>
-              <a:t>abc,Must</a:t>
-            </a:r>
-            <a:r>
-              <a:rPr lang="en-US" sz="2000" dirty="0" smtClean="0">
-                <a:solidFill>
-                  <a:srgbClr val="00B050"/>
-                </a:solidFill>
-                <a:latin typeface="Arial" pitchFamily="34" charset="0"/>
-                <a:cs typeface="Arial" pitchFamily="34" charset="0"/>
-              </a:rPr>
-              <a:t> contain </a:t>
-            </a:r>
-            <a:r>
-              <a:rPr lang="en-US" sz="2000" dirty="0" err="1" smtClean="0">
-                <a:solidFill>
-                  <a:srgbClr val="00B050"/>
-                </a:solidFill>
-                <a:latin typeface="Arial" pitchFamily="34" charset="0"/>
-                <a:cs typeface="Arial" pitchFamily="34" charset="0"/>
-              </a:rPr>
-              <a:t>abc</a:t>
-            </a:r>
-            <a:r>
-              <a:rPr lang="en-US" sz="2000" dirty="0" smtClean="0">
-                <a:solidFill>
-                  <a:srgbClr val="00B050"/>
-                </a:solidFill>
-                <a:latin typeface="Arial" pitchFamily="34" charset="0"/>
-                <a:cs typeface="Arial" pitchFamily="34" charset="0"/>
-              </a:rPr>
-              <a:t>)"</a:t>
-            </a:r>
-            <a:r>
-              <a:rPr lang="en-US" sz="2000" dirty="0" smtClean="0">
-                <a:latin typeface="Arial" pitchFamily="34" charset="0"/>
-                <a:cs typeface="Arial" pitchFamily="34" charset="0"/>
-              </a:rPr>
-              <a:t> </a:t>
-            </a:r>
-          </a:p>
-          <a:p>
-            <a:pPr>
-              <a:buNone/>
-            </a:pPr>
-            <a:endParaRPr lang="en-US" sz="2000" dirty="0" smtClean="0">
+            <a:endParaRPr lang="en-US" sz="2000" b="1" dirty="0" smtClean="0">
+              <a:solidFill>
+                <a:srgbClr val="00B050"/>
+              </a:solidFill>
               <a:latin typeface="Arial" pitchFamily="34" charset="0"/>
               <a:cs typeface="Arial" pitchFamily="34" charset="0"/>
             </a:endParaRPr>
@@ -16382,176 +16864,31 @@
             <a:pPr>
               <a:buNone/>
             </a:pPr>
-            <a:r>
-              <a:rPr lang="en-US" sz="2000" dirty="0" smtClean="0">
-                <a:latin typeface="Arial" pitchFamily="34" charset="0"/>
-                <a:cs typeface="Arial" pitchFamily="34" charset="0"/>
-              </a:rPr>
-              <a:t>- Custom Validation/function: </a:t>
-            </a:r>
-            <a:r>
-              <a:rPr lang="en-US" sz="2000" dirty="0" smtClean="0">
-                <a:solidFill>
-                  <a:srgbClr val="FF0000"/>
-                </a:solidFill>
-                <a:latin typeface="Arial" pitchFamily="34" charset="0"/>
-                <a:cs typeface="Arial" pitchFamily="34" charset="0"/>
-              </a:rPr>
-              <a:t>data-validate</a:t>
-            </a:r>
-            <a:r>
-              <a:rPr lang="en-US" sz="2000" dirty="0" smtClean="0">
-                <a:solidFill>
-                  <a:srgbClr val="00B050"/>
-                </a:solidFill>
-                <a:latin typeface="Arial" pitchFamily="34" charset="0"/>
-                <a:cs typeface="Arial" pitchFamily="34" charset="0"/>
-              </a:rPr>
-              <a:t>=“</a:t>
-            </a:r>
-            <a:r>
-              <a:rPr lang="en-US" sz="2000" dirty="0" err="1" smtClean="0">
-                <a:solidFill>
-                  <a:srgbClr val="00B050"/>
-                </a:solidFill>
-                <a:latin typeface="Arial" pitchFamily="34" charset="0"/>
-                <a:cs typeface="Arial" pitchFamily="34" charset="0"/>
-              </a:rPr>
-              <a:t>customValidationFcn</a:t>
-            </a:r>
-            <a:r>
-              <a:rPr lang="en-US" sz="2000" dirty="0" smtClean="0">
-                <a:solidFill>
-                  <a:srgbClr val="00B050"/>
-                </a:solidFill>
-                <a:latin typeface="Arial" pitchFamily="34" charset="0"/>
-                <a:cs typeface="Arial" pitchFamily="34" charset="0"/>
-              </a:rPr>
-              <a:t>"</a:t>
-            </a:r>
+            <a:endParaRPr lang="en-US" sz="2000" b="1" dirty="0" smtClean="0">
+              <a:solidFill>
+                <a:srgbClr val="00B050"/>
+              </a:solidFill>
+              <a:latin typeface="Arial" pitchFamily="34" charset="0"/>
+              <a:cs typeface="Arial" pitchFamily="34" charset="0"/>
+            </a:endParaRPr>
           </a:p>
           <a:p>
             <a:pPr>
               <a:buNone/>
             </a:pPr>
             <a:r>
-              <a:rPr lang="en-US" sz="2000" dirty="0" smtClean="0">
-                <a:latin typeface="Arial" pitchFamily="34" charset="0"/>
-                <a:cs typeface="Arial" pitchFamily="34" charset="0"/>
-              </a:rPr>
-              <a:t> </a:t>
+              <a:rPr lang="en-US" sz="2000" b="1" dirty="0" smtClean="0">
+                <a:latin typeface="Arial" pitchFamily="34" charset="0"/>
+                <a:cs typeface="Arial" pitchFamily="34" charset="0"/>
+              </a:rPr>
+              <a:t>Custom Validation Rule:</a:t>
             </a:r>
           </a:p>
           <a:p>
             <a:pPr>
               <a:buNone/>
             </a:pPr>
-            <a:r>
-              <a:rPr lang="en-US" sz="2000" b="1" dirty="0" smtClean="0">
-                <a:latin typeface="Arial" pitchFamily="34" charset="0"/>
-                <a:cs typeface="Arial" pitchFamily="34" charset="0"/>
-              </a:rPr>
-              <a:t>Some other properties:</a:t>
-            </a:r>
-          </a:p>
-          <a:p>
-            <a:pPr>
-              <a:buNone/>
-            </a:pPr>
-            <a:r>
-              <a:rPr lang="en-US" sz="2000" dirty="0" err="1" smtClean="0">
-                <a:solidFill>
-                  <a:srgbClr val="FF0000"/>
-                </a:solidFill>
-                <a:latin typeface="Arial" pitchFamily="34" charset="0"/>
-                <a:cs typeface="Arial" pitchFamily="34" charset="0"/>
-              </a:rPr>
-              <a:t>hideErrorOnChange</a:t>
-            </a:r>
-            <a:r>
-              <a:rPr lang="en-US" sz="2000" dirty="0" err="1" smtClean="0">
-                <a:latin typeface="Arial" pitchFamily="34" charset="0"/>
-                <a:cs typeface="Arial" pitchFamily="34" charset="0"/>
-                <a:sym typeface="Wingdings" pitchFamily="2" charset="2"/>
-              </a:rPr>
-              <a:t></a:t>
-            </a:r>
-            <a:r>
-              <a:rPr lang="en-US" sz="2000" dirty="0" err="1" smtClean="0">
-                <a:solidFill>
-                  <a:srgbClr val="00B050"/>
-                </a:solidFill>
-                <a:latin typeface="Arial" pitchFamily="34" charset="0"/>
-                <a:cs typeface="Arial" pitchFamily="34" charset="0"/>
-              </a:rPr>
-              <a:t>Hide</a:t>
-            </a:r>
-            <a:r>
-              <a:rPr lang="en-US" sz="2000" dirty="0" smtClean="0">
-                <a:solidFill>
-                  <a:srgbClr val="00B050"/>
-                </a:solidFill>
-                <a:latin typeface="Arial" pitchFamily="34" charset="0"/>
-                <a:cs typeface="Arial" pitchFamily="34" charset="0"/>
-              </a:rPr>
-              <a:t> error while the user is editing the field</a:t>
-            </a:r>
-            <a:r>
-              <a:rPr lang="en-US" sz="2000" dirty="0" smtClean="0">
-                <a:latin typeface="Arial" pitchFamily="34" charset="0"/>
-                <a:cs typeface="Arial" pitchFamily="34" charset="0"/>
-              </a:rPr>
-              <a:t> </a:t>
-            </a:r>
-          </a:p>
-          <a:p>
-            <a:pPr>
-              <a:buNone/>
-            </a:pPr>
-            <a:r>
-              <a:rPr lang="en-US" sz="2000" dirty="0" err="1" smtClean="0">
-                <a:solidFill>
-                  <a:srgbClr val="FF0000"/>
-                </a:solidFill>
-                <a:latin typeface="Arial" pitchFamily="34" charset="0"/>
-                <a:cs typeface="Arial" pitchFamily="34" charset="0"/>
-              </a:rPr>
-              <a:t>beforeSubmit</a:t>
-            </a:r>
-            <a:r>
-              <a:rPr lang="en-US" sz="2000" dirty="0" err="1" smtClean="0">
-                <a:latin typeface="Arial" pitchFamily="34" charset="0"/>
-                <a:cs typeface="Arial" pitchFamily="34" charset="0"/>
-                <a:sym typeface="Wingdings" pitchFamily="2" charset="2"/>
-              </a:rPr>
-              <a:t></a:t>
-            </a:r>
-            <a:r>
-              <a:rPr lang="en-US" sz="2000" dirty="0" err="1" smtClean="0">
-                <a:solidFill>
-                  <a:srgbClr val="00B050"/>
-                </a:solidFill>
-                <a:latin typeface="Arial" pitchFamily="34" charset="0"/>
-                <a:cs typeface="Arial" pitchFamily="34" charset="0"/>
-              </a:rPr>
-              <a:t>Pre</a:t>
-            </a:r>
-            <a:r>
-              <a:rPr lang="en-US" sz="2000" dirty="0" smtClean="0">
-                <a:solidFill>
-                  <a:srgbClr val="00B050"/>
-                </a:solidFill>
-                <a:latin typeface="Arial" pitchFamily="34" charset="0"/>
-                <a:cs typeface="Arial" pitchFamily="34" charset="0"/>
-              </a:rPr>
-              <a:t>-form-submit hook/function. If returns true, form will submit</a:t>
-            </a:r>
-          </a:p>
-          <a:p>
-            <a:pPr>
-              <a:buNone/>
-            </a:pPr>
-            <a:endParaRPr lang="en-US" sz="2000" dirty="0" smtClean="0">
+            <a:endParaRPr lang="en-US" sz="2000" b="1" dirty="0" smtClean="0">
               <a:latin typeface="Arial" pitchFamily="34" charset="0"/>
               <a:cs typeface="Arial" pitchFamily="34" charset="0"/>
             </a:endParaRPr>
@@ -16608,6 +16945,442 @@
           <a:noFill/>
         </p:spPr>
       </p:pic>
+      <p:sp>
+        <p:nvSpPr>
+          <p:cNvPr id="10" name="TextBox 9"/>
+          <p:cNvSpPr txBox="1"/>
+          <p:nvPr/>
+        </p:nvSpPr>
+        <p:spPr>
+          <a:xfrm>
+            <a:off x="457200" y="2286000"/>
+            <a:ext cx="8305800" cy="369332"/>
+          </a:xfrm>
+          <a:prstGeom prst="rect">
+            <a:avLst/>
+          </a:prstGeom>
+        </p:spPr>
+        <p:style>
+          <a:lnRef idx="2">
+            <a:schemeClr val="accent6"/>
+          </a:lnRef>
+          <a:fillRef idx="1">
+            <a:schemeClr val="lt1"/>
+          </a:fillRef>
+          <a:effectRef idx="0">
+            <a:schemeClr val="accent6"/>
+          </a:effectRef>
+          <a:fontRef idx="minor">
+            <a:schemeClr val="dk1"/>
+          </a:fontRef>
+        </p:style>
+        <p:txBody>
+          <a:bodyPr wrap="square" rtlCol="0">
+            <a:spAutoFit/>
+          </a:bodyPr>
+          <a:lstStyle/>
+          <a:p>
+            <a:r>
+              <a:rPr lang="en-US" b="1" dirty="0" smtClean="0">
+                <a:solidFill>
+                  <a:srgbClr val="002060"/>
+                </a:solidFill>
+                <a:latin typeface="Arial" pitchFamily="34" charset="0"/>
+                <a:cs typeface="Arial" pitchFamily="34" charset="0"/>
+              </a:rPr>
+              <a:t>&lt;input type="password“ </a:t>
+            </a:r>
+            <a:r>
+              <a:rPr lang="en-US" b="1" dirty="0" smtClean="0">
+                <a:solidFill>
+                  <a:srgbClr val="00B050"/>
+                </a:solidFill>
+                <a:latin typeface="Arial" pitchFamily="34" charset="0"/>
+                <a:cs typeface="Arial" pitchFamily="34" charset="0"/>
+              </a:rPr>
+              <a:t>data-parsley-</a:t>
+            </a:r>
+            <a:r>
+              <a:rPr lang="en-US" b="1" dirty="0" err="1" smtClean="0">
+                <a:solidFill>
+                  <a:srgbClr val="FF0000"/>
+                </a:solidFill>
+                <a:latin typeface="Arial" pitchFamily="34" charset="0"/>
+                <a:cs typeface="Arial" pitchFamily="34" charset="0"/>
+              </a:rPr>
+              <a:t>equalto</a:t>
+            </a:r>
+            <a:r>
+              <a:rPr lang="en-US" b="1" dirty="0" smtClean="0">
+                <a:solidFill>
+                  <a:srgbClr val="002060"/>
+                </a:solidFill>
+                <a:latin typeface="Arial" pitchFamily="34" charset="0"/>
+                <a:cs typeface="Arial" pitchFamily="34" charset="0"/>
+              </a:rPr>
+              <a:t>="</a:t>
+            </a:r>
+            <a:r>
+              <a:rPr lang="en-US" b="1" dirty="0" smtClean="0">
+                <a:solidFill>
+                  <a:srgbClr val="C00000"/>
+                </a:solidFill>
+                <a:latin typeface="Arial" pitchFamily="34" charset="0"/>
+                <a:cs typeface="Arial" pitchFamily="34" charset="0"/>
+              </a:rPr>
+              <a:t>#password1</a:t>
+            </a:r>
+            <a:r>
+              <a:rPr lang="en-US" b="1" dirty="0" smtClean="0">
+                <a:solidFill>
+                  <a:srgbClr val="002060"/>
+                </a:solidFill>
+                <a:latin typeface="Arial" pitchFamily="34" charset="0"/>
+                <a:cs typeface="Arial" pitchFamily="34" charset="0"/>
+              </a:rPr>
+              <a:t>"&gt;</a:t>
+            </a:r>
+            <a:endParaRPr lang="en-US" b="1" dirty="0">
+              <a:solidFill>
+                <a:srgbClr val="002060"/>
+              </a:solidFill>
+              <a:latin typeface="Arial" pitchFamily="34" charset="0"/>
+              <a:cs typeface="Arial" pitchFamily="34" charset="0"/>
+            </a:endParaRPr>
+          </a:p>
+        </p:txBody>
+      </p:sp>
+      <p:sp>
+        <p:nvSpPr>
+          <p:cNvPr id="11" name="TextBox 10"/>
+          <p:cNvSpPr txBox="1"/>
+          <p:nvPr/>
+        </p:nvSpPr>
+        <p:spPr>
+          <a:xfrm>
+            <a:off x="457200" y="3276600"/>
+            <a:ext cx="8305800" cy="369332"/>
+          </a:xfrm>
+          <a:prstGeom prst="rect">
+            <a:avLst/>
+          </a:prstGeom>
+        </p:spPr>
+        <p:style>
+          <a:lnRef idx="2">
+            <a:schemeClr val="accent1"/>
+          </a:lnRef>
+          <a:fillRef idx="1">
+            <a:schemeClr val="lt1"/>
+          </a:fillRef>
+          <a:effectRef idx="0">
+            <a:schemeClr val="accent1"/>
+          </a:effectRef>
+          <a:fontRef idx="minor">
+            <a:schemeClr val="dk1"/>
+          </a:fontRef>
+        </p:style>
+        <p:txBody>
+          <a:bodyPr wrap="square" rtlCol="0">
+            <a:spAutoFit/>
+          </a:bodyPr>
+          <a:lstStyle/>
+          <a:p>
+            <a:r>
+              <a:rPr lang="en-US" b="1" dirty="0" smtClean="0">
+                <a:solidFill>
+                  <a:srgbClr val="002060"/>
+                </a:solidFill>
+                <a:latin typeface="Arial" pitchFamily="34" charset="0"/>
+                <a:cs typeface="Arial" pitchFamily="34" charset="0"/>
+              </a:rPr>
+              <a:t> &lt;input </a:t>
+            </a:r>
+            <a:r>
+              <a:rPr lang="en-US" b="1" dirty="0" smtClean="0">
+                <a:solidFill>
+                  <a:srgbClr val="00B050"/>
+                </a:solidFill>
+                <a:latin typeface="Arial" pitchFamily="34" charset="0"/>
+                <a:cs typeface="Arial" pitchFamily="34" charset="0"/>
+              </a:rPr>
+              <a:t>data-parsley-</a:t>
+            </a:r>
+            <a:r>
+              <a:rPr lang="en-US" b="1" dirty="0" err="1" smtClean="0">
+                <a:solidFill>
+                  <a:srgbClr val="FF0000"/>
+                </a:solidFill>
+                <a:latin typeface="Arial" pitchFamily="34" charset="0"/>
+                <a:cs typeface="Arial" pitchFamily="34" charset="0"/>
+              </a:rPr>
+              <a:t>userexist</a:t>
+            </a:r>
+            <a:r>
+              <a:rPr lang="en-US" b="1" dirty="0" smtClean="0">
+                <a:solidFill>
+                  <a:srgbClr val="00B050"/>
+                </a:solidFill>
+                <a:latin typeface="Arial" pitchFamily="34" charset="0"/>
+                <a:cs typeface="Arial" pitchFamily="34" charset="0"/>
+              </a:rPr>
+              <a:t> </a:t>
+            </a:r>
+            <a:r>
+              <a:rPr lang="en-US" b="1" dirty="0" smtClean="0">
+                <a:solidFill>
+                  <a:srgbClr val="002060"/>
+                </a:solidFill>
+                <a:latin typeface="Arial" pitchFamily="34" charset="0"/>
+                <a:cs typeface="Arial" pitchFamily="34" charset="0"/>
+              </a:rPr>
+              <a:t>&gt;</a:t>
+            </a:r>
+            <a:endParaRPr lang="en-US" b="1" dirty="0">
+              <a:solidFill>
+                <a:srgbClr val="002060"/>
+              </a:solidFill>
+              <a:latin typeface="Arial" pitchFamily="34" charset="0"/>
+              <a:cs typeface="Arial" pitchFamily="34" charset="0"/>
+            </a:endParaRPr>
+          </a:p>
+        </p:txBody>
+      </p:sp>
+      <p:sp>
+        <p:nvSpPr>
+          <p:cNvPr id="12" name="TextBox 11"/>
+          <p:cNvSpPr txBox="1"/>
+          <p:nvPr/>
+        </p:nvSpPr>
+        <p:spPr>
+          <a:xfrm>
+            <a:off x="457200" y="3733800"/>
+            <a:ext cx="8305800" cy="2308324"/>
+          </a:xfrm>
+          <a:prstGeom prst="rect">
+            <a:avLst/>
+          </a:prstGeom>
+        </p:spPr>
+        <p:style>
+          <a:lnRef idx="2">
+            <a:schemeClr val="accent1"/>
+          </a:lnRef>
+          <a:fillRef idx="1">
+            <a:schemeClr val="lt1"/>
+          </a:fillRef>
+          <a:effectRef idx="0">
+            <a:schemeClr val="accent1"/>
+          </a:effectRef>
+          <a:fontRef idx="minor">
+            <a:schemeClr val="dk1"/>
+          </a:fontRef>
+        </p:style>
+        <p:txBody>
+          <a:bodyPr wrap="square" rtlCol="0">
+            <a:spAutoFit/>
+          </a:bodyPr>
+          <a:lstStyle/>
+          <a:p>
+            <a:r>
+              <a:rPr lang="en-US" b="1" dirty="0" err="1" smtClean="0">
+                <a:solidFill>
+                  <a:srgbClr val="00B050"/>
+                </a:solidFill>
+                <a:latin typeface="Arial" pitchFamily="34" charset="0"/>
+                <a:cs typeface="Arial" pitchFamily="34" charset="0"/>
+              </a:rPr>
+              <a:t>window.ParsleyValidator.addValidator</a:t>
+            </a:r>
+            <a:r>
+              <a:rPr lang="en-US" b="1" dirty="0" smtClean="0">
+                <a:solidFill>
+                  <a:srgbClr val="002060"/>
+                </a:solidFill>
+                <a:latin typeface="Arial" pitchFamily="34" charset="0"/>
+                <a:cs typeface="Arial" pitchFamily="34" charset="0"/>
+              </a:rPr>
+              <a:t>(</a:t>
+            </a:r>
+            <a:r>
+              <a:rPr lang="en-US" b="1" dirty="0" smtClean="0">
+                <a:solidFill>
+                  <a:srgbClr val="FF0000"/>
+                </a:solidFill>
+                <a:latin typeface="Arial" pitchFamily="34" charset="0"/>
+                <a:cs typeface="Arial" pitchFamily="34" charset="0"/>
+              </a:rPr>
+              <a:t>'</a:t>
+            </a:r>
+            <a:r>
+              <a:rPr lang="en-US" b="1" dirty="0" err="1" smtClean="0">
+                <a:solidFill>
+                  <a:srgbClr val="FF0000"/>
+                </a:solidFill>
+                <a:latin typeface="Arial" pitchFamily="34" charset="0"/>
+                <a:cs typeface="Arial" pitchFamily="34" charset="0"/>
+              </a:rPr>
+              <a:t>userexist</a:t>
+            </a:r>
+            <a:r>
+              <a:rPr lang="en-US" b="1" dirty="0" smtClean="0">
+                <a:solidFill>
+                  <a:srgbClr val="FF0000"/>
+                </a:solidFill>
+                <a:latin typeface="Arial" pitchFamily="34" charset="0"/>
+                <a:cs typeface="Arial" pitchFamily="34" charset="0"/>
+              </a:rPr>
+              <a:t>'</a:t>
+            </a:r>
+            <a:r>
+              <a:rPr lang="en-US" b="1" dirty="0" smtClean="0">
+                <a:solidFill>
+                  <a:srgbClr val="002060"/>
+                </a:solidFill>
+                <a:latin typeface="Arial" pitchFamily="34" charset="0"/>
+                <a:cs typeface="Arial" pitchFamily="34" charset="0"/>
+              </a:rPr>
+              <a:t>, function({Value}, [requirements]) {</a:t>
+            </a:r>
+            <a:endParaRPr lang="en-US" b="1" dirty="0" smtClean="0">
+              <a:solidFill>
+                <a:srgbClr val="002060"/>
+              </a:solidFill>
+              <a:latin typeface="Arial" pitchFamily="34" charset="0"/>
+              <a:cs typeface="Arial" pitchFamily="34" charset="0"/>
+            </a:endParaRPr>
+          </a:p>
+          <a:p>
+            <a:r>
+              <a:rPr lang="en-US" b="1" dirty="0" smtClean="0">
+                <a:solidFill>
+                  <a:srgbClr val="002060"/>
+                </a:solidFill>
+                <a:latin typeface="Arial" pitchFamily="34" charset="0"/>
+                <a:cs typeface="Arial" pitchFamily="34" charset="0"/>
+              </a:rPr>
+              <a:t>	If(expression){</a:t>
+            </a:r>
+            <a:endParaRPr lang="en-US" b="1" dirty="0" smtClean="0">
+              <a:solidFill>
+                <a:srgbClr val="002060"/>
+              </a:solidFill>
+              <a:latin typeface="Arial" pitchFamily="34" charset="0"/>
+              <a:cs typeface="Arial" pitchFamily="34" charset="0"/>
+            </a:endParaRPr>
+          </a:p>
+          <a:p>
+            <a:r>
+              <a:rPr lang="en-US" b="1" dirty="0" smtClean="0">
+                <a:solidFill>
+                  <a:srgbClr val="002060"/>
+                </a:solidFill>
+                <a:latin typeface="Arial" pitchFamily="34" charset="0"/>
+                <a:cs typeface="Arial" pitchFamily="34" charset="0"/>
+              </a:rPr>
+              <a:t>		 return </a:t>
+            </a:r>
+            <a:r>
+              <a:rPr lang="en-US" b="1" dirty="0" smtClean="0">
+                <a:solidFill>
+                  <a:srgbClr val="002060"/>
+                </a:solidFill>
+                <a:latin typeface="Arial" pitchFamily="34" charset="0"/>
+                <a:cs typeface="Arial" pitchFamily="34" charset="0"/>
+              </a:rPr>
+              <a:t>false;</a:t>
+            </a:r>
+          </a:p>
+          <a:p>
+            <a:r>
+              <a:rPr lang="en-US" b="1" dirty="0" smtClean="0">
+                <a:solidFill>
+                  <a:srgbClr val="002060"/>
+                </a:solidFill>
+                <a:latin typeface="Arial" pitchFamily="34" charset="0"/>
+                <a:cs typeface="Arial" pitchFamily="34" charset="0"/>
+              </a:rPr>
+              <a:t>	}</a:t>
+            </a:r>
+          </a:p>
+          <a:p>
+            <a:r>
+              <a:rPr lang="en-US" b="1" dirty="0" smtClean="0">
+                <a:solidFill>
+                  <a:srgbClr val="002060"/>
+                </a:solidFill>
+                <a:latin typeface="Arial" pitchFamily="34" charset="0"/>
+                <a:cs typeface="Arial" pitchFamily="34" charset="0"/>
+              </a:rPr>
+              <a:t>	return true;</a:t>
+            </a:r>
+            <a:endParaRPr lang="en-US" b="1" dirty="0" smtClean="0">
+              <a:solidFill>
+                <a:srgbClr val="002060"/>
+              </a:solidFill>
+              <a:latin typeface="Arial" pitchFamily="34" charset="0"/>
+              <a:cs typeface="Arial" pitchFamily="34" charset="0"/>
+            </a:endParaRPr>
+          </a:p>
+          <a:p>
+            <a:r>
+              <a:rPr lang="en-US" b="1" dirty="0" smtClean="0">
+                <a:solidFill>
+                  <a:srgbClr val="00B050"/>
+                </a:solidFill>
+                <a:latin typeface="Arial" pitchFamily="34" charset="0"/>
+                <a:cs typeface="Arial" pitchFamily="34" charset="0"/>
+              </a:rPr>
+              <a:t>}).</a:t>
+            </a:r>
+            <a:r>
+              <a:rPr lang="en-US" b="1" dirty="0" err="1" smtClean="0">
+                <a:solidFill>
+                  <a:srgbClr val="00B050"/>
+                </a:solidFill>
+                <a:latin typeface="Arial" pitchFamily="34" charset="0"/>
+                <a:cs typeface="Arial" pitchFamily="34" charset="0"/>
+              </a:rPr>
+              <a:t>addMessage</a:t>
+            </a:r>
+            <a:r>
+              <a:rPr lang="en-US" b="1" dirty="0" smtClean="0">
+                <a:solidFill>
+                  <a:srgbClr val="002060"/>
+                </a:solidFill>
+                <a:latin typeface="Arial" pitchFamily="34" charset="0"/>
+                <a:cs typeface="Arial" pitchFamily="34" charset="0"/>
+              </a:rPr>
+              <a:t>('en', '</a:t>
+            </a:r>
+            <a:r>
+              <a:rPr lang="en-US" b="1" dirty="0" err="1" smtClean="0">
+                <a:solidFill>
+                  <a:srgbClr val="002060"/>
+                </a:solidFill>
+                <a:latin typeface="Arial" pitchFamily="34" charset="0"/>
+                <a:cs typeface="Arial" pitchFamily="34" charset="0"/>
+              </a:rPr>
+              <a:t>userexist</a:t>
+            </a:r>
+            <a:r>
+              <a:rPr lang="en-US" b="1" dirty="0" smtClean="0">
+                <a:solidFill>
+                  <a:srgbClr val="002060"/>
+                </a:solidFill>
+                <a:latin typeface="Arial" pitchFamily="34" charset="0"/>
+                <a:cs typeface="Arial" pitchFamily="34" charset="0"/>
+              </a:rPr>
+              <a:t>', 'This username is in-use, choose different one');</a:t>
+            </a:r>
+            <a:endParaRPr lang="en-US" b="1" dirty="0">
+              <a:solidFill>
+                <a:srgbClr val="002060"/>
+              </a:solidFill>
+              <a:latin typeface="Arial" pitchFamily="34" charset="0"/>
+              <a:cs typeface="Arial" pitchFamily="34" charset="0"/>
+            </a:endParaRPr>
+          </a:p>
+        </p:txBody>
+      </p:sp>
     </p:spTree>
   </p:cSld>
   <p:clrMapOvr>
@@ -16652,66 +17425,28 @@
         </p:nvSpPr>
         <p:spPr>
           <a:xfrm>
-            <a:off x="457200" y="274638"/>
+            <a:off x="457200" y="228600"/>
             <a:ext cx="8229600" cy="944562"/>
           </a:xfrm>
         </p:spPr>
         <p:txBody>
           <a:bodyPr>
-            <a:noAutofit/>
+            <a:normAutofit/>
           </a:bodyPr>
           <a:lstStyle/>
           <a:p>
             <a:pPr algn="l"/>
             <a:r>
-              <a:rPr lang="en-US" sz="3600" b="1" dirty="0">
+              <a:rPr lang="en-US" sz="3600" b="1" dirty="0" smtClean="0">
                 <a:solidFill>
                   <a:srgbClr val="0070C0"/>
                 </a:solidFill>
                 <a:latin typeface="Arial" pitchFamily="34" charset="0"/>
                 <a:cs typeface="Arial" pitchFamily="34" charset="0"/>
               </a:rPr>
-              <a:t/>
-            </a:r>
-            <a:br>
-              <a:rPr lang="en-US" sz="3600" b="1" dirty="0">
-                <a:solidFill>
-                  <a:srgbClr val="0070C0"/>
-                </a:solidFill>
-                <a:latin typeface="Arial" pitchFamily="34" charset="0"/>
-                <a:cs typeface="Arial" pitchFamily="34" charset="0"/>
-              </a:rPr>
-            </a:br>
-            <a:r>
-              <a:rPr lang="en-US" sz="3600" b="1" dirty="0">
-                <a:solidFill>
-                  <a:srgbClr val="0070C0"/>
-                </a:solidFill>
-                <a:latin typeface="Arial" pitchFamily="34" charset="0"/>
-                <a:cs typeface="Arial" pitchFamily="34" charset="0"/>
-              </a:rPr>
-              <a:t>Validate.js</a:t>
-            </a:r>
-            <a:r>
-              <a:rPr lang="en-US" sz="3600" b="1" i="1" dirty="0">
-                <a:solidFill>
-                  <a:srgbClr val="0070C0"/>
-                </a:solidFill>
-                <a:latin typeface="Arial" pitchFamily="34" charset="0"/>
-                <a:cs typeface="Arial" pitchFamily="34" charset="0"/>
-              </a:rPr>
-              <a:t>: </a:t>
-            </a:r>
-            <a:br>
-              <a:rPr lang="en-US" sz="3600" b="1" i="1" dirty="0">
-                <a:solidFill>
-                  <a:srgbClr val="0070C0"/>
-                </a:solidFill>
-                <a:latin typeface="Arial" pitchFamily="34" charset="0"/>
-                <a:cs typeface="Arial" pitchFamily="34" charset="0"/>
-              </a:rPr>
-            </a:br>
-            <a:endParaRPr lang="en-US" sz="3600" b="1" dirty="0">
+              <a:t>Verify.js</a:t>
+            </a:r>
+            <a:endParaRPr lang="en-US" sz="3600" dirty="0">
               <a:solidFill>
                 <a:srgbClr val="0070C0"/>
               </a:solidFill>
@@ -16733,246 +17468,191 @@
         </p:nvSpPr>
         <p:spPr>
           <a:xfrm>
-            <a:off x="381000" y="1447800"/>
-            <a:ext cx="8458200" cy="4800600"/>
+            <a:off x="381000" y="1219200"/>
+            <a:ext cx="8458200" cy="4754563"/>
           </a:xfrm>
         </p:spPr>
         <p:txBody>
           <a:bodyPr>
-            <a:normAutofit/>
+            <a:noAutofit/>
           </a:bodyPr>
           <a:lstStyle/>
           <a:p>
-            <a:r>
-              <a:rPr lang="en-US" sz="2000" dirty="0" smtClean="0">
-                <a:latin typeface="Arial" pitchFamily="34" charset="0"/>
-                <a:cs typeface="Arial" pitchFamily="34" charset="0"/>
-              </a:rPr>
-              <a:t>Introduces new object “</a:t>
-            </a:r>
-            <a:r>
-              <a:rPr lang="en-US" sz="2000" dirty="0" err="1" smtClean="0">
-                <a:solidFill>
-                  <a:srgbClr val="FF0000"/>
-                </a:solidFill>
-                <a:latin typeface="Arial" pitchFamily="34" charset="0"/>
-                <a:cs typeface="Arial" pitchFamily="34" charset="0"/>
-              </a:rPr>
-              <a:t>FormValidator</a:t>
-            </a:r>
-            <a:r>
-              <a:rPr lang="en-US" sz="2000" dirty="0" smtClean="0">
-                <a:latin typeface="Arial" pitchFamily="34" charset="0"/>
-                <a:cs typeface="Arial" pitchFamily="34" charset="0"/>
-              </a:rPr>
-              <a:t>”</a:t>
-            </a:r>
-          </a:p>
-          <a:p>
+            <a:pPr>
+              <a:buNone/>
+            </a:pPr>
+            <a:r>
+              <a:rPr lang="en-US" sz="2000" b="1" dirty="0" smtClean="0">
+                <a:solidFill>
+                  <a:srgbClr val="000000"/>
+                </a:solidFill>
+                <a:latin typeface="Arial" pitchFamily="34" charset="0"/>
+                <a:cs typeface="Arial" pitchFamily="34" charset="0"/>
+              </a:rPr>
+              <a:t>Usage (some of what can be done):</a:t>
+            </a:r>
+          </a:p>
+          <a:p>
+            <a:pPr>
+              <a:buNone/>
+            </a:pPr>
             <a:endParaRPr lang="en-US" sz="2000" dirty="0" smtClean="0">
               <a:latin typeface="Arial" pitchFamily="34" charset="0"/>
               <a:cs typeface="Arial" pitchFamily="34" charset="0"/>
             </a:endParaRPr>
           </a:p>
           <a:p>
+            <a:pPr>
+              <a:buNone/>
+            </a:pPr>
             <a:r>
               <a:rPr lang="en-US" sz="2000" dirty="0" smtClean="0">
                 <a:latin typeface="Arial" pitchFamily="34" charset="0"/>
                 <a:cs typeface="Arial" pitchFamily="34" charset="0"/>
               </a:rPr>
-              <a:t>Definition: </a:t>
+              <a:t>- Field </a:t>
+            </a:r>
+            <a:r>
+              <a:rPr lang="en-US" sz="2000" dirty="0" smtClean="0">
+                <a:latin typeface="Arial" pitchFamily="34" charset="0"/>
+                <a:cs typeface="Arial" pitchFamily="34" charset="0"/>
+              </a:rPr>
+              <a:t>validation as number, email, </a:t>
             </a:r>
             <a:r>
               <a:rPr lang="en-US" sz="2000" dirty="0" err="1" smtClean="0">
-                <a:solidFill>
-                  <a:srgbClr val="00B050"/>
-                </a:solidFill>
-                <a:latin typeface="Arial" pitchFamily="34" charset="0"/>
-                <a:cs typeface="Arial" pitchFamily="34" charset="0"/>
-              </a:rPr>
-              <a:t>var</a:t>
+                <a:latin typeface="Arial" pitchFamily="34" charset="0"/>
+                <a:cs typeface="Arial" pitchFamily="34" charset="0"/>
+              </a:rPr>
+              <a:t>url</a:t>
             </a:r>
             <a:r>
               <a:rPr lang="en-US" sz="2000" dirty="0" smtClean="0">
-                <a:solidFill>
-                  <a:srgbClr val="00B050"/>
-                </a:solidFill>
-                <a:latin typeface="Arial" pitchFamily="34" charset="0"/>
-                <a:cs typeface="Arial" pitchFamily="34" charset="0"/>
-              </a:rPr>
-              <a:t> </a:t>
-            </a:r>
-            <a:r>
-              <a:rPr lang="en-US" sz="2000" dirty="0" err="1" smtClean="0">
-                <a:solidFill>
-                  <a:srgbClr val="00B050"/>
-                </a:solidFill>
-                <a:latin typeface="Arial" pitchFamily="34" charset="0"/>
-                <a:cs typeface="Arial" pitchFamily="34" charset="0"/>
-              </a:rPr>
-              <a:t>validator</a:t>
-            </a:r>
-            <a:r>
-              <a:rPr lang="en-US" sz="2000" dirty="0" smtClean="0">
-                <a:solidFill>
-                  <a:srgbClr val="00B050"/>
-                </a:solidFill>
-                <a:latin typeface="Arial" pitchFamily="34" charset="0"/>
-                <a:cs typeface="Arial" pitchFamily="34" charset="0"/>
-              </a:rPr>
-              <a:t> = new </a:t>
-            </a:r>
-            <a:r>
-              <a:rPr lang="en-US" sz="2000" dirty="0" err="1" smtClean="0">
-                <a:solidFill>
-                  <a:srgbClr val="FF0000"/>
-                </a:solidFill>
-                <a:latin typeface="Arial" pitchFamily="34" charset="0"/>
-                <a:cs typeface="Arial" pitchFamily="34" charset="0"/>
-              </a:rPr>
-              <a:t>FormValidator</a:t>
-            </a:r>
-            <a:r>
-              <a:rPr lang="en-US" sz="2000" dirty="0" smtClean="0">
-                <a:solidFill>
-                  <a:srgbClr val="00B050"/>
-                </a:solidFill>
-                <a:latin typeface="Arial" pitchFamily="34" charset="0"/>
-                <a:cs typeface="Arial" pitchFamily="34" charset="0"/>
-              </a:rPr>
-              <a:t> ({</a:t>
-            </a:r>
-            <a:r>
-              <a:rPr lang="en-US" sz="2000" dirty="0" err="1" smtClean="0">
-                <a:solidFill>
-                  <a:srgbClr val="0070C0"/>
-                </a:solidFill>
-                <a:latin typeface="Arial" pitchFamily="34" charset="0"/>
-                <a:cs typeface="Arial" pitchFamily="34" charset="0"/>
-              </a:rPr>
-              <a:t>formName</a:t>
-            </a:r>
-            <a:r>
-              <a:rPr lang="en-US" sz="2000" dirty="0" smtClean="0">
-                <a:solidFill>
-                  <a:srgbClr val="00B050"/>
-                </a:solidFill>
-                <a:latin typeface="Arial" pitchFamily="34" charset="0"/>
-                <a:cs typeface="Arial" pitchFamily="34" charset="0"/>
-              </a:rPr>
-              <a:t>}, </a:t>
-            </a:r>
-            <a:r>
-              <a:rPr lang="en-US" sz="2000" dirty="0" smtClean="0">
-                <a:solidFill>
-                  <a:srgbClr val="0070C0"/>
-                </a:solidFill>
-                <a:latin typeface="Arial" pitchFamily="34" charset="0"/>
-                <a:cs typeface="Arial" pitchFamily="34" charset="0"/>
-              </a:rPr>
-              <a:t>fields</a:t>
-            </a:r>
-            <a:r>
-              <a:rPr lang="en-US" sz="2000" dirty="0" smtClean="0">
-                <a:solidFill>
-                  <a:srgbClr val="00B050"/>
-                </a:solidFill>
-                <a:latin typeface="Arial" pitchFamily="34" charset="0"/>
-                <a:cs typeface="Arial" pitchFamily="34" charset="0"/>
-              </a:rPr>
-              <a:t>, </a:t>
-            </a:r>
-            <a:r>
-              <a:rPr lang="en-US" sz="2000" dirty="0" smtClean="0">
-                <a:solidFill>
-                  <a:srgbClr val="0070C0"/>
-                </a:solidFill>
-                <a:latin typeface="Arial" pitchFamily="34" charset="0"/>
-                <a:cs typeface="Arial" pitchFamily="34" charset="0"/>
-              </a:rPr>
-              <a:t>callback</a:t>
-            </a:r>
-            <a:r>
-              <a:rPr lang="en-US" sz="2000" dirty="0" smtClean="0">
-                <a:solidFill>
-                  <a:srgbClr val="00B050"/>
-                </a:solidFill>
-                <a:latin typeface="Arial" pitchFamily="34" charset="0"/>
-                <a:cs typeface="Arial" pitchFamily="34" charset="0"/>
-              </a:rPr>
-              <a:t>) </a:t>
-            </a:r>
-          </a:p>
-          <a:p>
+                <a:latin typeface="Arial" pitchFamily="34" charset="0"/>
+                <a:cs typeface="Arial" pitchFamily="34" charset="0"/>
+              </a:rPr>
+              <a:t> or required (one or multiple): </a:t>
+            </a:r>
             <a:endParaRPr lang="en-US" sz="2000" dirty="0" smtClean="0">
-              <a:solidFill>
-                <a:srgbClr val="00B050"/>
-              </a:solidFill>
               <a:latin typeface="Arial" pitchFamily="34" charset="0"/>
               <a:cs typeface="Arial" pitchFamily="34" charset="0"/>
             </a:endParaRPr>
           </a:p>
           <a:p>
+            <a:pPr>
+              <a:buNone/>
+            </a:pPr>
             <a:r>
               <a:rPr lang="en-US" sz="2000" dirty="0" smtClean="0">
-                <a:latin typeface="Arial" pitchFamily="34" charset="0"/>
-                <a:cs typeface="Arial" pitchFamily="34" charset="0"/>
-              </a:rPr>
-              <a:t>Callback: A function that will fire after all validation rules are success.</a:t>
-            </a:r>
-          </a:p>
-          <a:p>
+                <a:solidFill>
+                  <a:srgbClr val="FF0000"/>
+                </a:solidFill>
+                <a:latin typeface="Arial" pitchFamily="34" charset="0"/>
+                <a:cs typeface="Arial" pitchFamily="34" charset="0"/>
+              </a:rPr>
+              <a:t>data-validate</a:t>
+            </a:r>
+            <a:r>
+              <a:rPr lang="en-US" sz="2000" dirty="0" smtClean="0">
+                <a:solidFill>
+                  <a:srgbClr val="00B050"/>
+                </a:solidFill>
+                <a:latin typeface="Arial" pitchFamily="34" charset="0"/>
+                <a:cs typeface="Arial" pitchFamily="34" charset="0"/>
+              </a:rPr>
+              <a:t>=“{</a:t>
+            </a:r>
+            <a:r>
+              <a:rPr lang="en-US" sz="2000" dirty="0" err="1" smtClean="0">
+                <a:solidFill>
+                  <a:srgbClr val="00B050"/>
+                </a:solidFill>
+                <a:latin typeface="Arial" pitchFamily="34" charset="0"/>
+                <a:cs typeface="Arial" pitchFamily="34" charset="0"/>
+              </a:rPr>
+              <a:t>number,email,url,required</a:t>
+            </a:r>
+            <a:r>
+              <a:rPr lang="en-US" sz="2000" dirty="0" smtClean="0">
+                <a:solidFill>
+                  <a:srgbClr val="00B050"/>
+                </a:solidFill>
+                <a:latin typeface="Arial" pitchFamily="34" charset="0"/>
+                <a:cs typeface="Arial" pitchFamily="34" charset="0"/>
+              </a:rPr>
+              <a:t>}“</a:t>
+            </a:r>
+            <a:r>
+              <a:rPr lang="en-US" sz="2000" dirty="0" smtClean="0">
+                <a:latin typeface="Arial" pitchFamily="34" charset="0"/>
+                <a:cs typeface="Arial" pitchFamily="34" charset="0"/>
+              </a:rPr>
+              <a:t> </a:t>
+            </a:r>
+          </a:p>
+          <a:p>
+            <a:pPr>
+              <a:buNone/>
+            </a:pPr>
             <a:endParaRPr lang="en-US" sz="2000" dirty="0" smtClean="0">
-              <a:solidFill>
-                <a:srgbClr val="00B050"/>
-              </a:solidFill>
               <a:latin typeface="Arial" pitchFamily="34" charset="0"/>
               <a:cs typeface="Arial" pitchFamily="34" charset="0"/>
             </a:endParaRPr>
           </a:p>
           <a:p>
+            <a:pPr>
+              <a:buNone/>
+            </a:pPr>
             <a:r>
               <a:rPr lang="en-US" sz="2000" dirty="0" smtClean="0">
                 <a:latin typeface="Arial" pitchFamily="34" charset="0"/>
                 <a:cs typeface="Arial" pitchFamily="34" charset="0"/>
               </a:rPr>
-              <a:t>Fields: Array of the form fields that’s being constructed as</a:t>
-            </a:r>
-          </a:p>
-          <a:p>
-            <a:pPr lvl="1"/>
+              <a:t>- </a:t>
+            </a:r>
             <a:r>
               <a:rPr lang="en-US" sz="2000" dirty="0" smtClean="0">
+                <a:latin typeface="Arial" pitchFamily="34" charset="0"/>
+                <a:cs typeface="Arial" pitchFamily="34" charset="0"/>
+              </a:rPr>
+              <a:t>Using </a:t>
+            </a:r>
+            <a:r>
+              <a:rPr lang="en-US" sz="2000" dirty="0" err="1" smtClean="0">
+                <a:latin typeface="Arial" pitchFamily="34" charset="0"/>
+                <a:cs typeface="Arial" pitchFamily="34" charset="0"/>
+              </a:rPr>
+              <a:t>RegEx</a:t>
+            </a:r>
+            <a:r>
+              <a:rPr lang="en-US" sz="2000" dirty="0" smtClean="0">
+                <a:latin typeface="Arial" pitchFamily="34" charset="0"/>
+                <a:cs typeface="Arial" pitchFamily="34" charset="0"/>
+              </a:rPr>
+              <a:t>: </a:t>
+            </a:r>
+            <a:r>
+              <a:rPr lang="en-US" sz="2000" dirty="0" smtClean="0">
+                <a:solidFill>
+                  <a:srgbClr val="FF0000"/>
+                </a:solidFill>
+                <a:latin typeface="Arial" pitchFamily="34" charset="0"/>
+                <a:cs typeface="Arial" pitchFamily="34" charset="0"/>
+              </a:rPr>
+              <a:t>data-validate</a:t>
+            </a:r>
+            <a:r>
+              <a:rPr lang="en-US" sz="2000" dirty="0" smtClean="0">
                 <a:solidFill>
                   <a:srgbClr val="00B050"/>
                 </a:solidFill>
                 <a:latin typeface="Arial" pitchFamily="34" charset="0"/>
                 <a:cs typeface="Arial" pitchFamily="34" charset="0"/>
               </a:rPr>
-              <a:t>“</a:t>
-            </a:r>
-            <a:r>
-              <a:rPr lang="en-US" sz="2000" dirty="0" smtClean="0">
-                <a:solidFill>
-                  <a:srgbClr val="FF0000"/>
-                </a:solidFill>
-                <a:latin typeface="Arial" pitchFamily="34" charset="0"/>
-                <a:cs typeface="Arial" pitchFamily="34" charset="0"/>
-              </a:rPr>
-              <a:t>name</a:t>
-            </a:r>
-            <a:r>
-              <a:rPr lang="en-US" sz="2000" dirty="0" smtClean="0">
-                <a:solidFill>
-                  <a:srgbClr val="00B050"/>
-                </a:solidFill>
-                <a:latin typeface="Arial" pitchFamily="34" charset="0"/>
-                <a:cs typeface="Arial" pitchFamily="34" charset="0"/>
-              </a:rPr>
-              <a:t>” - </a:t>
-            </a:r>
-            <a:r>
-              <a:rPr lang="en-US" sz="2000" dirty="0" smtClean="0">
+              <a:t>="</a:t>
+            </a:r>
+            <a:r>
+              <a:rPr lang="en-US" sz="2000" dirty="0" err="1" smtClean="0">
                 <a:solidFill>
                   <a:schemeClr val="tx2">
                     <a:lumMod val="60000"/>
@@ -16982,7 +17662,7 @@
                 <a:latin typeface="Arial" pitchFamily="34" charset="0"/>
                 <a:cs typeface="Arial" pitchFamily="34" charset="0"/>
               </a:rPr>
-              <a:t>required</a:t>
+              <a:t>regex</a:t>
             </a:r>
             <a:r>
               <a:rPr lang="en-US" sz="2000" dirty="0" smtClean="0">
@@ -16992,214 +17672,239 @@
                 <a:latin typeface="Arial" pitchFamily="34" charset="0"/>
                 <a:cs typeface="Arial" pitchFamily="34" charset="0"/>
               </a:rPr>
+              <a:t>(</a:t>
+            </a:r>
+            <a:r>
+              <a:rPr lang="en-US" sz="2000" dirty="0" err="1" smtClean="0">
+                <a:solidFill>
+                  <a:srgbClr val="00B050"/>
+                </a:solidFill>
+                <a:latin typeface="Arial" pitchFamily="34" charset="0"/>
+                <a:cs typeface="Arial" pitchFamily="34" charset="0"/>
+              </a:rPr>
+              <a:t>abc,Must</a:t>
+            </a:r>
+            <a:r>
+              <a:rPr lang="en-US" sz="2000" dirty="0" smtClean="0">
+                <a:solidFill>
+                  <a:srgbClr val="00B050"/>
+                </a:solidFill>
+                <a:latin typeface="Arial" pitchFamily="34" charset="0"/>
+                <a:cs typeface="Arial" pitchFamily="34" charset="0"/>
+              </a:rPr>
+              <a:t> contain </a:t>
+            </a:r>
+            <a:r>
+              <a:rPr lang="en-US" sz="2000" dirty="0" err="1" smtClean="0">
+                <a:solidFill>
+                  <a:srgbClr val="00B050"/>
+                </a:solidFill>
+                <a:latin typeface="Arial" pitchFamily="34" charset="0"/>
+                <a:cs typeface="Arial" pitchFamily="34" charset="0"/>
+              </a:rPr>
+              <a:t>abc</a:t>
+            </a:r>
+            <a:r>
+              <a:rPr lang="en-US" sz="2000" dirty="0" smtClean="0">
+                <a:solidFill>
+                  <a:srgbClr val="00B050"/>
+                </a:solidFill>
+                <a:latin typeface="Arial" pitchFamily="34" charset="0"/>
+                <a:cs typeface="Arial" pitchFamily="34" charset="0"/>
+              </a:rPr>
+              <a:t>)"</a:t>
+            </a:r>
+            <a:r>
+              <a:rPr lang="en-US" sz="2000" dirty="0" smtClean="0">
+                <a:latin typeface="Arial" pitchFamily="34" charset="0"/>
+                <a:cs typeface="Arial" pitchFamily="34" charset="0"/>
+              </a:rPr>
               <a:t> </a:t>
             </a:r>
-            <a:r>
-              <a:rPr lang="en-US" sz="2000" dirty="0" smtClean="0">
-                <a:solidFill>
-                  <a:srgbClr val="00B050"/>
-                </a:solidFill>
-                <a:latin typeface="Arial" pitchFamily="34" charset="0"/>
-                <a:cs typeface="Arial" pitchFamily="34" charset="0"/>
-                <a:sym typeface="Wingdings" pitchFamily="2" charset="2"/>
-              </a:rPr>
-              <a:t></a:t>
-            </a:r>
-            <a:r>
-              <a:rPr lang="en-US" sz="2000" dirty="0" smtClean="0">
-                <a:solidFill>
-                  <a:srgbClr val="00B050"/>
-                </a:solidFill>
-                <a:latin typeface="Arial" pitchFamily="34" charset="0"/>
-                <a:cs typeface="Arial" pitchFamily="34" charset="0"/>
-              </a:rPr>
-              <a:t>html field name, </a:t>
-            </a:r>
-          </a:p>
-          <a:p>
-            <a:pPr lvl="1"/>
-            <a:r>
-              <a:rPr lang="en-US" sz="2000" dirty="0" smtClean="0">
-                <a:solidFill>
-                  <a:srgbClr val="00B050"/>
-                </a:solidFill>
-                <a:latin typeface="Arial" pitchFamily="34" charset="0"/>
-                <a:cs typeface="Arial" pitchFamily="34" charset="0"/>
-              </a:rPr>
-              <a:t>“</a:t>
-            </a:r>
-            <a:r>
-              <a:rPr lang="en-US" sz="2000" dirty="0" smtClean="0">
-                <a:solidFill>
-                  <a:srgbClr val="FF0000"/>
-                </a:solidFill>
-                <a:latin typeface="Arial" pitchFamily="34" charset="0"/>
-                <a:cs typeface="Arial" pitchFamily="34" charset="0"/>
-              </a:rPr>
-              <a:t>rules</a:t>
-            </a:r>
-            <a:r>
-              <a:rPr lang="en-US" sz="2000" dirty="0" smtClean="0">
-                <a:solidFill>
-                  <a:srgbClr val="00B050"/>
-                </a:solidFill>
-                <a:latin typeface="Arial" pitchFamily="34" charset="0"/>
-                <a:cs typeface="Arial" pitchFamily="34" charset="0"/>
-              </a:rPr>
-              <a:t>” – </a:t>
-            </a:r>
-            <a:r>
-              <a:rPr lang="en-US" sz="2000" dirty="0" smtClean="0">
-                <a:solidFill>
-                  <a:schemeClr val="tx2">
-                    <a:lumMod val="60000"/>
-                    <a:lumOff val="40000"/>
-                  </a:schemeClr>
-                </a:solidFill>
-                <a:latin typeface="Arial" pitchFamily="34" charset="0"/>
-                <a:cs typeface="Arial" pitchFamily="34" charset="0"/>
-              </a:rPr>
-              <a:t>required</a:t>
-            </a:r>
-            <a:r>
-              <a:rPr lang="en-US" sz="2000" dirty="0" smtClean="0">
-                <a:solidFill>
-                  <a:srgbClr val="00B050"/>
-                </a:solidFill>
-                <a:latin typeface="Arial" pitchFamily="34" charset="0"/>
-                <a:cs typeface="Arial" pitchFamily="34" charset="0"/>
-              </a:rPr>
-              <a:t> </a:t>
-            </a:r>
-            <a:r>
-              <a:rPr lang="en-US" sz="2000" dirty="0" smtClean="0">
-                <a:solidFill>
-                  <a:srgbClr val="00B050"/>
-                </a:solidFill>
-                <a:latin typeface="Arial" pitchFamily="34" charset="0"/>
-                <a:cs typeface="Arial" pitchFamily="34" charset="0"/>
-                <a:sym typeface="Wingdings" pitchFamily="2" charset="2"/>
-              </a:rPr>
-              <a:t></a:t>
-            </a:r>
-            <a:r>
-              <a:rPr lang="en-US" sz="2000" dirty="0" smtClean="0">
-                <a:solidFill>
-                  <a:srgbClr val="00B050"/>
-                </a:solidFill>
-                <a:latin typeface="Arial" pitchFamily="34" charset="0"/>
-                <a:cs typeface="Arial" pitchFamily="34" charset="0"/>
-              </a:rPr>
-              <a:t>either a predefined or custom rule, </a:t>
-            </a:r>
-          </a:p>
-          <a:p>
-            <a:pPr lvl="1"/>
-            <a:r>
-              <a:rPr lang="en-US" sz="2000" dirty="0" smtClean="0">
-                <a:solidFill>
-                  <a:srgbClr val="00B050"/>
-                </a:solidFill>
-                <a:latin typeface="Arial" pitchFamily="34" charset="0"/>
-                <a:cs typeface="Arial" pitchFamily="34" charset="0"/>
-              </a:rPr>
-              <a:t>“</a:t>
-            </a:r>
-            <a:r>
-              <a:rPr lang="en-US" sz="2000" dirty="0" smtClean="0">
-                <a:solidFill>
-                  <a:srgbClr val="FF0000"/>
-                </a:solidFill>
-                <a:latin typeface="Arial" pitchFamily="34" charset="0"/>
-                <a:cs typeface="Arial" pitchFamily="34" charset="0"/>
-              </a:rPr>
-              <a:t>depends</a:t>
-            </a:r>
-            <a:r>
-              <a:rPr lang="en-US" sz="2000" dirty="0" smtClean="0">
-                <a:solidFill>
-                  <a:srgbClr val="00B050"/>
-                </a:solidFill>
-                <a:latin typeface="Arial" pitchFamily="34" charset="0"/>
-                <a:cs typeface="Arial" pitchFamily="34" charset="0"/>
-              </a:rPr>
-              <a:t>” </a:t>
-            </a:r>
-            <a:r>
-              <a:rPr lang="en-US" sz="2000" dirty="0" smtClean="0">
-                <a:solidFill>
-                  <a:srgbClr val="00B050"/>
-                </a:solidFill>
-                <a:latin typeface="Arial" pitchFamily="34" charset="0"/>
-                <a:cs typeface="Arial" pitchFamily="34" charset="0"/>
-                <a:sym typeface="Wingdings" pitchFamily="2" charset="2"/>
-              </a:rPr>
-              <a:t>-</a:t>
-            </a:r>
-            <a:r>
-              <a:rPr lang="en-US" sz="2000" dirty="0" smtClean="0">
-                <a:solidFill>
-                  <a:srgbClr val="00B050"/>
-                </a:solidFill>
-                <a:latin typeface="Arial" pitchFamily="34" charset="0"/>
-                <a:cs typeface="Arial" pitchFamily="34" charset="0"/>
-              </a:rPr>
-              <a:t> </a:t>
-            </a:r>
-            <a:r>
-              <a:rPr lang="en-US" sz="2000" dirty="0" err="1" smtClean="0">
-                <a:solidFill>
-                  <a:schemeClr val="tx2">
-                    <a:lumMod val="60000"/>
-                    <a:lumOff val="40000"/>
-                  </a:schemeClr>
-                </a:solidFill>
-                <a:latin typeface="Arial" pitchFamily="34" charset="0"/>
-                <a:cs typeface="Arial" pitchFamily="34" charset="0"/>
-              </a:rPr>
-              <a:t>optional</a:t>
-            </a:r>
-            <a:r>
-              <a:rPr lang="en-US" sz="2000" dirty="0" err="1" smtClean="0">
-                <a:solidFill>
-                  <a:srgbClr val="00B050"/>
-                </a:solidFill>
-                <a:latin typeface="Arial" pitchFamily="34" charset="0"/>
-                <a:cs typeface="Arial" pitchFamily="34" charset="0"/>
-                <a:sym typeface="Wingdings" pitchFamily="2" charset="2"/>
-              </a:rPr>
-              <a:t></a:t>
-            </a:r>
-            <a:r>
-              <a:rPr lang="en-US" sz="2000" dirty="0" err="1" smtClean="0">
-                <a:solidFill>
-                  <a:srgbClr val="00B050"/>
-                </a:solidFill>
-                <a:latin typeface="Arial" pitchFamily="34" charset="0"/>
-                <a:cs typeface="Arial" pitchFamily="34" charset="0"/>
-              </a:rPr>
-              <a:t>a</a:t>
-            </a:r>
-            <a:r>
-              <a:rPr lang="en-US" sz="2000" dirty="0" smtClean="0">
-                <a:solidFill>
-                  <a:srgbClr val="00B050"/>
-                </a:solidFill>
-                <a:latin typeface="Arial" pitchFamily="34" charset="0"/>
-                <a:cs typeface="Arial" pitchFamily="34" charset="0"/>
-              </a:rPr>
-              <a:t> function that runs before the field is validated, if it returns “false” the field will not be validated.</a:t>
-            </a:r>
-            <a:endParaRPr lang="en-US" sz="2000" dirty="0">
-              <a:solidFill>
-                <a:srgbClr val="00B050"/>
-              </a:solidFill>
+          </a:p>
+          <a:p>
+            <a:pPr>
+              <a:buNone/>
+            </a:pPr>
+            <a:endParaRPr lang="en-US" sz="2000" dirty="0" smtClean="0">
               <a:latin typeface="Arial" pitchFamily="34" charset="0"/>
               <a:cs typeface="Arial" pitchFamily="34" charset="0"/>
             </a:endParaRPr>
           </a:p>
           <a:p>
-            <a:endParaRPr lang="en-US" sz="2000" dirty="0">
+            <a:pPr>
+              <a:buNone/>
+            </a:pPr>
+            <a:r>
+              <a:rPr lang="en-US" sz="2000" dirty="0" smtClean="0">
+                <a:latin typeface="Arial" pitchFamily="34" charset="0"/>
+                <a:cs typeface="Arial" pitchFamily="34" charset="0"/>
+              </a:rPr>
+              <a:t>- Custom Validation/function: </a:t>
+            </a:r>
+            <a:r>
+              <a:rPr lang="en-US" sz="2000" dirty="0" smtClean="0">
+                <a:solidFill>
+                  <a:srgbClr val="FF0000"/>
+                </a:solidFill>
+                <a:latin typeface="Arial" pitchFamily="34" charset="0"/>
+                <a:cs typeface="Arial" pitchFamily="34" charset="0"/>
+              </a:rPr>
+              <a:t>data-validate</a:t>
+            </a:r>
+            <a:r>
+              <a:rPr lang="en-US" sz="2000" dirty="0" smtClean="0">
+                <a:solidFill>
+                  <a:srgbClr val="00B050"/>
+                </a:solidFill>
+                <a:latin typeface="Arial" pitchFamily="34" charset="0"/>
+                <a:cs typeface="Arial" pitchFamily="34" charset="0"/>
+              </a:rPr>
+              <a:t>=“</a:t>
+            </a:r>
+            <a:r>
+              <a:rPr lang="en-US" sz="2000" dirty="0" err="1" smtClean="0">
+                <a:solidFill>
+                  <a:srgbClr val="00B050"/>
+                </a:solidFill>
+                <a:latin typeface="Arial" pitchFamily="34" charset="0"/>
+                <a:cs typeface="Arial" pitchFamily="34" charset="0"/>
+              </a:rPr>
+              <a:t>customValidationFcn</a:t>
+            </a:r>
+            <a:r>
+              <a:rPr lang="en-US" sz="2000" dirty="0" smtClean="0">
+                <a:solidFill>
+                  <a:srgbClr val="00B050"/>
+                </a:solidFill>
+                <a:latin typeface="Arial" pitchFamily="34" charset="0"/>
+                <a:cs typeface="Arial" pitchFamily="34" charset="0"/>
+              </a:rPr>
+              <a:t>"</a:t>
+            </a:r>
+          </a:p>
+          <a:p>
+            <a:pPr>
+              <a:buNone/>
+            </a:pPr>
+            <a:r>
+              <a:rPr lang="en-US" sz="2000" dirty="0" smtClean="0">
+                <a:latin typeface="Arial" pitchFamily="34" charset="0"/>
+                <a:cs typeface="Arial" pitchFamily="34" charset="0"/>
+              </a:rPr>
+              <a:t> </a:t>
+            </a:r>
+          </a:p>
+          <a:p>
+            <a:pPr>
+              <a:buNone/>
+            </a:pPr>
+            <a:r>
+              <a:rPr lang="en-US" sz="2000" b="1" dirty="0" smtClean="0">
+                <a:latin typeface="Arial" pitchFamily="34" charset="0"/>
+                <a:cs typeface="Arial" pitchFamily="34" charset="0"/>
+              </a:rPr>
+              <a:t>Some other properties:</a:t>
+            </a:r>
+          </a:p>
+          <a:p>
+            <a:pPr>
+              <a:buNone/>
+            </a:pPr>
+            <a:r>
+              <a:rPr lang="en-US" sz="2000" dirty="0" err="1" smtClean="0">
+                <a:solidFill>
+                  <a:srgbClr val="FF0000"/>
+                </a:solidFill>
+                <a:latin typeface="Arial" pitchFamily="34" charset="0"/>
+                <a:cs typeface="Arial" pitchFamily="34" charset="0"/>
+              </a:rPr>
+              <a:t>hideErrorOnChange</a:t>
+            </a:r>
+            <a:r>
+              <a:rPr lang="en-US" sz="2000" dirty="0" err="1" smtClean="0">
+                <a:latin typeface="Arial" pitchFamily="34" charset="0"/>
+                <a:cs typeface="Arial" pitchFamily="34" charset="0"/>
+                <a:sym typeface="Wingdings" pitchFamily="2" charset="2"/>
+              </a:rPr>
+              <a:t></a:t>
+            </a:r>
+            <a:r>
+              <a:rPr lang="en-US" sz="2000" dirty="0" err="1" smtClean="0">
+                <a:solidFill>
+                  <a:srgbClr val="00B050"/>
+                </a:solidFill>
+                <a:latin typeface="Arial" pitchFamily="34" charset="0"/>
+                <a:cs typeface="Arial" pitchFamily="34" charset="0"/>
+              </a:rPr>
+              <a:t>Hide</a:t>
+            </a:r>
+            <a:r>
+              <a:rPr lang="en-US" sz="2000" dirty="0" smtClean="0">
+                <a:solidFill>
+                  <a:srgbClr val="00B050"/>
+                </a:solidFill>
+                <a:latin typeface="Arial" pitchFamily="34" charset="0"/>
+                <a:cs typeface="Arial" pitchFamily="34" charset="0"/>
+              </a:rPr>
+              <a:t> error while the user is editing the field</a:t>
+            </a:r>
+            <a:r>
+              <a:rPr lang="en-US" sz="2000" dirty="0" smtClean="0">
+                <a:latin typeface="Arial" pitchFamily="34" charset="0"/>
+                <a:cs typeface="Arial" pitchFamily="34" charset="0"/>
+              </a:rPr>
+              <a:t> </a:t>
+            </a:r>
+          </a:p>
+          <a:p>
+            <a:pPr>
+              <a:buNone/>
+            </a:pPr>
+            <a:r>
+              <a:rPr lang="en-US" sz="2000" dirty="0" err="1" smtClean="0">
+                <a:solidFill>
+                  <a:srgbClr val="FF0000"/>
+                </a:solidFill>
+                <a:latin typeface="Arial" pitchFamily="34" charset="0"/>
+                <a:cs typeface="Arial" pitchFamily="34" charset="0"/>
+              </a:rPr>
+              <a:t>beforeSubmit</a:t>
+            </a:r>
+            <a:r>
+              <a:rPr lang="en-US" sz="2000" dirty="0" err="1" smtClean="0">
+                <a:latin typeface="Arial" pitchFamily="34" charset="0"/>
+                <a:cs typeface="Arial" pitchFamily="34" charset="0"/>
+                <a:sym typeface="Wingdings" pitchFamily="2" charset="2"/>
+              </a:rPr>
+              <a:t></a:t>
+            </a:r>
+            <a:r>
+              <a:rPr lang="en-US" sz="2000" dirty="0" err="1" smtClean="0">
+                <a:solidFill>
+                  <a:srgbClr val="00B050"/>
+                </a:solidFill>
+                <a:latin typeface="Arial" pitchFamily="34" charset="0"/>
+                <a:cs typeface="Arial" pitchFamily="34" charset="0"/>
+              </a:rPr>
+              <a:t>Pre</a:t>
+            </a:r>
+            <a:r>
+              <a:rPr lang="en-US" sz="2000" dirty="0" smtClean="0">
+                <a:solidFill>
+                  <a:srgbClr val="00B050"/>
+                </a:solidFill>
+                <a:latin typeface="Arial" pitchFamily="34" charset="0"/>
+                <a:cs typeface="Arial" pitchFamily="34" charset="0"/>
+              </a:rPr>
+              <a:t>-form-submit hook/function. If returns true, form will submit</a:t>
+            </a:r>
+          </a:p>
+          <a:p>
+            <a:pPr>
+              <a:buNone/>
+            </a:pPr>
+            <a:endParaRPr lang="en-US" sz="2000" dirty="0" smtClean="0">
               <a:latin typeface="Arial" pitchFamily="34" charset="0"/>
               <a:cs typeface="Arial" pitchFamily="34" charset="0"/>
             </a:endParaRPr>
@@ -17290,6 +17995,572 @@
       </p:grpSpPr>
       <p:sp>
         <p:nvSpPr>
+          <p:cNvPr id="2" name="Title 1"/>
+          <p:cNvSpPr>
+            <a:spLocks noGrp="1"/>
+          </p:cNvSpPr>
+          <p:nvPr>
+            <p:ph type="title"/>
+          </p:nvPr>
+        </p:nvSpPr>
+        <p:spPr>
+          <a:xfrm>
+            <a:off x="457200" y="274638"/>
+            <a:ext cx="8229600" cy="944562"/>
+          </a:xfrm>
+        </p:spPr>
+        <p:txBody>
+          <a:bodyPr>
+            <a:noAutofit/>
+          </a:bodyPr>
+          <a:lstStyle/>
+          <a:p>
+            <a:pPr algn="l"/>
+            <a:r>
+              <a:rPr lang="en-US" sz="3600" b="1" dirty="0">
+                <a:solidFill>
+                  <a:srgbClr val="0070C0"/>
+                </a:solidFill>
+                <a:latin typeface="Arial" pitchFamily="34" charset="0"/>
+                <a:cs typeface="Arial" pitchFamily="34" charset="0"/>
+              </a:rPr>
+              <a:t/>
+            </a:r>
+            <a:br>
+              <a:rPr lang="en-US" sz="3600" b="1" dirty="0">
+                <a:solidFill>
+                  <a:srgbClr val="0070C0"/>
+                </a:solidFill>
+                <a:latin typeface="Arial" pitchFamily="34" charset="0"/>
+                <a:cs typeface="Arial" pitchFamily="34" charset="0"/>
+              </a:rPr>
+            </a:br>
+            <a:r>
+              <a:rPr lang="en-US" sz="3600" b="1" dirty="0">
+                <a:solidFill>
+                  <a:srgbClr val="0070C0"/>
+                </a:solidFill>
+                <a:latin typeface="Arial" pitchFamily="34" charset="0"/>
+                <a:cs typeface="Arial" pitchFamily="34" charset="0"/>
+              </a:rPr>
+              <a:t>Validate.js</a:t>
+            </a:r>
+            <a:r>
+              <a:rPr lang="en-US" sz="3600" b="1" i="1" dirty="0">
+                <a:solidFill>
+                  <a:srgbClr val="0070C0"/>
+                </a:solidFill>
+                <a:latin typeface="Arial" pitchFamily="34" charset="0"/>
+                <a:cs typeface="Arial" pitchFamily="34" charset="0"/>
+              </a:rPr>
+              <a:t>: </a:t>
+            </a:r>
+            <a:br>
+              <a:rPr lang="en-US" sz="3600" b="1" i="1" dirty="0">
+                <a:solidFill>
+                  <a:srgbClr val="0070C0"/>
+                </a:solidFill>
+                <a:latin typeface="Arial" pitchFamily="34" charset="0"/>
+                <a:cs typeface="Arial" pitchFamily="34" charset="0"/>
+              </a:rPr>
+            </a:br>
+            <a:endParaRPr lang="en-US" sz="3600" b="1" dirty="0">
+              <a:solidFill>
+                <a:srgbClr val="0070C0"/>
+              </a:solidFill>
+              <a:latin typeface="Arial" pitchFamily="34" charset="0"/>
+              <a:cs typeface="Arial" pitchFamily="34" charset="0"/>
+            </a:endParaRPr>
+          </a:p>
+        </p:txBody>
+      </p:sp>
+      <p:sp>
+        <p:nvSpPr>
+          <p:cNvPr id="3" name="Content Placeholder 2"/>
+          <p:cNvSpPr>
+            <a:spLocks noGrp="1"/>
+          </p:cNvSpPr>
+          <p:nvPr>
+            <p:ph idx="1"/>
+          </p:nvPr>
+        </p:nvSpPr>
+        <p:spPr>
+          <a:xfrm>
+            <a:off x="381000" y="1447800"/>
+            <a:ext cx="8458200" cy="4800600"/>
+          </a:xfrm>
+        </p:spPr>
+        <p:txBody>
+          <a:bodyPr>
+            <a:normAutofit/>
+          </a:bodyPr>
+          <a:lstStyle/>
+          <a:p>
+            <a:r>
+              <a:rPr lang="en-US" sz="2000" dirty="0" smtClean="0">
+                <a:latin typeface="Arial" pitchFamily="34" charset="0"/>
+                <a:cs typeface="Arial" pitchFamily="34" charset="0"/>
+              </a:rPr>
+              <a:t>Introduces new object “</a:t>
+            </a:r>
+            <a:r>
+              <a:rPr lang="en-US" sz="2000" dirty="0" err="1" smtClean="0">
+                <a:solidFill>
+                  <a:srgbClr val="FF0000"/>
+                </a:solidFill>
+                <a:latin typeface="Arial" pitchFamily="34" charset="0"/>
+                <a:cs typeface="Arial" pitchFamily="34" charset="0"/>
+              </a:rPr>
+              <a:t>FormValidator</a:t>
+            </a:r>
+            <a:r>
+              <a:rPr lang="en-US" sz="2000" dirty="0" smtClean="0">
+                <a:latin typeface="Arial" pitchFamily="34" charset="0"/>
+                <a:cs typeface="Arial" pitchFamily="34" charset="0"/>
+              </a:rPr>
+              <a:t>”</a:t>
+            </a:r>
+          </a:p>
+          <a:p>
+            <a:endParaRPr lang="en-US" sz="2000" dirty="0" smtClean="0">
+              <a:latin typeface="Arial" pitchFamily="34" charset="0"/>
+              <a:cs typeface="Arial" pitchFamily="34" charset="0"/>
+            </a:endParaRPr>
+          </a:p>
+          <a:p>
+            <a:r>
+              <a:rPr lang="en-US" sz="2000" dirty="0" smtClean="0">
+                <a:latin typeface="Arial" pitchFamily="34" charset="0"/>
+                <a:cs typeface="Arial" pitchFamily="34" charset="0"/>
+              </a:rPr>
+              <a:t>Definition: </a:t>
+            </a:r>
+            <a:r>
+              <a:rPr lang="en-US" sz="2000" dirty="0" err="1" smtClean="0">
+                <a:solidFill>
+                  <a:srgbClr val="00B050"/>
+                </a:solidFill>
+                <a:latin typeface="Arial" pitchFamily="34" charset="0"/>
+                <a:cs typeface="Arial" pitchFamily="34" charset="0"/>
+              </a:rPr>
+              <a:t>var</a:t>
+            </a:r>
+            <a:r>
+              <a:rPr lang="en-US" sz="2000" dirty="0" smtClean="0">
+                <a:solidFill>
+                  <a:srgbClr val="00B050"/>
+                </a:solidFill>
+                <a:latin typeface="Arial" pitchFamily="34" charset="0"/>
+                <a:cs typeface="Arial" pitchFamily="34" charset="0"/>
+              </a:rPr>
+              <a:t> </a:t>
+            </a:r>
+            <a:r>
+              <a:rPr lang="en-US" sz="2000" dirty="0" err="1" smtClean="0">
+                <a:solidFill>
+                  <a:srgbClr val="00B050"/>
+                </a:solidFill>
+                <a:latin typeface="Arial" pitchFamily="34" charset="0"/>
+                <a:cs typeface="Arial" pitchFamily="34" charset="0"/>
+              </a:rPr>
+              <a:t>validator</a:t>
+            </a:r>
+            <a:r>
+              <a:rPr lang="en-US" sz="2000" dirty="0" smtClean="0">
+                <a:solidFill>
+                  <a:srgbClr val="00B050"/>
+                </a:solidFill>
+                <a:latin typeface="Arial" pitchFamily="34" charset="0"/>
+                <a:cs typeface="Arial" pitchFamily="34" charset="0"/>
+              </a:rPr>
+              <a:t> = new </a:t>
+            </a:r>
+            <a:r>
+              <a:rPr lang="en-US" sz="2000" dirty="0" err="1" smtClean="0">
+                <a:solidFill>
+                  <a:srgbClr val="FF0000"/>
+                </a:solidFill>
+                <a:latin typeface="Arial" pitchFamily="34" charset="0"/>
+                <a:cs typeface="Arial" pitchFamily="34" charset="0"/>
+              </a:rPr>
+              <a:t>FormValidator</a:t>
+            </a:r>
+            <a:r>
+              <a:rPr lang="en-US" sz="2000" dirty="0" smtClean="0">
+                <a:solidFill>
+                  <a:srgbClr val="00B050"/>
+                </a:solidFill>
+                <a:latin typeface="Arial" pitchFamily="34" charset="0"/>
+                <a:cs typeface="Arial" pitchFamily="34" charset="0"/>
+              </a:rPr>
+              <a:t> ({</a:t>
+            </a:r>
+            <a:r>
+              <a:rPr lang="en-US" sz="2000" dirty="0" err="1" smtClean="0">
+                <a:solidFill>
+                  <a:srgbClr val="0070C0"/>
+                </a:solidFill>
+                <a:latin typeface="Arial" pitchFamily="34" charset="0"/>
+                <a:cs typeface="Arial" pitchFamily="34" charset="0"/>
+              </a:rPr>
+              <a:t>formName</a:t>
+            </a:r>
+            <a:r>
+              <a:rPr lang="en-US" sz="2000" dirty="0" smtClean="0">
+                <a:solidFill>
+                  <a:srgbClr val="00B050"/>
+                </a:solidFill>
+                <a:latin typeface="Arial" pitchFamily="34" charset="0"/>
+                <a:cs typeface="Arial" pitchFamily="34" charset="0"/>
+              </a:rPr>
+              <a:t>}, </a:t>
+            </a:r>
+            <a:r>
+              <a:rPr lang="en-US" sz="2000" dirty="0" smtClean="0">
+                <a:solidFill>
+                  <a:srgbClr val="0070C0"/>
+                </a:solidFill>
+                <a:latin typeface="Arial" pitchFamily="34" charset="0"/>
+                <a:cs typeface="Arial" pitchFamily="34" charset="0"/>
+              </a:rPr>
+              <a:t>fields</a:t>
+            </a:r>
+            <a:r>
+              <a:rPr lang="en-US" sz="2000" dirty="0" smtClean="0">
+                <a:solidFill>
+                  <a:srgbClr val="00B050"/>
+                </a:solidFill>
+                <a:latin typeface="Arial" pitchFamily="34" charset="0"/>
+                <a:cs typeface="Arial" pitchFamily="34" charset="0"/>
+              </a:rPr>
+              <a:t>, </a:t>
+            </a:r>
+            <a:r>
+              <a:rPr lang="en-US" sz="2000" dirty="0" smtClean="0">
+                <a:solidFill>
+                  <a:srgbClr val="0070C0"/>
+                </a:solidFill>
+                <a:latin typeface="Arial" pitchFamily="34" charset="0"/>
+                <a:cs typeface="Arial" pitchFamily="34" charset="0"/>
+              </a:rPr>
+              <a:t>callback</a:t>
+            </a:r>
+            <a:r>
+              <a:rPr lang="en-US" sz="2000" dirty="0" smtClean="0">
+                <a:solidFill>
+                  <a:srgbClr val="00B050"/>
+                </a:solidFill>
+                <a:latin typeface="Arial" pitchFamily="34" charset="0"/>
+                <a:cs typeface="Arial" pitchFamily="34" charset="0"/>
+              </a:rPr>
+              <a:t>) </a:t>
+            </a:r>
+          </a:p>
+          <a:p>
+            <a:endParaRPr lang="en-US" sz="2000" dirty="0" smtClean="0">
+              <a:solidFill>
+                <a:srgbClr val="00B050"/>
+              </a:solidFill>
+              <a:latin typeface="Arial" pitchFamily="34" charset="0"/>
+              <a:cs typeface="Arial" pitchFamily="34" charset="0"/>
+            </a:endParaRPr>
+          </a:p>
+          <a:p>
+            <a:r>
+              <a:rPr lang="en-US" sz="2000" dirty="0" smtClean="0">
+                <a:latin typeface="Arial" pitchFamily="34" charset="0"/>
+                <a:cs typeface="Arial" pitchFamily="34" charset="0"/>
+              </a:rPr>
+              <a:t>Callback: A function that will fire after all validation rules are success.</a:t>
+            </a:r>
+          </a:p>
+          <a:p>
+            <a:endParaRPr lang="en-US" sz="2000" dirty="0" smtClean="0">
+              <a:solidFill>
+                <a:srgbClr val="00B050"/>
+              </a:solidFill>
+              <a:latin typeface="Arial" pitchFamily="34" charset="0"/>
+              <a:cs typeface="Arial" pitchFamily="34" charset="0"/>
+            </a:endParaRPr>
+          </a:p>
+          <a:p>
+            <a:r>
+              <a:rPr lang="en-US" sz="2000" dirty="0" smtClean="0">
+                <a:latin typeface="Arial" pitchFamily="34" charset="0"/>
+                <a:cs typeface="Arial" pitchFamily="34" charset="0"/>
+              </a:rPr>
+              <a:t>Fields: Array of the form fields that’s being constructed as</a:t>
+            </a:r>
+          </a:p>
+          <a:p>
+            <a:pPr lvl="1"/>
+            <a:r>
+              <a:rPr lang="en-US" sz="2000" dirty="0" smtClean="0">
+                <a:solidFill>
+                  <a:srgbClr val="00B050"/>
+                </a:solidFill>
+                <a:latin typeface="Arial" pitchFamily="34" charset="0"/>
+                <a:cs typeface="Arial" pitchFamily="34" charset="0"/>
+              </a:rPr>
+              <a:t>“</a:t>
+            </a:r>
+            <a:r>
+              <a:rPr lang="en-US" sz="2000" dirty="0" smtClean="0">
+                <a:solidFill>
+                  <a:srgbClr val="FF0000"/>
+                </a:solidFill>
+                <a:latin typeface="Arial" pitchFamily="34" charset="0"/>
+                <a:cs typeface="Arial" pitchFamily="34" charset="0"/>
+              </a:rPr>
+              <a:t>name</a:t>
+            </a:r>
+            <a:r>
+              <a:rPr lang="en-US" sz="2000" dirty="0" smtClean="0">
+                <a:solidFill>
+                  <a:srgbClr val="00B050"/>
+                </a:solidFill>
+                <a:latin typeface="Arial" pitchFamily="34" charset="0"/>
+                <a:cs typeface="Arial" pitchFamily="34" charset="0"/>
+              </a:rPr>
+              <a:t>” - </a:t>
+            </a:r>
+            <a:r>
+              <a:rPr lang="en-US" sz="2000" dirty="0" smtClean="0">
+                <a:solidFill>
+                  <a:schemeClr val="tx2">
+                    <a:lumMod val="60000"/>
+                    <a:lumOff val="40000"/>
+                  </a:schemeClr>
+                </a:solidFill>
+                <a:latin typeface="Arial" pitchFamily="34" charset="0"/>
+                <a:cs typeface="Arial" pitchFamily="34" charset="0"/>
+              </a:rPr>
+              <a:t>required</a:t>
+            </a:r>
+            <a:r>
+              <a:rPr lang="en-US" sz="2000" dirty="0" smtClean="0">
+                <a:solidFill>
+                  <a:srgbClr val="00B050"/>
+                </a:solidFill>
+                <a:latin typeface="Arial" pitchFamily="34" charset="0"/>
+                <a:cs typeface="Arial" pitchFamily="34" charset="0"/>
+              </a:rPr>
+              <a:t> </a:t>
+            </a:r>
+            <a:r>
+              <a:rPr lang="en-US" sz="2000" dirty="0" smtClean="0">
+                <a:solidFill>
+                  <a:srgbClr val="00B050"/>
+                </a:solidFill>
+                <a:latin typeface="Arial" pitchFamily="34" charset="0"/>
+                <a:cs typeface="Arial" pitchFamily="34" charset="0"/>
+                <a:sym typeface="Wingdings" pitchFamily="2" charset="2"/>
+              </a:rPr>
+              <a:t></a:t>
+            </a:r>
+            <a:r>
+              <a:rPr lang="en-US" sz="2000" dirty="0" smtClean="0">
+                <a:solidFill>
+                  <a:srgbClr val="00B050"/>
+                </a:solidFill>
+                <a:latin typeface="Arial" pitchFamily="34" charset="0"/>
+                <a:cs typeface="Arial" pitchFamily="34" charset="0"/>
+              </a:rPr>
+              <a:t>html field name, </a:t>
+            </a:r>
+          </a:p>
+          <a:p>
+            <a:pPr lvl="1"/>
+            <a:r>
+              <a:rPr lang="en-US" sz="2000" dirty="0" smtClean="0">
+                <a:solidFill>
+                  <a:srgbClr val="00B050"/>
+                </a:solidFill>
+                <a:latin typeface="Arial" pitchFamily="34" charset="0"/>
+                <a:cs typeface="Arial" pitchFamily="34" charset="0"/>
+              </a:rPr>
+              <a:t>“</a:t>
+            </a:r>
+            <a:r>
+              <a:rPr lang="en-US" sz="2000" dirty="0" smtClean="0">
+                <a:solidFill>
+                  <a:srgbClr val="FF0000"/>
+                </a:solidFill>
+                <a:latin typeface="Arial" pitchFamily="34" charset="0"/>
+                <a:cs typeface="Arial" pitchFamily="34" charset="0"/>
+              </a:rPr>
+              <a:t>rules</a:t>
+            </a:r>
+            <a:r>
+              <a:rPr lang="en-US" sz="2000" dirty="0" smtClean="0">
+                <a:solidFill>
+                  <a:srgbClr val="00B050"/>
+                </a:solidFill>
+                <a:latin typeface="Arial" pitchFamily="34" charset="0"/>
+                <a:cs typeface="Arial" pitchFamily="34" charset="0"/>
+              </a:rPr>
+              <a:t>” – </a:t>
+            </a:r>
+            <a:r>
+              <a:rPr lang="en-US" sz="2000" dirty="0" smtClean="0">
+                <a:solidFill>
+                  <a:schemeClr val="tx2">
+                    <a:lumMod val="60000"/>
+                    <a:lumOff val="40000"/>
+                  </a:schemeClr>
+                </a:solidFill>
+                <a:latin typeface="Arial" pitchFamily="34" charset="0"/>
+                <a:cs typeface="Arial" pitchFamily="34" charset="0"/>
+              </a:rPr>
+              <a:t>required</a:t>
+            </a:r>
+            <a:r>
+              <a:rPr lang="en-US" sz="2000" dirty="0" smtClean="0">
+                <a:solidFill>
+                  <a:srgbClr val="00B050"/>
+                </a:solidFill>
+                <a:latin typeface="Arial" pitchFamily="34" charset="0"/>
+                <a:cs typeface="Arial" pitchFamily="34" charset="0"/>
+              </a:rPr>
+              <a:t> </a:t>
+            </a:r>
+            <a:r>
+              <a:rPr lang="en-US" sz="2000" dirty="0" smtClean="0">
+                <a:solidFill>
+                  <a:srgbClr val="00B050"/>
+                </a:solidFill>
+                <a:latin typeface="Arial" pitchFamily="34" charset="0"/>
+                <a:cs typeface="Arial" pitchFamily="34" charset="0"/>
+                <a:sym typeface="Wingdings" pitchFamily="2" charset="2"/>
+              </a:rPr>
+              <a:t></a:t>
+            </a:r>
+            <a:r>
+              <a:rPr lang="en-US" sz="2000" dirty="0" smtClean="0">
+                <a:solidFill>
+                  <a:srgbClr val="00B050"/>
+                </a:solidFill>
+                <a:latin typeface="Arial" pitchFamily="34" charset="0"/>
+                <a:cs typeface="Arial" pitchFamily="34" charset="0"/>
+              </a:rPr>
+              <a:t>either a predefined or custom rule, </a:t>
+            </a:r>
+          </a:p>
+          <a:p>
+            <a:pPr lvl="1"/>
+            <a:r>
+              <a:rPr lang="en-US" sz="2000" dirty="0" smtClean="0">
+                <a:solidFill>
+                  <a:srgbClr val="00B050"/>
+                </a:solidFill>
+                <a:latin typeface="Arial" pitchFamily="34" charset="0"/>
+                <a:cs typeface="Arial" pitchFamily="34" charset="0"/>
+              </a:rPr>
+              <a:t>“</a:t>
+            </a:r>
+            <a:r>
+              <a:rPr lang="en-US" sz="2000" dirty="0" smtClean="0">
+                <a:solidFill>
+                  <a:srgbClr val="FF0000"/>
+                </a:solidFill>
+                <a:latin typeface="Arial" pitchFamily="34" charset="0"/>
+                <a:cs typeface="Arial" pitchFamily="34" charset="0"/>
+              </a:rPr>
+              <a:t>depends</a:t>
+            </a:r>
+            <a:r>
+              <a:rPr lang="en-US" sz="2000" dirty="0" smtClean="0">
+                <a:solidFill>
+                  <a:srgbClr val="00B050"/>
+                </a:solidFill>
+                <a:latin typeface="Arial" pitchFamily="34" charset="0"/>
+                <a:cs typeface="Arial" pitchFamily="34" charset="0"/>
+              </a:rPr>
+              <a:t>” </a:t>
+            </a:r>
+            <a:r>
+              <a:rPr lang="en-US" sz="2000" dirty="0" smtClean="0">
+                <a:solidFill>
+                  <a:srgbClr val="00B050"/>
+                </a:solidFill>
+                <a:latin typeface="Arial" pitchFamily="34" charset="0"/>
+                <a:cs typeface="Arial" pitchFamily="34" charset="0"/>
+                <a:sym typeface="Wingdings" pitchFamily="2" charset="2"/>
+              </a:rPr>
+              <a:t>-</a:t>
+            </a:r>
+            <a:r>
+              <a:rPr lang="en-US" sz="2000" dirty="0" smtClean="0">
+                <a:solidFill>
+                  <a:srgbClr val="00B050"/>
+                </a:solidFill>
+                <a:latin typeface="Arial" pitchFamily="34" charset="0"/>
+                <a:cs typeface="Arial" pitchFamily="34" charset="0"/>
+              </a:rPr>
+              <a:t> </a:t>
+            </a:r>
+            <a:r>
+              <a:rPr lang="en-US" sz="2000" dirty="0" err="1" smtClean="0">
+                <a:solidFill>
+                  <a:schemeClr val="tx2">
+                    <a:lumMod val="60000"/>
+                    <a:lumOff val="40000"/>
+                  </a:schemeClr>
+                </a:solidFill>
+                <a:latin typeface="Arial" pitchFamily="34" charset="0"/>
+                <a:cs typeface="Arial" pitchFamily="34" charset="0"/>
+              </a:rPr>
+              <a:t>optional</a:t>
+            </a:r>
+            <a:r>
+              <a:rPr lang="en-US" sz="2000" dirty="0" err="1" smtClean="0">
+                <a:solidFill>
+                  <a:srgbClr val="00B050"/>
+                </a:solidFill>
+                <a:latin typeface="Arial" pitchFamily="34" charset="0"/>
+                <a:cs typeface="Arial" pitchFamily="34" charset="0"/>
+                <a:sym typeface="Wingdings" pitchFamily="2" charset="2"/>
+              </a:rPr>
+              <a:t></a:t>
+            </a:r>
+            <a:r>
+              <a:rPr lang="en-US" sz="2000" dirty="0" err="1" smtClean="0">
+                <a:solidFill>
+                  <a:srgbClr val="00B050"/>
+                </a:solidFill>
+                <a:latin typeface="Arial" pitchFamily="34" charset="0"/>
+                <a:cs typeface="Arial" pitchFamily="34" charset="0"/>
+              </a:rPr>
+              <a:t>a</a:t>
+            </a:r>
+            <a:r>
+              <a:rPr lang="en-US" sz="2000" dirty="0" smtClean="0">
+                <a:solidFill>
+                  <a:srgbClr val="00B050"/>
+                </a:solidFill>
+                <a:latin typeface="Arial" pitchFamily="34" charset="0"/>
+                <a:cs typeface="Arial" pitchFamily="34" charset="0"/>
+              </a:rPr>
+              <a:t> function that runs before the field is validated, if it returns “false” the field will not be validated.</a:t>
+            </a:r>
+            <a:endParaRPr lang="en-US" sz="2000" dirty="0">
+              <a:solidFill>
+                <a:srgbClr val="00B050"/>
+              </a:solidFill>
+              <a:latin typeface="Arial" pitchFamily="34" charset="0"/>
+              <a:cs typeface="Arial" pitchFamily="34" charset="0"/>
+            </a:endParaRPr>
+          </a:p>
+          <a:p>
+            <a:endParaRPr lang="en-US" sz="2000" dirty="0">
+              <a:latin typeface="Arial" pitchFamily="34" charset="0"/>
+              <a:cs typeface="Arial" pitchFamily="34" charset="0"/>
+            </a:endParaRPr>
+          </a:p>
+        </p:txBody>
+      </p:sp>
+      <p:sp>
+        <p:nvSpPr>
           <p:cNvPr id="5" name="Slide Number Placeholder 4"/>
           <p:cNvSpPr>
             <a:spLocks noGrp="1"/>
@@ -17338,268 +18609,6 @@
           <a:noFill/>
         </p:spPr>
       </p:pic>
-      <p:sp>
-        <p:nvSpPr>
-          <p:cNvPr id="9" name="Title 1"/>
-          <p:cNvSpPr>
-            <a:spLocks noGrp="1"/>
-          </p:cNvSpPr>
-          <p:nvPr>
-            <p:ph type="title"/>
-          </p:nvPr>
-        </p:nvSpPr>
-        <p:spPr>
-          <a:xfrm>
-            <a:off x="457200" y="274638"/>
-            <a:ext cx="8229600" cy="944562"/>
-          </a:xfrm>
-        </p:spPr>
-        <p:txBody>
-          <a:bodyPr>
-            <a:noAutofit/>
-          </a:bodyPr>
-          <a:lstStyle/>
-          <a:p>
-            <a:pPr algn="l"/>
-            <a:r>
-              <a:rPr lang="en-US" sz="3600" b="1" dirty="0">
-                <a:solidFill>
-                  <a:srgbClr val="0070C0"/>
-                </a:solidFill>
-                <a:latin typeface="Arial" pitchFamily="34" charset="0"/>
-                <a:cs typeface="Arial" pitchFamily="34" charset="0"/>
-              </a:rPr>
-              <a:t/>
-            </a:r>
-            <a:br>
-              <a:rPr lang="en-US" sz="3600" b="1" dirty="0">
-                <a:solidFill>
-                  <a:srgbClr val="0070C0"/>
-                </a:solidFill>
-                <a:latin typeface="Arial" pitchFamily="34" charset="0"/>
-                <a:cs typeface="Arial" pitchFamily="34" charset="0"/>
-              </a:rPr>
-            </a:br>
-            <a:r>
-              <a:rPr lang="en-US" sz="3600" b="1" dirty="0" smtClean="0">
-                <a:solidFill>
-                  <a:srgbClr val="0070C0"/>
-                </a:solidFill>
-                <a:latin typeface="Arial" pitchFamily="34" charset="0"/>
-                <a:cs typeface="Arial" pitchFamily="34" charset="0"/>
-              </a:rPr>
-              <a:t>I don’t like:</a:t>
-            </a:r>
-            <a:r>
-              <a:rPr lang="en-US" sz="3600" b="1" i="1" dirty="0">
-                <a:solidFill>
-                  <a:srgbClr val="0070C0"/>
-                </a:solidFill>
-                <a:latin typeface="Arial" pitchFamily="34" charset="0"/>
-                <a:cs typeface="Arial" pitchFamily="34" charset="0"/>
-              </a:rPr>
-              <a:t/>
-            </a:r>
-            <a:br>
-              <a:rPr lang="en-US" sz="3600" b="1" i="1" dirty="0">
-                <a:solidFill>
-                  <a:srgbClr val="0070C0"/>
-                </a:solidFill>
-                <a:latin typeface="Arial" pitchFamily="34" charset="0"/>
-                <a:cs typeface="Arial" pitchFamily="34" charset="0"/>
-              </a:rPr>
-            </a:br>
-            <a:endParaRPr lang="en-US" sz="3600" b="1" dirty="0">
-              <a:solidFill>
-                <a:srgbClr val="0070C0"/>
-              </a:solidFill>
-              <a:latin typeface="Arial" pitchFamily="34" charset="0"/>
-              <a:cs typeface="Arial" pitchFamily="34" charset="0"/>
-            </a:endParaRPr>
-          </a:p>
-        </p:txBody>
-      </p:sp>
-      <p:sp>
-        <p:nvSpPr>
-          <p:cNvPr id="6" name="Content Placeholder 2"/>
-          <p:cNvSpPr>
-            <a:spLocks noGrp="1"/>
-          </p:cNvSpPr>
-          <p:nvPr>
-            <p:ph idx="1"/>
-          </p:nvPr>
-        </p:nvSpPr>
-        <p:spPr>
-          <a:xfrm>
-            <a:off x="304800" y="1447800"/>
-            <a:ext cx="8610600" cy="4114800"/>
-          </a:xfrm>
-        </p:spPr>
-        <p:txBody>
-          <a:bodyPr>
-            <a:normAutofit/>
-          </a:bodyPr>
-          <a:lstStyle/>
-          <a:p>
-            <a:pPr>
-              <a:buNone/>
-            </a:pPr>
-            <a:r>
-              <a:rPr lang="en-US" sz="2200" b="1" dirty="0" smtClean="0">
-                <a:solidFill>
-                  <a:srgbClr val="00B050"/>
-                </a:solidFill>
-                <a:latin typeface="Arial" pitchFamily="34" charset="0"/>
-                <a:cs typeface="Arial" pitchFamily="34" charset="0"/>
-              </a:rPr>
-              <a:t>Parsley.js: </a:t>
-            </a:r>
-            <a:r>
-              <a:rPr lang="en-US" sz="2200" dirty="0" smtClean="0">
-                <a:latin typeface="Arial" pitchFamily="34" charset="0"/>
-                <a:cs typeface="Arial" pitchFamily="34" charset="0"/>
-              </a:rPr>
-              <a:t>The documentation is not clear for the advanced usage. I think it can be done better than this.</a:t>
-            </a:r>
-          </a:p>
-          <a:p>
-            <a:pPr>
-              <a:buNone/>
-            </a:pPr>
-            <a:endParaRPr lang="en-US" sz="2200" b="1" dirty="0" smtClean="0">
-              <a:latin typeface="Arial" pitchFamily="34" charset="0"/>
-              <a:cs typeface="Arial" pitchFamily="34" charset="0"/>
-            </a:endParaRPr>
-          </a:p>
-          <a:p>
-            <a:pPr>
-              <a:buNone/>
-            </a:pPr>
-            <a:endParaRPr lang="en-US" sz="2200" b="1" dirty="0" smtClean="0">
-              <a:latin typeface="Arial" pitchFamily="34" charset="0"/>
-              <a:cs typeface="Arial" pitchFamily="34" charset="0"/>
-            </a:endParaRPr>
-          </a:p>
-          <a:p>
-            <a:pPr>
-              <a:buNone/>
-            </a:pPr>
-            <a:r>
-              <a:rPr lang="en-US" sz="2200" b="1" dirty="0" smtClean="0">
-                <a:solidFill>
-                  <a:srgbClr val="00B050"/>
-                </a:solidFill>
-                <a:latin typeface="Arial" pitchFamily="34" charset="0"/>
-                <a:cs typeface="Arial" pitchFamily="34" charset="0"/>
-              </a:rPr>
-              <a:t>Verify.js: </a:t>
-            </a:r>
-            <a:r>
-              <a:rPr lang="en-US" sz="2200" dirty="0" smtClean="0">
-                <a:latin typeface="Arial" pitchFamily="34" charset="0"/>
-                <a:cs typeface="Arial" pitchFamily="34" charset="0"/>
-              </a:rPr>
-              <a:t>Not a good option for big complicated applications in terms of features </a:t>
-            </a:r>
-            <a:r>
-              <a:rPr lang="en-US" sz="2200" i="1" dirty="0" smtClean="0">
-                <a:solidFill>
-                  <a:schemeClr val="bg1">
-                    <a:lumMod val="50000"/>
-                  </a:schemeClr>
-                </a:solidFill>
-                <a:latin typeface="Arial" pitchFamily="34" charset="0"/>
-                <a:cs typeface="Arial" pitchFamily="34" charset="0"/>
-              </a:rPr>
-              <a:t>(ex: no pre-defined validate on “change” event).</a:t>
-            </a:r>
-          </a:p>
-          <a:p>
-            <a:pPr>
-              <a:buNone/>
-            </a:pPr>
-            <a:endParaRPr lang="en-US" sz="2200" b="1" dirty="0" smtClean="0">
-              <a:latin typeface="Arial" pitchFamily="34" charset="0"/>
-              <a:cs typeface="Arial" pitchFamily="34" charset="0"/>
-            </a:endParaRPr>
-          </a:p>
-          <a:p>
-            <a:pPr>
-              <a:buNone/>
-            </a:pPr>
-            <a:endParaRPr lang="en-US" sz="2200" b="1" dirty="0" smtClean="0">
-              <a:latin typeface="Arial" pitchFamily="34" charset="0"/>
-              <a:cs typeface="Arial" pitchFamily="34" charset="0"/>
-            </a:endParaRPr>
-          </a:p>
-          <a:p>
-            <a:pPr>
-              <a:buNone/>
-            </a:pPr>
-            <a:r>
-              <a:rPr lang="en-US" sz="2200" b="1" dirty="0" smtClean="0">
-                <a:solidFill>
-                  <a:srgbClr val="00B050"/>
-                </a:solidFill>
-                <a:latin typeface="Arial" pitchFamily="34" charset="0"/>
-                <a:cs typeface="Arial" pitchFamily="34" charset="0"/>
-              </a:rPr>
-              <a:t>Validate.js: </a:t>
-            </a:r>
-            <a:r>
-              <a:rPr lang="en-US" sz="2200" dirty="0" smtClean="0">
-                <a:latin typeface="Arial" pitchFamily="34" charset="0"/>
-                <a:cs typeface="Arial" pitchFamily="34" charset="0"/>
-              </a:rPr>
-              <a:t>Usability and readability are not good </a:t>
-            </a:r>
-            <a:r>
-              <a:rPr lang="en-US" sz="2200" i="1" dirty="0" smtClean="0">
-                <a:solidFill>
-                  <a:schemeClr val="bg1">
-                    <a:lumMod val="50000"/>
-                  </a:schemeClr>
-                </a:solidFill>
-                <a:latin typeface="Arial" pitchFamily="34" charset="0"/>
-                <a:cs typeface="Arial" pitchFamily="34" charset="0"/>
-              </a:rPr>
-              <a:t>(ex: no inline DOM rules definition)</a:t>
-            </a:r>
-            <a:r>
-              <a:rPr lang="en-US" sz="2200" i="1" dirty="0" smtClean="0">
-                <a:latin typeface="Arial" pitchFamily="34" charset="0"/>
-                <a:cs typeface="Arial" pitchFamily="34" charset="0"/>
-              </a:rPr>
-              <a:t>, </a:t>
-            </a:r>
-            <a:r>
-              <a:rPr lang="en-US" sz="2200" dirty="0" smtClean="0">
-                <a:latin typeface="Arial" pitchFamily="34" charset="0"/>
-                <a:cs typeface="Arial" pitchFamily="34" charset="0"/>
-              </a:rPr>
-              <a:t>only </a:t>
-            </a:r>
-            <a:r>
-              <a:rPr lang="en-US" sz="2200" smtClean="0">
-                <a:latin typeface="Arial" pitchFamily="34" charset="0"/>
-                <a:cs typeface="Arial" pitchFamily="34" charset="0"/>
-              </a:rPr>
-              <a:t>basic pre-defined functionality</a:t>
-            </a:r>
-            <a:r>
-              <a:rPr lang="en-US" sz="2200" dirty="0" smtClean="0">
-                <a:latin typeface="Arial" pitchFamily="34" charset="0"/>
-                <a:cs typeface="Arial" pitchFamily="34" charset="0"/>
-              </a:rPr>
-              <a:t>.</a:t>
-            </a:r>
-            <a:endParaRPr lang="en-US" sz="2200" b="1" i="1" dirty="0">
-              <a:latin typeface="Arial" pitchFamily="34" charset="0"/>
-              <a:cs typeface="Arial" pitchFamily="34" charset="0"/>
-            </a:endParaRPr>
-          </a:p>
-        </p:txBody>
-      </p:sp>
     </p:spTree>
   </p:cSld>
   <p:clrMapOvr>
@@ -17732,7 +18741,7 @@
                 <a:latin typeface="Arial" pitchFamily="34" charset="0"/>
                 <a:cs typeface="Arial" pitchFamily="34" charset="0"/>
               </a:rPr>
-              <a:t>I like:</a:t>
+              <a:t>I don’t like:</a:t>
             </a:r>
             <a:r>
               <a:rPr lang="en-US" sz="3600" b="1" i="1" dirty="0">
@@ -17775,8 +18784,8 @@
         </p:nvSpPr>
         <p:spPr>
           <a:xfrm>
-            <a:off x="381000" y="1447800"/>
-            <a:ext cx="8458200" cy="4800600"/>
+            <a:off x="304800" y="1447800"/>
+            <a:ext cx="8610600" cy="4114800"/>
           </a:xfrm>
         </p:spPr>
         <p:txBody>
@@ -17803,8 +18812,13 @@
                 <a:latin typeface="Arial" pitchFamily="34" charset="0"/>
                 <a:cs typeface="Arial" pitchFamily="34" charset="0"/>
               </a:rPr>
-              <a:t>Big community, powerful ready features (just add a DOM attribute), code readability is very good.</a:t>
-            </a:r>
+              <a:t>The documentation is not clear for the advanced usage. I think it can be done better than this.</a:t>
+            </a:r>
+          </a:p>
+          <a:p>
+            <a:pPr>
+              <a:buNone/>
+            </a:pPr>
             <a:endParaRPr lang="en-US" sz="2200" b="1" dirty="0" smtClean="0">
               <a:latin typeface="Arial" pitchFamily="34" charset="0"/>
               <a:cs typeface="Arial" pitchFamily="34" charset="0"/>
@@ -17823,6 +18837,40 @@
             <a:pPr>
               <a:buNone/>
             </a:pPr>
+            <a:r>
+              <a:rPr lang="en-US" sz="2200" b="1" dirty="0" smtClean="0">
+                <a:solidFill>
+                  <a:srgbClr val="00B050"/>
+                </a:solidFill>
+                <a:latin typeface="Arial" pitchFamily="34" charset="0"/>
+                <a:cs typeface="Arial" pitchFamily="34" charset="0"/>
+              </a:rPr>
+              <a:t>Verify.js: </a:t>
+            </a:r>
+            <a:r>
+              <a:rPr lang="en-US" sz="2200" dirty="0" smtClean="0">
+                <a:latin typeface="Arial" pitchFamily="34" charset="0"/>
+                <a:cs typeface="Arial" pitchFamily="34" charset="0"/>
+              </a:rPr>
+              <a:t>Not a good option for big complicated applications in terms of features </a:t>
+            </a:r>
+            <a:r>
+              <a:rPr lang="en-US" sz="2200" i="1" dirty="0" smtClean="0">
+                <a:solidFill>
+                  <a:schemeClr val="bg1">
+                    <a:lumMod val="50000"/>
+                  </a:schemeClr>
+                </a:solidFill>
+                <a:latin typeface="Arial" pitchFamily="34" charset="0"/>
+                <a:cs typeface="Arial" pitchFamily="34" charset="0"/>
+              </a:rPr>
+              <a:t>(ex: no pre-defined validate on “change” event).</a:t>
+            </a:r>
+          </a:p>
+          <a:p>
+            <a:pPr>
+              <a:buNone/>
+            </a:pPr>
             <a:endParaRPr lang="en-US" sz="2200" b="1" dirty="0" smtClean="0">
               <a:latin typeface="Arial" pitchFamily="34" charset="0"/>
               <a:cs typeface="Arial" pitchFamily="34" charset="0"/>
@@ -17832,23 +18880,6 @@
             <a:pPr>
               <a:buNone/>
             </a:pPr>
-            <a:r>
-              <a:rPr lang="en-US" sz="2200" b="1" dirty="0" smtClean="0">
-                <a:solidFill>
-                  <a:srgbClr val="00B050"/>
-                </a:solidFill>
-                <a:latin typeface="Arial" pitchFamily="34" charset="0"/>
-                <a:cs typeface="Arial" pitchFamily="34" charset="0"/>
-              </a:rPr>
-              <a:t>Verify.js: </a:t>
-            </a:r>
-            <a:r>
-              <a:rPr lang="en-US" sz="2200" dirty="0" smtClean="0">
-                <a:latin typeface="Arial" pitchFamily="34" charset="0"/>
-                <a:cs typeface="Arial" pitchFamily="34" charset="0"/>
-              </a:rPr>
-              <a:t>Simple, ease-of-use, good readability and clear documentation. Would definitely use for simple application.</a:t>
-            </a:r>
             <a:endParaRPr lang="en-US" sz="2200" b="1" dirty="0" smtClean="0">
               <a:latin typeface="Arial" pitchFamily="34" charset="0"/>
               <a:cs typeface="Arial" pitchFamily="34" charset="0"/>
@@ -17858,69 +18889,67 @@
             <a:pPr>
               <a:buNone/>
             </a:pPr>
-            <a:endParaRPr lang="en-US" sz="2200" b="1" dirty="0" smtClean="0">
+            <a:r>
+              <a:rPr lang="en-US" sz="2200" b="1" dirty="0" smtClean="0">
+                <a:solidFill>
+                  <a:srgbClr val="00B050"/>
+                </a:solidFill>
+                <a:latin typeface="Arial" pitchFamily="34" charset="0"/>
+                <a:cs typeface="Arial" pitchFamily="34" charset="0"/>
+              </a:rPr>
+              <a:t>Validate.js: </a:t>
+            </a:r>
+            <a:r>
+              <a:rPr lang="en-US" sz="2200" dirty="0" smtClean="0">
+                <a:latin typeface="Arial" pitchFamily="34" charset="0"/>
+                <a:cs typeface="Arial" pitchFamily="34" charset="0"/>
+              </a:rPr>
+              <a:t>Usability and readability are not good </a:t>
+            </a:r>
+            <a:r>
+              <a:rPr lang="en-US" sz="2200" i="1" dirty="0" smtClean="0">
+                <a:solidFill>
+                  <a:schemeClr val="bg1">
+                    <a:lumMod val="50000"/>
+                  </a:schemeClr>
+                </a:solidFill>
+                <a:latin typeface="Arial" pitchFamily="34" charset="0"/>
+                <a:cs typeface="Arial" pitchFamily="34" charset="0"/>
+              </a:rPr>
+              <a:t>(ex: no inline DOM rules definition)</a:t>
+            </a:r>
+            <a:r>
+              <a:rPr lang="en-US" sz="2200" i="1" dirty="0" smtClean="0">
+                <a:latin typeface="Arial" pitchFamily="34" charset="0"/>
+                <a:cs typeface="Arial" pitchFamily="34" charset="0"/>
+              </a:rPr>
+              <a:t>, </a:t>
+            </a:r>
+            <a:r>
+              <a:rPr lang="en-US" sz="2200" dirty="0" smtClean="0">
+                <a:latin typeface="Arial" pitchFamily="34" charset="0"/>
+                <a:cs typeface="Arial" pitchFamily="34" charset="0"/>
+              </a:rPr>
+              <a:t>only </a:t>
+            </a:r>
+            <a:r>
+              <a:rPr lang="en-US" sz="2200" smtClean="0">
+                <a:latin typeface="Arial" pitchFamily="34" charset="0"/>
+                <a:cs typeface="Arial" pitchFamily="34" charset="0"/>
+              </a:rPr>
+              <a:t>basic pre-defined functionality</a:t>
+            </a:r>
+            <a:r>
+              <a:rPr lang="en-US" sz="2200" dirty="0" smtClean="0">
+                <a:latin typeface="Arial" pitchFamily="34" charset="0"/>
+                <a:cs typeface="Arial" pitchFamily="34" charset="0"/>
+              </a:rPr>
+              <a:t>.</a:t>
+            </a:r>
+            <a:endParaRPr lang="en-US" sz="2200" b="1" i="1" dirty="0">
               <a:latin typeface="Arial" pitchFamily="34" charset="0"/>
               <a:cs typeface="Arial" pitchFamily="34" charset="0"/>
             </a:endParaRPr>
-          </a:p>
-          <a:p>
-            <a:pPr>
-              <a:buNone/>
-            </a:pPr>
-            <a:endParaRPr lang="en-US" sz="2200" b="1" dirty="0" smtClean="0">
-              <a:latin typeface="Arial" pitchFamily="34" charset="0"/>
-              <a:cs typeface="Arial" pitchFamily="34" charset="0"/>
-            </a:endParaRPr>
-          </a:p>
-          <a:p>
-            <a:pPr>
-              <a:buNone/>
-            </a:pPr>
-            <a:r>
-              <a:rPr lang="en-US" sz="2200" b="1" dirty="0" smtClean="0">
-                <a:solidFill>
-                  <a:srgbClr val="00B050"/>
-                </a:solidFill>
-                <a:latin typeface="Arial" pitchFamily="34" charset="0"/>
-                <a:cs typeface="Arial" pitchFamily="34" charset="0"/>
-              </a:rPr>
-              <a:t>Validate.js: </a:t>
-            </a:r>
-            <a:r>
-              <a:rPr lang="en-US" sz="2200" dirty="0" smtClean="0">
-                <a:latin typeface="Arial" pitchFamily="34" charset="0"/>
-                <a:cs typeface="Arial" pitchFamily="34" charset="0"/>
-              </a:rPr>
-              <a:t>No dependencies (not even </a:t>
-            </a:r>
-            <a:r>
-              <a:rPr lang="en-US" sz="2200" dirty="0" err="1" smtClean="0">
-                <a:latin typeface="Arial" pitchFamily="34" charset="0"/>
-                <a:cs typeface="Arial" pitchFamily="34" charset="0"/>
-              </a:rPr>
-              <a:t>JQuery</a:t>
-            </a:r>
-            <a:r>
-              <a:rPr lang="en-US" sz="2200" dirty="0" smtClean="0">
-                <a:latin typeface="Arial" pitchFamily="34" charset="0"/>
-                <a:cs typeface="Arial" pitchFamily="34" charset="0"/>
-              </a:rPr>
-              <a:t>), JS </a:t>
-            </a:r>
-            <a:r>
-              <a:rPr lang="en-US" sz="2200" dirty="0" err="1" smtClean="0">
-                <a:latin typeface="Arial" pitchFamily="34" charset="0"/>
-                <a:cs typeface="Arial" pitchFamily="34" charset="0"/>
-              </a:rPr>
-              <a:t>util</a:t>
-            </a:r>
-            <a:r>
-              <a:rPr lang="en-US" sz="2200" dirty="0" smtClean="0">
-                <a:latin typeface="Arial" pitchFamily="34" charset="0"/>
-                <a:cs typeface="Arial" pitchFamily="34" charset="0"/>
-              </a:rPr>
-              <a:t> code written for you.</a:t>
-            </a:r>
           </a:p>
         </p:txBody>
       </p:sp>
@@ -18344,6 +19373,13 @@
   <p:clrMapOvr>
     <a:masterClrMapping/>
   </p:clrMapOvr>
+  <p:timing>
+    <p:tnLst>
+      <p:par>
+        <p:cTn id="1" dur="indefinite" restart="never" nodeType="tmRoot"/>
+      </p:par>
+    </p:tnLst>
+  </p:timing>
 </p:sld>
 </file>
 
@@ -18464,7 +19500,7 @@
                 <a:latin typeface="Arial" pitchFamily="34" charset="0"/>
                 <a:cs typeface="Arial" pitchFamily="34" charset="0"/>
               </a:rPr>
-              <a:t>My Opinion</a:t>
+              <a:t>I like:</a:t>
             </a:r>
             <a:r>
               <a:rPr lang="en-US" sz="3600" b="1" i="1" dirty="0">
@@ -18495,32 +19531,167 @@
           </a:p>
         </p:txBody>
       </p:sp>
-      <p:pic>
-        <p:nvPicPr>
-          <p:cNvPr id="1028" name="Picture 4" descr="C:\Users\Jimmy\Dropbox\TUM\WS15\JS\compareTable.png"/>
-          <p:cNvPicPr>
-            <a:picLocks noChangeAspect="1" noChangeArrowheads="1"/>
-          </p:cNvPicPr>
-          <p:nvPr/>
-        </p:nvPicPr>
-        <p:blipFill>
-          <a:blip r:embed="rId3"/>
-          <a:srcRect/>
-          <a:stretch>
-            <a:fillRect/>
-          </a:stretch>
-        </p:blipFill>
-        <p:spPr bwMode="auto">
+      <p:sp>
+        <p:nvSpPr>
+          <p:cNvPr id="6" name="Content Placeholder 2"/>
+          <p:cNvSpPr>
+            <a:spLocks noGrp="1"/>
+          </p:cNvSpPr>
+          <p:nvPr>
+            <p:ph idx="1"/>
+          </p:nvPr>
+        </p:nvSpPr>
+        <p:spPr>
           <a:xfrm>
-            <a:off x="76200" y="1181100"/>
-            <a:ext cx="8953501" cy="5067300"/>
+            <a:off x="381000" y="1447800"/>
+            <a:ext cx="8458200" cy="4800600"/>
           </a:xfrm>
-          <a:prstGeom prst="rect">
-            <a:avLst/>
-          </a:prstGeom>
-          <a:noFill/>
         </p:spPr>
-      </p:pic>
+        <p:txBody>
+          <a:bodyPr>
+            <a:normAutofit/>
+          </a:bodyPr>
+          <a:lstStyle/>
+          <a:p>
+            <a:pPr>
+              <a:buNone/>
+            </a:pPr>
+            <a:r>
+              <a:rPr lang="en-US" sz="2200" b="1" dirty="0" smtClean="0">
+                <a:solidFill>
+                  <a:srgbClr val="00B050"/>
+                </a:solidFill>
+                <a:latin typeface="Arial" pitchFamily="34" charset="0"/>
+                <a:cs typeface="Arial" pitchFamily="34" charset="0"/>
+              </a:rPr>
+              <a:t>Parsley.js: </a:t>
+            </a:r>
+            <a:r>
+              <a:rPr lang="en-US" sz="2200" dirty="0" smtClean="0">
+                <a:latin typeface="Arial" pitchFamily="34" charset="0"/>
+                <a:cs typeface="Arial" pitchFamily="34" charset="0"/>
+              </a:rPr>
+              <a:t>Big community, powerful ready features (just add a DOM attribute), code readability is very good.</a:t>
+            </a:r>
+            <a:endParaRPr lang="en-US" sz="2200" b="1" dirty="0" smtClean="0">
+              <a:latin typeface="Arial" pitchFamily="34" charset="0"/>
+              <a:cs typeface="Arial" pitchFamily="34" charset="0"/>
+            </a:endParaRPr>
+          </a:p>
+          <a:p>
+            <a:pPr>
+              <a:buNone/>
+            </a:pPr>
+            <a:endParaRPr lang="en-US" sz="2200" b="1" dirty="0" smtClean="0">
+              <a:latin typeface="Arial" pitchFamily="34" charset="0"/>
+              <a:cs typeface="Arial" pitchFamily="34" charset="0"/>
+            </a:endParaRPr>
+          </a:p>
+          <a:p>
+            <a:pPr>
+              <a:buNone/>
+            </a:pPr>
+            <a:endParaRPr lang="en-US" sz="2200" b="1" dirty="0" smtClean="0">
+              <a:latin typeface="Arial" pitchFamily="34" charset="0"/>
+              <a:cs typeface="Arial" pitchFamily="34" charset="0"/>
+            </a:endParaRPr>
+          </a:p>
+          <a:p>
+            <a:pPr>
+              <a:buNone/>
+            </a:pPr>
+            <a:r>
+              <a:rPr lang="en-US" sz="2200" b="1" dirty="0" smtClean="0">
+                <a:solidFill>
+                  <a:srgbClr val="00B050"/>
+                </a:solidFill>
+                <a:latin typeface="Arial" pitchFamily="34" charset="0"/>
+                <a:cs typeface="Arial" pitchFamily="34" charset="0"/>
+              </a:rPr>
+              <a:t>Verify.js: </a:t>
+            </a:r>
+            <a:r>
+              <a:rPr lang="en-US" sz="2200" dirty="0" smtClean="0">
+                <a:latin typeface="Arial" pitchFamily="34" charset="0"/>
+                <a:cs typeface="Arial" pitchFamily="34" charset="0"/>
+              </a:rPr>
+              <a:t>Simple, ease-of-use, good readability and clear documentation. Would definitely use for simple application.</a:t>
+            </a:r>
+            <a:endParaRPr lang="en-US" sz="2200" b="1" dirty="0" smtClean="0">
+              <a:latin typeface="Arial" pitchFamily="34" charset="0"/>
+              <a:cs typeface="Arial" pitchFamily="34" charset="0"/>
+            </a:endParaRPr>
+          </a:p>
+          <a:p>
+            <a:pPr>
+              <a:buNone/>
+            </a:pPr>
+            <a:endParaRPr lang="en-US" sz="2200" b="1" dirty="0" smtClean="0">
+              <a:latin typeface="Arial" pitchFamily="34" charset="0"/>
+              <a:cs typeface="Arial" pitchFamily="34" charset="0"/>
+            </a:endParaRPr>
+          </a:p>
+          <a:p>
+            <a:pPr>
+              <a:buNone/>
+            </a:pPr>
+            <a:endParaRPr lang="en-US" sz="2200" b="1" dirty="0" smtClean="0">
+              <a:latin typeface="Arial" pitchFamily="34" charset="0"/>
+              <a:cs typeface="Arial" pitchFamily="34" charset="0"/>
+            </a:endParaRPr>
+          </a:p>
+          <a:p>
+            <a:pPr>
+              <a:buNone/>
+            </a:pPr>
+            <a:r>
+              <a:rPr lang="en-US" sz="2200" b="1" dirty="0" smtClean="0">
+                <a:solidFill>
+                  <a:srgbClr val="00B050"/>
+                </a:solidFill>
+                <a:latin typeface="Arial" pitchFamily="34" charset="0"/>
+                <a:cs typeface="Arial" pitchFamily="34" charset="0"/>
+              </a:rPr>
+              <a:t>Validate.js: </a:t>
+            </a:r>
+            <a:r>
+              <a:rPr lang="en-US" sz="2200" dirty="0" smtClean="0">
+                <a:latin typeface="Arial" pitchFamily="34" charset="0"/>
+                <a:cs typeface="Arial" pitchFamily="34" charset="0"/>
+              </a:rPr>
+              <a:t>No dependencies (not even </a:t>
+            </a:r>
+            <a:r>
+              <a:rPr lang="en-US" sz="2200" dirty="0" err="1" smtClean="0">
+                <a:latin typeface="Arial" pitchFamily="34" charset="0"/>
+                <a:cs typeface="Arial" pitchFamily="34" charset="0"/>
+              </a:rPr>
+              <a:t>JQuery</a:t>
+            </a:r>
+            <a:r>
+              <a:rPr lang="en-US" sz="2200" dirty="0" smtClean="0">
+                <a:latin typeface="Arial" pitchFamily="34" charset="0"/>
+                <a:cs typeface="Arial" pitchFamily="34" charset="0"/>
+              </a:rPr>
+              <a:t>), JS </a:t>
+            </a:r>
+            <a:r>
+              <a:rPr lang="en-US" sz="2200" dirty="0" err="1" smtClean="0">
+                <a:latin typeface="Arial" pitchFamily="34" charset="0"/>
+                <a:cs typeface="Arial" pitchFamily="34" charset="0"/>
+              </a:rPr>
+              <a:t>util</a:t>
+            </a:r>
+            <a:r>
+              <a:rPr lang="en-US" sz="2200" dirty="0" smtClean="0">
+                <a:latin typeface="Arial" pitchFamily="34" charset="0"/>
+                <a:cs typeface="Arial" pitchFamily="34" charset="0"/>
+              </a:rPr>
+              <a:t> code written for you.</a:t>
+            </a:r>
+          </a:p>
+        </p:txBody>
+      </p:sp>
     </p:spTree>
   </p:cSld>
   <p:clrMapOvr>
@@ -18555,85 +19726,6 @@
       </p:grpSpPr>
       <p:sp>
         <p:nvSpPr>
-          <p:cNvPr id="2" name="Titel 1"/>
-          <p:cNvSpPr>
-            <a:spLocks noGrp="1"/>
-          </p:cNvSpPr>
-          <p:nvPr>
-            <p:ph type="ctrTitle"/>
-          </p:nvPr>
-        </p:nvSpPr>
-        <p:spPr>
-          <a:xfrm>
-            <a:off x="381000" y="152400"/>
-            <a:ext cx="7848600" cy="838200"/>
-          </a:xfrm>
-        </p:spPr>
-        <p:txBody>
-          <a:bodyPr>
-            <a:normAutofit/>
-          </a:bodyPr>
-          <a:lstStyle/>
-          <a:p>
-            <a:pPr algn="l"/>
-            <a:r>
-              <a:rPr lang="de-DE" sz="4000" dirty="0" smtClean="0">
-                <a:solidFill>
-                  <a:srgbClr val="0070C0"/>
-                </a:solidFill>
-                <a:latin typeface="Arial" pitchFamily="34" charset="0"/>
-                <a:cs typeface="Arial" pitchFamily="34" charset="0"/>
-              </a:rPr>
-              <a:t>References</a:t>
-            </a:r>
-            <a:endParaRPr lang="de-DE" sz="4000" dirty="0">
-              <a:solidFill>
-                <a:srgbClr val="0070C0"/>
-              </a:solidFill>
-              <a:latin typeface="Arial" pitchFamily="34" charset="0"/>
-              <a:cs typeface="Arial" pitchFamily="34" charset="0"/>
-            </a:endParaRPr>
-          </a:p>
-        </p:txBody>
-      </p:sp>
-      <p:sp>
-        <p:nvSpPr>
-          <p:cNvPr id="4" name="Rectangle 3"/>
-          <p:cNvSpPr/>
-          <p:nvPr/>
-        </p:nvSpPr>
-        <p:spPr>
-          <a:xfrm>
-            <a:off x="2351212" y="3607743"/>
-            <a:ext cx="269626" cy="461665"/>
-          </a:xfrm>
-          <a:prstGeom prst="rect">
-            <a:avLst/>
-          </a:prstGeom>
-        </p:spPr>
-        <p:txBody>
-          <a:bodyPr wrap="none">
-            <a:spAutoFit/>
-          </a:bodyPr>
-          <a:lstStyle/>
-          <a:p>
-            <a:r>
-              <a:rPr lang="de-DE" sz="2400" dirty="0" smtClean="0">
-                <a:solidFill>
-                  <a:srgbClr val="292934">
-                    <a:lumMod val="75000"/>
-                    <a:lumOff val="25000"/>
-                  </a:srgbClr>
-                </a:solidFill>
-              </a:rPr>
-              <a:t> </a:t>
-            </a:r>
-            <a:endParaRPr lang="en-IN" dirty="0"/>
-          </a:p>
-        </p:txBody>
-      </p:sp>
-      <p:sp>
-        <p:nvSpPr>
           <p:cNvPr id="5" name="Slide Number Placeholder 4"/>
           <p:cNvSpPr>
             <a:spLocks noGrp="1"/>
@@ -18647,7 +19739,7 @@
           <a:bodyPr/>
           <a:lstStyle/>
           <a:p>
-            <a:fld id="{B6F15528-21DE-4FAA-801E-634DDDAF4B2B}" type="slidenum">
+            <a:fld id="{30E28BFD-6946-4288-8B8F-925EB8AFA29E}" type="slidenum">
               <a:rPr lang="en-US" smtClean="0"/>
               <a:pPr/>
               <a:t>41</a:t>
@@ -18658,8 +19750,10 @@
       </p:sp>
       <p:pic>
         <p:nvPicPr>
-          <p:cNvPr id="6" name="Picture 5" descr="C:\Users\Jimmy\Desktop\footer.png"/>
-          <p:cNvPicPr/>
+          <p:cNvPr id="4" name="Picture 3" descr="C:\Users\Jimmy\Desktop\footer.png"/>
+          <p:cNvPicPr>
+            <a:picLocks noChangeAspect="1" noChangeArrowheads="1"/>
+          </p:cNvPicPr>
           <p:nvPr/>
         </p:nvPicPr>
         <p:blipFill>
@@ -18671,8 +19765,8 @@
         </p:blipFill>
         <p:spPr bwMode="auto">
           <a:xfrm>
-            <a:off x="609600" y="6248400"/>
-            <a:ext cx="8153400" cy="457200"/>
+            <a:off x="304800" y="6324600"/>
+            <a:ext cx="8458200" cy="466725"/>
           </a:xfrm>
           <a:prstGeom prst="rect">
             <a:avLst/>
@@ -18682,491 +19776,112 @@
       </p:pic>
       <p:sp>
         <p:nvSpPr>
-          <p:cNvPr id="9" name="Content Placeholder 2"/>
-          <p:cNvSpPr txBox="1">
-            <a:spLocks/>
+          <p:cNvPr id="9" name="Title 1"/>
+          <p:cNvSpPr>
+            <a:spLocks noGrp="1"/>
           </p:cNvSpPr>
-          <p:nvPr/>
+          <p:nvPr>
+            <p:ph type="title"/>
+          </p:nvPr>
         </p:nvSpPr>
         <p:spPr>
           <a:xfrm>
-            <a:off x="381000" y="1143000"/>
-            <a:ext cx="8458200" cy="4953000"/>
+            <a:off x="457200" y="274638"/>
+            <a:ext cx="8229600" cy="944562"/>
+          </a:xfrm>
+        </p:spPr>
+        <p:txBody>
+          <a:bodyPr>
+            <a:noAutofit/>
+          </a:bodyPr>
+          <a:lstStyle/>
+          <a:p>
+            <a:pPr algn="l"/>
+            <a:r>
+              <a:rPr lang="en-US" sz="3600" b="1" dirty="0">
+                <a:solidFill>
+                  <a:srgbClr val="0070C0"/>
+                </a:solidFill>
+                <a:latin typeface="Arial" pitchFamily="34" charset="0"/>
+                <a:cs typeface="Arial" pitchFamily="34" charset="0"/>
+              </a:rPr>
+              <a:t/>
+            </a:r>
+            <a:br>
+              <a:rPr lang="en-US" sz="3600" b="1" dirty="0">
+                <a:solidFill>
+                  <a:srgbClr val="0070C0"/>
+                </a:solidFill>
+                <a:latin typeface="Arial" pitchFamily="34" charset="0"/>
+                <a:cs typeface="Arial" pitchFamily="34" charset="0"/>
+              </a:rPr>
+            </a:br>
+            <a:r>
+              <a:rPr lang="en-US" sz="3600" b="1" dirty="0" smtClean="0">
+                <a:solidFill>
+                  <a:srgbClr val="0070C0"/>
+                </a:solidFill>
+                <a:latin typeface="Arial" pitchFamily="34" charset="0"/>
+                <a:cs typeface="Arial" pitchFamily="34" charset="0"/>
+              </a:rPr>
+              <a:t>Some Facts &amp; My Opinion</a:t>
+            </a:r>
+            <a:r>
+              <a:rPr lang="en-US" sz="3600" b="1" i="1" dirty="0">
+                <a:solidFill>
+                  <a:srgbClr val="0070C0"/>
+                </a:solidFill>
+                <a:latin typeface="Arial" pitchFamily="34" charset="0"/>
+                <a:cs typeface="Arial" pitchFamily="34" charset="0"/>
+              </a:rPr>
+              <a:t/>
+            </a:r>
+            <a:br>
+              <a:rPr lang="en-US" sz="3600" b="1" i="1" dirty="0">
+                <a:solidFill>
+                  <a:srgbClr val="0070C0"/>
+                </a:solidFill>
+                <a:latin typeface="Arial" pitchFamily="34" charset="0"/>
+                <a:cs typeface="Arial" pitchFamily="34" charset="0"/>
+              </a:rPr>
+            </a:br>
+            <a:endParaRPr lang="en-US" sz="3600" b="1" dirty="0">
+              <a:solidFill>
+                <a:srgbClr val="0070C0"/>
+              </a:solidFill>
+              <a:latin typeface="Arial" pitchFamily="34" charset="0"/>
+              <a:cs typeface="Arial" pitchFamily="34" charset="0"/>
+            </a:endParaRPr>
+          </a:p>
+        </p:txBody>
+      </p:sp>
+      <p:pic>
+        <p:nvPicPr>
+          <p:cNvPr id="3076" name="Picture 4" descr="C:\Users\Jimmy\Dropbox\TUM\WS15\Java Script Technology (IN0014, IN2107, IN4790)\compareTable.png"/>
+          <p:cNvPicPr>
+            <a:picLocks noChangeAspect="1" noChangeArrowheads="1"/>
+          </p:cNvPicPr>
+          <p:nvPr/>
+        </p:nvPicPr>
+        <p:blipFill>
+          <a:blip r:embed="rId3"/>
+          <a:srcRect l="4000" t="13542" r="4000" b="26042"/>
+          <a:stretch>
+            <a:fillRect/>
+          </a:stretch>
+        </p:blipFill>
+        <p:spPr bwMode="auto">
+          <a:xfrm>
+            <a:off x="152400" y="1676400"/>
+            <a:ext cx="8763000" cy="4419600"/>
           </a:xfrm>
           <a:prstGeom prst="rect">
             <a:avLst/>
           </a:prstGeom>
+          <a:noFill/>
         </p:spPr>
-        <p:txBody>
-          <a:bodyPr vert="horz" lIns="91440" tIns="45720" rIns="91440" bIns="45720" rtlCol="0">
-            <a:normAutofit/>
-          </a:bodyPr>
-          <a:lstStyle/>
-          <a:p>
-            <a:pPr marL="0" marR="0" lvl="0" indent="0" defTabSz="914400" rtl="0" eaLnBrk="1" fontAlgn="auto" latinLnBrk="0" hangingPunct="1">
-              <a:lnSpc>
-                <a:spcPct val="100000"/>
-              </a:lnSpc>
-              <a:spcBef>
-                <a:spcPct val="20000"/>
-              </a:spcBef>
-              <a:spcAft>
-                <a:spcPts val="0"/>
-              </a:spcAft>
-              <a:buClrTx/>
-              <a:buSzTx/>
-              <a:buFont typeface="Arial" pitchFamily="34" charset="0"/>
-              <a:buNone/>
-              <a:tabLst/>
-              <a:defRPr/>
-            </a:pPr>
-            <a:endParaRPr kumimoji="0" lang="en-US" sz="2200" b="0" i="0" u="none" strike="noStrike" kern="1200" cap="none" spc="0" normalizeH="0" baseline="0" noProof="0" dirty="0">
-              <a:ln>
-                <a:noFill/>
-              </a:ln>
-              <a:effectLst/>
-              <a:uLnTx/>
-              <a:uFillTx/>
-              <a:latin typeface="Arial" pitchFamily="34" charset="0"/>
-              <a:ea typeface="+mn-ea"/>
-              <a:cs typeface="Arial" pitchFamily="34" charset="0"/>
-            </a:endParaRPr>
-          </a:p>
-        </p:txBody>
-      </p:sp>
-      <p:sp>
-        <p:nvSpPr>
-          <p:cNvPr id="10" name="Content Placeholder 2"/>
-          <p:cNvSpPr txBox="1">
-            <a:spLocks/>
-          </p:cNvSpPr>
-          <p:nvPr/>
-        </p:nvSpPr>
-        <p:spPr>
-          <a:xfrm>
-            <a:off x="304800" y="1219200"/>
-            <a:ext cx="8610600" cy="5334000"/>
-          </a:xfrm>
-          <a:prstGeom prst="rect">
-            <a:avLst/>
-          </a:prstGeom>
-        </p:spPr>
-        <p:txBody>
-          <a:bodyPr vert="horz" lIns="91440" tIns="45720" rIns="91440" bIns="45720" rtlCol="0">
-            <a:noAutofit/>
-          </a:bodyPr>
-          <a:lstStyle/>
-          <a:p>
-            <a:pPr>
-              <a:spcBef>
-                <a:spcPct val="20000"/>
-              </a:spcBef>
-            </a:pPr>
-            <a:endParaRPr kumimoji="0" lang="en-US" sz="2200" b="0" i="0" u="none" strike="noStrike" kern="1200" cap="none" spc="0" normalizeH="0" baseline="0" noProof="0" dirty="0" smtClean="0">
-              <a:ln>
-                <a:noFill/>
-              </a:ln>
-              <a:effectLst/>
-              <a:uLnTx/>
-              <a:uFillTx/>
-              <a:latin typeface="Arial" pitchFamily="34" charset="0"/>
-              <a:ea typeface="+mn-ea"/>
-              <a:cs typeface="Arial" pitchFamily="34" charset="0"/>
-            </a:endParaRPr>
-          </a:p>
-        </p:txBody>
-      </p:sp>
-      <p:sp>
-        <p:nvSpPr>
-          <p:cNvPr id="14" name="Rectangle 13"/>
-          <p:cNvSpPr/>
-          <p:nvPr/>
-        </p:nvSpPr>
-        <p:spPr>
-          <a:xfrm>
-            <a:off x="457200" y="1066800"/>
-            <a:ext cx="8305800" cy="1200329"/>
-          </a:xfrm>
-          <a:prstGeom prst="rect">
-            <a:avLst/>
-          </a:prstGeom>
-        </p:spPr>
-        <p:txBody>
-          <a:bodyPr wrap="square">
-            <a:spAutoFit/>
-          </a:bodyPr>
-          <a:lstStyle/>
-          <a:p>
-            <a:r>
-              <a:rPr lang="en-US" dirty="0" err="1" smtClean="0">
-                <a:latin typeface="Arial" pitchFamily="34" charset="0"/>
-                <a:cs typeface="Arial" pitchFamily="34" charset="0"/>
-              </a:rPr>
-              <a:t>Janko</a:t>
-            </a:r>
-            <a:r>
-              <a:rPr lang="en-US" dirty="0" smtClean="0">
-                <a:latin typeface="Arial" pitchFamily="34" charset="0"/>
-                <a:cs typeface="Arial" pitchFamily="34" charset="0"/>
-              </a:rPr>
-              <a:t> </a:t>
-            </a:r>
-            <a:r>
-              <a:rPr lang="en-US" dirty="0" err="1" smtClean="0">
-                <a:latin typeface="Arial" pitchFamily="34" charset="0"/>
-                <a:cs typeface="Arial" pitchFamily="34" charset="0"/>
-              </a:rPr>
-              <a:t>Jovanovic</a:t>
-            </a:r>
-            <a:r>
-              <a:rPr lang="en-US" dirty="0" smtClean="0">
-                <a:latin typeface="Arial" pitchFamily="34" charset="0"/>
-                <a:cs typeface="Arial" pitchFamily="34" charset="0"/>
-              </a:rPr>
-              <a:t>, Web Form Validation: Best Practices and Tutorials, </a:t>
-            </a:r>
-            <a:r>
-              <a:rPr lang="en-US" dirty="0" smtClean="0">
-                <a:latin typeface="Arial" pitchFamily="34" charset="0"/>
-                <a:cs typeface="Arial" pitchFamily="34" charset="0"/>
-                <a:hlinkClick r:id="rId3"/>
-              </a:rPr>
-              <a:t>http://www.smashingmagazine.com/2009/07/web-form-validation-best-practices-and-tutorials/</a:t>
-            </a:r>
-            <a:endParaRPr lang="en-US" dirty="0" smtClean="0">
-              <a:latin typeface="Arial" pitchFamily="34" charset="0"/>
-              <a:cs typeface="Arial" pitchFamily="34" charset="0"/>
-            </a:endParaRPr>
-          </a:p>
-          <a:p>
-            <a:endParaRPr lang="en-US" dirty="0">
-              <a:latin typeface="Arial" pitchFamily="34" charset="0"/>
-              <a:cs typeface="Arial" pitchFamily="34" charset="0"/>
-            </a:endParaRPr>
-          </a:p>
-        </p:txBody>
-      </p:sp>
-      <p:sp>
-        <p:nvSpPr>
-          <p:cNvPr id="15" name="Rectangle 14"/>
-          <p:cNvSpPr/>
-          <p:nvPr/>
-        </p:nvSpPr>
-        <p:spPr>
-          <a:xfrm>
-            <a:off x="457200" y="1981200"/>
-            <a:ext cx="3219664" cy="646331"/>
-          </a:xfrm>
-          <a:prstGeom prst="rect">
-            <a:avLst/>
-          </a:prstGeom>
-        </p:spPr>
-        <p:txBody>
-          <a:bodyPr wrap="none">
-            <a:spAutoFit/>
-          </a:bodyPr>
-          <a:lstStyle/>
-          <a:p>
-            <a:r>
-              <a:rPr lang="en-US" dirty="0" smtClean="0">
-                <a:latin typeface="Arial" pitchFamily="34" charset="0"/>
-                <a:cs typeface="Arial" pitchFamily="34" charset="0"/>
-              </a:rPr>
-              <a:t>parsley.js, </a:t>
-            </a:r>
-            <a:r>
-              <a:rPr lang="en-US" dirty="0" smtClean="0">
-                <a:latin typeface="Arial" pitchFamily="34" charset="0"/>
-                <a:cs typeface="Arial" pitchFamily="34" charset="0"/>
-                <a:hlinkClick r:id="rId4"/>
-              </a:rPr>
-              <a:t>http://parsleyjs.org/</a:t>
-            </a:r>
-            <a:endParaRPr lang="en-US" dirty="0" smtClean="0">
-              <a:latin typeface="Arial" pitchFamily="34" charset="0"/>
-              <a:cs typeface="Arial" pitchFamily="34" charset="0"/>
-            </a:endParaRPr>
-          </a:p>
-          <a:p>
-            <a:endParaRPr lang="en-US" dirty="0">
-              <a:latin typeface="Arial" pitchFamily="34" charset="0"/>
-              <a:cs typeface="Arial" pitchFamily="34" charset="0"/>
-            </a:endParaRPr>
-          </a:p>
-        </p:txBody>
-      </p:sp>
-      <p:sp>
-        <p:nvSpPr>
-          <p:cNvPr id="16" name="Rectangle 15"/>
-          <p:cNvSpPr/>
-          <p:nvPr/>
-        </p:nvSpPr>
-        <p:spPr>
-          <a:xfrm>
-            <a:off x="457200" y="2362200"/>
-            <a:ext cx="6096000" cy="646331"/>
-          </a:xfrm>
-          <a:prstGeom prst="rect">
-            <a:avLst/>
-          </a:prstGeom>
-        </p:spPr>
-        <p:txBody>
-          <a:bodyPr wrap="square">
-            <a:spAutoFit/>
-          </a:bodyPr>
-          <a:lstStyle/>
-          <a:p>
-            <a:r>
-              <a:rPr lang="en-US" dirty="0" smtClean="0">
-                <a:latin typeface="Arial" pitchFamily="34" charset="0"/>
-                <a:cs typeface="Arial" pitchFamily="34" charset="0"/>
-              </a:rPr>
-              <a:t>validate.js, </a:t>
-            </a:r>
-            <a:r>
-              <a:rPr lang="en-US" dirty="0" smtClean="0">
-                <a:latin typeface="Arial" pitchFamily="34" charset="0"/>
-                <a:cs typeface="Arial" pitchFamily="34" charset="0"/>
-                <a:hlinkClick r:id="rId5"/>
-              </a:rPr>
-              <a:t>http://rickharrison.github.io/validate.js/</a:t>
-            </a:r>
-            <a:endParaRPr lang="en-US" dirty="0" smtClean="0">
-              <a:latin typeface="Arial" pitchFamily="34" charset="0"/>
-              <a:cs typeface="Arial" pitchFamily="34" charset="0"/>
-            </a:endParaRPr>
-          </a:p>
-          <a:p>
-            <a:endParaRPr lang="en-US" dirty="0">
-              <a:latin typeface="Arial" pitchFamily="34" charset="0"/>
-              <a:cs typeface="Arial" pitchFamily="34" charset="0"/>
-            </a:endParaRPr>
-          </a:p>
-        </p:txBody>
-      </p:sp>
-      <p:sp>
-        <p:nvSpPr>
-          <p:cNvPr id="17" name="Rectangle 16"/>
-          <p:cNvSpPr/>
-          <p:nvPr/>
-        </p:nvSpPr>
-        <p:spPr>
-          <a:xfrm>
-            <a:off x="457200" y="2819400"/>
-            <a:ext cx="2937535" cy="646331"/>
-          </a:xfrm>
-          <a:prstGeom prst="rect">
-            <a:avLst/>
-          </a:prstGeom>
-        </p:spPr>
-        <p:txBody>
-          <a:bodyPr wrap="none">
-            <a:spAutoFit/>
-          </a:bodyPr>
-          <a:lstStyle/>
-          <a:p>
-            <a:r>
-              <a:rPr lang="en-US" dirty="0" smtClean="0">
-                <a:latin typeface="Arial" pitchFamily="34" charset="0"/>
-                <a:cs typeface="Arial" pitchFamily="34" charset="0"/>
-              </a:rPr>
-              <a:t>verify.js, </a:t>
-            </a:r>
-            <a:r>
-              <a:rPr lang="en-US" dirty="0" smtClean="0">
-                <a:latin typeface="Arial" pitchFamily="34" charset="0"/>
-                <a:cs typeface="Arial" pitchFamily="34" charset="0"/>
-                <a:hlinkClick r:id="rId6"/>
-              </a:rPr>
-              <a:t>http://verifyjs.com/</a:t>
-            </a:r>
-            <a:endParaRPr lang="en-US" dirty="0" smtClean="0">
-              <a:latin typeface="Arial" pitchFamily="34" charset="0"/>
-              <a:cs typeface="Arial" pitchFamily="34" charset="0"/>
-            </a:endParaRPr>
-          </a:p>
-          <a:p>
-            <a:endParaRPr lang="en-US" dirty="0">
-              <a:latin typeface="Arial" pitchFamily="34" charset="0"/>
-              <a:cs typeface="Arial" pitchFamily="34" charset="0"/>
-            </a:endParaRPr>
-          </a:p>
-        </p:txBody>
-      </p:sp>
-      <p:sp>
-        <p:nvSpPr>
-          <p:cNvPr id="18" name="Rectangle 17"/>
-          <p:cNvSpPr/>
-          <p:nvPr/>
-        </p:nvSpPr>
-        <p:spPr>
-          <a:xfrm>
-            <a:off x="457200" y="3276600"/>
-            <a:ext cx="8153400" cy="2031325"/>
-          </a:xfrm>
-          <a:prstGeom prst="rect">
-            <a:avLst/>
-          </a:prstGeom>
-        </p:spPr>
-        <p:txBody>
-          <a:bodyPr wrap="square">
-            <a:spAutoFit/>
-          </a:bodyPr>
-          <a:lstStyle/>
-          <a:p>
-            <a:r>
-              <a:rPr lang="en-US" dirty="0" smtClean="0">
-                <a:latin typeface="Arial" pitchFamily="34" charset="0"/>
-                <a:cs typeface="Arial" pitchFamily="34" charset="0"/>
-                <a:hlinkClick r:id="rId7"/>
-              </a:rPr>
-              <a:t>https://developer.mozilla.org/en-US/docs/Web/JavaScript</a:t>
-            </a:r>
-            <a:endParaRPr lang="en-US" dirty="0" smtClean="0">
-              <a:latin typeface="Arial" pitchFamily="34" charset="0"/>
-              <a:cs typeface="Arial" pitchFamily="34" charset="0"/>
-            </a:endParaRPr>
-          </a:p>
-          <a:p>
-            <a:endParaRPr lang="en-US" dirty="0" smtClean="0">
-              <a:latin typeface="Arial" pitchFamily="34" charset="0"/>
-              <a:cs typeface="Arial" pitchFamily="34" charset="0"/>
-              <a:hlinkClick r:id="rId8"/>
-            </a:endParaRPr>
-          </a:p>
-          <a:p>
-            <a:r>
-              <a:rPr lang="en-US" dirty="0" smtClean="0">
-                <a:latin typeface="Arial" pitchFamily="34" charset="0"/>
-                <a:cs typeface="Arial" pitchFamily="34" charset="0"/>
-                <a:hlinkClick r:id="rId8"/>
-              </a:rPr>
-              <a:t>http://www.html5rocks.com/en/tutorials/file/dndfiles/</a:t>
-            </a:r>
-            <a:endParaRPr lang="en-US" dirty="0" smtClean="0">
-              <a:latin typeface="Arial" pitchFamily="34" charset="0"/>
-              <a:cs typeface="Arial" pitchFamily="34" charset="0"/>
-            </a:endParaRPr>
-          </a:p>
-          <a:p>
-            <a:endParaRPr lang="en-US" dirty="0" smtClean="0">
-              <a:latin typeface="Arial" pitchFamily="34" charset="0"/>
-              <a:cs typeface="Arial" pitchFamily="34" charset="0"/>
-              <a:hlinkClick r:id="rId9"/>
-            </a:endParaRPr>
-          </a:p>
-          <a:p>
-            <a:r>
-              <a:rPr lang="en-US" dirty="0" smtClean="0">
-                <a:latin typeface="Arial" pitchFamily="34" charset="0"/>
-                <a:cs typeface="Arial" pitchFamily="34" charset="0"/>
-                <a:hlinkClick r:id="rId9"/>
-              </a:rPr>
-              <a:t>http://www.slideshare.net/quentinadam/javascript-as-data-processing-language-html5-integration</a:t>
-            </a:r>
-            <a:endParaRPr lang="en-US" dirty="0" smtClean="0">
-              <a:latin typeface="Arial" pitchFamily="34" charset="0"/>
-              <a:cs typeface="Arial" pitchFamily="34" charset="0"/>
-            </a:endParaRPr>
-          </a:p>
-          <a:p>
-            <a:endParaRPr lang="en-US" dirty="0">
-              <a:latin typeface="Arial" pitchFamily="34" charset="0"/>
-              <a:cs typeface="Arial" pitchFamily="34" charset="0"/>
-            </a:endParaRPr>
-          </a:p>
-        </p:txBody>
-      </p:sp>
-      <p:sp>
-        <p:nvSpPr>
-          <p:cNvPr id="19" name="Rectangle 18"/>
-          <p:cNvSpPr/>
-          <p:nvPr/>
-        </p:nvSpPr>
-        <p:spPr>
-          <a:xfrm>
-            <a:off x="457200" y="5181600"/>
-            <a:ext cx="2608406" cy="646331"/>
-          </a:xfrm>
-          <a:prstGeom prst="rect">
-            <a:avLst/>
-          </a:prstGeom>
-        </p:spPr>
-        <p:txBody>
-          <a:bodyPr wrap="none">
-            <a:spAutoFit/>
-          </a:bodyPr>
-          <a:lstStyle/>
-          <a:p>
-            <a:r>
-              <a:rPr lang="en-US" dirty="0" smtClean="0">
-                <a:latin typeface="Arial" pitchFamily="34" charset="0"/>
-                <a:cs typeface="Arial" pitchFamily="34" charset="0"/>
-                <a:hlinkClick r:id="rId10"/>
-              </a:rPr>
-              <a:t>https://lodash.com/docs</a:t>
-            </a:r>
-            <a:endParaRPr lang="en-US" dirty="0" smtClean="0">
-              <a:latin typeface="Arial" pitchFamily="34" charset="0"/>
-              <a:cs typeface="Arial" pitchFamily="34" charset="0"/>
-            </a:endParaRPr>
-          </a:p>
-          <a:p>
-            <a:endParaRPr lang="en-US" dirty="0">
-              <a:latin typeface="Arial" pitchFamily="34" charset="0"/>
-              <a:cs typeface="Arial" pitchFamily="34" charset="0"/>
-            </a:endParaRPr>
-          </a:p>
-        </p:txBody>
-      </p:sp>
-      <p:sp>
-        <p:nvSpPr>
-          <p:cNvPr id="20" name="Rectangle 19"/>
-          <p:cNvSpPr/>
-          <p:nvPr/>
-        </p:nvSpPr>
-        <p:spPr>
-          <a:xfrm>
-            <a:off x="457200" y="5678269"/>
-            <a:ext cx="6400800" cy="646331"/>
-          </a:xfrm>
-          <a:prstGeom prst="rect">
-            <a:avLst/>
-          </a:prstGeom>
-        </p:spPr>
-        <p:txBody>
-          <a:bodyPr wrap="square">
-            <a:spAutoFit/>
-          </a:bodyPr>
-          <a:lstStyle/>
-          <a:p>
-            <a:r>
-              <a:rPr lang="en-US" dirty="0" smtClean="0">
-                <a:latin typeface="Arial" pitchFamily="34" charset="0"/>
-                <a:cs typeface="Arial" pitchFamily="34" charset="0"/>
-                <a:hlinkClick r:id="rId11"/>
-              </a:rPr>
-              <a:t>https://www.dashingd3js.com/table-of-contents</a:t>
-            </a:r>
-            <a:endParaRPr lang="en-US" dirty="0" smtClean="0">
-              <a:latin typeface="Arial" pitchFamily="34" charset="0"/>
-              <a:cs typeface="Arial" pitchFamily="34" charset="0"/>
-            </a:endParaRPr>
-          </a:p>
-          <a:p>
-            <a:endParaRPr lang="en-US" dirty="0">
-              <a:latin typeface="Arial" pitchFamily="34" charset="0"/>
-              <a:cs typeface="Arial" pitchFamily="34" charset="0"/>
-            </a:endParaRPr>
-          </a:p>
-        </p:txBody>
-      </p:sp>
+      </p:pic>
     </p:spTree>
-    <p:extLst>
-      <p:ext uri="{BB962C8B-B14F-4D97-AF65-F5344CB8AC3E}">
-        <p14:creationId xmlns:p14="http://schemas.microsoft.com/office/powerpoint/2010/main" xmlns="" val="3590561983"/>
-      </p:ext>
-    </p:extLst>
   </p:cSld>
   <p:clrMapOvr>
     <a:masterClrMapping/>
@@ -19210,8 +19925,8 @@
         </p:nvSpPr>
         <p:spPr>
           <a:xfrm>
-            <a:off x="533400" y="1371600"/>
-            <a:ext cx="8001000" cy="1143000"/>
+            <a:off x="381000" y="152400"/>
+            <a:ext cx="7848600" cy="838200"/>
           </a:xfrm>
         </p:spPr>
         <p:txBody>
@@ -19220,6 +19935,7 @@
           </a:bodyPr>
           <a:lstStyle/>
           <a:p>
+            <a:pPr algn="l"/>
             <a:r>
               <a:rPr lang="de-DE" sz="4000" dirty="0" smtClean="0">
                 <a:solidFill>
@@ -19228,7 +19944,7 @@
                 <a:latin typeface="Arial" pitchFamily="34" charset="0"/>
                 <a:cs typeface="Arial" pitchFamily="34" charset="0"/>
               </a:rPr>
-              <a:t>Thank you for your attention</a:t>
+              <a:t>References</a:t>
             </a:r>
             <a:endParaRPr lang="de-DE" sz="4000" dirty="0">
               <a:solidFill>
@@ -19326,6 +20042,650 @@
       </p:pic>
       <p:sp>
         <p:nvSpPr>
+          <p:cNvPr id="9" name="Content Placeholder 2"/>
+          <p:cNvSpPr txBox="1">
+            <a:spLocks/>
+          </p:cNvSpPr>
+          <p:nvPr/>
+        </p:nvSpPr>
+        <p:spPr>
+          <a:xfrm>
+            <a:off x="381000" y="1143000"/>
+            <a:ext cx="8458200" cy="4953000"/>
+          </a:xfrm>
+          <a:prstGeom prst="rect">
+            <a:avLst/>
+          </a:prstGeom>
+        </p:spPr>
+        <p:txBody>
+          <a:bodyPr vert="horz" lIns="91440" tIns="45720" rIns="91440" bIns="45720" rtlCol="0">
+            <a:normAutofit/>
+          </a:bodyPr>
+          <a:lstStyle/>
+          <a:p>
+            <a:pPr marL="0" marR="0" lvl="0" indent="0" defTabSz="914400" rtl="0" eaLnBrk="1" fontAlgn="auto" latinLnBrk="0" hangingPunct="1">
+              <a:lnSpc>
+                <a:spcPct val="100000"/>
+              </a:lnSpc>
+              <a:spcBef>
+                <a:spcPct val="20000"/>
+              </a:spcBef>
+              <a:spcAft>
+                <a:spcPts val="0"/>
+              </a:spcAft>
+              <a:buClrTx/>
+              <a:buSzTx/>
+              <a:buFont typeface="Arial" pitchFamily="34" charset="0"/>
+              <a:buNone/>
+              <a:tabLst/>
+              <a:defRPr/>
+            </a:pPr>
+            <a:endParaRPr kumimoji="0" lang="en-US" sz="2200" b="0" i="0" u="none" strike="noStrike" kern="1200" cap="none" spc="0" normalizeH="0" baseline="0" noProof="0" dirty="0">
+              <a:ln>
+                <a:noFill/>
+              </a:ln>
+              <a:effectLst/>
+              <a:uLnTx/>
+              <a:uFillTx/>
+              <a:latin typeface="Arial" pitchFamily="34" charset="0"/>
+              <a:ea typeface="+mn-ea"/>
+              <a:cs typeface="Arial" pitchFamily="34" charset="0"/>
+            </a:endParaRPr>
+          </a:p>
+        </p:txBody>
+      </p:sp>
+      <p:sp>
+        <p:nvSpPr>
+          <p:cNvPr id="10" name="Content Placeholder 2"/>
+          <p:cNvSpPr txBox="1">
+            <a:spLocks/>
+          </p:cNvSpPr>
+          <p:nvPr/>
+        </p:nvSpPr>
+        <p:spPr>
+          <a:xfrm>
+            <a:off x="304800" y="1219200"/>
+            <a:ext cx="8610600" cy="5334000"/>
+          </a:xfrm>
+          <a:prstGeom prst="rect">
+            <a:avLst/>
+          </a:prstGeom>
+        </p:spPr>
+        <p:txBody>
+          <a:bodyPr vert="horz" lIns="91440" tIns="45720" rIns="91440" bIns="45720" rtlCol="0">
+            <a:noAutofit/>
+          </a:bodyPr>
+          <a:lstStyle/>
+          <a:p>
+            <a:pPr>
+              <a:spcBef>
+                <a:spcPct val="20000"/>
+              </a:spcBef>
+            </a:pPr>
+            <a:endParaRPr kumimoji="0" lang="en-US" sz="2200" b="0" i="0" u="none" strike="noStrike" kern="1200" cap="none" spc="0" normalizeH="0" baseline="0" noProof="0" dirty="0" smtClean="0">
+              <a:ln>
+                <a:noFill/>
+              </a:ln>
+              <a:effectLst/>
+              <a:uLnTx/>
+              <a:uFillTx/>
+              <a:latin typeface="Arial" pitchFamily="34" charset="0"/>
+              <a:ea typeface="+mn-ea"/>
+              <a:cs typeface="Arial" pitchFamily="34" charset="0"/>
+            </a:endParaRPr>
+          </a:p>
+        </p:txBody>
+      </p:sp>
+      <p:sp>
+        <p:nvSpPr>
+          <p:cNvPr id="14" name="Rectangle 13"/>
+          <p:cNvSpPr/>
+          <p:nvPr/>
+        </p:nvSpPr>
+        <p:spPr>
+          <a:xfrm>
+            <a:off x="457200" y="1066800"/>
+            <a:ext cx="8305800" cy="1200329"/>
+          </a:xfrm>
+          <a:prstGeom prst="rect">
+            <a:avLst/>
+          </a:prstGeom>
+        </p:spPr>
+        <p:txBody>
+          <a:bodyPr wrap="square">
+            <a:spAutoFit/>
+          </a:bodyPr>
+          <a:lstStyle/>
+          <a:p>
+            <a:r>
+              <a:rPr lang="en-US" dirty="0" err="1" smtClean="0">
+                <a:latin typeface="Arial" pitchFamily="34" charset="0"/>
+                <a:cs typeface="Arial" pitchFamily="34" charset="0"/>
+              </a:rPr>
+              <a:t>Janko</a:t>
+            </a:r>
+            <a:r>
+              <a:rPr lang="en-US" dirty="0" smtClean="0">
+                <a:latin typeface="Arial" pitchFamily="34" charset="0"/>
+                <a:cs typeface="Arial" pitchFamily="34" charset="0"/>
+              </a:rPr>
+              <a:t> </a:t>
+            </a:r>
+            <a:r>
+              <a:rPr lang="en-US" dirty="0" err="1" smtClean="0">
+                <a:latin typeface="Arial" pitchFamily="34" charset="0"/>
+                <a:cs typeface="Arial" pitchFamily="34" charset="0"/>
+              </a:rPr>
+              <a:t>Jovanovic</a:t>
+            </a:r>
+            <a:r>
+              <a:rPr lang="en-US" dirty="0" smtClean="0">
+                <a:latin typeface="Arial" pitchFamily="34" charset="0"/>
+                <a:cs typeface="Arial" pitchFamily="34" charset="0"/>
+              </a:rPr>
+              <a:t>, Web Form Validation: Best Practices and Tutorials, </a:t>
+            </a:r>
+            <a:r>
+              <a:rPr lang="en-US" dirty="0" smtClean="0">
+                <a:latin typeface="Arial" pitchFamily="34" charset="0"/>
+                <a:cs typeface="Arial" pitchFamily="34" charset="0"/>
+                <a:hlinkClick r:id="rId3"/>
+              </a:rPr>
+              <a:t>http://www.smashingmagazine.com/2009/07/web-form-validation-best-practices-and-tutorials/</a:t>
+            </a:r>
+            <a:endParaRPr lang="en-US" dirty="0" smtClean="0">
+              <a:latin typeface="Arial" pitchFamily="34" charset="0"/>
+              <a:cs typeface="Arial" pitchFamily="34" charset="0"/>
+            </a:endParaRPr>
+          </a:p>
+          <a:p>
+            <a:endParaRPr lang="en-US" dirty="0">
+              <a:latin typeface="Arial" pitchFamily="34" charset="0"/>
+              <a:cs typeface="Arial" pitchFamily="34" charset="0"/>
+            </a:endParaRPr>
+          </a:p>
+        </p:txBody>
+      </p:sp>
+      <p:sp>
+        <p:nvSpPr>
+          <p:cNvPr id="15" name="Rectangle 14"/>
+          <p:cNvSpPr/>
+          <p:nvPr/>
+        </p:nvSpPr>
+        <p:spPr>
+          <a:xfrm>
+            <a:off x="457200" y="1981200"/>
+            <a:ext cx="3219664" cy="646331"/>
+          </a:xfrm>
+          <a:prstGeom prst="rect">
+            <a:avLst/>
+          </a:prstGeom>
+        </p:spPr>
+        <p:txBody>
+          <a:bodyPr wrap="none">
+            <a:spAutoFit/>
+          </a:bodyPr>
+          <a:lstStyle/>
+          <a:p>
+            <a:r>
+              <a:rPr lang="en-US" dirty="0" smtClean="0">
+                <a:latin typeface="Arial" pitchFamily="34" charset="0"/>
+                <a:cs typeface="Arial" pitchFamily="34" charset="0"/>
+              </a:rPr>
+              <a:t>parsley.js, </a:t>
+            </a:r>
+            <a:r>
+              <a:rPr lang="en-US" dirty="0" smtClean="0">
+                <a:latin typeface="Arial" pitchFamily="34" charset="0"/>
+                <a:cs typeface="Arial" pitchFamily="34" charset="0"/>
+                <a:hlinkClick r:id="rId4"/>
+              </a:rPr>
+              <a:t>http://parsleyjs.org/</a:t>
+            </a:r>
+            <a:endParaRPr lang="en-US" dirty="0" smtClean="0">
+              <a:latin typeface="Arial" pitchFamily="34" charset="0"/>
+              <a:cs typeface="Arial" pitchFamily="34" charset="0"/>
+            </a:endParaRPr>
+          </a:p>
+          <a:p>
+            <a:endParaRPr lang="en-US" dirty="0">
+              <a:latin typeface="Arial" pitchFamily="34" charset="0"/>
+              <a:cs typeface="Arial" pitchFamily="34" charset="0"/>
+            </a:endParaRPr>
+          </a:p>
+        </p:txBody>
+      </p:sp>
+      <p:sp>
+        <p:nvSpPr>
+          <p:cNvPr id="16" name="Rectangle 15"/>
+          <p:cNvSpPr/>
+          <p:nvPr/>
+        </p:nvSpPr>
+        <p:spPr>
+          <a:xfrm>
+            <a:off x="457200" y="2362200"/>
+            <a:ext cx="6096000" cy="646331"/>
+          </a:xfrm>
+          <a:prstGeom prst="rect">
+            <a:avLst/>
+          </a:prstGeom>
+        </p:spPr>
+        <p:txBody>
+          <a:bodyPr wrap="square">
+            <a:spAutoFit/>
+          </a:bodyPr>
+          <a:lstStyle/>
+          <a:p>
+            <a:r>
+              <a:rPr lang="en-US" dirty="0" smtClean="0">
+                <a:latin typeface="Arial" pitchFamily="34" charset="0"/>
+                <a:cs typeface="Arial" pitchFamily="34" charset="0"/>
+              </a:rPr>
+              <a:t>validate.js, </a:t>
+            </a:r>
+            <a:r>
+              <a:rPr lang="en-US" dirty="0" smtClean="0">
+                <a:latin typeface="Arial" pitchFamily="34" charset="0"/>
+                <a:cs typeface="Arial" pitchFamily="34" charset="0"/>
+                <a:hlinkClick r:id="rId5"/>
+              </a:rPr>
+              <a:t>http://rickharrison.github.io/validate.js/</a:t>
+            </a:r>
+            <a:endParaRPr lang="en-US" dirty="0" smtClean="0">
+              <a:latin typeface="Arial" pitchFamily="34" charset="0"/>
+              <a:cs typeface="Arial" pitchFamily="34" charset="0"/>
+            </a:endParaRPr>
+          </a:p>
+          <a:p>
+            <a:endParaRPr lang="en-US" dirty="0">
+              <a:latin typeface="Arial" pitchFamily="34" charset="0"/>
+              <a:cs typeface="Arial" pitchFamily="34" charset="0"/>
+            </a:endParaRPr>
+          </a:p>
+        </p:txBody>
+      </p:sp>
+      <p:sp>
+        <p:nvSpPr>
+          <p:cNvPr id="17" name="Rectangle 16"/>
+          <p:cNvSpPr/>
+          <p:nvPr/>
+        </p:nvSpPr>
+        <p:spPr>
+          <a:xfrm>
+            <a:off x="457200" y="2819400"/>
+            <a:ext cx="2937535" cy="646331"/>
+          </a:xfrm>
+          <a:prstGeom prst="rect">
+            <a:avLst/>
+          </a:prstGeom>
+        </p:spPr>
+        <p:txBody>
+          <a:bodyPr wrap="none">
+            <a:spAutoFit/>
+          </a:bodyPr>
+          <a:lstStyle/>
+          <a:p>
+            <a:r>
+              <a:rPr lang="en-US" dirty="0" smtClean="0">
+                <a:latin typeface="Arial" pitchFamily="34" charset="0"/>
+                <a:cs typeface="Arial" pitchFamily="34" charset="0"/>
+              </a:rPr>
+              <a:t>verify.js, </a:t>
+            </a:r>
+            <a:r>
+              <a:rPr lang="en-US" dirty="0" smtClean="0">
+                <a:latin typeface="Arial" pitchFamily="34" charset="0"/>
+                <a:cs typeface="Arial" pitchFamily="34" charset="0"/>
+                <a:hlinkClick r:id="rId6"/>
+              </a:rPr>
+              <a:t>http://verifyjs.com/</a:t>
+            </a:r>
+            <a:endParaRPr lang="en-US" dirty="0" smtClean="0">
+              <a:latin typeface="Arial" pitchFamily="34" charset="0"/>
+              <a:cs typeface="Arial" pitchFamily="34" charset="0"/>
+            </a:endParaRPr>
+          </a:p>
+          <a:p>
+            <a:endParaRPr lang="en-US" dirty="0">
+              <a:latin typeface="Arial" pitchFamily="34" charset="0"/>
+              <a:cs typeface="Arial" pitchFamily="34" charset="0"/>
+            </a:endParaRPr>
+          </a:p>
+        </p:txBody>
+      </p:sp>
+      <p:sp>
+        <p:nvSpPr>
+          <p:cNvPr id="18" name="Rectangle 17"/>
+          <p:cNvSpPr/>
+          <p:nvPr/>
+        </p:nvSpPr>
+        <p:spPr>
+          <a:xfrm>
+            <a:off x="457200" y="3276600"/>
+            <a:ext cx="8153400" cy="2031325"/>
+          </a:xfrm>
+          <a:prstGeom prst="rect">
+            <a:avLst/>
+          </a:prstGeom>
+        </p:spPr>
+        <p:txBody>
+          <a:bodyPr wrap="square">
+            <a:spAutoFit/>
+          </a:bodyPr>
+          <a:lstStyle/>
+          <a:p>
+            <a:r>
+              <a:rPr lang="en-US" dirty="0" smtClean="0">
+                <a:latin typeface="Arial" pitchFamily="34" charset="0"/>
+                <a:cs typeface="Arial" pitchFamily="34" charset="0"/>
+                <a:hlinkClick r:id="rId7"/>
+              </a:rPr>
+              <a:t>https://developer.mozilla.org/en-US/docs/Web/JavaScript</a:t>
+            </a:r>
+            <a:endParaRPr lang="en-US" dirty="0" smtClean="0">
+              <a:latin typeface="Arial" pitchFamily="34" charset="0"/>
+              <a:cs typeface="Arial" pitchFamily="34" charset="0"/>
+            </a:endParaRPr>
+          </a:p>
+          <a:p>
+            <a:endParaRPr lang="en-US" dirty="0" smtClean="0">
+              <a:latin typeface="Arial" pitchFamily="34" charset="0"/>
+              <a:cs typeface="Arial" pitchFamily="34" charset="0"/>
+              <a:hlinkClick r:id="rId8"/>
+            </a:endParaRPr>
+          </a:p>
+          <a:p>
+            <a:r>
+              <a:rPr lang="en-US" dirty="0" smtClean="0">
+                <a:latin typeface="Arial" pitchFamily="34" charset="0"/>
+                <a:cs typeface="Arial" pitchFamily="34" charset="0"/>
+                <a:hlinkClick r:id="rId8"/>
+              </a:rPr>
+              <a:t>http://www.html5rocks.com/en/tutorials/file/dndfiles/</a:t>
+            </a:r>
+            <a:endParaRPr lang="en-US" dirty="0" smtClean="0">
+              <a:latin typeface="Arial" pitchFamily="34" charset="0"/>
+              <a:cs typeface="Arial" pitchFamily="34" charset="0"/>
+            </a:endParaRPr>
+          </a:p>
+          <a:p>
+            <a:endParaRPr lang="en-US" dirty="0" smtClean="0">
+              <a:latin typeface="Arial" pitchFamily="34" charset="0"/>
+              <a:cs typeface="Arial" pitchFamily="34" charset="0"/>
+              <a:hlinkClick r:id="rId9"/>
+            </a:endParaRPr>
+          </a:p>
+          <a:p>
+            <a:r>
+              <a:rPr lang="en-US" dirty="0" smtClean="0">
+                <a:latin typeface="Arial" pitchFamily="34" charset="0"/>
+                <a:cs typeface="Arial" pitchFamily="34" charset="0"/>
+                <a:hlinkClick r:id="rId9"/>
+              </a:rPr>
+              <a:t>http://www.slideshare.net/quentinadam/javascript-as-data-processing-language-html5-integration</a:t>
+            </a:r>
+            <a:endParaRPr lang="en-US" dirty="0" smtClean="0">
+              <a:latin typeface="Arial" pitchFamily="34" charset="0"/>
+              <a:cs typeface="Arial" pitchFamily="34" charset="0"/>
+            </a:endParaRPr>
+          </a:p>
+          <a:p>
+            <a:endParaRPr lang="en-US" dirty="0">
+              <a:latin typeface="Arial" pitchFamily="34" charset="0"/>
+              <a:cs typeface="Arial" pitchFamily="34" charset="0"/>
+            </a:endParaRPr>
+          </a:p>
+        </p:txBody>
+      </p:sp>
+      <p:sp>
+        <p:nvSpPr>
+          <p:cNvPr id="19" name="Rectangle 18"/>
+          <p:cNvSpPr/>
+          <p:nvPr/>
+        </p:nvSpPr>
+        <p:spPr>
+          <a:xfrm>
+            <a:off x="457200" y="5181600"/>
+            <a:ext cx="2608406" cy="646331"/>
+          </a:xfrm>
+          <a:prstGeom prst="rect">
+            <a:avLst/>
+          </a:prstGeom>
+        </p:spPr>
+        <p:txBody>
+          <a:bodyPr wrap="none">
+            <a:spAutoFit/>
+          </a:bodyPr>
+          <a:lstStyle/>
+          <a:p>
+            <a:r>
+              <a:rPr lang="en-US" dirty="0" smtClean="0">
+                <a:latin typeface="Arial" pitchFamily="34" charset="0"/>
+                <a:cs typeface="Arial" pitchFamily="34" charset="0"/>
+                <a:hlinkClick r:id="rId10"/>
+              </a:rPr>
+              <a:t>https://lodash.com/docs</a:t>
+            </a:r>
+            <a:endParaRPr lang="en-US" dirty="0" smtClean="0">
+              <a:latin typeface="Arial" pitchFamily="34" charset="0"/>
+              <a:cs typeface="Arial" pitchFamily="34" charset="0"/>
+            </a:endParaRPr>
+          </a:p>
+          <a:p>
+            <a:endParaRPr lang="en-US" dirty="0">
+              <a:latin typeface="Arial" pitchFamily="34" charset="0"/>
+              <a:cs typeface="Arial" pitchFamily="34" charset="0"/>
+            </a:endParaRPr>
+          </a:p>
+        </p:txBody>
+      </p:sp>
+      <p:sp>
+        <p:nvSpPr>
+          <p:cNvPr id="20" name="Rectangle 19"/>
+          <p:cNvSpPr/>
+          <p:nvPr/>
+        </p:nvSpPr>
+        <p:spPr>
+          <a:xfrm>
+            <a:off x="457200" y="5678269"/>
+            <a:ext cx="6400800" cy="646331"/>
+          </a:xfrm>
+          <a:prstGeom prst="rect">
+            <a:avLst/>
+          </a:prstGeom>
+        </p:spPr>
+        <p:txBody>
+          <a:bodyPr wrap="square">
+            <a:spAutoFit/>
+          </a:bodyPr>
+          <a:lstStyle/>
+          <a:p>
+            <a:r>
+              <a:rPr lang="en-US" dirty="0" smtClean="0">
+                <a:latin typeface="Arial" pitchFamily="34" charset="0"/>
+                <a:cs typeface="Arial" pitchFamily="34" charset="0"/>
+                <a:hlinkClick r:id="rId11"/>
+              </a:rPr>
+              <a:t>https://www.dashingd3js.com/table-of-contents</a:t>
+            </a:r>
+            <a:endParaRPr lang="en-US" dirty="0" smtClean="0">
+              <a:latin typeface="Arial" pitchFamily="34" charset="0"/>
+              <a:cs typeface="Arial" pitchFamily="34" charset="0"/>
+            </a:endParaRPr>
+          </a:p>
+          <a:p>
+            <a:endParaRPr lang="en-US" dirty="0">
+              <a:latin typeface="Arial" pitchFamily="34" charset="0"/>
+              <a:cs typeface="Arial" pitchFamily="34" charset="0"/>
+            </a:endParaRPr>
+          </a:p>
+        </p:txBody>
+      </p:sp>
+    </p:spTree>
+    <p:extLst>
+      <p:ext uri="{BB962C8B-B14F-4D97-AF65-F5344CB8AC3E}">
+        <p14:creationId xmlns:p14="http://schemas.microsoft.com/office/powerpoint/2010/main" xmlns="" val="3590561983"/>
+      </p:ext>
+    </p:extLst>
+  </p:cSld>
+  <p:clrMapOvr>
+    <a:masterClrMapping/>
+  </p:clrMapOvr>
+  <p:timing>
+    <p:tnLst>
+      <p:par>
+        <p:cTn id="1" dur="indefinite" restart="never" nodeType="tmRoot"/>
+      </p:par>
+    </p:tnLst>
+  </p:timing>
+</p:sld>
+</file>
+
+<file path=ppt/slides/slide43.xml><?xml version="1.0" encoding="utf-8"?>
+<p:sld xmlns:a="http://schemas.openxmlformats.org/drawingml/2006/main" xmlns:r="http://schemas.openxmlformats.org/officeDocument/2006/relationships" xmlns:p="http://schemas.openxmlformats.org/presentationml/2006/main">
+  <p:cSld>
+    <p:spTree>
+      <p:nvGrpSpPr>
+        <p:cNvPr id="1" name=""/>
+        <p:cNvGrpSpPr/>
+        <p:nvPr/>
+      </p:nvGrpSpPr>
+      <p:grpSpPr>
+        <a:xfrm>
+          <a:off x="0" y="0"/>
+          <a:ext cx="0" cy="0"/>
+          <a:chOff x="0" y="0"/>
+          <a:chExt cx="0" cy="0"/>
+        </a:xfrm>
+      </p:grpSpPr>
+      <p:sp>
+        <p:nvSpPr>
+          <p:cNvPr id="2" name="Titel 1"/>
+          <p:cNvSpPr>
+            <a:spLocks noGrp="1"/>
+          </p:cNvSpPr>
+          <p:nvPr>
+            <p:ph type="ctrTitle"/>
+          </p:nvPr>
+        </p:nvSpPr>
+        <p:spPr>
+          <a:xfrm>
+            <a:off x="533400" y="1981200"/>
+            <a:ext cx="8001000" cy="1143000"/>
+          </a:xfrm>
+        </p:spPr>
+        <p:txBody>
+          <a:bodyPr>
+            <a:normAutofit/>
+          </a:bodyPr>
+          <a:lstStyle/>
+          <a:p>
+            <a:r>
+              <a:rPr lang="de-DE" sz="4000" dirty="0" smtClean="0">
+                <a:solidFill>
+                  <a:srgbClr val="0070C0"/>
+                </a:solidFill>
+                <a:latin typeface="Arial" pitchFamily="34" charset="0"/>
+                <a:cs typeface="Arial" pitchFamily="34" charset="0"/>
+              </a:rPr>
+              <a:t>Thank you for your attention</a:t>
+            </a:r>
+            <a:endParaRPr lang="de-DE" sz="4000" dirty="0">
+              <a:solidFill>
+                <a:srgbClr val="0070C0"/>
+              </a:solidFill>
+              <a:latin typeface="Arial" pitchFamily="34" charset="0"/>
+              <a:cs typeface="Arial" pitchFamily="34" charset="0"/>
+            </a:endParaRPr>
+          </a:p>
+        </p:txBody>
+      </p:sp>
+      <p:sp>
+        <p:nvSpPr>
+          <p:cNvPr id="4" name="Rectangle 3"/>
+          <p:cNvSpPr/>
+          <p:nvPr/>
+        </p:nvSpPr>
+        <p:spPr>
+          <a:xfrm>
+            <a:off x="2351212" y="3607743"/>
+            <a:ext cx="269626" cy="461665"/>
+          </a:xfrm>
+          <a:prstGeom prst="rect">
+            <a:avLst/>
+          </a:prstGeom>
+        </p:spPr>
+        <p:txBody>
+          <a:bodyPr wrap="none">
+            <a:spAutoFit/>
+          </a:bodyPr>
+          <a:lstStyle/>
+          <a:p>
+            <a:r>
+              <a:rPr lang="de-DE" sz="2400" dirty="0" smtClean="0">
+                <a:solidFill>
+                  <a:srgbClr val="292934">
+                    <a:lumMod val="75000"/>
+                    <a:lumOff val="25000"/>
+                  </a:srgbClr>
+                </a:solidFill>
+              </a:rPr>
+              <a:t> </a:t>
+            </a:r>
+            <a:endParaRPr lang="en-IN" dirty="0"/>
+          </a:p>
+        </p:txBody>
+      </p:sp>
+      <p:sp>
+        <p:nvSpPr>
+          <p:cNvPr id="5" name="Slide Number Placeholder 4"/>
+          <p:cNvSpPr>
+            <a:spLocks noGrp="1"/>
+          </p:cNvSpPr>
+          <p:nvPr>
+            <p:ph type="sldNum" sz="quarter" idx="12"/>
+          </p:nvPr>
+        </p:nvSpPr>
+        <p:spPr/>
+        <p:txBody>
+          <a:bodyPr/>
+          <a:lstStyle/>
+          <a:p>
+            <a:fld id="{B6F15528-21DE-4FAA-801E-634DDDAF4B2B}" type="slidenum">
+              <a:rPr lang="en-US" smtClean="0"/>
+              <a:pPr/>
+              <a:t>43</a:t>
+            </a:fld>
+            <a:endParaRPr lang="en-US"/>
+          </a:p>
+        </p:txBody>
+      </p:sp>
+      <p:pic>
+        <p:nvPicPr>
+          <p:cNvPr id="6" name="Picture 5" descr="C:\Users\Jimmy\Desktop\footer.png"/>
+          <p:cNvPicPr/>
+          <p:nvPr/>
+        </p:nvPicPr>
+        <p:blipFill>
+          <a:blip r:embed="rId2"/>
+          <a:srcRect/>
+          <a:stretch>
+            <a:fillRect/>
+          </a:stretch>
+        </p:blipFill>
+        <p:spPr bwMode="auto">
+          <a:xfrm>
+            <a:off x="609600" y="6248400"/>
+            <a:ext cx="8153400" cy="457200"/>
+          </a:xfrm>
+          <a:prstGeom prst="rect">
+            <a:avLst/>
+          </a:prstGeom>
+          <a:noFill/>
+        </p:spPr>
+      </p:pic>
+      <p:sp>
+        <p:nvSpPr>
           <p:cNvPr id="7" name="Titel 1"/>
           <p:cNvSpPr txBox="1">
             <a:spLocks/>
@@ -19334,7 +20694,7 @@
         </p:nvSpPr>
         <p:spPr>
           <a:xfrm>
-            <a:off x="609600" y="2438400"/>
+            <a:off x="685800" y="3124200"/>
             <a:ext cx="7848600" cy="1143000"/>
           </a:xfrm>
           <a:prstGeom prst="rect">
@@ -19398,6 +20758,58 @@
           </a:p>
         </p:txBody>
       </p:sp>
+      <p:pic>
+        <p:nvPicPr>
+          <p:cNvPr id="8" name="Picture 2" descr="C:\Users\Jimmy\Dropbox\TUM\WS15\Java Script Technology (IN0014, IN2107, IN4790)\rostlab_logo.png"/>
+          <p:cNvPicPr>
+            <a:picLocks noChangeAspect="1" noChangeArrowheads="1"/>
+          </p:cNvPicPr>
+          <p:nvPr/>
+        </p:nvPicPr>
+        <p:blipFill>
+          <a:blip r:embed="rId3"/>
+          <a:srcRect/>
+          <a:stretch>
+            <a:fillRect/>
+          </a:stretch>
+        </p:blipFill>
+        <p:spPr bwMode="auto">
+          <a:xfrm>
+            <a:off x="2971800" y="228600"/>
+            <a:ext cx="3429000" cy="474106"/>
+          </a:xfrm>
+          <a:prstGeom prst="rect">
+            <a:avLst/>
+          </a:prstGeom>
+          <a:noFill/>
+        </p:spPr>
+      </p:pic>
+      <p:pic>
+        <p:nvPicPr>
+          <p:cNvPr id="9" name="Picture 4" descr="C:\Users\Jimmy\Dropbox\TUM\WS15\Java Script Technology (IN0014, IN2107, IN4790)\ezgif.com-gif-maker.gif"/>
+          <p:cNvPicPr>
+            <a:picLocks noChangeAspect="1" noChangeArrowheads="1" noCrop="1"/>
+          </p:cNvPicPr>
+          <p:nvPr/>
+        </p:nvPicPr>
+        <p:blipFill>
+          <a:blip r:embed="rId4"/>
+          <a:srcRect/>
+          <a:stretch>
+            <a:fillRect/>
+          </a:stretch>
+        </p:blipFill>
+        <p:spPr bwMode="auto">
+          <a:xfrm>
+            <a:off x="3457575" y="257175"/>
+            <a:ext cx="428625" cy="428625"/>
+          </a:xfrm>
+          <a:prstGeom prst="rect">
+            <a:avLst/>
+          </a:prstGeom>
+          <a:noFill/>
+        </p:spPr>
+      </p:pic>
     </p:spTree>
     <p:extLst>
       <p:ext uri="{BB962C8B-B14F-4D97-AF65-F5344CB8AC3E}">
@@ -19585,6 +20997,13 @@
   <p:clrMapOvr>
     <a:masterClrMapping/>
   </p:clrMapOvr>
+  <p:timing>
+    <p:tnLst>
+      <p:par>
+        <p:cTn id="1" dur="indefinite" restart="never" nodeType="tmRoot"/>
+      </p:par>
+    </p:tnLst>
+  </p:timing>
 </p:sld>
 </file>
 
@@ -19797,6 +21216,13 @@
   <p:clrMapOvr>
     <a:masterClrMapping/>
   </p:clrMapOvr>
+  <p:timing>
+    <p:tnLst>
+      <p:par>
+        <p:cTn id="1" dur="indefinite" restart="never" nodeType="tmRoot"/>
+      </p:par>
+    </p:tnLst>
+  </p:timing>
 </p:sld>
 </file>
 
@@ -20643,6 +22069,13 @@
   <p:clrMapOvr>
     <a:masterClrMapping/>
   </p:clrMapOvr>
+  <p:timing>
+    <p:tnLst>
+      <p:par>
+        <p:cTn id="1" dur="indefinite" restart="never" nodeType="tmRoot"/>
+      </p:par>
+    </p:tnLst>
+  </p:timing>
 </p:sld>
 </file>
 
@@ -20821,6 +22254,13 @@
   <p:clrMapOvr>
     <a:masterClrMapping/>
   </p:clrMapOvr>
+  <p:timing>
+    <p:tnLst>
+      <p:par>
+        <p:cTn id="1" dur="indefinite" restart="never" nodeType="tmRoot"/>
+      </p:par>
+    </p:tnLst>
+  </p:timing>
 </p:sld>
 </file>
 
@@ -21659,6 +23099,13 @@
   <p:clrMapOvr>
     <a:masterClrMapping/>
   </p:clrMapOvr>
+  <p:timing>
+    <p:tnLst>
+      <p:par>
+        <p:cTn id="1" dur="indefinite" restart="never" nodeType="tmRoot"/>
+      </p:par>
+    </p:tnLst>
+  </p:timing>
 </p:sld>
 </file>
 

--- a/Final.pptx
+++ b/Final.pptx
@@ -49,8 +49,8 @@
     <p:sldId id="348" r:id="rId40"/>
     <p:sldId id="349" r:id="rId41"/>
     <p:sldId id="350" r:id="rId42"/>
-    <p:sldId id="351" r:id="rId43"/>
-    <p:sldId id="299" r:id="rId44"/>
+    <p:sldId id="299" r:id="rId43"/>
+    <p:sldId id="351" r:id="rId44"/>
   </p:sldIdLst>
   <p:sldSz cx="9144000" cy="6858000" type="screen4x3"/>
   <p:notesSz cx="6858000" cy="9144000"/>
@@ -499,6 +499,88 @@
     </a:lvl9pPr>
   </p:notesStyle>
 </p:notesMaster>
+</file>
+
+<file path=ppt/notesSlides/notesSlide1.xml><?xml version="1.0" encoding="utf-8"?>
+<p:notes xmlns:a="http://schemas.openxmlformats.org/drawingml/2006/main" xmlns:r="http://schemas.openxmlformats.org/officeDocument/2006/relationships" xmlns:p="http://schemas.openxmlformats.org/presentationml/2006/main">
+  <p:cSld>
+    <p:spTree>
+      <p:nvGrpSpPr>
+        <p:cNvPr id="1" name=""/>
+        <p:cNvGrpSpPr/>
+        <p:nvPr/>
+      </p:nvGrpSpPr>
+      <p:grpSpPr>
+        <a:xfrm>
+          <a:off x="0" y="0"/>
+          <a:ext cx="0" cy="0"/>
+          <a:chOff x="0" y="0"/>
+          <a:chExt cx="0" cy="0"/>
+        </a:xfrm>
+      </p:grpSpPr>
+      <p:sp>
+        <p:nvSpPr>
+          <p:cNvPr id="2" name="Slide Image Placeholder 1"/>
+          <p:cNvSpPr>
+            <a:spLocks noGrp="1" noRot="1" noChangeAspect="1"/>
+          </p:cNvSpPr>
+          <p:nvPr>
+            <p:ph type="sldImg"/>
+          </p:nvPr>
+        </p:nvSpPr>
+        <p:spPr/>
+      </p:sp>
+      <p:sp>
+        <p:nvSpPr>
+          <p:cNvPr id="3" name="Notes Placeholder 2"/>
+          <p:cNvSpPr>
+            <a:spLocks noGrp="1"/>
+          </p:cNvSpPr>
+          <p:nvPr>
+            <p:ph type="body" idx="1"/>
+          </p:nvPr>
+        </p:nvSpPr>
+        <p:spPr/>
+        <p:txBody>
+          <a:bodyPr>
+            <a:normAutofit/>
+          </a:bodyPr>
+          <a:lstStyle/>
+          <a:p>
+            <a:endParaRPr lang="en-US" dirty="0"/>
+          </a:p>
+        </p:txBody>
+      </p:sp>
+      <p:sp>
+        <p:nvSpPr>
+          <p:cNvPr id="4" name="Slide Number Placeholder 3"/>
+          <p:cNvSpPr>
+            <a:spLocks noGrp="1"/>
+          </p:cNvSpPr>
+          <p:nvPr>
+            <p:ph type="sldNum" sz="quarter" idx="10"/>
+          </p:nvPr>
+        </p:nvSpPr>
+        <p:spPr/>
+        <p:txBody>
+          <a:bodyPr/>
+          <a:lstStyle/>
+          <a:p>
+            <a:fld id="{B271E2AD-B5BF-40E1-965E-D7E353B42480}" type="slidenum">
+              <a:rPr lang="en-IN" smtClean="0"/>
+              <a:pPr/>
+              <a:t>31</a:t>
+            </a:fld>
+            <a:endParaRPr lang="en-IN"/>
+          </a:p>
+        </p:txBody>
+      </p:sp>
+    </p:spTree>
+  </p:cSld>
+  <p:clrMapOvr>
+    <a:masterClrMapping/>
+  </p:clrMapOvr>
+</p:notes>
 </file>
 
 <file path=ppt/slideLayouts/slideLayout1.xml><?xml version="1.0" encoding="utf-8"?>
@@ -3568,17 +3650,7 @@
                 <a:latin typeface="Arial" pitchFamily="34" charset="0"/>
                 <a:cs typeface="Arial" pitchFamily="34" charset="0"/>
               </a:rPr>
-              <a:t>Winter </a:t>
-            </a:r>
-            <a:r>
-              <a:rPr lang="de-DE" sz="3000" dirty="0" smtClean="0">
-                <a:solidFill>
-                  <a:srgbClr val="002060"/>
-                </a:solidFill>
-                <a:latin typeface="Arial" pitchFamily="34" charset="0"/>
-                <a:cs typeface="Arial" pitchFamily="34" charset="0"/>
-              </a:rPr>
-              <a:t>term (15/16)</a:t>
+              <a:t>Winter term (15/16)</a:t>
             </a:r>
           </a:p>
           <a:p>
@@ -3775,7 +3847,7 @@
     </p:spTree>
     <p:extLst>
       <p:ext uri="{BB962C8B-B14F-4D97-AF65-F5344CB8AC3E}">
-        <p14:creationId xmlns:p14="http://schemas.microsoft.com/office/powerpoint/2010/main" xmlns="" val="3590561983"/>
+        <p14:creationId xmlns="" xmlns:p14="http://schemas.microsoft.com/office/powerpoint/2010/main" val="3590561983"/>
       </p:ext>
     </p:extLst>
   </p:cSld>
@@ -12142,19 +12214,7 @@
                 <a:latin typeface="Arial" pitchFamily="34" charset="0"/>
                 <a:cs typeface="Arial" pitchFamily="34" charset="0"/>
               </a:rPr>
-              <a:t>(will be </a:t>
-            </a:r>
-            <a:r>
-              <a:rPr lang="en-US" sz="2200" dirty="0" smtClean="0">
-                <a:solidFill>
-                  <a:schemeClr val="bg1">
-                    <a:lumMod val="50000"/>
-                  </a:schemeClr>
-                </a:solidFill>
-                <a:latin typeface="Arial" pitchFamily="34" charset="0"/>
-                <a:cs typeface="Arial" pitchFamily="34" charset="0"/>
-              </a:rPr>
-              <a:t>discussed today). </a:t>
+              <a:t>(will be discussed today). </a:t>
             </a:r>
           </a:p>
           <a:p>
@@ -12314,15 +12374,26 @@
                 <a:latin typeface="Arial" pitchFamily="34" charset="0"/>
                 <a:cs typeface="Arial" pitchFamily="34" charset="0"/>
               </a:rPr>
-              <a:t>JavaScript Validation API </a:t>
+              <a:t>JavaScript Validation </a:t>
+            </a:r>
+            <a:r>
+              <a:rPr lang="en-US" sz="2200" b="1" dirty="0" smtClean="0">
+                <a:latin typeface="Arial" pitchFamily="34" charset="0"/>
+                <a:cs typeface="Arial" pitchFamily="34" charset="0"/>
+              </a:rPr>
+              <a:t>API</a:t>
             </a:r>
             <a:r>
               <a:rPr lang="en-US" sz="2200" b="1" i="1" dirty="0" smtClean="0">
                 <a:latin typeface="Arial" pitchFamily="34" charset="0"/>
                 <a:cs typeface="Arial" pitchFamily="34" charset="0"/>
               </a:rPr>
-              <a:t>(Without external frameworks) </a:t>
-            </a:r>
+              <a:t> </a:t>
+            </a:r>
+            <a:endParaRPr lang="en-US" sz="2200" b="1" i="1" dirty="0" smtClean="0">
+              <a:latin typeface="Arial" pitchFamily="34" charset="0"/>
+              <a:cs typeface="Arial" pitchFamily="34" charset="0"/>
+            </a:endParaRPr>
           </a:p>
           <a:p>
             <a:pPr lvl="1"/>
@@ -12566,35 +12637,35 @@
                 <a:latin typeface="Arial" pitchFamily="34" charset="0"/>
                 <a:cs typeface="Arial" pitchFamily="34" charset="0"/>
               </a:rPr>
-              <a:t>For every </a:t>
+              <a:t>For every html control (</a:t>
+            </a:r>
+            <a:r>
+              <a:rPr lang="en-US" sz="2200" i="1" dirty="0" err="1" smtClean="0">
+                <a:latin typeface="Arial" pitchFamily="34" charset="0"/>
+                <a:cs typeface="Arial" pitchFamily="34" charset="0"/>
+              </a:rPr>
+              <a:t>ex:Input</a:t>
             </a:r>
             <a:r>
               <a:rPr lang="en-US" sz="2200" dirty="0" smtClean="0">
                 <a:latin typeface="Arial" pitchFamily="34" charset="0"/>
                 <a:cs typeface="Arial" pitchFamily="34" charset="0"/>
               </a:rPr>
-              <a:t>html control </a:t>
+              <a:t>), the </a:t>
             </a:r>
             <a:r>
               <a:rPr lang="en-US" sz="2200" dirty="0" smtClean="0">
                 <a:latin typeface="Arial" pitchFamily="34" charset="0"/>
                 <a:cs typeface="Arial" pitchFamily="34" charset="0"/>
               </a:rPr>
-              <a:t>(</a:t>
-            </a:r>
-            <a:r>
-              <a:rPr lang="en-US" sz="2200" i="1" dirty="0" err="1" smtClean="0">
-                <a:latin typeface="Arial" pitchFamily="34" charset="0"/>
-                <a:cs typeface="Arial" pitchFamily="34" charset="0"/>
-              </a:rPr>
-              <a:t>ex:Input</a:t>
+              <a:t>API </a:t>
             </a:r>
             <a:r>
               <a:rPr lang="en-US" sz="2200" dirty="0" smtClean="0">
                 <a:latin typeface="Arial" pitchFamily="34" charset="0"/>
                 <a:cs typeface="Arial" pitchFamily="34" charset="0"/>
               </a:rPr>
-              <a:t>), the default JS API provides set of </a:t>
+              <a:t>provides set of </a:t>
             </a:r>
             <a:r>
               <a:rPr lang="en-US" sz="2200" b="1" dirty="0" smtClean="0">
@@ -13680,98 +13751,90 @@
               </a:rPr>
               <a:t>     { </a:t>
             </a:r>
+          </a:p>
+          <a:p>
+            <a:pPr lvl="1" algn="just">
+              <a:buNone/>
+            </a:pPr>
+            <a:r>
+              <a:rPr lang="en-US" sz="2300" dirty="0" smtClean="0">
+                <a:solidFill>
+                  <a:srgbClr val="00B050"/>
+                </a:solidFill>
+                <a:latin typeface="Arial" pitchFamily="34" charset="0"/>
+                <a:cs typeface="Arial" pitchFamily="34" charset="0"/>
+              </a:rPr>
+              <a:t>	alert</a:t>
+            </a:r>
+            <a:r>
+              <a:rPr lang="en-US" sz="2300" dirty="0" smtClean="0">
+                <a:latin typeface="Arial" pitchFamily="34" charset="0"/>
+                <a:cs typeface="Arial" pitchFamily="34" charset="0"/>
+              </a:rPr>
+              <a:t>( </a:t>
+            </a:r>
+            <a:r>
+              <a:rPr lang="en-US" sz="2300" dirty="0" err="1" smtClean="0">
+                <a:solidFill>
+                  <a:schemeClr val="tx2">
+                    <a:lumMod val="60000"/>
+                    <a:lumOff val="40000"/>
+                  </a:schemeClr>
+                </a:solidFill>
+                <a:latin typeface="Arial" pitchFamily="34" charset="0"/>
+                <a:cs typeface="Arial" pitchFamily="34" charset="0"/>
+              </a:rPr>
+              <a:t>inpObj</a:t>
+            </a:r>
+            <a:r>
+              <a:rPr lang="en-US" sz="2300" dirty="0" err="1" smtClean="0">
+                <a:solidFill>
+                  <a:srgbClr val="FF0000"/>
+                </a:solidFill>
+                <a:latin typeface="Arial" pitchFamily="34" charset="0"/>
+                <a:cs typeface="Arial" pitchFamily="34" charset="0"/>
+              </a:rPr>
+              <a:t>.validationMessage</a:t>
+            </a:r>
+            <a:r>
+              <a:rPr lang="en-US" sz="2300" dirty="0" smtClean="0">
+                <a:latin typeface="Arial" pitchFamily="34" charset="0"/>
+                <a:cs typeface="Arial" pitchFamily="34" charset="0"/>
+              </a:rPr>
+              <a:t>);</a:t>
+            </a:r>
+          </a:p>
+          <a:p>
+            <a:pPr lvl="1" algn="just">
+              <a:buNone/>
+            </a:pPr>
+            <a:r>
+              <a:rPr lang="en-US" sz="2300" dirty="0" smtClean="0">
+                <a:latin typeface="Arial" pitchFamily="34" charset="0"/>
+                <a:cs typeface="Arial" pitchFamily="34" charset="0"/>
+              </a:rPr>
+              <a:t>}</a:t>
+            </a:r>
+          </a:p>
+          <a:p>
+            <a:pPr marL="0" algn="just">
+              <a:lnSpc>
+                <a:spcPct val="120000"/>
+              </a:lnSpc>
+              <a:buNone/>
+            </a:pPr>
             <a:endParaRPr lang="en-US" sz="2300" dirty="0" smtClean="0">
               <a:latin typeface="Arial" pitchFamily="34" charset="0"/>
               <a:cs typeface="Arial" pitchFamily="34" charset="0"/>
             </a:endParaRPr>
           </a:p>
           <a:p>
-            <a:pPr lvl="1" algn="just">
-              <a:buNone/>
-            </a:pPr>
-            <a:r>
-              <a:rPr lang="en-US" sz="2300" dirty="0" smtClean="0">
-                <a:solidFill>
-                  <a:srgbClr val="00B050"/>
-                </a:solidFill>
-                <a:latin typeface="Arial" pitchFamily="34" charset="0"/>
-                <a:cs typeface="Arial" pitchFamily="34" charset="0"/>
-              </a:rPr>
-              <a:t>	alert</a:t>
-            </a:r>
-            <a:r>
-              <a:rPr lang="en-US" sz="2300" dirty="0" smtClean="0">
-                <a:latin typeface="Arial" pitchFamily="34" charset="0"/>
-                <a:cs typeface="Arial" pitchFamily="34" charset="0"/>
-              </a:rPr>
-              <a:t>( </a:t>
-            </a:r>
-            <a:r>
-              <a:rPr lang="en-US" sz="2300" dirty="0" err="1" smtClean="0">
-                <a:solidFill>
-                  <a:schemeClr val="tx2">
-                    <a:lumMod val="60000"/>
-                    <a:lumOff val="40000"/>
-                  </a:schemeClr>
-                </a:solidFill>
-                <a:latin typeface="Arial" pitchFamily="34" charset="0"/>
-                <a:cs typeface="Arial" pitchFamily="34" charset="0"/>
-              </a:rPr>
-              <a:t>inpObj</a:t>
-            </a:r>
-            <a:r>
-              <a:rPr lang="en-US" sz="2300" dirty="0" err="1" smtClean="0">
-                <a:solidFill>
-                  <a:srgbClr val="FF0000"/>
-                </a:solidFill>
-                <a:latin typeface="Arial" pitchFamily="34" charset="0"/>
-                <a:cs typeface="Arial" pitchFamily="34" charset="0"/>
-              </a:rPr>
-              <a:t>.validationMessage</a:t>
-            </a:r>
-            <a:r>
-              <a:rPr lang="en-US" sz="2300" dirty="0" smtClean="0">
-                <a:latin typeface="Arial" pitchFamily="34" charset="0"/>
-                <a:cs typeface="Arial" pitchFamily="34" charset="0"/>
-              </a:rPr>
-              <a:t>);</a:t>
-            </a:r>
-          </a:p>
-          <a:p>
-            <a:pPr lvl="1" algn="just">
-              <a:buNone/>
-            </a:pPr>
-            <a:r>
-              <a:rPr lang="en-US" sz="2300" dirty="0" smtClean="0">
-                <a:latin typeface="Arial" pitchFamily="34" charset="0"/>
-                <a:cs typeface="Arial" pitchFamily="34" charset="0"/>
-              </a:rPr>
-              <a:t>}</a:t>
-            </a:r>
-            <a:endParaRPr lang="en-US" sz="2300" dirty="0" smtClean="0">
-              <a:latin typeface="Arial" pitchFamily="34" charset="0"/>
-              <a:cs typeface="Arial" pitchFamily="34" charset="0"/>
-            </a:endParaRPr>
-          </a:p>
-          <a:p>
             <a:pPr marL="0" algn="just">
               <a:lnSpc>
                 <a:spcPct val="120000"/>
               </a:lnSpc>
               <a:buNone/>
             </a:pPr>
-            <a:endParaRPr lang="en-US" sz="2300" dirty="0" smtClean="0">
-              <a:latin typeface="Arial" pitchFamily="34" charset="0"/>
-              <a:cs typeface="Arial" pitchFamily="34" charset="0"/>
-            </a:endParaRPr>
-          </a:p>
-          <a:p>
-            <a:pPr marL="0" algn="just">
-              <a:lnSpc>
-                <a:spcPct val="120000"/>
-              </a:lnSpc>
-              <a:buNone/>
-            </a:pPr>
             <a:r>
               <a:rPr lang="en-US" sz="2300" dirty="0" smtClean="0">
                 <a:solidFill>
@@ -13780,17 +13843,7 @@
                 <a:latin typeface="Arial" pitchFamily="34" charset="0"/>
                 <a:cs typeface="Arial" pitchFamily="34" charset="0"/>
               </a:rPr>
-              <a:t>    </a:t>
-            </a:r>
-            <a:r>
-              <a:rPr lang="en-US" sz="2300" dirty="0" smtClean="0">
-                <a:solidFill>
-                  <a:srgbClr val="00B050"/>
-                </a:solidFill>
-                <a:latin typeface="Arial" pitchFamily="34" charset="0"/>
-                <a:cs typeface="Arial" pitchFamily="34" charset="0"/>
-              </a:rPr>
-              <a:t>if</a:t>
+              <a:t>    if</a:t>
             </a:r>
             <a:r>
               <a:rPr lang="en-US" sz="2300" dirty="0" smtClean="0">
@@ -14001,8 +14054,8 @@
         </p:nvSpPr>
         <p:spPr>
           <a:xfrm>
-            <a:off x="533400" y="1295400"/>
-            <a:ext cx="8229600" cy="4876800"/>
+            <a:off x="381000" y="1295400"/>
+            <a:ext cx="8382000" cy="4876800"/>
           </a:xfrm>
         </p:spPr>
         <p:txBody>
@@ -14459,13 +14512,6 @@
               </a:rPr>
               <a:t> </a:t>
             </a:r>
-            <a:endParaRPr lang="en-US" sz="1800" dirty="0" smtClean="0">
-              <a:solidFill>
-                <a:srgbClr val="00B050"/>
-              </a:solidFill>
-              <a:latin typeface="Arial" pitchFamily="34" charset="0"/>
-              <a:cs typeface="Arial" pitchFamily="34" charset="0"/>
-            </a:endParaRPr>
           </a:p>
           <a:p>
             <a:pPr marL="0" indent="0">
@@ -14491,13 +14537,6 @@
               </a:rPr>
               <a:t>  </a:t>
             </a:r>
-            <a:endParaRPr lang="en-US" sz="1800" dirty="0" smtClean="0">
-              <a:solidFill>
-                <a:srgbClr val="00B050"/>
-              </a:solidFill>
-              <a:latin typeface="Arial" pitchFamily="34" charset="0"/>
-              <a:cs typeface="Arial" pitchFamily="34" charset="0"/>
-            </a:endParaRPr>
           </a:p>
           <a:p>
             <a:pPr marL="0" indent="0">
@@ -14564,13 +14603,6 @@
               </a:rPr>
               <a:t> false; </a:t>
             </a:r>
-            <a:endParaRPr lang="en-US" sz="1800" dirty="0" smtClean="0">
-              <a:solidFill>
-                <a:srgbClr val="00B050"/>
-              </a:solidFill>
-              <a:latin typeface="Arial" pitchFamily="34" charset="0"/>
-              <a:cs typeface="Arial" pitchFamily="34" charset="0"/>
-            </a:endParaRPr>
           </a:p>
           <a:p>
             <a:pPr marL="0" indent="0">
@@ -14586,10 +14618,6 @@
               </a:rPr>
               <a:t>}</a:t>
             </a:r>
-            <a:endParaRPr lang="en-US" sz="1800" dirty="0" smtClean="0">
-              <a:latin typeface="Arial" pitchFamily="34" charset="0"/>
-              <a:cs typeface="Arial" pitchFamily="34" charset="0"/>
-            </a:endParaRPr>
           </a:p>
           <a:p>
             <a:pPr marL="0" indent="0">
@@ -14615,53 +14643,18 @@
               <a:t>We can </a:t>
             </a:r>
             <a:r>
-              <a:rPr lang="en-US" sz="2200" dirty="0" err="1" smtClean="0">
-                <a:latin typeface="Arial" pitchFamily="34" charset="0"/>
-                <a:cs typeface="Arial" pitchFamily="34" charset="0"/>
-              </a:rPr>
-              <a:t>achive</a:t>
-            </a:r>
-            <a:r>
               <a:rPr lang="en-US" sz="2200" dirty="0" smtClean="0">
                 <a:latin typeface="Arial" pitchFamily="34" charset="0"/>
                 <a:cs typeface="Arial" pitchFamily="34" charset="0"/>
               </a:rPr>
-              <a:t> the same with HTML5 </a:t>
+              <a:t>achieve </a:t>
             </a:r>
             <a:r>
               <a:rPr lang="en-US" sz="2200" dirty="0" smtClean="0">
                 <a:latin typeface="Arial" pitchFamily="34" charset="0"/>
                 <a:cs typeface="Arial" pitchFamily="34" charset="0"/>
               </a:rPr>
-              <a:t>tags</a:t>
-            </a:r>
-            <a:r>
-              <a:rPr lang="en-US" sz="2200" dirty="0" smtClean="0">
-                <a:latin typeface="Arial" pitchFamily="34" charset="0"/>
-                <a:cs typeface="Arial" pitchFamily="34" charset="0"/>
-              </a:rPr>
-              <a:t>, which let </a:t>
-            </a:r>
-            <a:r>
-              <a:rPr lang="en-US" sz="2200" dirty="0" smtClean="0">
-                <a:latin typeface="Arial" pitchFamily="34" charset="0"/>
-                <a:cs typeface="Arial" pitchFamily="34" charset="0"/>
-              </a:rPr>
-              <a:t>the browser understand and do the validation for you. No JS </a:t>
-            </a:r>
-            <a:r>
-              <a:rPr lang="en-US" sz="2200" dirty="0" smtClean="0">
-                <a:latin typeface="Arial" pitchFamily="34" charset="0"/>
-                <a:cs typeface="Arial" pitchFamily="34" charset="0"/>
-              </a:rPr>
-              <a:t>needed</a:t>
-            </a:r>
-            <a:r>
-              <a:rPr lang="en-US" sz="2200" dirty="0" smtClean="0">
-                <a:latin typeface="Arial" pitchFamily="34" charset="0"/>
-                <a:cs typeface="Arial" pitchFamily="34" charset="0"/>
-              </a:rPr>
-              <a:t>:</a:t>
+              <a:t>the same with HTML5 tags, which let the browser understand and do the validation for you. No JS needed:</a:t>
             </a:r>
           </a:p>
           <a:p>
@@ -14751,7 +14744,7 @@
           <p:nvPr/>
         </p:nvPicPr>
         <p:blipFill>
-          <a:blip r:embed="rId2"/>
+          <a:blip r:embed="rId3"/>
           <a:srcRect/>
           <a:stretch>
             <a:fillRect/>
@@ -15072,7 +15065,17 @@
                 <a:latin typeface="Arial" pitchFamily="34" charset="0"/>
                 <a:cs typeface="Arial" pitchFamily="34" charset="0"/>
               </a:rPr>
-              <a:t>Parse the value and test it against each of the rules? Complex logic / code? Efficient? Bug free?</a:t>
+              <a:t>Parse the value and test it against each of the rules? Complex logic / code? Efficient? Bug </a:t>
+            </a:r>
+            <a:r>
+              <a:rPr lang="en-US" sz="1900" i="1" dirty="0" smtClean="0">
+                <a:solidFill>
+                  <a:srgbClr val="0070C0"/>
+                </a:solidFill>
+                <a:latin typeface="Arial" pitchFamily="34" charset="0"/>
+                <a:cs typeface="Arial" pitchFamily="34" charset="0"/>
+              </a:rPr>
+              <a:t>causing?</a:t>
             </a:r>
             <a:endParaRPr lang="en-US" sz="1900" b="1" i="1" dirty="0" smtClean="0">
               <a:solidFill>
@@ -15739,21 +15742,7 @@
                 <a:latin typeface="Arial" pitchFamily="34" charset="0"/>
                 <a:cs typeface="Arial" pitchFamily="34" charset="0"/>
               </a:rPr>
-              <a:t>JS frameworks define multiple </a:t>
-            </a:r>
-            <a:r>
-              <a:rPr lang="en-US" sz="2000" dirty="0" smtClean="0">
-                <a:latin typeface="Arial" pitchFamily="34" charset="0"/>
-                <a:cs typeface="Arial" pitchFamily="34" charset="0"/>
-              </a:rPr>
-              <a:t>attributes / objects </a:t>
-            </a:r>
-            <a:r>
-              <a:rPr lang="en-US" sz="2000" dirty="0" smtClean="0">
-                <a:latin typeface="Arial" pitchFamily="34" charset="0"/>
-                <a:cs typeface="Arial" pitchFamily="34" charset="0"/>
-              </a:rPr>
-              <a:t>that get translated into special actions at runtime.</a:t>
+              <a:t>JS frameworks define multiple attributes / objects that get translated into special actions at runtime.</a:t>
             </a:r>
           </a:p>
         </p:txBody>
@@ -16027,34 +16016,44 @@
                 <a:latin typeface="Arial" pitchFamily="34" charset="0"/>
                 <a:cs typeface="Arial" pitchFamily="34" charset="0"/>
               </a:rPr>
-              <a:t>JS Code</a:t>
+              <a:t>JS Code: </a:t>
             </a:r>
             <a:r>
               <a:rPr lang="en-US" sz="2000" b="1" dirty="0" smtClean="0">
                 <a:solidFill>
-                  <a:srgbClr val="00B050"/>
-                </a:solidFill>
-                <a:latin typeface="Arial" pitchFamily="34" charset="0"/>
-                <a:cs typeface="Arial" pitchFamily="34" charset="0"/>
-              </a:rPr>
-              <a:t>: </a:t>
+                  <a:srgbClr val="002060"/>
+                </a:solidFill>
+                <a:latin typeface="Arial" pitchFamily="34" charset="0"/>
+                <a:cs typeface="Arial" pitchFamily="34" charset="0"/>
+              </a:rPr>
+              <a:t>$(</a:t>
             </a:r>
             <a:r>
               <a:rPr lang="en-US" sz="2000" b="1" dirty="0" smtClean="0">
+                <a:latin typeface="Arial" pitchFamily="34" charset="0"/>
+                <a:cs typeface="Arial" pitchFamily="34" charset="0"/>
+              </a:rPr>
+              <a:t>"form[name=form-login]"</a:t>
+            </a:r>
+            <a:r>
+              <a:rPr lang="en-US" sz="2000" b="1" dirty="0" smtClean="0">
                 <a:solidFill>
                   <a:srgbClr val="002060"/>
                 </a:solidFill>
                 <a:latin typeface="Arial" pitchFamily="34" charset="0"/>
                 <a:cs typeface="Arial" pitchFamily="34" charset="0"/>
               </a:rPr>
-              <a:t>$(</a:t>
+              <a:t>).</a:t>
             </a:r>
             <a:r>
               <a:rPr lang="en-US" sz="2000" b="1" dirty="0" smtClean="0">
-                <a:latin typeface="Arial" pitchFamily="34" charset="0"/>
-                <a:cs typeface="Arial" pitchFamily="34" charset="0"/>
-              </a:rPr>
-              <a:t>"form[name=form-login]"</a:t>
+                <a:solidFill>
+                  <a:srgbClr val="FF0000"/>
+                </a:solidFill>
+                <a:latin typeface="Arial" pitchFamily="34" charset="0"/>
+                <a:cs typeface="Arial" pitchFamily="34" charset="0"/>
+              </a:rPr>
+              <a:t>parsley()</a:t>
             </a:r>
             <a:r>
               <a:rPr lang="en-US" sz="2000" b="1" dirty="0" smtClean="0">
@@ -16064,35 +16063,8 @@
                 <a:latin typeface="Arial" pitchFamily="34" charset="0"/>
                 <a:cs typeface="Arial" pitchFamily="34" charset="0"/>
               </a:rPr>
-              <a:t>).</a:t>
-            </a:r>
-            <a:r>
-              <a:rPr lang="en-US" sz="2000" b="1" dirty="0" smtClean="0">
-                <a:solidFill>
-                  <a:srgbClr val="FF0000"/>
-                </a:solidFill>
-                <a:latin typeface="Arial" pitchFamily="34" charset="0"/>
-                <a:cs typeface="Arial" pitchFamily="34" charset="0"/>
-              </a:rPr>
-              <a:t>parsley()</a:t>
-            </a:r>
-            <a:r>
-              <a:rPr lang="en-US" sz="2000" b="1" dirty="0" smtClean="0">
-                <a:solidFill>
-                  <a:srgbClr val="002060"/>
-                </a:solidFill>
-                <a:latin typeface="Arial" pitchFamily="34" charset="0"/>
-                <a:cs typeface="Arial" pitchFamily="34" charset="0"/>
-              </a:rPr>
               <a:t>;</a:t>
             </a:r>
-            <a:endParaRPr lang="en-US" sz="2000" b="1" dirty="0" smtClean="0">
-              <a:solidFill>
-                <a:srgbClr val="002060"/>
-              </a:solidFill>
-              <a:latin typeface="Arial" pitchFamily="34" charset="0"/>
-              <a:cs typeface="Arial" pitchFamily="34" charset="0"/>
-            </a:endParaRPr>
           </a:p>
           <a:p>
             <a:pPr>
@@ -16255,10 +16227,6 @@
               </a:rPr>
               <a:t> pattern</a:t>
             </a:r>
-            <a:endParaRPr lang="en-US" dirty="0" smtClean="0">
-              <a:latin typeface="Arial" pitchFamily="34" charset="0"/>
-              <a:cs typeface="Arial" pitchFamily="34" charset="0"/>
-            </a:endParaRPr>
           </a:p>
           <a:p>
             <a:pPr>
@@ -16293,17 +16261,7 @@
                 <a:latin typeface="Arial" pitchFamily="34" charset="0"/>
                 <a:cs typeface="Arial" pitchFamily="34" charset="0"/>
               </a:rPr>
-              <a:t>" </a:t>
-            </a:r>
-            <a:r>
-              <a:rPr lang="en-US" b="1" dirty="0" smtClean="0">
-                <a:solidFill>
-                  <a:srgbClr val="00B050"/>
-                </a:solidFill>
-                <a:latin typeface="Arial" pitchFamily="34" charset="0"/>
-                <a:cs typeface="Arial" pitchFamily="34" charset="0"/>
-              </a:rPr>
-              <a:t>           </a:t>
+              <a:t>"            </a:t>
             </a:r>
             <a:r>
               <a:rPr lang="en-US" dirty="0" smtClean="0">
@@ -16318,21 +16276,7 @@
                 <a:latin typeface="Arial" pitchFamily="34" charset="0"/>
                 <a:cs typeface="Arial" pitchFamily="34" charset="0"/>
               </a:rPr>
-              <a:t>Set </a:t>
-            </a:r>
-            <a:r>
-              <a:rPr lang="en-US" dirty="0" smtClean="0">
-                <a:latin typeface="Arial" pitchFamily="34" charset="0"/>
-                <a:cs typeface="Arial" pitchFamily="34" charset="0"/>
-              </a:rPr>
-              <a:t>the field </a:t>
-            </a:r>
-            <a:r>
-              <a:rPr lang="en-US" dirty="0" smtClean="0">
-                <a:latin typeface="Arial" pitchFamily="34" charset="0"/>
-                <a:cs typeface="Arial" pitchFamily="34" charset="0"/>
-              </a:rPr>
-              <a:t>as required</a:t>
+              <a:t>Set the field as required</a:t>
             </a:r>
           </a:p>
           <a:p>
@@ -16348,47 +16292,27 @@
                 <a:latin typeface="Arial" pitchFamily="34" charset="0"/>
                 <a:cs typeface="Arial" pitchFamily="34" charset="0"/>
               </a:rPr>
-              <a:t>"</a:t>
+              <a:t>"data-parsley-</a:t>
             </a:r>
             <a:r>
               <a:rPr lang="en-US" b="1" dirty="0" smtClean="0">
                 <a:solidFill>
+                  <a:srgbClr val="FF0000"/>
+                </a:solidFill>
+                <a:latin typeface="Arial" pitchFamily="34" charset="0"/>
+                <a:cs typeface="Arial" pitchFamily="34" charset="0"/>
+              </a:rPr>
+              <a:t>trigger</a:t>
+            </a:r>
+            <a:r>
+              <a:rPr lang="en-US" b="1" dirty="0" smtClean="0">
+                <a:solidFill>
                   <a:srgbClr val="00B050"/>
                 </a:solidFill>
                 <a:latin typeface="Arial" pitchFamily="34" charset="0"/>
                 <a:cs typeface="Arial" pitchFamily="34" charset="0"/>
               </a:rPr>
-              <a:t>data-parsley-</a:t>
-            </a:r>
-            <a:r>
-              <a:rPr lang="en-US" b="1" dirty="0" smtClean="0">
-                <a:solidFill>
-                  <a:srgbClr val="FF0000"/>
-                </a:solidFill>
-                <a:latin typeface="Arial" pitchFamily="34" charset="0"/>
-                <a:cs typeface="Arial" pitchFamily="34" charset="0"/>
-              </a:rPr>
-              <a:t>trigger</a:t>
-            </a:r>
-            <a:r>
-              <a:rPr lang="en-US" b="1" dirty="0" smtClean="0">
-                <a:solidFill>
-                  <a:srgbClr val="00B050"/>
-                </a:solidFill>
-                <a:latin typeface="Arial" pitchFamily="34" charset="0"/>
-                <a:cs typeface="Arial" pitchFamily="34" charset="0"/>
-              </a:rPr>
-              <a:t>" </a:t>
-            </a:r>
-            <a:r>
-              <a:rPr lang="en-US" b="1" dirty="0" smtClean="0">
-                <a:solidFill>
-                  <a:srgbClr val="00B050"/>
-                </a:solidFill>
-                <a:latin typeface="Arial" pitchFamily="34" charset="0"/>
-                <a:cs typeface="Arial" pitchFamily="34" charset="0"/>
-              </a:rPr>
-              <a:t>              </a:t>
+              <a:t>"               </a:t>
             </a:r>
             <a:r>
               <a:rPr lang="en-US" dirty="0" smtClean="0">
@@ -16403,26 +16327,8 @@
                 <a:latin typeface="Arial" pitchFamily="34" charset="0"/>
                 <a:cs typeface="Arial" pitchFamily="34" charset="0"/>
               </a:rPr>
-              <a:t>Set </a:t>
-            </a:r>
-            <a:r>
-              <a:rPr lang="en-US" dirty="0" smtClean="0">
-                <a:latin typeface="Arial" pitchFamily="34" charset="0"/>
-                <a:cs typeface="Arial" pitchFamily="34" charset="0"/>
-              </a:rPr>
-              <a:t>trigger validation </a:t>
-            </a:r>
-            <a:r>
-              <a:rPr lang="en-US" dirty="0" smtClean="0">
-                <a:latin typeface="Arial" pitchFamily="34" charset="0"/>
-                <a:cs typeface="Arial" pitchFamily="34" charset="0"/>
-              </a:rPr>
-              <a:t>event</a:t>
-            </a:r>
-            <a:endParaRPr lang="en-US" dirty="0" smtClean="0">
-              <a:latin typeface="Arial" pitchFamily="34" charset="0"/>
-              <a:cs typeface="Arial" pitchFamily="34" charset="0"/>
-            </a:endParaRPr>
+              <a:t>Set trigger validation event</a:t>
+            </a:r>
           </a:p>
           <a:p>
             <a:pPr>
@@ -16472,14 +16378,7 @@
                 <a:latin typeface="Arial" pitchFamily="34" charset="0"/>
                 <a:cs typeface="Arial" pitchFamily="34" charset="0"/>
               </a:rPr>
-              <a:t>  Set custom </a:t>
-            </a:r>
-            <a:r>
-              <a:rPr lang="en-US" dirty="0" smtClean="0">
-                <a:latin typeface="Arial" pitchFamily="34" charset="0"/>
-                <a:cs typeface="Arial" pitchFamily="34" charset="0"/>
-              </a:rPr>
-              <a:t>error message</a:t>
+              <a:t>  Set custom error message</a:t>
             </a:r>
             <a:endParaRPr lang="en-US" dirty="0">
               <a:latin typeface="Arial" pitchFamily="34" charset="0"/>
@@ -16563,13 +16462,6 @@
               </a:rPr>
               <a:t>="change" </a:t>
             </a:r>
-            <a:endParaRPr lang="en-US" b="1" dirty="0" smtClean="0">
-              <a:solidFill>
-                <a:srgbClr val="002060"/>
-              </a:solidFill>
-              <a:latin typeface="Arial" pitchFamily="34" charset="0"/>
-              <a:cs typeface="Arial" pitchFamily="34" charset="0"/>
-            </a:endParaRPr>
           </a:p>
           <a:p>
             <a:r>
@@ -16602,13 +16494,6 @@
               </a:rPr>
               <a:t>="true"</a:t>
             </a:r>
-            <a:endParaRPr lang="en-US" b="1" dirty="0" smtClean="0">
-              <a:solidFill>
-                <a:srgbClr val="002060"/>
-              </a:solidFill>
-              <a:latin typeface="Arial" pitchFamily="34" charset="0"/>
-              <a:cs typeface="Arial" pitchFamily="34" charset="0"/>
-            </a:endParaRPr>
           </a:p>
           <a:p>
             <a:r>
@@ -16639,17 +16524,7 @@
                 <a:latin typeface="Arial" pitchFamily="34" charset="0"/>
                 <a:cs typeface="Arial" pitchFamily="34" charset="0"/>
               </a:rPr>
-              <a:t>="/^[A-Za-z0-9 ]{3,25</a:t>
-            </a:r>
-            <a:r>
-              <a:rPr lang="en-US" b="1" dirty="0" smtClean="0">
-                <a:solidFill>
-                  <a:srgbClr val="002060"/>
-                </a:solidFill>
-                <a:latin typeface="Arial" pitchFamily="34" charset="0"/>
-                <a:cs typeface="Arial" pitchFamily="34" charset="0"/>
-              </a:rPr>
-              <a:t>}$/“ </a:t>
+              <a:t>="/^[A-Za-z0-9 ]{3,25}$/“ </a:t>
             </a:r>
           </a:p>
           <a:p>
@@ -17240,13 +17115,6 @@
               </a:rPr>
               <a:t>, function({Value}, [requirements]) {</a:t>
             </a:r>
-            <a:endParaRPr lang="en-US" b="1" dirty="0" smtClean="0">
-              <a:solidFill>
-                <a:srgbClr val="002060"/>
-              </a:solidFill>
-              <a:latin typeface="Arial" pitchFamily="34" charset="0"/>
-              <a:cs typeface="Arial" pitchFamily="34" charset="0"/>
-            </a:endParaRPr>
           </a:p>
           <a:p>
             <a:r>
@@ -17259,13 +17127,6 @@
               </a:rPr>
               <a:t>	If(expression){</a:t>
             </a:r>
-            <a:endParaRPr lang="en-US" b="1" dirty="0" smtClean="0">
-              <a:solidFill>
-                <a:srgbClr val="002060"/>
-              </a:solidFill>
-              <a:latin typeface="Arial" pitchFamily="34" charset="0"/>
-              <a:cs typeface="Arial" pitchFamily="34" charset="0"/>
-            </a:endParaRPr>
           </a:p>
           <a:p>
             <a:r>
@@ -17276,8 +17137,10 @@
                 <a:latin typeface="Arial" pitchFamily="34" charset="0"/>
                 <a:cs typeface="Arial" pitchFamily="34" charset="0"/>
               </a:rPr>
-              <a:t>		 return </a:t>
-            </a:r>
+              <a:t>		 return false;</a:t>
+            </a:r>
+          </a:p>
+          <a:p>
             <a:r>
               <a:rPr lang="en-US" b="1" dirty="0" smtClean="0">
                 <a:solidFill>
@@ -17286,7 +17149,7 @@
                 <a:latin typeface="Arial" pitchFamily="34" charset="0"/>
                 <a:cs typeface="Arial" pitchFamily="34" charset="0"/>
               </a:rPr>
-              <a:t>false;</a:t>
+              <a:t>	}</a:t>
             </a:r>
           </a:p>
           <a:p>
@@ -17298,27 +17161,8 @@
                 <a:latin typeface="Arial" pitchFamily="34" charset="0"/>
                 <a:cs typeface="Arial" pitchFamily="34" charset="0"/>
               </a:rPr>
-              <a:t>	}</a:t>
-            </a:r>
-          </a:p>
-          <a:p>
-            <a:r>
-              <a:rPr lang="en-US" b="1" dirty="0" smtClean="0">
-                <a:solidFill>
-                  <a:srgbClr val="002060"/>
-                </a:solidFill>
-                <a:latin typeface="Arial" pitchFamily="34" charset="0"/>
-                <a:cs typeface="Arial" pitchFamily="34" charset="0"/>
-              </a:rPr>
               <a:t>	return true;</a:t>
             </a:r>
-            <a:endParaRPr lang="en-US" b="1" dirty="0" smtClean="0">
-              <a:solidFill>
-                <a:srgbClr val="002060"/>
-              </a:solidFill>
-              <a:latin typeface="Arial" pitchFamily="34" charset="0"/>
-              <a:cs typeface="Arial" pitchFamily="34" charset="0"/>
-            </a:endParaRPr>
           </a:p>
           <a:p>
             <a:r>
@@ -17510,29 +17354,79 @@
                 <a:latin typeface="Arial" pitchFamily="34" charset="0"/>
                 <a:cs typeface="Arial" pitchFamily="34" charset="0"/>
               </a:rPr>
-              <a:t>- Field </a:t>
+              <a:t>- Field validation as number, email, </a:t>
+            </a:r>
+            <a:r>
+              <a:rPr lang="en-US" sz="2000" dirty="0" err="1" smtClean="0">
+                <a:latin typeface="Arial" pitchFamily="34" charset="0"/>
+                <a:cs typeface="Arial" pitchFamily="34" charset="0"/>
+              </a:rPr>
+              <a:t>url</a:t>
             </a:r>
             <a:r>
               <a:rPr lang="en-US" sz="2000" dirty="0" smtClean="0">
                 <a:latin typeface="Arial" pitchFamily="34" charset="0"/>
                 <a:cs typeface="Arial" pitchFamily="34" charset="0"/>
               </a:rPr>
-              <a:t>validation as number, email, </a:t>
+              <a:t> or required (one or multiple): </a:t>
+            </a:r>
+          </a:p>
+          <a:p>
+            <a:pPr>
+              <a:buNone/>
+            </a:pPr>
+            <a:r>
+              <a:rPr lang="en-US" sz="2000" dirty="0" smtClean="0">
+                <a:solidFill>
+                  <a:srgbClr val="FF0000"/>
+                </a:solidFill>
+                <a:latin typeface="Arial" pitchFamily="34" charset="0"/>
+                <a:cs typeface="Arial" pitchFamily="34" charset="0"/>
+              </a:rPr>
+              <a:t>data-validate</a:t>
+            </a:r>
+            <a:r>
+              <a:rPr lang="en-US" sz="2000" dirty="0" smtClean="0">
+                <a:solidFill>
+                  <a:srgbClr val="00B050"/>
+                </a:solidFill>
+                <a:latin typeface="Arial" pitchFamily="34" charset="0"/>
+                <a:cs typeface="Arial" pitchFamily="34" charset="0"/>
+              </a:rPr>
+              <a:t>=“{</a:t>
             </a:r>
             <a:r>
               <a:rPr lang="en-US" sz="2000" dirty="0" err="1" smtClean="0">
-                <a:latin typeface="Arial" pitchFamily="34" charset="0"/>
-                <a:cs typeface="Arial" pitchFamily="34" charset="0"/>
-              </a:rPr>
-              <a:t>url</a:t>
+                <a:solidFill>
+                  <a:srgbClr val="00B050"/>
+                </a:solidFill>
+                <a:latin typeface="Arial" pitchFamily="34" charset="0"/>
+                <a:cs typeface="Arial" pitchFamily="34" charset="0"/>
+              </a:rPr>
+              <a:t>number,required</a:t>
             </a:r>
             <a:r>
               <a:rPr lang="en-US" sz="2000" dirty="0" smtClean="0">
-                <a:latin typeface="Arial" pitchFamily="34" charset="0"/>
-                <a:cs typeface="Arial" pitchFamily="34" charset="0"/>
-              </a:rPr>
-              <a:t> or required (one or multiple): </a:t>
-            </a:r>
+                <a:solidFill>
+                  <a:srgbClr val="00B050"/>
+                </a:solidFill>
+                <a:latin typeface="Arial" pitchFamily="34" charset="0"/>
+                <a:cs typeface="Arial" pitchFamily="34" charset="0"/>
+              </a:rPr>
+              <a:t>}“</a:t>
+            </a:r>
+            <a:r>
+              <a:rPr lang="en-US" sz="2000" dirty="0" smtClean="0">
+                <a:latin typeface="Arial" pitchFamily="34" charset="0"/>
+                <a:cs typeface="Arial" pitchFamily="34" charset="0"/>
+              </a:rPr>
+              <a:t> </a:t>
+            </a:r>
+          </a:p>
+          <a:p>
+            <a:pPr>
+              <a:buNone/>
+            </a:pPr>
             <a:endParaRPr lang="en-US" sz="2000" dirty="0" smtClean="0">
               <a:latin typeface="Arial" pitchFamily="34" charset="0"/>
               <a:cs typeface="Arial" pitchFamily="34" charset="0"/>
@@ -17544,78 +17438,10 @@
             </a:pPr>
             <a:r>
               <a:rPr lang="en-US" sz="2000" dirty="0" smtClean="0">
-                <a:solidFill>
-                  <a:srgbClr val="FF0000"/>
-                </a:solidFill>
-                <a:latin typeface="Arial" pitchFamily="34" charset="0"/>
-                <a:cs typeface="Arial" pitchFamily="34" charset="0"/>
-              </a:rPr>
-              <a:t>data-validate</a:t>
-            </a:r>
-            <a:r>
-              <a:rPr lang="en-US" sz="2000" dirty="0" smtClean="0">
-                <a:solidFill>
-                  <a:srgbClr val="00B050"/>
-                </a:solidFill>
-                <a:latin typeface="Arial" pitchFamily="34" charset="0"/>
-                <a:cs typeface="Arial" pitchFamily="34" charset="0"/>
-              </a:rPr>
-              <a:t>=“{</a:t>
-            </a:r>
-            <a:r>
-              <a:rPr lang="en-US" sz="2000" dirty="0" err="1" smtClean="0">
-                <a:solidFill>
-                  <a:srgbClr val="00B050"/>
-                </a:solidFill>
-                <a:latin typeface="Arial" pitchFamily="34" charset="0"/>
-                <a:cs typeface="Arial" pitchFamily="34" charset="0"/>
-              </a:rPr>
-              <a:t>number,email,url,required</a:t>
-            </a:r>
-            <a:r>
-              <a:rPr lang="en-US" sz="2000" dirty="0" smtClean="0">
-                <a:solidFill>
-                  <a:srgbClr val="00B050"/>
-                </a:solidFill>
-                <a:latin typeface="Arial" pitchFamily="34" charset="0"/>
-                <a:cs typeface="Arial" pitchFamily="34" charset="0"/>
-              </a:rPr>
-              <a:t>}“</a:t>
-            </a:r>
-            <a:r>
-              <a:rPr lang="en-US" sz="2000" dirty="0" smtClean="0">
-                <a:latin typeface="Arial" pitchFamily="34" charset="0"/>
-                <a:cs typeface="Arial" pitchFamily="34" charset="0"/>
-              </a:rPr>
-              <a:t> </a:t>
-            </a:r>
-          </a:p>
-          <a:p>
-            <a:pPr>
-              <a:buNone/>
-            </a:pPr>
-            <a:endParaRPr lang="en-US" sz="2000" dirty="0" smtClean="0">
-              <a:latin typeface="Arial" pitchFamily="34" charset="0"/>
-              <a:cs typeface="Arial" pitchFamily="34" charset="0"/>
-            </a:endParaRPr>
-          </a:p>
-          <a:p>
-            <a:pPr>
-              <a:buNone/>
-            </a:pPr>
-            <a:r>
-              <a:rPr lang="en-US" sz="2000" dirty="0" smtClean="0">
-                <a:latin typeface="Arial" pitchFamily="34" charset="0"/>
-                <a:cs typeface="Arial" pitchFamily="34" charset="0"/>
-              </a:rPr>
-              <a:t>- </a:t>
-            </a:r>
-            <a:r>
-              <a:rPr lang="en-US" sz="2000" dirty="0" smtClean="0">
-                <a:latin typeface="Arial" pitchFamily="34" charset="0"/>
-                <a:cs typeface="Arial" pitchFamily="34" charset="0"/>
-              </a:rPr>
-              <a:t>Using </a:t>
+                <a:latin typeface="Arial" pitchFamily="34" charset="0"/>
+                <a:cs typeface="Arial" pitchFamily="34" charset="0"/>
+              </a:rPr>
+              <a:t>- Using </a:t>
             </a:r>
             <a:r>
               <a:rPr lang="en-US" sz="2000" dirty="0" err="1" smtClean="0">
@@ -19925,8 +19751,8 @@
         </p:nvSpPr>
         <p:spPr>
           <a:xfrm>
-            <a:off x="381000" y="152400"/>
-            <a:ext cx="7848600" cy="838200"/>
+            <a:off x="533400" y="1981200"/>
+            <a:ext cx="8001000" cy="1143000"/>
           </a:xfrm>
         </p:spPr>
         <p:txBody>
@@ -19935,7 +19761,6 @@
           </a:bodyPr>
           <a:lstStyle/>
           <a:p>
-            <a:pPr algn="l"/>
             <a:r>
               <a:rPr lang="de-DE" sz="4000" dirty="0" smtClean="0">
                 <a:solidFill>
@@ -19944,7 +19769,7 @@
                 <a:latin typeface="Arial" pitchFamily="34" charset="0"/>
                 <a:cs typeface="Arial" pitchFamily="34" charset="0"/>
               </a:rPr>
-              <a:t>References</a:t>
+              <a:t>Thank you for your attention</a:t>
             </a:r>
             <a:endParaRPr lang="de-DE" sz="4000" dirty="0">
               <a:solidFill>
@@ -20011,650 +19836,6 @@
               <a:rPr lang="en-US" smtClean="0"/>
               <a:pPr/>
               <a:t>42</a:t>
-            </a:fld>
-            <a:endParaRPr lang="en-US"/>
-          </a:p>
-        </p:txBody>
-      </p:sp>
-      <p:pic>
-        <p:nvPicPr>
-          <p:cNvPr id="6" name="Picture 5" descr="C:\Users\Jimmy\Desktop\footer.png"/>
-          <p:cNvPicPr/>
-          <p:nvPr/>
-        </p:nvPicPr>
-        <p:blipFill>
-          <a:blip r:embed="rId2"/>
-          <a:srcRect/>
-          <a:stretch>
-            <a:fillRect/>
-          </a:stretch>
-        </p:blipFill>
-        <p:spPr bwMode="auto">
-          <a:xfrm>
-            <a:off x="609600" y="6248400"/>
-            <a:ext cx="8153400" cy="457200"/>
-          </a:xfrm>
-          <a:prstGeom prst="rect">
-            <a:avLst/>
-          </a:prstGeom>
-          <a:noFill/>
-        </p:spPr>
-      </p:pic>
-      <p:sp>
-        <p:nvSpPr>
-          <p:cNvPr id="9" name="Content Placeholder 2"/>
-          <p:cNvSpPr txBox="1">
-            <a:spLocks/>
-          </p:cNvSpPr>
-          <p:nvPr/>
-        </p:nvSpPr>
-        <p:spPr>
-          <a:xfrm>
-            <a:off x="381000" y="1143000"/>
-            <a:ext cx="8458200" cy="4953000"/>
-          </a:xfrm>
-          <a:prstGeom prst="rect">
-            <a:avLst/>
-          </a:prstGeom>
-        </p:spPr>
-        <p:txBody>
-          <a:bodyPr vert="horz" lIns="91440" tIns="45720" rIns="91440" bIns="45720" rtlCol="0">
-            <a:normAutofit/>
-          </a:bodyPr>
-          <a:lstStyle/>
-          <a:p>
-            <a:pPr marL="0" marR="0" lvl="0" indent="0" defTabSz="914400" rtl="0" eaLnBrk="1" fontAlgn="auto" latinLnBrk="0" hangingPunct="1">
-              <a:lnSpc>
-                <a:spcPct val="100000"/>
-              </a:lnSpc>
-              <a:spcBef>
-                <a:spcPct val="20000"/>
-              </a:spcBef>
-              <a:spcAft>
-                <a:spcPts val="0"/>
-              </a:spcAft>
-              <a:buClrTx/>
-              <a:buSzTx/>
-              <a:buFont typeface="Arial" pitchFamily="34" charset="0"/>
-              <a:buNone/>
-              <a:tabLst/>
-              <a:defRPr/>
-            </a:pPr>
-            <a:endParaRPr kumimoji="0" lang="en-US" sz="2200" b="0" i="0" u="none" strike="noStrike" kern="1200" cap="none" spc="0" normalizeH="0" baseline="0" noProof="0" dirty="0">
-              <a:ln>
-                <a:noFill/>
-              </a:ln>
-              <a:effectLst/>
-              <a:uLnTx/>
-              <a:uFillTx/>
-              <a:latin typeface="Arial" pitchFamily="34" charset="0"/>
-              <a:ea typeface="+mn-ea"/>
-              <a:cs typeface="Arial" pitchFamily="34" charset="0"/>
-            </a:endParaRPr>
-          </a:p>
-        </p:txBody>
-      </p:sp>
-      <p:sp>
-        <p:nvSpPr>
-          <p:cNvPr id="10" name="Content Placeholder 2"/>
-          <p:cNvSpPr txBox="1">
-            <a:spLocks/>
-          </p:cNvSpPr>
-          <p:nvPr/>
-        </p:nvSpPr>
-        <p:spPr>
-          <a:xfrm>
-            <a:off x="304800" y="1219200"/>
-            <a:ext cx="8610600" cy="5334000"/>
-          </a:xfrm>
-          <a:prstGeom prst="rect">
-            <a:avLst/>
-          </a:prstGeom>
-        </p:spPr>
-        <p:txBody>
-          <a:bodyPr vert="horz" lIns="91440" tIns="45720" rIns="91440" bIns="45720" rtlCol="0">
-            <a:noAutofit/>
-          </a:bodyPr>
-          <a:lstStyle/>
-          <a:p>
-            <a:pPr>
-              <a:spcBef>
-                <a:spcPct val="20000"/>
-              </a:spcBef>
-            </a:pPr>
-            <a:endParaRPr kumimoji="0" lang="en-US" sz="2200" b="0" i="0" u="none" strike="noStrike" kern="1200" cap="none" spc="0" normalizeH="0" baseline="0" noProof="0" dirty="0" smtClean="0">
-              <a:ln>
-                <a:noFill/>
-              </a:ln>
-              <a:effectLst/>
-              <a:uLnTx/>
-              <a:uFillTx/>
-              <a:latin typeface="Arial" pitchFamily="34" charset="0"/>
-              <a:ea typeface="+mn-ea"/>
-              <a:cs typeface="Arial" pitchFamily="34" charset="0"/>
-            </a:endParaRPr>
-          </a:p>
-        </p:txBody>
-      </p:sp>
-      <p:sp>
-        <p:nvSpPr>
-          <p:cNvPr id="14" name="Rectangle 13"/>
-          <p:cNvSpPr/>
-          <p:nvPr/>
-        </p:nvSpPr>
-        <p:spPr>
-          <a:xfrm>
-            <a:off x="457200" y="1066800"/>
-            <a:ext cx="8305800" cy="1200329"/>
-          </a:xfrm>
-          <a:prstGeom prst="rect">
-            <a:avLst/>
-          </a:prstGeom>
-        </p:spPr>
-        <p:txBody>
-          <a:bodyPr wrap="square">
-            <a:spAutoFit/>
-          </a:bodyPr>
-          <a:lstStyle/>
-          <a:p>
-            <a:r>
-              <a:rPr lang="en-US" dirty="0" err="1" smtClean="0">
-                <a:latin typeface="Arial" pitchFamily="34" charset="0"/>
-                <a:cs typeface="Arial" pitchFamily="34" charset="0"/>
-              </a:rPr>
-              <a:t>Janko</a:t>
-            </a:r>
-            <a:r>
-              <a:rPr lang="en-US" dirty="0" smtClean="0">
-                <a:latin typeface="Arial" pitchFamily="34" charset="0"/>
-                <a:cs typeface="Arial" pitchFamily="34" charset="0"/>
-              </a:rPr>
-              <a:t> </a:t>
-            </a:r>
-            <a:r>
-              <a:rPr lang="en-US" dirty="0" err="1" smtClean="0">
-                <a:latin typeface="Arial" pitchFamily="34" charset="0"/>
-                <a:cs typeface="Arial" pitchFamily="34" charset="0"/>
-              </a:rPr>
-              <a:t>Jovanovic</a:t>
-            </a:r>
-            <a:r>
-              <a:rPr lang="en-US" dirty="0" smtClean="0">
-                <a:latin typeface="Arial" pitchFamily="34" charset="0"/>
-                <a:cs typeface="Arial" pitchFamily="34" charset="0"/>
-              </a:rPr>
-              <a:t>, Web Form Validation: Best Practices and Tutorials, </a:t>
-            </a:r>
-            <a:r>
-              <a:rPr lang="en-US" dirty="0" smtClean="0">
-                <a:latin typeface="Arial" pitchFamily="34" charset="0"/>
-                <a:cs typeface="Arial" pitchFamily="34" charset="0"/>
-                <a:hlinkClick r:id="rId3"/>
-              </a:rPr>
-              <a:t>http://www.smashingmagazine.com/2009/07/web-form-validation-best-practices-and-tutorials/</a:t>
-            </a:r>
-            <a:endParaRPr lang="en-US" dirty="0" smtClean="0">
-              <a:latin typeface="Arial" pitchFamily="34" charset="0"/>
-              <a:cs typeface="Arial" pitchFamily="34" charset="0"/>
-            </a:endParaRPr>
-          </a:p>
-          <a:p>
-            <a:endParaRPr lang="en-US" dirty="0">
-              <a:latin typeface="Arial" pitchFamily="34" charset="0"/>
-              <a:cs typeface="Arial" pitchFamily="34" charset="0"/>
-            </a:endParaRPr>
-          </a:p>
-        </p:txBody>
-      </p:sp>
-      <p:sp>
-        <p:nvSpPr>
-          <p:cNvPr id="15" name="Rectangle 14"/>
-          <p:cNvSpPr/>
-          <p:nvPr/>
-        </p:nvSpPr>
-        <p:spPr>
-          <a:xfrm>
-            <a:off x="457200" y="1981200"/>
-            <a:ext cx="3219664" cy="646331"/>
-          </a:xfrm>
-          <a:prstGeom prst="rect">
-            <a:avLst/>
-          </a:prstGeom>
-        </p:spPr>
-        <p:txBody>
-          <a:bodyPr wrap="none">
-            <a:spAutoFit/>
-          </a:bodyPr>
-          <a:lstStyle/>
-          <a:p>
-            <a:r>
-              <a:rPr lang="en-US" dirty="0" smtClean="0">
-                <a:latin typeface="Arial" pitchFamily="34" charset="0"/>
-                <a:cs typeface="Arial" pitchFamily="34" charset="0"/>
-              </a:rPr>
-              <a:t>parsley.js, </a:t>
-            </a:r>
-            <a:r>
-              <a:rPr lang="en-US" dirty="0" smtClean="0">
-                <a:latin typeface="Arial" pitchFamily="34" charset="0"/>
-                <a:cs typeface="Arial" pitchFamily="34" charset="0"/>
-                <a:hlinkClick r:id="rId4"/>
-              </a:rPr>
-              <a:t>http://parsleyjs.org/</a:t>
-            </a:r>
-            <a:endParaRPr lang="en-US" dirty="0" smtClean="0">
-              <a:latin typeface="Arial" pitchFamily="34" charset="0"/>
-              <a:cs typeface="Arial" pitchFamily="34" charset="0"/>
-            </a:endParaRPr>
-          </a:p>
-          <a:p>
-            <a:endParaRPr lang="en-US" dirty="0">
-              <a:latin typeface="Arial" pitchFamily="34" charset="0"/>
-              <a:cs typeface="Arial" pitchFamily="34" charset="0"/>
-            </a:endParaRPr>
-          </a:p>
-        </p:txBody>
-      </p:sp>
-      <p:sp>
-        <p:nvSpPr>
-          <p:cNvPr id="16" name="Rectangle 15"/>
-          <p:cNvSpPr/>
-          <p:nvPr/>
-        </p:nvSpPr>
-        <p:spPr>
-          <a:xfrm>
-            <a:off x="457200" y="2362200"/>
-            <a:ext cx="6096000" cy="646331"/>
-          </a:xfrm>
-          <a:prstGeom prst="rect">
-            <a:avLst/>
-          </a:prstGeom>
-        </p:spPr>
-        <p:txBody>
-          <a:bodyPr wrap="square">
-            <a:spAutoFit/>
-          </a:bodyPr>
-          <a:lstStyle/>
-          <a:p>
-            <a:r>
-              <a:rPr lang="en-US" dirty="0" smtClean="0">
-                <a:latin typeface="Arial" pitchFamily="34" charset="0"/>
-                <a:cs typeface="Arial" pitchFamily="34" charset="0"/>
-              </a:rPr>
-              <a:t>validate.js, </a:t>
-            </a:r>
-            <a:r>
-              <a:rPr lang="en-US" dirty="0" smtClean="0">
-                <a:latin typeface="Arial" pitchFamily="34" charset="0"/>
-                <a:cs typeface="Arial" pitchFamily="34" charset="0"/>
-                <a:hlinkClick r:id="rId5"/>
-              </a:rPr>
-              <a:t>http://rickharrison.github.io/validate.js/</a:t>
-            </a:r>
-            <a:endParaRPr lang="en-US" dirty="0" smtClean="0">
-              <a:latin typeface="Arial" pitchFamily="34" charset="0"/>
-              <a:cs typeface="Arial" pitchFamily="34" charset="0"/>
-            </a:endParaRPr>
-          </a:p>
-          <a:p>
-            <a:endParaRPr lang="en-US" dirty="0">
-              <a:latin typeface="Arial" pitchFamily="34" charset="0"/>
-              <a:cs typeface="Arial" pitchFamily="34" charset="0"/>
-            </a:endParaRPr>
-          </a:p>
-        </p:txBody>
-      </p:sp>
-      <p:sp>
-        <p:nvSpPr>
-          <p:cNvPr id="17" name="Rectangle 16"/>
-          <p:cNvSpPr/>
-          <p:nvPr/>
-        </p:nvSpPr>
-        <p:spPr>
-          <a:xfrm>
-            <a:off x="457200" y="2819400"/>
-            <a:ext cx="2937535" cy="646331"/>
-          </a:xfrm>
-          <a:prstGeom prst="rect">
-            <a:avLst/>
-          </a:prstGeom>
-        </p:spPr>
-        <p:txBody>
-          <a:bodyPr wrap="none">
-            <a:spAutoFit/>
-          </a:bodyPr>
-          <a:lstStyle/>
-          <a:p>
-            <a:r>
-              <a:rPr lang="en-US" dirty="0" smtClean="0">
-                <a:latin typeface="Arial" pitchFamily="34" charset="0"/>
-                <a:cs typeface="Arial" pitchFamily="34" charset="0"/>
-              </a:rPr>
-              <a:t>verify.js, </a:t>
-            </a:r>
-            <a:r>
-              <a:rPr lang="en-US" dirty="0" smtClean="0">
-                <a:latin typeface="Arial" pitchFamily="34" charset="0"/>
-                <a:cs typeface="Arial" pitchFamily="34" charset="0"/>
-                <a:hlinkClick r:id="rId6"/>
-              </a:rPr>
-              <a:t>http://verifyjs.com/</a:t>
-            </a:r>
-            <a:endParaRPr lang="en-US" dirty="0" smtClean="0">
-              <a:latin typeface="Arial" pitchFamily="34" charset="0"/>
-              <a:cs typeface="Arial" pitchFamily="34" charset="0"/>
-            </a:endParaRPr>
-          </a:p>
-          <a:p>
-            <a:endParaRPr lang="en-US" dirty="0">
-              <a:latin typeface="Arial" pitchFamily="34" charset="0"/>
-              <a:cs typeface="Arial" pitchFamily="34" charset="0"/>
-            </a:endParaRPr>
-          </a:p>
-        </p:txBody>
-      </p:sp>
-      <p:sp>
-        <p:nvSpPr>
-          <p:cNvPr id="18" name="Rectangle 17"/>
-          <p:cNvSpPr/>
-          <p:nvPr/>
-        </p:nvSpPr>
-        <p:spPr>
-          <a:xfrm>
-            <a:off x="457200" y="3276600"/>
-            <a:ext cx="8153400" cy="2031325"/>
-          </a:xfrm>
-          <a:prstGeom prst="rect">
-            <a:avLst/>
-          </a:prstGeom>
-        </p:spPr>
-        <p:txBody>
-          <a:bodyPr wrap="square">
-            <a:spAutoFit/>
-          </a:bodyPr>
-          <a:lstStyle/>
-          <a:p>
-            <a:r>
-              <a:rPr lang="en-US" dirty="0" smtClean="0">
-                <a:latin typeface="Arial" pitchFamily="34" charset="0"/>
-                <a:cs typeface="Arial" pitchFamily="34" charset="0"/>
-                <a:hlinkClick r:id="rId7"/>
-              </a:rPr>
-              <a:t>https://developer.mozilla.org/en-US/docs/Web/JavaScript</a:t>
-            </a:r>
-            <a:endParaRPr lang="en-US" dirty="0" smtClean="0">
-              <a:latin typeface="Arial" pitchFamily="34" charset="0"/>
-              <a:cs typeface="Arial" pitchFamily="34" charset="0"/>
-            </a:endParaRPr>
-          </a:p>
-          <a:p>
-            <a:endParaRPr lang="en-US" dirty="0" smtClean="0">
-              <a:latin typeface="Arial" pitchFamily="34" charset="0"/>
-              <a:cs typeface="Arial" pitchFamily="34" charset="0"/>
-              <a:hlinkClick r:id="rId8"/>
-            </a:endParaRPr>
-          </a:p>
-          <a:p>
-            <a:r>
-              <a:rPr lang="en-US" dirty="0" smtClean="0">
-                <a:latin typeface="Arial" pitchFamily="34" charset="0"/>
-                <a:cs typeface="Arial" pitchFamily="34" charset="0"/>
-                <a:hlinkClick r:id="rId8"/>
-              </a:rPr>
-              <a:t>http://www.html5rocks.com/en/tutorials/file/dndfiles/</a:t>
-            </a:r>
-            <a:endParaRPr lang="en-US" dirty="0" smtClean="0">
-              <a:latin typeface="Arial" pitchFamily="34" charset="0"/>
-              <a:cs typeface="Arial" pitchFamily="34" charset="0"/>
-            </a:endParaRPr>
-          </a:p>
-          <a:p>
-            <a:endParaRPr lang="en-US" dirty="0" smtClean="0">
-              <a:latin typeface="Arial" pitchFamily="34" charset="0"/>
-              <a:cs typeface="Arial" pitchFamily="34" charset="0"/>
-              <a:hlinkClick r:id="rId9"/>
-            </a:endParaRPr>
-          </a:p>
-          <a:p>
-            <a:r>
-              <a:rPr lang="en-US" dirty="0" smtClean="0">
-                <a:latin typeface="Arial" pitchFamily="34" charset="0"/>
-                <a:cs typeface="Arial" pitchFamily="34" charset="0"/>
-                <a:hlinkClick r:id="rId9"/>
-              </a:rPr>
-              <a:t>http://www.slideshare.net/quentinadam/javascript-as-data-processing-language-html5-integration</a:t>
-            </a:r>
-            <a:endParaRPr lang="en-US" dirty="0" smtClean="0">
-              <a:latin typeface="Arial" pitchFamily="34" charset="0"/>
-              <a:cs typeface="Arial" pitchFamily="34" charset="0"/>
-            </a:endParaRPr>
-          </a:p>
-          <a:p>
-            <a:endParaRPr lang="en-US" dirty="0">
-              <a:latin typeface="Arial" pitchFamily="34" charset="0"/>
-              <a:cs typeface="Arial" pitchFamily="34" charset="0"/>
-            </a:endParaRPr>
-          </a:p>
-        </p:txBody>
-      </p:sp>
-      <p:sp>
-        <p:nvSpPr>
-          <p:cNvPr id="19" name="Rectangle 18"/>
-          <p:cNvSpPr/>
-          <p:nvPr/>
-        </p:nvSpPr>
-        <p:spPr>
-          <a:xfrm>
-            <a:off x="457200" y="5181600"/>
-            <a:ext cx="2608406" cy="646331"/>
-          </a:xfrm>
-          <a:prstGeom prst="rect">
-            <a:avLst/>
-          </a:prstGeom>
-        </p:spPr>
-        <p:txBody>
-          <a:bodyPr wrap="none">
-            <a:spAutoFit/>
-          </a:bodyPr>
-          <a:lstStyle/>
-          <a:p>
-            <a:r>
-              <a:rPr lang="en-US" dirty="0" smtClean="0">
-                <a:latin typeface="Arial" pitchFamily="34" charset="0"/>
-                <a:cs typeface="Arial" pitchFamily="34" charset="0"/>
-                <a:hlinkClick r:id="rId10"/>
-              </a:rPr>
-              <a:t>https://lodash.com/docs</a:t>
-            </a:r>
-            <a:endParaRPr lang="en-US" dirty="0" smtClean="0">
-              <a:latin typeface="Arial" pitchFamily="34" charset="0"/>
-              <a:cs typeface="Arial" pitchFamily="34" charset="0"/>
-            </a:endParaRPr>
-          </a:p>
-          <a:p>
-            <a:endParaRPr lang="en-US" dirty="0">
-              <a:latin typeface="Arial" pitchFamily="34" charset="0"/>
-              <a:cs typeface="Arial" pitchFamily="34" charset="0"/>
-            </a:endParaRPr>
-          </a:p>
-        </p:txBody>
-      </p:sp>
-      <p:sp>
-        <p:nvSpPr>
-          <p:cNvPr id="20" name="Rectangle 19"/>
-          <p:cNvSpPr/>
-          <p:nvPr/>
-        </p:nvSpPr>
-        <p:spPr>
-          <a:xfrm>
-            <a:off x="457200" y="5678269"/>
-            <a:ext cx="6400800" cy="646331"/>
-          </a:xfrm>
-          <a:prstGeom prst="rect">
-            <a:avLst/>
-          </a:prstGeom>
-        </p:spPr>
-        <p:txBody>
-          <a:bodyPr wrap="square">
-            <a:spAutoFit/>
-          </a:bodyPr>
-          <a:lstStyle/>
-          <a:p>
-            <a:r>
-              <a:rPr lang="en-US" dirty="0" smtClean="0">
-                <a:latin typeface="Arial" pitchFamily="34" charset="0"/>
-                <a:cs typeface="Arial" pitchFamily="34" charset="0"/>
-                <a:hlinkClick r:id="rId11"/>
-              </a:rPr>
-              <a:t>https://www.dashingd3js.com/table-of-contents</a:t>
-            </a:r>
-            <a:endParaRPr lang="en-US" dirty="0" smtClean="0">
-              <a:latin typeface="Arial" pitchFamily="34" charset="0"/>
-              <a:cs typeface="Arial" pitchFamily="34" charset="0"/>
-            </a:endParaRPr>
-          </a:p>
-          <a:p>
-            <a:endParaRPr lang="en-US" dirty="0">
-              <a:latin typeface="Arial" pitchFamily="34" charset="0"/>
-              <a:cs typeface="Arial" pitchFamily="34" charset="0"/>
-            </a:endParaRPr>
-          </a:p>
-        </p:txBody>
-      </p:sp>
-    </p:spTree>
-    <p:extLst>
-      <p:ext uri="{BB962C8B-B14F-4D97-AF65-F5344CB8AC3E}">
-        <p14:creationId xmlns:p14="http://schemas.microsoft.com/office/powerpoint/2010/main" xmlns="" val="3590561983"/>
-      </p:ext>
-    </p:extLst>
-  </p:cSld>
-  <p:clrMapOvr>
-    <a:masterClrMapping/>
-  </p:clrMapOvr>
-  <p:timing>
-    <p:tnLst>
-      <p:par>
-        <p:cTn id="1" dur="indefinite" restart="never" nodeType="tmRoot"/>
-      </p:par>
-    </p:tnLst>
-  </p:timing>
-</p:sld>
-</file>
-
-<file path=ppt/slides/slide43.xml><?xml version="1.0" encoding="utf-8"?>
-<p:sld xmlns:a="http://schemas.openxmlformats.org/drawingml/2006/main" xmlns:r="http://schemas.openxmlformats.org/officeDocument/2006/relationships" xmlns:p="http://schemas.openxmlformats.org/presentationml/2006/main">
-  <p:cSld>
-    <p:spTree>
-      <p:nvGrpSpPr>
-        <p:cNvPr id="1" name=""/>
-        <p:cNvGrpSpPr/>
-        <p:nvPr/>
-      </p:nvGrpSpPr>
-      <p:grpSpPr>
-        <a:xfrm>
-          <a:off x="0" y="0"/>
-          <a:ext cx="0" cy="0"/>
-          <a:chOff x="0" y="0"/>
-          <a:chExt cx="0" cy="0"/>
-        </a:xfrm>
-      </p:grpSpPr>
-      <p:sp>
-        <p:nvSpPr>
-          <p:cNvPr id="2" name="Titel 1"/>
-          <p:cNvSpPr>
-            <a:spLocks noGrp="1"/>
-          </p:cNvSpPr>
-          <p:nvPr>
-            <p:ph type="ctrTitle"/>
-          </p:nvPr>
-        </p:nvSpPr>
-        <p:spPr>
-          <a:xfrm>
-            <a:off x="533400" y="1981200"/>
-            <a:ext cx="8001000" cy="1143000"/>
-          </a:xfrm>
-        </p:spPr>
-        <p:txBody>
-          <a:bodyPr>
-            <a:normAutofit/>
-          </a:bodyPr>
-          <a:lstStyle/>
-          <a:p>
-            <a:r>
-              <a:rPr lang="de-DE" sz="4000" dirty="0" smtClean="0">
-                <a:solidFill>
-                  <a:srgbClr val="0070C0"/>
-                </a:solidFill>
-                <a:latin typeface="Arial" pitchFamily="34" charset="0"/>
-                <a:cs typeface="Arial" pitchFamily="34" charset="0"/>
-              </a:rPr>
-              <a:t>Thank you for your attention</a:t>
-            </a:r>
-            <a:endParaRPr lang="de-DE" sz="4000" dirty="0">
-              <a:solidFill>
-                <a:srgbClr val="0070C0"/>
-              </a:solidFill>
-              <a:latin typeface="Arial" pitchFamily="34" charset="0"/>
-              <a:cs typeface="Arial" pitchFamily="34" charset="0"/>
-            </a:endParaRPr>
-          </a:p>
-        </p:txBody>
-      </p:sp>
-      <p:sp>
-        <p:nvSpPr>
-          <p:cNvPr id="4" name="Rectangle 3"/>
-          <p:cNvSpPr/>
-          <p:nvPr/>
-        </p:nvSpPr>
-        <p:spPr>
-          <a:xfrm>
-            <a:off x="2351212" y="3607743"/>
-            <a:ext cx="269626" cy="461665"/>
-          </a:xfrm>
-          <a:prstGeom prst="rect">
-            <a:avLst/>
-          </a:prstGeom>
-        </p:spPr>
-        <p:txBody>
-          <a:bodyPr wrap="none">
-            <a:spAutoFit/>
-          </a:bodyPr>
-          <a:lstStyle/>
-          <a:p>
-            <a:r>
-              <a:rPr lang="de-DE" sz="2400" dirty="0" smtClean="0">
-                <a:solidFill>
-                  <a:srgbClr val="292934">
-                    <a:lumMod val="75000"/>
-                    <a:lumOff val="25000"/>
-                  </a:srgbClr>
-                </a:solidFill>
-              </a:rPr>
-              <a:t> </a:t>
-            </a:r>
-            <a:endParaRPr lang="en-IN" dirty="0"/>
-          </a:p>
-        </p:txBody>
-      </p:sp>
-      <p:sp>
-        <p:nvSpPr>
-          <p:cNvPr id="5" name="Slide Number Placeholder 4"/>
-          <p:cNvSpPr>
-            <a:spLocks noGrp="1"/>
-          </p:cNvSpPr>
-          <p:nvPr>
-            <p:ph type="sldNum" sz="quarter" idx="12"/>
-          </p:nvPr>
-        </p:nvSpPr>
-        <p:spPr/>
-        <p:txBody>
-          <a:bodyPr/>
-          <a:lstStyle/>
-          <a:p>
-            <a:fld id="{B6F15528-21DE-4FAA-801E-634DDDAF4B2B}" type="slidenum">
-              <a:rPr lang="en-US" smtClean="0"/>
-              <a:pPr/>
-              <a:t>43</a:t>
             </a:fld>
             <a:endParaRPr lang="en-US"/>
           </a:p>
@@ -20810,6 +19991,651 @@
           <a:noFill/>
         </p:spPr>
       </p:pic>
+    </p:spTree>
+    <p:extLst>
+      <p:ext uri="{BB962C8B-B14F-4D97-AF65-F5344CB8AC3E}">
+        <p14:creationId xmlns:p14="http://schemas.microsoft.com/office/powerpoint/2010/main" xmlns="" val="3590561983"/>
+      </p:ext>
+    </p:extLst>
+  </p:cSld>
+  <p:clrMapOvr>
+    <a:masterClrMapping/>
+  </p:clrMapOvr>
+  <p:timing>
+    <p:tnLst>
+      <p:par>
+        <p:cTn id="1" dur="indefinite" restart="never" nodeType="tmRoot"/>
+      </p:par>
+    </p:tnLst>
+  </p:timing>
+</p:sld>
+</file>
+
+<file path=ppt/slides/slide43.xml><?xml version="1.0" encoding="utf-8"?>
+<p:sld xmlns:a="http://schemas.openxmlformats.org/drawingml/2006/main" xmlns:r="http://schemas.openxmlformats.org/officeDocument/2006/relationships" xmlns:p="http://schemas.openxmlformats.org/presentationml/2006/main">
+  <p:cSld>
+    <p:spTree>
+      <p:nvGrpSpPr>
+        <p:cNvPr id="1" name=""/>
+        <p:cNvGrpSpPr/>
+        <p:nvPr/>
+      </p:nvGrpSpPr>
+      <p:grpSpPr>
+        <a:xfrm>
+          <a:off x="0" y="0"/>
+          <a:ext cx="0" cy="0"/>
+          <a:chOff x="0" y="0"/>
+          <a:chExt cx="0" cy="0"/>
+        </a:xfrm>
+      </p:grpSpPr>
+      <p:sp>
+        <p:nvSpPr>
+          <p:cNvPr id="2" name="Titel 1"/>
+          <p:cNvSpPr>
+            <a:spLocks noGrp="1"/>
+          </p:cNvSpPr>
+          <p:nvPr>
+            <p:ph type="ctrTitle"/>
+          </p:nvPr>
+        </p:nvSpPr>
+        <p:spPr>
+          <a:xfrm>
+            <a:off x="381000" y="152400"/>
+            <a:ext cx="7848600" cy="838200"/>
+          </a:xfrm>
+        </p:spPr>
+        <p:txBody>
+          <a:bodyPr>
+            <a:normAutofit/>
+          </a:bodyPr>
+          <a:lstStyle/>
+          <a:p>
+            <a:pPr algn="l"/>
+            <a:r>
+              <a:rPr lang="de-DE" sz="4000" dirty="0" smtClean="0">
+                <a:solidFill>
+                  <a:srgbClr val="0070C0"/>
+                </a:solidFill>
+                <a:latin typeface="Arial" pitchFamily="34" charset="0"/>
+                <a:cs typeface="Arial" pitchFamily="34" charset="0"/>
+              </a:rPr>
+              <a:t>References</a:t>
+            </a:r>
+            <a:endParaRPr lang="de-DE" sz="4000" dirty="0">
+              <a:solidFill>
+                <a:srgbClr val="0070C0"/>
+              </a:solidFill>
+              <a:latin typeface="Arial" pitchFamily="34" charset="0"/>
+              <a:cs typeface="Arial" pitchFamily="34" charset="0"/>
+            </a:endParaRPr>
+          </a:p>
+        </p:txBody>
+      </p:sp>
+      <p:sp>
+        <p:nvSpPr>
+          <p:cNvPr id="4" name="Rectangle 3"/>
+          <p:cNvSpPr/>
+          <p:nvPr/>
+        </p:nvSpPr>
+        <p:spPr>
+          <a:xfrm>
+            <a:off x="2351212" y="3607743"/>
+            <a:ext cx="269626" cy="461665"/>
+          </a:xfrm>
+          <a:prstGeom prst="rect">
+            <a:avLst/>
+          </a:prstGeom>
+        </p:spPr>
+        <p:txBody>
+          <a:bodyPr wrap="none">
+            <a:spAutoFit/>
+          </a:bodyPr>
+          <a:lstStyle/>
+          <a:p>
+            <a:r>
+              <a:rPr lang="de-DE" sz="2400" dirty="0" smtClean="0">
+                <a:solidFill>
+                  <a:srgbClr val="292934">
+                    <a:lumMod val="75000"/>
+                    <a:lumOff val="25000"/>
+                  </a:srgbClr>
+                </a:solidFill>
+              </a:rPr>
+              <a:t> </a:t>
+            </a:r>
+            <a:endParaRPr lang="en-IN" dirty="0"/>
+          </a:p>
+        </p:txBody>
+      </p:sp>
+      <p:sp>
+        <p:nvSpPr>
+          <p:cNvPr id="5" name="Slide Number Placeholder 4"/>
+          <p:cNvSpPr>
+            <a:spLocks noGrp="1"/>
+          </p:cNvSpPr>
+          <p:nvPr>
+            <p:ph type="sldNum" sz="quarter" idx="12"/>
+          </p:nvPr>
+        </p:nvSpPr>
+        <p:spPr/>
+        <p:txBody>
+          <a:bodyPr/>
+          <a:lstStyle/>
+          <a:p>
+            <a:fld id="{B6F15528-21DE-4FAA-801E-634DDDAF4B2B}" type="slidenum">
+              <a:rPr lang="en-US" smtClean="0"/>
+              <a:pPr/>
+              <a:t>43</a:t>
+            </a:fld>
+            <a:endParaRPr lang="en-US"/>
+          </a:p>
+        </p:txBody>
+      </p:sp>
+      <p:pic>
+        <p:nvPicPr>
+          <p:cNvPr id="6" name="Picture 5" descr="C:\Users\Jimmy\Desktop\footer.png"/>
+          <p:cNvPicPr/>
+          <p:nvPr/>
+        </p:nvPicPr>
+        <p:blipFill>
+          <a:blip r:embed="rId2"/>
+          <a:srcRect/>
+          <a:stretch>
+            <a:fillRect/>
+          </a:stretch>
+        </p:blipFill>
+        <p:spPr bwMode="auto">
+          <a:xfrm>
+            <a:off x="609600" y="6248400"/>
+            <a:ext cx="8153400" cy="457200"/>
+          </a:xfrm>
+          <a:prstGeom prst="rect">
+            <a:avLst/>
+          </a:prstGeom>
+          <a:noFill/>
+        </p:spPr>
+      </p:pic>
+      <p:sp>
+        <p:nvSpPr>
+          <p:cNvPr id="9" name="Content Placeholder 2"/>
+          <p:cNvSpPr txBox="1">
+            <a:spLocks/>
+          </p:cNvSpPr>
+          <p:nvPr/>
+        </p:nvSpPr>
+        <p:spPr>
+          <a:xfrm>
+            <a:off x="381000" y="1143000"/>
+            <a:ext cx="8458200" cy="4953000"/>
+          </a:xfrm>
+          <a:prstGeom prst="rect">
+            <a:avLst/>
+          </a:prstGeom>
+        </p:spPr>
+        <p:txBody>
+          <a:bodyPr vert="horz" lIns="91440" tIns="45720" rIns="91440" bIns="45720" rtlCol="0">
+            <a:normAutofit/>
+          </a:bodyPr>
+          <a:lstStyle/>
+          <a:p>
+            <a:pPr marL="0" marR="0" lvl="0" indent="0" defTabSz="914400" rtl="0" eaLnBrk="1" fontAlgn="auto" latinLnBrk="0" hangingPunct="1">
+              <a:lnSpc>
+                <a:spcPct val="100000"/>
+              </a:lnSpc>
+              <a:spcBef>
+                <a:spcPct val="20000"/>
+              </a:spcBef>
+              <a:spcAft>
+                <a:spcPts val="0"/>
+              </a:spcAft>
+              <a:buClrTx/>
+              <a:buSzTx/>
+              <a:buFont typeface="Arial" pitchFamily="34" charset="0"/>
+              <a:buNone/>
+              <a:tabLst/>
+              <a:defRPr/>
+            </a:pPr>
+            <a:endParaRPr kumimoji="0" lang="en-US" sz="2200" b="0" i="0" u="none" strike="noStrike" kern="1200" cap="none" spc="0" normalizeH="0" baseline="0" noProof="0" dirty="0">
+              <a:ln>
+                <a:noFill/>
+              </a:ln>
+              <a:effectLst/>
+              <a:uLnTx/>
+              <a:uFillTx/>
+              <a:latin typeface="Arial" pitchFamily="34" charset="0"/>
+              <a:ea typeface="+mn-ea"/>
+              <a:cs typeface="Arial" pitchFamily="34" charset="0"/>
+            </a:endParaRPr>
+          </a:p>
+        </p:txBody>
+      </p:sp>
+      <p:sp>
+        <p:nvSpPr>
+          <p:cNvPr id="10" name="Content Placeholder 2"/>
+          <p:cNvSpPr txBox="1">
+            <a:spLocks/>
+          </p:cNvSpPr>
+          <p:nvPr/>
+        </p:nvSpPr>
+        <p:spPr>
+          <a:xfrm>
+            <a:off x="304800" y="1219200"/>
+            <a:ext cx="8610600" cy="5334000"/>
+          </a:xfrm>
+          <a:prstGeom prst="rect">
+            <a:avLst/>
+          </a:prstGeom>
+        </p:spPr>
+        <p:txBody>
+          <a:bodyPr vert="horz" lIns="91440" tIns="45720" rIns="91440" bIns="45720" rtlCol="0">
+            <a:noAutofit/>
+          </a:bodyPr>
+          <a:lstStyle/>
+          <a:p>
+            <a:pPr>
+              <a:spcBef>
+                <a:spcPct val="20000"/>
+              </a:spcBef>
+            </a:pPr>
+            <a:endParaRPr kumimoji="0" lang="en-US" sz="2200" b="0" i="0" u="none" strike="noStrike" kern="1200" cap="none" spc="0" normalizeH="0" baseline="0" noProof="0" dirty="0" smtClean="0">
+              <a:ln>
+                <a:noFill/>
+              </a:ln>
+              <a:effectLst/>
+              <a:uLnTx/>
+              <a:uFillTx/>
+              <a:latin typeface="Arial" pitchFamily="34" charset="0"/>
+              <a:ea typeface="+mn-ea"/>
+              <a:cs typeface="Arial" pitchFamily="34" charset="0"/>
+            </a:endParaRPr>
+          </a:p>
+        </p:txBody>
+      </p:sp>
+      <p:sp>
+        <p:nvSpPr>
+          <p:cNvPr id="14" name="Rectangle 13"/>
+          <p:cNvSpPr/>
+          <p:nvPr/>
+        </p:nvSpPr>
+        <p:spPr>
+          <a:xfrm>
+            <a:off x="457200" y="1066800"/>
+            <a:ext cx="8305800" cy="1200329"/>
+          </a:xfrm>
+          <a:prstGeom prst="rect">
+            <a:avLst/>
+          </a:prstGeom>
+        </p:spPr>
+        <p:txBody>
+          <a:bodyPr wrap="square">
+            <a:spAutoFit/>
+          </a:bodyPr>
+          <a:lstStyle/>
+          <a:p>
+            <a:r>
+              <a:rPr lang="en-US" dirty="0" err="1" smtClean="0">
+                <a:latin typeface="Arial" pitchFamily="34" charset="0"/>
+                <a:cs typeface="Arial" pitchFamily="34" charset="0"/>
+              </a:rPr>
+              <a:t>Janko</a:t>
+            </a:r>
+            <a:r>
+              <a:rPr lang="en-US" dirty="0" smtClean="0">
+                <a:latin typeface="Arial" pitchFamily="34" charset="0"/>
+                <a:cs typeface="Arial" pitchFamily="34" charset="0"/>
+              </a:rPr>
+              <a:t> </a:t>
+            </a:r>
+            <a:r>
+              <a:rPr lang="en-US" dirty="0" err="1" smtClean="0">
+                <a:latin typeface="Arial" pitchFamily="34" charset="0"/>
+                <a:cs typeface="Arial" pitchFamily="34" charset="0"/>
+              </a:rPr>
+              <a:t>Jovanovic</a:t>
+            </a:r>
+            <a:r>
+              <a:rPr lang="en-US" dirty="0" smtClean="0">
+                <a:latin typeface="Arial" pitchFamily="34" charset="0"/>
+                <a:cs typeface="Arial" pitchFamily="34" charset="0"/>
+              </a:rPr>
+              <a:t>, Web Form Validation: Best Practices and Tutorials, </a:t>
+            </a:r>
+            <a:r>
+              <a:rPr lang="en-US" dirty="0" smtClean="0">
+                <a:latin typeface="Arial" pitchFamily="34" charset="0"/>
+                <a:cs typeface="Arial" pitchFamily="34" charset="0"/>
+                <a:hlinkClick r:id="rId3"/>
+              </a:rPr>
+              <a:t>http://www.smashingmagazine.com/2009/07/web-form-validation-best-practices-and-tutorials/</a:t>
+            </a:r>
+            <a:endParaRPr lang="en-US" dirty="0" smtClean="0">
+              <a:latin typeface="Arial" pitchFamily="34" charset="0"/>
+              <a:cs typeface="Arial" pitchFamily="34" charset="0"/>
+            </a:endParaRPr>
+          </a:p>
+          <a:p>
+            <a:endParaRPr lang="en-US" dirty="0">
+              <a:latin typeface="Arial" pitchFamily="34" charset="0"/>
+              <a:cs typeface="Arial" pitchFamily="34" charset="0"/>
+            </a:endParaRPr>
+          </a:p>
+        </p:txBody>
+      </p:sp>
+      <p:sp>
+        <p:nvSpPr>
+          <p:cNvPr id="15" name="Rectangle 14"/>
+          <p:cNvSpPr/>
+          <p:nvPr/>
+        </p:nvSpPr>
+        <p:spPr>
+          <a:xfrm>
+            <a:off x="457200" y="1981200"/>
+            <a:ext cx="3219664" cy="646331"/>
+          </a:xfrm>
+          <a:prstGeom prst="rect">
+            <a:avLst/>
+          </a:prstGeom>
+        </p:spPr>
+        <p:txBody>
+          <a:bodyPr wrap="none">
+            <a:spAutoFit/>
+          </a:bodyPr>
+          <a:lstStyle/>
+          <a:p>
+            <a:r>
+              <a:rPr lang="en-US" dirty="0" smtClean="0">
+                <a:latin typeface="Arial" pitchFamily="34" charset="0"/>
+                <a:cs typeface="Arial" pitchFamily="34" charset="0"/>
+              </a:rPr>
+              <a:t>parsley.js, </a:t>
+            </a:r>
+            <a:r>
+              <a:rPr lang="en-US" dirty="0" smtClean="0">
+                <a:latin typeface="Arial" pitchFamily="34" charset="0"/>
+                <a:cs typeface="Arial" pitchFamily="34" charset="0"/>
+                <a:hlinkClick r:id="rId4"/>
+              </a:rPr>
+              <a:t>http://parsleyjs.org/</a:t>
+            </a:r>
+            <a:endParaRPr lang="en-US" dirty="0" smtClean="0">
+              <a:latin typeface="Arial" pitchFamily="34" charset="0"/>
+              <a:cs typeface="Arial" pitchFamily="34" charset="0"/>
+            </a:endParaRPr>
+          </a:p>
+          <a:p>
+            <a:endParaRPr lang="en-US" dirty="0">
+              <a:latin typeface="Arial" pitchFamily="34" charset="0"/>
+              <a:cs typeface="Arial" pitchFamily="34" charset="0"/>
+            </a:endParaRPr>
+          </a:p>
+        </p:txBody>
+      </p:sp>
+      <p:sp>
+        <p:nvSpPr>
+          <p:cNvPr id="16" name="Rectangle 15"/>
+          <p:cNvSpPr/>
+          <p:nvPr/>
+        </p:nvSpPr>
+        <p:spPr>
+          <a:xfrm>
+            <a:off x="457200" y="2362200"/>
+            <a:ext cx="6096000" cy="646331"/>
+          </a:xfrm>
+          <a:prstGeom prst="rect">
+            <a:avLst/>
+          </a:prstGeom>
+        </p:spPr>
+        <p:txBody>
+          <a:bodyPr wrap="square">
+            <a:spAutoFit/>
+          </a:bodyPr>
+          <a:lstStyle/>
+          <a:p>
+            <a:r>
+              <a:rPr lang="en-US" dirty="0" smtClean="0">
+                <a:latin typeface="Arial" pitchFamily="34" charset="0"/>
+                <a:cs typeface="Arial" pitchFamily="34" charset="0"/>
+              </a:rPr>
+              <a:t>validate.js, </a:t>
+            </a:r>
+            <a:r>
+              <a:rPr lang="en-US" dirty="0" smtClean="0">
+                <a:latin typeface="Arial" pitchFamily="34" charset="0"/>
+                <a:cs typeface="Arial" pitchFamily="34" charset="0"/>
+                <a:hlinkClick r:id="rId5"/>
+              </a:rPr>
+              <a:t>http://rickharrison.github.io/validate.js/</a:t>
+            </a:r>
+            <a:endParaRPr lang="en-US" dirty="0" smtClean="0">
+              <a:latin typeface="Arial" pitchFamily="34" charset="0"/>
+              <a:cs typeface="Arial" pitchFamily="34" charset="0"/>
+            </a:endParaRPr>
+          </a:p>
+          <a:p>
+            <a:endParaRPr lang="en-US" dirty="0">
+              <a:latin typeface="Arial" pitchFamily="34" charset="0"/>
+              <a:cs typeface="Arial" pitchFamily="34" charset="0"/>
+            </a:endParaRPr>
+          </a:p>
+        </p:txBody>
+      </p:sp>
+      <p:sp>
+        <p:nvSpPr>
+          <p:cNvPr id="17" name="Rectangle 16"/>
+          <p:cNvSpPr/>
+          <p:nvPr/>
+        </p:nvSpPr>
+        <p:spPr>
+          <a:xfrm>
+            <a:off x="457200" y="2819400"/>
+            <a:ext cx="2937535" cy="646331"/>
+          </a:xfrm>
+          <a:prstGeom prst="rect">
+            <a:avLst/>
+          </a:prstGeom>
+        </p:spPr>
+        <p:txBody>
+          <a:bodyPr wrap="none">
+            <a:spAutoFit/>
+          </a:bodyPr>
+          <a:lstStyle/>
+          <a:p>
+            <a:r>
+              <a:rPr lang="en-US" dirty="0" smtClean="0">
+                <a:latin typeface="Arial" pitchFamily="34" charset="0"/>
+                <a:cs typeface="Arial" pitchFamily="34" charset="0"/>
+              </a:rPr>
+              <a:t>verify.js, </a:t>
+            </a:r>
+            <a:r>
+              <a:rPr lang="en-US" dirty="0" smtClean="0">
+                <a:latin typeface="Arial" pitchFamily="34" charset="0"/>
+                <a:cs typeface="Arial" pitchFamily="34" charset="0"/>
+                <a:hlinkClick r:id="rId6"/>
+              </a:rPr>
+              <a:t>http://verifyjs.com/</a:t>
+            </a:r>
+            <a:endParaRPr lang="en-US" dirty="0" smtClean="0">
+              <a:latin typeface="Arial" pitchFamily="34" charset="0"/>
+              <a:cs typeface="Arial" pitchFamily="34" charset="0"/>
+            </a:endParaRPr>
+          </a:p>
+          <a:p>
+            <a:endParaRPr lang="en-US" dirty="0">
+              <a:latin typeface="Arial" pitchFamily="34" charset="0"/>
+              <a:cs typeface="Arial" pitchFamily="34" charset="0"/>
+            </a:endParaRPr>
+          </a:p>
+        </p:txBody>
+      </p:sp>
+      <p:sp>
+        <p:nvSpPr>
+          <p:cNvPr id="18" name="Rectangle 17"/>
+          <p:cNvSpPr/>
+          <p:nvPr/>
+        </p:nvSpPr>
+        <p:spPr>
+          <a:xfrm>
+            <a:off x="457200" y="3276600"/>
+            <a:ext cx="8153400" cy="2031325"/>
+          </a:xfrm>
+          <a:prstGeom prst="rect">
+            <a:avLst/>
+          </a:prstGeom>
+        </p:spPr>
+        <p:txBody>
+          <a:bodyPr wrap="square">
+            <a:spAutoFit/>
+          </a:bodyPr>
+          <a:lstStyle/>
+          <a:p>
+            <a:r>
+              <a:rPr lang="en-US" dirty="0" smtClean="0">
+                <a:latin typeface="Arial" pitchFamily="34" charset="0"/>
+                <a:cs typeface="Arial" pitchFamily="34" charset="0"/>
+                <a:hlinkClick r:id="rId7"/>
+              </a:rPr>
+              <a:t>https://developer.mozilla.org/en-US/docs/Web/JavaScript</a:t>
+            </a:r>
+            <a:endParaRPr lang="en-US" dirty="0" smtClean="0">
+              <a:latin typeface="Arial" pitchFamily="34" charset="0"/>
+              <a:cs typeface="Arial" pitchFamily="34" charset="0"/>
+            </a:endParaRPr>
+          </a:p>
+          <a:p>
+            <a:endParaRPr lang="en-US" dirty="0" smtClean="0">
+              <a:latin typeface="Arial" pitchFamily="34" charset="0"/>
+              <a:cs typeface="Arial" pitchFamily="34" charset="0"/>
+              <a:hlinkClick r:id="rId8"/>
+            </a:endParaRPr>
+          </a:p>
+          <a:p>
+            <a:r>
+              <a:rPr lang="en-US" dirty="0" smtClean="0">
+                <a:latin typeface="Arial" pitchFamily="34" charset="0"/>
+                <a:cs typeface="Arial" pitchFamily="34" charset="0"/>
+                <a:hlinkClick r:id="rId8"/>
+              </a:rPr>
+              <a:t>http://www.html5rocks.com/en/tutorials/file/dndfiles/</a:t>
+            </a:r>
+            <a:endParaRPr lang="en-US" dirty="0" smtClean="0">
+              <a:latin typeface="Arial" pitchFamily="34" charset="0"/>
+              <a:cs typeface="Arial" pitchFamily="34" charset="0"/>
+            </a:endParaRPr>
+          </a:p>
+          <a:p>
+            <a:endParaRPr lang="en-US" dirty="0" smtClean="0">
+              <a:latin typeface="Arial" pitchFamily="34" charset="0"/>
+              <a:cs typeface="Arial" pitchFamily="34" charset="0"/>
+              <a:hlinkClick r:id="rId9"/>
+            </a:endParaRPr>
+          </a:p>
+          <a:p>
+            <a:r>
+              <a:rPr lang="en-US" dirty="0" smtClean="0">
+                <a:latin typeface="Arial" pitchFamily="34" charset="0"/>
+                <a:cs typeface="Arial" pitchFamily="34" charset="0"/>
+                <a:hlinkClick r:id="rId9"/>
+              </a:rPr>
+              <a:t>http://www.slideshare.net/quentinadam/javascript-as-data-processing-language-html5-integration</a:t>
+            </a:r>
+            <a:endParaRPr lang="en-US" dirty="0" smtClean="0">
+              <a:latin typeface="Arial" pitchFamily="34" charset="0"/>
+              <a:cs typeface="Arial" pitchFamily="34" charset="0"/>
+            </a:endParaRPr>
+          </a:p>
+          <a:p>
+            <a:endParaRPr lang="en-US" dirty="0">
+              <a:latin typeface="Arial" pitchFamily="34" charset="0"/>
+              <a:cs typeface="Arial" pitchFamily="34" charset="0"/>
+            </a:endParaRPr>
+          </a:p>
+        </p:txBody>
+      </p:sp>
+      <p:sp>
+        <p:nvSpPr>
+          <p:cNvPr id="19" name="Rectangle 18"/>
+          <p:cNvSpPr/>
+          <p:nvPr/>
+        </p:nvSpPr>
+        <p:spPr>
+          <a:xfrm>
+            <a:off x="457200" y="5181600"/>
+            <a:ext cx="2608406" cy="646331"/>
+          </a:xfrm>
+          <a:prstGeom prst="rect">
+            <a:avLst/>
+          </a:prstGeom>
+        </p:spPr>
+        <p:txBody>
+          <a:bodyPr wrap="none">
+            <a:spAutoFit/>
+          </a:bodyPr>
+          <a:lstStyle/>
+          <a:p>
+            <a:r>
+              <a:rPr lang="en-US" dirty="0" smtClean="0">
+                <a:latin typeface="Arial" pitchFamily="34" charset="0"/>
+                <a:cs typeface="Arial" pitchFamily="34" charset="0"/>
+                <a:hlinkClick r:id="rId10"/>
+              </a:rPr>
+              <a:t>https://lodash.com/docs</a:t>
+            </a:r>
+            <a:endParaRPr lang="en-US" dirty="0" smtClean="0">
+              <a:latin typeface="Arial" pitchFamily="34" charset="0"/>
+              <a:cs typeface="Arial" pitchFamily="34" charset="0"/>
+            </a:endParaRPr>
+          </a:p>
+          <a:p>
+            <a:endParaRPr lang="en-US" dirty="0">
+              <a:latin typeface="Arial" pitchFamily="34" charset="0"/>
+              <a:cs typeface="Arial" pitchFamily="34" charset="0"/>
+            </a:endParaRPr>
+          </a:p>
+        </p:txBody>
+      </p:sp>
+      <p:sp>
+        <p:nvSpPr>
+          <p:cNvPr id="20" name="Rectangle 19"/>
+          <p:cNvSpPr/>
+          <p:nvPr/>
+        </p:nvSpPr>
+        <p:spPr>
+          <a:xfrm>
+            <a:off x="457200" y="5678269"/>
+            <a:ext cx="6400800" cy="646331"/>
+          </a:xfrm>
+          <a:prstGeom prst="rect">
+            <a:avLst/>
+          </a:prstGeom>
+        </p:spPr>
+        <p:txBody>
+          <a:bodyPr wrap="square">
+            <a:spAutoFit/>
+          </a:bodyPr>
+          <a:lstStyle/>
+          <a:p>
+            <a:r>
+              <a:rPr lang="en-US" dirty="0" smtClean="0">
+                <a:latin typeface="Arial" pitchFamily="34" charset="0"/>
+                <a:cs typeface="Arial" pitchFamily="34" charset="0"/>
+                <a:hlinkClick r:id="rId11"/>
+              </a:rPr>
+              <a:t>https://www.dashingd3js.com/table-of-contents</a:t>
+            </a:r>
+            <a:endParaRPr lang="en-US" dirty="0" smtClean="0">
+              <a:latin typeface="Arial" pitchFamily="34" charset="0"/>
+              <a:cs typeface="Arial" pitchFamily="34" charset="0"/>
+            </a:endParaRPr>
+          </a:p>
+          <a:p>
+            <a:endParaRPr lang="en-US" dirty="0">
+              <a:latin typeface="Arial" pitchFamily="34" charset="0"/>
+              <a:cs typeface="Arial" pitchFamily="34" charset="0"/>
+            </a:endParaRPr>
+          </a:p>
+        </p:txBody>
+      </p:sp>
     </p:spTree>
     <p:extLst>
       <p:ext uri="{BB962C8B-B14F-4D97-AF65-F5344CB8AC3E}">

--- a/Final.pptx
+++ b/Final.pptx
@@ -9,31 +9,31 @@
   </p:notesMasterIdLst>
   <p:sldIdLst>
     <p:sldId id="302" r:id="rId2"/>
-    <p:sldId id="303" r:id="rId3"/>
-    <p:sldId id="304" r:id="rId4"/>
-    <p:sldId id="305" r:id="rId5"/>
-    <p:sldId id="306" r:id="rId6"/>
-    <p:sldId id="307" r:id="rId7"/>
-    <p:sldId id="332" r:id="rId8"/>
-    <p:sldId id="308" r:id="rId9"/>
-    <p:sldId id="329" r:id="rId10"/>
-    <p:sldId id="330" r:id="rId11"/>
-    <p:sldId id="331" r:id="rId12"/>
-    <p:sldId id="311" r:id="rId13"/>
-    <p:sldId id="336" r:id="rId14"/>
-    <p:sldId id="314" r:id="rId15"/>
-    <p:sldId id="315" r:id="rId16"/>
-    <p:sldId id="317" r:id="rId17"/>
-    <p:sldId id="318" r:id="rId18"/>
-    <p:sldId id="319" r:id="rId19"/>
-    <p:sldId id="334" r:id="rId20"/>
-    <p:sldId id="321" r:id="rId21"/>
-    <p:sldId id="322" r:id="rId22"/>
-    <p:sldId id="335" r:id="rId23"/>
-    <p:sldId id="324" r:id="rId24"/>
-    <p:sldId id="325" r:id="rId25"/>
-    <p:sldId id="326" r:id="rId26"/>
-    <p:sldId id="327" r:id="rId27"/>
+    <p:sldId id="353" r:id="rId3"/>
+    <p:sldId id="354" r:id="rId4"/>
+    <p:sldId id="355" r:id="rId5"/>
+    <p:sldId id="356" r:id="rId6"/>
+    <p:sldId id="357" r:id="rId7"/>
+    <p:sldId id="358" r:id="rId8"/>
+    <p:sldId id="359" r:id="rId9"/>
+    <p:sldId id="360" r:id="rId10"/>
+    <p:sldId id="361" r:id="rId11"/>
+    <p:sldId id="362" r:id="rId12"/>
+    <p:sldId id="363" r:id="rId13"/>
+    <p:sldId id="364" r:id="rId14"/>
+    <p:sldId id="365" r:id="rId15"/>
+    <p:sldId id="366" r:id="rId16"/>
+    <p:sldId id="367" r:id="rId17"/>
+    <p:sldId id="368" r:id="rId18"/>
+    <p:sldId id="369" r:id="rId19"/>
+    <p:sldId id="370" r:id="rId20"/>
+    <p:sldId id="371" r:id="rId21"/>
+    <p:sldId id="372" r:id="rId22"/>
+    <p:sldId id="373" r:id="rId23"/>
+    <p:sldId id="374" r:id="rId24"/>
+    <p:sldId id="375" r:id="rId25"/>
+    <p:sldId id="376" r:id="rId26"/>
+    <p:sldId id="377" r:id="rId27"/>
     <p:sldId id="337" r:id="rId28"/>
     <p:sldId id="338" r:id="rId29"/>
     <p:sldId id="339" r:id="rId30"/>
@@ -235,7 +235,7 @@
             <a:fld id="{6AE2A795-C458-40B5-8DAC-0FAA59AA937C}" type="datetimeFigureOut">
               <a:rPr lang="en-US" smtClean="0"/>
               <a:pPr/>
-              <a:t>9/28/2015</a:t>
+              <a:t>9/29/2015</a:t>
             </a:fld>
             <a:endParaRPr lang="en-IN"/>
           </a:p>
@@ -765,7 +765,7 @@
             <a:fld id="{B0633AD1-F25B-4771-B030-9557703CF562}" type="datetime1">
               <a:rPr lang="en-US" smtClean="0"/>
               <a:pPr/>
-              <a:t>9/28/2015</a:t>
+              <a:t>9/29/2015</a:t>
             </a:fld>
             <a:endParaRPr lang="en-US"/>
           </a:p>
@@ -932,7 +932,7 @@
             <a:fld id="{571AC3C7-5314-4DE0-9422-46E60B0BA20E}" type="datetime1">
               <a:rPr lang="en-US" smtClean="0"/>
               <a:pPr/>
-              <a:t>9/28/2015</a:t>
+              <a:t>9/29/2015</a:t>
             </a:fld>
             <a:endParaRPr lang="en-US"/>
           </a:p>
@@ -1109,7 +1109,7 @@
             <a:fld id="{B82520AA-AFC1-413E-B6CE-FDC8422933F6}" type="datetime1">
               <a:rPr lang="en-US" smtClean="0"/>
               <a:pPr/>
-              <a:t>9/28/2015</a:t>
+              <a:t>9/29/2015</a:t>
             </a:fld>
             <a:endParaRPr lang="en-US"/>
           </a:p>
@@ -1276,7 +1276,7 @@
             <a:fld id="{D61F00A8-49DA-4D8A-AEDB-7BD94A7E0CD2}" type="datetime1">
               <a:rPr lang="en-US" smtClean="0"/>
               <a:pPr/>
-              <a:t>9/28/2015</a:t>
+              <a:t>9/29/2015</a:t>
             </a:fld>
             <a:endParaRPr lang="en-US"/>
           </a:p>
@@ -1519,7 +1519,7 @@
             <a:fld id="{993DB274-D426-409D-8D2B-531932A9E028}" type="datetime1">
               <a:rPr lang="en-US" smtClean="0"/>
               <a:pPr/>
-              <a:t>9/28/2015</a:t>
+              <a:t>9/29/2015</a:t>
             </a:fld>
             <a:endParaRPr lang="en-US"/>
           </a:p>
@@ -1804,7 +1804,7 @@
             <a:fld id="{4D615806-EE5E-4B28-B078-7471A69B810B}" type="datetime1">
               <a:rPr lang="en-US" smtClean="0"/>
               <a:pPr/>
-              <a:t>9/28/2015</a:t>
+              <a:t>9/29/2015</a:t>
             </a:fld>
             <a:endParaRPr lang="en-US"/>
           </a:p>
@@ -2223,7 +2223,7 @@
             <a:fld id="{6F86B8E0-8C66-4E44-92F8-EAD16A9A38C1}" type="datetime1">
               <a:rPr lang="en-US" smtClean="0"/>
               <a:pPr/>
-              <a:t>9/28/2015</a:t>
+              <a:t>9/29/2015</a:t>
             </a:fld>
             <a:endParaRPr lang="en-US"/>
           </a:p>
@@ -2338,7 +2338,7 @@
             <a:fld id="{239FA6A6-A06E-425E-8FF2-D332FE167C28}" type="datetime1">
               <a:rPr lang="en-US" smtClean="0"/>
               <a:pPr/>
-              <a:t>9/28/2015</a:t>
+              <a:t>9/29/2015</a:t>
             </a:fld>
             <a:endParaRPr lang="en-US"/>
           </a:p>
@@ -2430,7 +2430,7 @@
             <a:fld id="{41C6D6D3-6A1B-43C8-B55F-D89599CF0595}" type="datetime1">
               <a:rPr lang="en-US" smtClean="0"/>
               <a:pPr/>
-              <a:t>9/28/2015</a:t>
+              <a:t>9/29/2015</a:t>
             </a:fld>
             <a:endParaRPr lang="en-US"/>
           </a:p>
@@ -2704,7 +2704,7 @@
             <a:fld id="{D21A22C1-EA09-49B2-B3A9-37918F9E642C}" type="datetime1">
               <a:rPr lang="en-US" smtClean="0"/>
               <a:pPr/>
-              <a:t>9/28/2015</a:t>
+              <a:t>9/29/2015</a:t>
             </a:fld>
             <a:endParaRPr lang="en-US"/>
           </a:p>
@@ -2954,7 +2954,7 @@
             <a:fld id="{8A5B2E36-137E-4545-8F9E-7ABCFE453D73}" type="datetime1">
               <a:rPr lang="en-US" smtClean="0"/>
               <a:pPr/>
-              <a:t>9/28/2015</a:t>
+              <a:t>9/29/2015</a:t>
             </a:fld>
             <a:endParaRPr lang="en-US"/>
           </a:p>
@@ -3164,7 +3164,7 @@
             <a:fld id="{83D0A050-89BC-4B1E-B72D-A74D7E90139A}" type="datetime1">
               <a:rPr lang="en-US" smtClean="0"/>
               <a:pPr/>
-              <a:t>9/28/2015</a:t>
+              <a:t>9/29/2015</a:t>
             </a:fld>
             <a:endParaRPr lang="en-US"/>
           </a:p>
@@ -3847,7 +3847,7 @@
     </p:spTree>
     <p:extLst>
       <p:ext uri="{BB962C8B-B14F-4D97-AF65-F5344CB8AC3E}">
-        <p14:creationId xmlns="" xmlns:p14="http://schemas.microsoft.com/office/powerpoint/2010/main" val="3590561983"/>
+        <p14:creationId xmlns:p14="http://schemas.microsoft.com/office/powerpoint/2010/main" xmlns="" val="3590561983"/>
       </p:ext>
     </p:extLst>
   </p:cSld>
@@ -5201,13 +5201,6 @@
   <p:clrMapOvr>
     <a:masterClrMapping/>
   </p:clrMapOvr>
-  <p:timing>
-    <p:tnLst>
-      <p:par>
-        <p:cTn id="1" dur="indefinite" restart="never" nodeType="tmRoot"/>
-      </p:par>
-    </p:tnLst>
-  </p:timing>
 </p:sld>
 </file>
 
@@ -5906,13 +5899,6 @@
   <p:clrMapOvr>
     <a:masterClrMapping/>
   </p:clrMapOvr>
-  <p:timing>
-    <p:tnLst>
-      <p:par>
-        <p:cTn id="1" dur="indefinite" restart="never" nodeType="tmRoot"/>
-      </p:par>
-    </p:tnLst>
-  </p:timing>
 </p:sld>
 </file>
 
@@ -6254,10 +6240,10 @@
                     <a:lstStyle/>
                     <a:p>
                       <a:r>
-                        <a:rPr lang="en-IN" dirty="0" smtClean="0">
+                        <a:rPr lang="en-IN" smtClean="0">
                           <a:latin typeface="+mn-lt"/>
                         </a:rPr>
-                        <a:t>Mapping</a:t>
+                        <a:t>Map()</a:t>
                       </a:r>
                       <a:endParaRPr lang="en-IN" dirty="0">
                         <a:latin typeface="+mn-lt"/>
@@ -6541,13 +6527,6 @@
   <p:clrMapOvr>
     <a:masterClrMapping/>
   </p:clrMapOvr>
-  <p:timing>
-    <p:tnLst>
-      <p:par>
-        <p:cTn id="1" dur="indefinite" restart="never" nodeType="tmRoot"/>
-      </p:par>
-    </p:tnLst>
-  </p:timing>
 </p:sld>
 </file>
 
@@ -7052,7 +7031,7 @@
               <a:rPr lang="en-IN" sz="1800" dirty="0" err="1" smtClean="0">
                 <a:cs typeface="Arial" pitchFamily="34" charset="0"/>
               </a:rPr>
-              <a:t>DCity</a:t>
+              <a:t>Dcity</a:t>
             </a:r>
             <a:endParaRPr lang="en-IN" sz="1800" dirty="0" smtClean="0">
               <a:cs typeface="Arial" pitchFamily="34" charset="0"/>
@@ -7066,7 +7045,7 @@
               <a:rPr lang="en-IN" sz="1800" dirty="0" smtClean="0">
                 <a:cs typeface="Arial" pitchFamily="34" charset="0"/>
               </a:rPr>
-              <a:t>      Total Count = 4</a:t>
+              <a:t>      4</a:t>
             </a:r>
           </a:p>
           <a:p>
@@ -7193,13 +7172,6 @@
   <p:clrMapOvr>
     <a:masterClrMapping/>
   </p:clrMapOvr>
-  <p:timing>
-    <p:tnLst>
-      <p:par>
-        <p:cTn id="1" dur="indefinite" restart="never" nodeType="tmRoot"/>
-      </p:par>
-    </p:tnLst>
-  </p:timing>
 </p:sld>
 </file>
 
@@ -7230,6 +7202,223 @@
             <p:ph type="title"/>
           </p:nvPr>
         </p:nvSpPr>
+        <p:spPr>
+          <a:xfrm>
+            <a:off x="457200" y="274638"/>
+            <a:ext cx="8229600" cy="715962"/>
+          </a:xfrm>
+        </p:spPr>
+        <p:txBody>
+          <a:bodyPr>
+            <a:normAutofit/>
+          </a:bodyPr>
+          <a:lstStyle/>
+          <a:p>
+            <a:pPr algn="l"/>
+            <a:r>
+              <a:rPr lang="en-IN" sz="2400" dirty="0" smtClean="0">
+                <a:solidFill>
+                  <a:srgbClr val="002060"/>
+                </a:solidFill>
+                <a:latin typeface="Arial" pitchFamily="34" charset="0"/>
+                <a:cs typeface="Arial" pitchFamily="34" charset="0"/>
+              </a:rPr>
+              <a:t>map()</a:t>
+            </a:r>
+            <a:endParaRPr lang="en-IN" sz="2400" dirty="0">
+              <a:solidFill>
+                <a:srgbClr val="002060"/>
+              </a:solidFill>
+              <a:latin typeface="Arial" pitchFamily="34" charset="0"/>
+              <a:cs typeface="Arial" pitchFamily="34" charset="0"/>
+            </a:endParaRPr>
+          </a:p>
+        </p:txBody>
+      </p:sp>
+      <p:sp>
+        <p:nvSpPr>
+          <p:cNvPr id="4" name="Slide Number Placeholder 3"/>
+          <p:cNvSpPr>
+            <a:spLocks noGrp="1"/>
+          </p:cNvSpPr>
+          <p:nvPr>
+            <p:ph type="sldNum" sz="quarter" idx="12"/>
+          </p:nvPr>
+        </p:nvSpPr>
+        <p:spPr/>
+        <p:txBody>
+          <a:bodyPr/>
+          <a:lstStyle/>
+          <a:p>
+            <a:fld id="{B6F15528-21DE-4FAA-801E-634DDDAF4B2B}" type="slidenum">
+              <a:rPr lang="en-US" smtClean="0"/>
+              <a:pPr/>
+              <a:t>16</a:t>
+            </a:fld>
+            <a:endParaRPr lang="en-US"/>
+          </a:p>
+        </p:txBody>
+      </p:sp>
+      <p:pic>
+        <p:nvPicPr>
+          <p:cNvPr id="1026" name="Picture 2"/>
+          <p:cNvPicPr>
+            <a:picLocks noGrp="1" noChangeAspect="1" noChangeArrowheads="1"/>
+          </p:cNvPicPr>
+          <p:nvPr>
+            <p:ph idx="1"/>
+          </p:nvPr>
+        </p:nvPicPr>
+        <p:blipFill>
+          <a:blip r:embed="rId2"/>
+          <a:srcRect t="38723" r="67985" b="34339"/>
+          <a:stretch>
+            <a:fillRect/>
+          </a:stretch>
+        </p:blipFill>
+        <p:spPr bwMode="auto">
+          <a:xfrm>
+            <a:off x="609600" y="2590800"/>
+            <a:ext cx="7467600" cy="1828800"/>
+          </a:xfrm>
+          <a:prstGeom prst="rect">
+            <a:avLst/>
+          </a:prstGeom>
+          <a:noFill/>
+          <a:ln w="9525">
+            <a:noFill/>
+            <a:miter lim="800000"/>
+            <a:headEnd/>
+            <a:tailEnd/>
+          </a:ln>
+          <a:effectLst/>
+        </p:spPr>
+      </p:pic>
+      <p:pic>
+        <p:nvPicPr>
+          <p:cNvPr id="1027" name="Picture 3"/>
+          <p:cNvPicPr>
+            <a:picLocks noChangeAspect="1" noChangeArrowheads="1"/>
+          </p:cNvPicPr>
+          <p:nvPr/>
+        </p:nvPicPr>
+        <p:blipFill>
+          <a:blip r:embed="rId3"/>
+          <a:srcRect t="44792" r="54905" b="38541"/>
+          <a:stretch>
+            <a:fillRect/>
+          </a:stretch>
+        </p:blipFill>
+        <p:spPr bwMode="auto">
+          <a:xfrm>
+            <a:off x="609600" y="1143000"/>
+            <a:ext cx="7239000" cy="1219200"/>
+          </a:xfrm>
+          <a:prstGeom prst="rect">
+            <a:avLst/>
+          </a:prstGeom>
+          <a:noFill/>
+          <a:ln w="9525">
+            <a:noFill/>
+            <a:miter lim="800000"/>
+            <a:headEnd/>
+            <a:tailEnd/>
+          </a:ln>
+          <a:effectLst/>
+        </p:spPr>
+      </p:pic>
+      <p:pic>
+        <p:nvPicPr>
+          <p:cNvPr id="1028" name="Picture 4"/>
+          <p:cNvPicPr>
+            <a:picLocks noChangeAspect="1" noChangeArrowheads="1"/>
+          </p:cNvPicPr>
+          <p:nvPr/>
+        </p:nvPicPr>
+        <p:blipFill>
+          <a:blip r:embed="rId4"/>
+          <a:srcRect l="69107" t="28125" b="59375"/>
+          <a:stretch>
+            <a:fillRect/>
+          </a:stretch>
+        </p:blipFill>
+        <p:spPr bwMode="auto">
+          <a:xfrm>
+            <a:off x="533400" y="4495800"/>
+            <a:ext cx="7391400" cy="1295400"/>
+          </a:xfrm>
+          <a:prstGeom prst="rect">
+            <a:avLst/>
+          </a:prstGeom>
+          <a:noFill/>
+          <a:ln w="9525">
+            <a:noFill/>
+            <a:miter lim="800000"/>
+            <a:headEnd/>
+            <a:tailEnd/>
+          </a:ln>
+          <a:effectLst/>
+        </p:spPr>
+      </p:pic>
+      <p:pic>
+        <p:nvPicPr>
+          <p:cNvPr id="8" name="Picture 7" descr="C:\Users\Jimmy\Desktop\footer.png"/>
+          <p:cNvPicPr/>
+          <p:nvPr/>
+        </p:nvPicPr>
+        <p:blipFill>
+          <a:blip r:embed="rId5"/>
+          <a:srcRect/>
+          <a:stretch>
+            <a:fillRect/>
+          </a:stretch>
+        </p:blipFill>
+        <p:spPr bwMode="auto">
+          <a:xfrm>
+            <a:off x="609600" y="6248400"/>
+            <a:ext cx="8153400" cy="457200"/>
+          </a:xfrm>
+          <a:prstGeom prst="rect">
+            <a:avLst/>
+          </a:prstGeom>
+          <a:noFill/>
+        </p:spPr>
+      </p:pic>
+    </p:spTree>
+  </p:cSld>
+  <p:clrMapOvr>
+    <a:masterClrMapping/>
+  </p:clrMapOvr>
+</p:sld>
+</file>
+
+<file path=ppt/slides/slide17.xml><?xml version="1.0" encoding="utf-8"?>
+<p:sld xmlns:a="http://schemas.openxmlformats.org/drawingml/2006/main" xmlns:r="http://schemas.openxmlformats.org/officeDocument/2006/relationships" xmlns:p="http://schemas.openxmlformats.org/presentationml/2006/main">
+  <p:cSld>
+    <p:spTree>
+      <p:nvGrpSpPr>
+        <p:cNvPr id="1" name=""/>
+        <p:cNvGrpSpPr/>
+        <p:nvPr/>
+      </p:nvGrpSpPr>
+      <p:grpSpPr>
+        <a:xfrm>
+          <a:off x="0" y="0"/>
+          <a:ext cx="0" cy="0"/>
+          <a:chOff x="0" y="0"/>
+          <a:chExt cx="0" cy="0"/>
+        </a:xfrm>
+      </p:grpSpPr>
+      <p:sp>
+        <p:nvSpPr>
+          <p:cNvPr id="2" name="Title 1"/>
+          <p:cNvSpPr>
+            <a:spLocks noGrp="1"/>
+          </p:cNvSpPr>
+          <p:nvPr>
+            <p:ph type="title"/>
+          </p:nvPr>
+        </p:nvSpPr>
         <p:spPr/>
         <p:txBody>
           <a:bodyPr>
@@ -7581,7 +7770,7 @@
             <a:fld id="{B6F15528-21DE-4FAA-801E-634DDDAF4B2B}" type="slidenum">
               <a:rPr lang="en-US" smtClean="0"/>
               <a:pPr/>
-              <a:t>16</a:t>
+              <a:t>17</a:t>
             </a:fld>
             <a:endParaRPr lang="en-US"/>
           </a:p>
@@ -7616,17 +7805,10 @@
   <p:clrMapOvr>
     <a:masterClrMapping/>
   </p:clrMapOvr>
-  <p:timing>
-    <p:tnLst>
-      <p:par>
-        <p:cTn id="1" dur="indefinite" restart="never" nodeType="tmRoot"/>
-      </p:par>
-    </p:tnLst>
-  </p:timing>
 </p:sld>
 </file>
 
-<file path=ppt/slides/slide17.xml><?xml version="1.0" encoding="utf-8"?>
+<file path=ppt/slides/slide18.xml><?xml version="1.0" encoding="utf-8"?>
 <p:sld xmlns:a="http://schemas.openxmlformats.org/drawingml/2006/main" xmlns:r="http://schemas.openxmlformats.org/officeDocument/2006/relationships" xmlns:p="http://schemas.openxmlformats.org/presentationml/2006/main">
   <p:cSld>
     <p:spTree>
@@ -8048,7 +8230,7 @@
             <a:fld id="{B6F15528-21DE-4FAA-801E-634DDDAF4B2B}" type="slidenum">
               <a:rPr lang="en-US" smtClean="0"/>
               <a:pPr/>
-              <a:t>17</a:t>
+              <a:t>18</a:t>
             </a:fld>
             <a:endParaRPr lang="en-US"/>
           </a:p>
@@ -8083,17 +8265,10 @@
   <p:clrMapOvr>
     <a:masterClrMapping/>
   </p:clrMapOvr>
-  <p:timing>
-    <p:tnLst>
-      <p:par>
-        <p:cTn id="1" dur="indefinite" restart="never" nodeType="tmRoot"/>
-      </p:par>
-    </p:tnLst>
-  </p:timing>
 </p:sld>
 </file>
 
-<file path=ppt/slides/slide18.xml><?xml version="1.0" encoding="utf-8"?>
+<file path=ppt/slides/slide19.xml><?xml version="1.0" encoding="utf-8"?>
 <p:sld xmlns:a="http://schemas.openxmlformats.org/drawingml/2006/main" xmlns:r="http://schemas.openxmlformats.org/officeDocument/2006/relationships" xmlns:p="http://schemas.openxmlformats.org/presentationml/2006/main">
   <p:cSld>
     <p:spTree>
@@ -8478,7 +8653,7 @@
             <a:fld id="{B6F15528-21DE-4FAA-801E-634DDDAF4B2B}" type="slidenum">
               <a:rPr lang="en-US" smtClean="0"/>
               <a:pPr/>
-              <a:t>18</a:t>
+              <a:t>19</a:t>
             </a:fld>
             <a:endParaRPr lang="en-US"/>
           </a:p>
@@ -8513,17 +8688,242 @@
   <p:clrMapOvr>
     <a:masterClrMapping/>
   </p:clrMapOvr>
-  <p:timing>
-    <p:tnLst>
-      <p:par>
-        <p:cTn id="1" dur="indefinite" restart="never" nodeType="tmRoot"/>
-      </p:par>
-    </p:tnLst>
-  </p:timing>
 </p:sld>
 </file>
 
-<file path=ppt/slides/slide19.xml><?xml version="1.0" encoding="utf-8"?>
+<file path=ppt/slides/slide2.xml><?xml version="1.0" encoding="utf-8"?>
+<p:sld xmlns:a="http://schemas.openxmlformats.org/drawingml/2006/main" xmlns:r="http://schemas.openxmlformats.org/officeDocument/2006/relationships" xmlns:p="http://schemas.openxmlformats.org/presentationml/2006/main">
+  <p:cSld>
+    <p:spTree>
+      <p:nvGrpSpPr>
+        <p:cNvPr id="1" name=""/>
+        <p:cNvGrpSpPr/>
+        <p:nvPr/>
+      </p:nvGrpSpPr>
+      <p:grpSpPr>
+        <a:xfrm>
+          <a:off x="0" y="0"/>
+          <a:ext cx="0" cy="0"/>
+          <a:chOff x="0" y="0"/>
+          <a:chExt cx="0" cy="0"/>
+        </a:xfrm>
+      </p:grpSpPr>
+      <p:sp>
+        <p:nvSpPr>
+          <p:cNvPr id="2" name="Title 1"/>
+          <p:cNvSpPr>
+            <a:spLocks noGrp="1"/>
+          </p:cNvSpPr>
+          <p:nvPr>
+            <p:ph type="title"/>
+          </p:nvPr>
+        </p:nvSpPr>
+        <p:spPr/>
+        <p:txBody>
+          <a:bodyPr>
+            <a:normAutofit/>
+          </a:bodyPr>
+          <a:lstStyle/>
+          <a:p>
+            <a:pPr algn="l"/>
+            <a:r>
+              <a:rPr lang="en-IN" sz="3600" dirty="0" smtClean="0">
+                <a:solidFill>
+                  <a:srgbClr val="0070C0"/>
+                </a:solidFill>
+                <a:latin typeface="Arial" pitchFamily="34" charset="0"/>
+                <a:cs typeface="Arial" pitchFamily="34" charset="0"/>
+              </a:rPr>
+              <a:t>Data Processing</a:t>
+            </a:r>
+            <a:endParaRPr lang="en-IN" sz="3600" dirty="0">
+              <a:latin typeface="Arial" pitchFamily="34" charset="0"/>
+              <a:cs typeface="Arial" pitchFamily="34" charset="0"/>
+            </a:endParaRPr>
+          </a:p>
+        </p:txBody>
+      </p:sp>
+      <p:sp>
+        <p:nvSpPr>
+          <p:cNvPr id="3" name="Content Placeholder 2"/>
+          <p:cNvSpPr>
+            <a:spLocks noGrp="1"/>
+          </p:cNvSpPr>
+          <p:nvPr>
+            <p:ph idx="1"/>
+          </p:nvPr>
+        </p:nvSpPr>
+        <p:spPr/>
+        <p:txBody>
+          <a:bodyPr/>
+          <a:lstStyle/>
+          <a:p>
+            <a:pPr marL="182880" lvl="1">
+              <a:buFont typeface="Arial" pitchFamily="34" charset="0"/>
+              <a:buChar char="•"/>
+            </a:pPr>
+            <a:r>
+              <a:rPr lang="en-IN" sz="2200" dirty="0" smtClean="0">
+                <a:latin typeface="Arial" pitchFamily="34" charset="0"/>
+                <a:cs typeface="Arial" pitchFamily="34" charset="0"/>
+              </a:rPr>
+              <a:t>Basic manipulation and preparation of data using JavaScript for further analysis and visualization.</a:t>
+            </a:r>
+          </a:p>
+          <a:p>
+            <a:pPr marL="182880" lvl="1">
+              <a:buClrTx/>
+            </a:pPr>
+            <a:endParaRPr lang="en-IN" sz="2200" u="sng" dirty="0" smtClean="0">
+              <a:latin typeface="Arial" pitchFamily="34" charset="0"/>
+              <a:cs typeface="Arial" pitchFamily="34" charset="0"/>
+            </a:endParaRPr>
+          </a:p>
+          <a:p>
+            <a:pPr marL="182880" lvl="1">
+              <a:buFont typeface="Arial" pitchFamily="34" charset="0"/>
+              <a:buChar char="•"/>
+            </a:pPr>
+            <a:r>
+              <a:rPr lang="en-IN" sz="2200" dirty="0" smtClean="0">
+                <a:latin typeface="Arial" pitchFamily="34" charset="0"/>
+                <a:cs typeface="Arial" pitchFamily="34" charset="0"/>
+              </a:rPr>
+              <a:t>Purpose of Data Processing is to focus on</a:t>
+            </a:r>
+          </a:p>
+          <a:p>
+            <a:pPr marL="182880" lvl="1">
+              <a:buNone/>
+            </a:pPr>
+            <a:endParaRPr lang="en-IN" sz="2200" dirty="0" smtClean="0">
+              <a:latin typeface="Arial" pitchFamily="34" charset="0"/>
+              <a:cs typeface="Arial" pitchFamily="34" charset="0"/>
+            </a:endParaRPr>
+          </a:p>
+          <a:p>
+            <a:pPr marL="182880" lvl="1"/>
+            <a:r>
+              <a:rPr lang="en-IN" sz="2000" i="1" dirty="0" smtClean="0">
+                <a:latin typeface="Arial" pitchFamily="34" charset="0"/>
+                <a:cs typeface="Arial" pitchFamily="34" charset="0"/>
+              </a:rPr>
+              <a:t>Find data</a:t>
+            </a:r>
+          </a:p>
+          <a:p>
+            <a:pPr marL="182880" lvl="1">
+              <a:buClrTx/>
+            </a:pPr>
+            <a:r>
+              <a:rPr lang="en-IN" sz="2000" i="1" dirty="0" smtClean="0">
+                <a:latin typeface="Arial" pitchFamily="34" charset="0"/>
+                <a:cs typeface="Arial" pitchFamily="34" charset="0"/>
+              </a:rPr>
+              <a:t>Filter data </a:t>
+            </a:r>
+          </a:p>
+          <a:p>
+            <a:pPr marL="182880" lvl="1">
+              <a:buClrTx/>
+            </a:pPr>
+            <a:r>
+              <a:rPr lang="en-IN" sz="2000" i="1" dirty="0" smtClean="0">
+                <a:latin typeface="Arial" pitchFamily="34" charset="0"/>
+                <a:cs typeface="Arial" pitchFamily="34" charset="0"/>
+              </a:rPr>
+              <a:t>Manage data collection</a:t>
+            </a:r>
+          </a:p>
+          <a:p>
+            <a:pPr marL="182880" lvl="1">
+              <a:buClrTx/>
+            </a:pPr>
+            <a:r>
+              <a:rPr lang="en-IN" sz="2000" i="1" dirty="0" smtClean="0">
+                <a:latin typeface="Arial" pitchFamily="34" charset="0"/>
+                <a:cs typeface="Arial" pitchFamily="34" charset="0"/>
+              </a:rPr>
+              <a:t>CRUD order (create, Read, Update and Delete)</a:t>
+            </a:r>
+          </a:p>
+          <a:p>
+            <a:pPr>
+              <a:buNone/>
+            </a:pPr>
+            <a:endParaRPr lang="en-IN" dirty="0" smtClean="0"/>
+          </a:p>
+          <a:p>
+            <a:pPr>
+              <a:buNone/>
+            </a:pPr>
+            <a:endParaRPr lang="en-IN" dirty="0" smtClean="0"/>
+          </a:p>
+          <a:p>
+            <a:pPr>
+              <a:buNone/>
+            </a:pPr>
+            <a:endParaRPr lang="en-IN" dirty="0"/>
+          </a:p>
+        </p:txBody>
+      </p:sp>
+      <p:sp>
+        <p:nvSpPr>
+          <p:cNvPr id="4" name="Slide Number Placeholder 3"/>
+          <p:cNvSpPr>
+            <a:spLocks noGrp="1"/>
+          </p:cNvSpPr>
+          <p:nvPr>
+            <p:ph type="sldNum" sz="quarter" idx="12"/>
+          </p:nvPr>
+        </p:nvSpPr>
+        <p:spPr/>
+        <p:txBody>
+          <a:bodyPr/>
+          <a:lstStyle/>
+          <a:p>
+            <a:fld id="{B6F15528-21DE-4FAA-801E-634DDDAF4B2B}" type="slidenum">
+              <a:rPr lang="en-US" smtClean="0"/>
+              <a:pPr/>
+              <a:t>2</a:t>
+            </a:fld>
+            <a:endParaRPr lang="en-US" dirty="0"/>
+          </a:p>
+        </p:txBody>
+      </p:sp>
+      <p:pic>
+        <p:nvPicPr>
+          <p:cNvPr id="5" name="Picture 4" descr="C:\Users\Jimmy\Desktop\footer.png"/>
+          <p:cNvPicPr/>
+          <p:nvPr/>
+        </p:nvPicPr>
+        <p:blipFill>
+          <a:blip r:embed="rId2"/>
+          <a:srcRect/>
+          <a:stretch>
+            <a:fillRect/>
+          </a:stretch>
+        </p:blipFill>
+        <p:spPr bwMode="auto">
+          <a:xfrm>
+            <a:off x="609600" y="6248400"/>
+            <a:ext cx="8153400" cy="457200"/>
+          </a:xfrm>
+          <a:prstGeom prst="rect">
+            <a:avLst/>
+          </a:prstGeom>
+          <a:noFill/>
+        </p:spPr>
+      </p:pic>
+    </p:spTree>
+  </p:cSld>
+  <p:clrMapOvr>
+    <a:masterClrMapping/>
+  </p:clrMapOvr>
+</p:sld>
+</file>
+
+<file path=ppt/slides/slide20.xml><?xml version="1.0" encoding="utf-8"?>
 <p:sld xmlns:a="http://schemas.openxmlformats.org/drawingml/2006/main" xmlns:r="http://schemas.openxmlformats.org/officeDocument/2006/relationships" xmlns:p="http://schemas.openxmlformats.org/presentationml/2006/main">
   <p:cSld>
     <p:spTree>
@@ -8816,28 +9216,6 @@
                           <a:ea typeface="+mn-ea"/>
                           <a:cs typeface="+mn-cs"/>
                         </a:rPr>
-                        <a:t>return</a:t>
-                      </a:r>
-                      <a:r>
-                        <a:rPr lang="en-IN" sz="1800" kern="1200" baseline="0" dirty="0" smtClean="0">
-                          <a:solidFill>
-                            <a:schemeClr val="dk1"/>
-                          </a:solidFill>
-                          <a:latin typeface="+mn-lt"/>
-                          <a:ea typeface="+mn-ea"/>
-                          <a:cs typeface="+mn-cs"/>
-                        </a:rPr>
-                        <a:t> </a:t>
-                      </a:r>
-                      <a:r>
-                        <a:rPr lang="en-IN" sz="1800" kern="1200" dirty="0" smtClean="0">
-                          <a:solidFill>
-                            <a:schemeClr val="dk1"/>
-                          </a:solidFill>
-                          <a:latin typeface="+mn-lt"/>
-                          <a:ea typeface="+mn-ea"/>
-                          <a:cs typeface="+mn-cs"/>
-                        </a:rPr>
                         <a:t>&lt;string&gt;.</a:t>
                       </a:r>
                       <a:r>
@@ -9077,7 +9455,7 @@
             <a:fld id="{B6F15528-21DE-4FAA-801E-634DDDAF4B2B}" type="slidenum">
               <a:rPr lang="en-US" smtClean="0"/>
               <a:pPr/>
-              <a:t>19</a:t>
+              <a:t>20</a:t>
             </a:fld>
             <a:endParaRPr lang="en-US"/>
           </a:p>
@@ -9112,17 +9490,10 @@
   <p:clrMapOvr>
     <a:masterClrMapping/>
   </p:clrMapOvr>
-  <p:timing>
-    <p:tnLst>
-      <p:par>
-        <p:cTn id="1" dur="indefinite" restart="never" nodeType="tmRoot"/>
-      </p:par>
-    </p:tnLst>
-  </p:timing>
 </p:sld>
 </file>
 
-<file path=ppt/slides/slide2.xml><?xml version="1.0" encoding="utf-8"?>
+<file path=ppt/slides/slide21.xml><?xml version="1.0" encoding="utf-8"?>
 <p:sld xmlns:a="http://schemas.openxmlformats.org/drawingml/2006/main" xmlns:r="http://schemas.openxmlformats.org/officeDocument/2006/relationships" xmlns:p="http://schemas.openxmlformats.org/presentationml/2006/main">
   <p:cSld>
     <p:spTree>
@@ -9151,25 +9522,22 @@
         </p:nvSpPr>
         <p:spPr/>
         <p:txBody>
-          <a:bodyPr>
-            <a:normAutofit/>
-          </a:bodyPr>
+          <a:bodyPr/>
           <a:lstStyle/>
           <a:p>
             <a:pPr algn="l"/>
             <a:r>
-              <a:rPr lang="en-IN" sz="3600" dirty="0" smtClean="0">
+              <a:rPr lang="en-IN" u="sng" dirty="0" smtClean="0">
                 <a:solidFill>
                   <a:srgbClr val="0070C0"/>
                 </a:solidFill>
-                <a:latin typeface="Arial" pitchFamily="34" charset="0"/>
-                <a:cs typeface="Arial" pitchFamily="34" charset="0"/>
-              </a:rPr>
-              <a:t>Data Processing</a:t>
-            </a:r>
-            <a:endParaRPr lang="en-IN" sz="3600" dirty="0">
-              <a:latin typeface="Arial" pitchFamily="34" charset="0"/>
-              <a:cs typeface="Arial" pitchFamily="34" charset="0"/>
+              </a:rPr>
+              <a:t>Regular Expressions</a:t>
+            </a:r>
+            <a:endParaRPr lang="en-IN" dirty="0">
+              <a:solidFill>
+                <a:srgbClr val="0070C0"/>
+              </a:solidFill>
             </a:endParaRPr>
           </a:p>
         </p:txBody>
@@ -9184,116 +9552,221 @@
             <p:ph idx="1"/>
           </p:nvPr>
         </p:nvSpPr>
-        <p:spPr/>
-        <p:txBody>
-          <a:bodyPr/>
+        <p:spPr>
+          <a:xfrm>
+            <a:off x="457200" y="1600201"/>
+            <a:ext cx="8229600" cy="2819399"/>
+          </a:xfrm>
+        </p:spPr>
+        <p:txBody>
+          <a:bodyPr>
+            <a:normAutofit fontScale="85000" lnSpcReduction="20000"/>
+          </a:bodyPr>
           <a:lstStyle/>
           <a:p>
-            <a:pPr marL="182880" lvl="1">
-              <a:buFont typeface="Arial" pitchFamily="34" charset="0"/>
-              <a:buChar char="•"/>
-            </a:pPr>
-            <a:r>
-              <a:rPr lang="en-IN" sz="2200" dirty="0" smtClean="0">
-                <a:latin typeface="Arial" pitchFamily="34" charset="0"/>
-                <a:cs typeface="Arial" pitchFamily="34" charset="0"/>
-              </a:rPr>
-              <a:t>Basic manipulation and preparation of data using JavaScript for further analysis and visualization.</a:t>
-            </a:r>
-          </a:p>
-          <a:p>
-            <a:pPr marL="182880" lvl="1">
-              <a:buClrTx/>
-            </a:pPr>
-            <a:endParaRPr lang="en-IN" sz="2200" u="sng" dirty="0" smtClean="0">
-              <a:latin typeface="Arial" pitchFamily="34" charset="0"/>
-              <a:cs typeface="Arial" pitchFamily="34" charset="0"/>
-            </a:endParaRPr>
-          </a:p>
-          <a:p>
-            <a:pPr marL="182880" lvl="1">
-              <a:buFont typeface="Arial" pitchFamily="34" charset="0"/>
-              <a:buChar char="•"/>
-            </a:pPr>
-            <a:r>
-              <a:rPr lang="en-IN" sz="2200" dirty="0" smtClean="0">
-                <a:latin typeface="Arial" pitchFamily="34" charset="0"/>
-                <a:cs typeface="Arial" pitchFamily="34" charset="0"/>
-              </a:rPr>
-              <a:t>Purpose of Data Processing is to focus on</a:t>
-            </a:r>
-          </a:p>
-          <a:p>
-            <a:pPr marL="182880" lvl="1">
-              <a:buNone/>
-            </a:pPr>
-            <a:endParaRPr lang="en-IN" sz="2200" dirty="0" smtClean="0">
-              <a:latin typeface="Arial" pitchFamily="34" charset="0"/>
-              <a:cs typeface="Arial" pitchFamily="34" charset="0"/>
-            </a:endParaRPr>
-          </a:p>
-          <a:p>
-            <a:pPr marL="182880" lvl="1"/>
-            <a:r>
-              <a:rPr lang="en-IN" sz="2000" i="1" dirty="0" smtClean="0">
-                <a:latin typeface="Arial" pitchFamily="34" charset="0"/>
-                <a:cs typeface="Arial" pitchFamily="34" charset="0"/>
-              </a:rPr>
-              <a:t>Find data</a:t>
-            </a:r>
-          </a:p>
-          <a:p>
-            <a:pPr marL="182880" lvl="1">
-              <a:buClrTx/>
-            </a:pPr>
-            <a:r>
-              <a:rPr lang="en-IN" sz="2000" i="1" dirty="0" smtClean="0">
-                <a:latin typeface="Arial" pitchFamily="34" charset="0"/>
-                <a:cs typeface="Arial" pitchFamily="34" charset="0"/>
-              </a:rPr>
-              <a:t>Filter data </a:t>
-            </a:r>
-          </a:p>
-          <a:p>
-            <a:pPr marL="182880" lvl="1">
-              <a:buClrTx/>
-            </a:pPr>
-            <a:r>
-              <a:rPr lang="en-IN" sz="2000" i="1" dirty="0" smtClean="0">
-                <a:latin typeface="Arial" pitchFamily="34" charset="0"/>
-                <a:cs typeface="Arial" pitchFamily="34" charset="0"/>
-              </a:rPr>
-              <a:t>Manage data collection</a:t>
-            </a:r>
-          </a:p>
-          <a:p>
-            <a:pPr marL="182880" lvl="1">
-              <a:buClrTx/>
-            </a:pPr>
-            <a:r>
-              <a:rPr lang="en-IN" sz="2000" i="1" dirty="0" smtClean="0">
-                <a:latin typeface="Arial" pitchFamily="34" charset="0"/>
-                <a:cs typeface="Arial" pitchFamily="34" charset="0"/>
-              </a:rPr>
-              <a:t>CRUD order (create, Read, Update and Delete)</a:t>
+            <a:r>
+              <a:rPr lang="en-IN" sz="2400" dirty="0" smtClean="0">
+                <a:latin typeface="Arial" pitchFamily="34" charset="0"/>
+                <a:cs typeface="Arial" pitchFamily="34" charset="0"/>
+              </a:rPr>
+              <a:t>Used to match certain patterns of strings within other strings.</a:t>
             </a:r>
           </a:p>
           <a:p>
             <a:pPr>
-              <a:buNone/>
-            </a:pPr>
-            <a:endParaRPr lang="en-IN" dirty="0" smtClean="0"/>
+              <a:lnSpc>
+                <a:spcPct val="160000"/>
+              </a:lnSpc>
+            </a:pPr>
+            <a:r>
+              <a:rPr lang="en-IN" sz="2400" dirty="0" smtClean="0">
+                <a:latin typeface="Arial" pitchFamily="34" charset="0"/>
+                <a:cs typeface="Arial" pitchFamily="34" charset="0"/>
+              </a:rPr>
+              <a:t>Useful tool for extracting </a:t>
+            </a:r>
+            <a:r>
+              <a:rPr lang="en-IN" sz="2400" i="1" dirty="0" smtClean="0">
+                <a:latin typeface="Arial" pitchFamily="34" charset="0"/>
+                <a:cs typeface="Arial" pitchFamily="34" charset="0"/>
+              </a:rPr>
+              <a:t>patterns</a:t>
+            </a:r>
+            <a:r>
+              <a:rPr lang="en-IN" sz="2400" dirty="0" smtClean="0">
+                <a:latin typeface="Arial" pitchFamily="34" charset="0"/>
+                <a:cs typeface="Arial" pitchFamily="34" charset="0"/>
+              </a:rPr>
+              <a:t> rather than exact strings.</a:t>
+            </a:r>
           </a:p>
           <a:p>
             <a:pPr>
-              <a:buNone/>
-            </a:pPr>
-            <a:endParaRPr lang="en-IN" dirty="0" smtClean="0"/>
+              <a:lnSpc>
+                <a:spcPct val="120000"/>
+              </a:lnSpc>
+            </a:pPr>
+            <a:r>
+              <a:rPr lang="en-IN" sz="2400" dirty="0" smtClean="0">
+                <a:latin typeface="Arial" pitchFamily="34" charset="0"/>
+                <a:cs typeface="Arial" pitchFamily="34" charset="0"/>
+              </a:rPr>
+              <a:t>Two </a:t>
+            </a:r>
+            <a:r>
+              <a:rPr lang="en-IN" sz="2400" dirty="0" err="1" smtClean="0">
+                <a:latin typeface="Arial" pitchFamily="34" charset="0"/>
+                <a:cs typeface="Arial" pitchFamily="34" charset="0"/>
+              </a:rPr>
+              <a:t>RegExp</a:t>
+            </a:r>
+            <a:r>
+              <a:rPr lang="en-IN" sz="2400" dirty="0" smtClean="0">
+                <a:latin typeface="Arial" pitchFamily="34" charset="0"/>
+                <a:cs typeface="Arial" pitchFamily="34" charset="0"/>
+              </a:rPr>
+              <a:t> object methods (exec and test) and four String methods (match, search, replace and split) are used.</a:t>
+            </a:r>
           </a:p>
           <a:p>
             <a:pPr>
-              <a:buNone/>
-            </a:pPr>
+              <a:lnSpc>
+                <a:spcPct val="170000"/>
+              </a:lnSpc>
+            </a:pPr>
+            <a:r>
+              <a:rPr lang="en-IN" sz="2400" dirty="0" smtClean="0">
+                <a:latin typeface="Arial" pitchFamily="34" charset="0"/>
+                <a:cs typeface="Arial" pitchFamily="34" charset="0"/>
+              </a:rPr>
+              <a:t>Two types of syntax</a:t>
+            </a:r>
+          </a:p>
+          <a:p>
+            <a:pPr>
+              <a:buNone/>
+            </a:pPr>
+            <a:r>
+              <a:rPr lang="en-IN" sz="2400" dirty="0" smtClean="0">
+                <a:latin typeface="Arial" pitchFamily="34" charset="0"/>
+                <a:cs typeface="Arial" pitchFamily="34" charset="0"/>
+              </a:rPr>
+              <a:t>            1. </a:t>
+            </a:r>
+            <a:r>
+              <a:rPr lang="en-IN" sz="2400" dirty="0" err="1" smtClean="0">
+                <a:solidFill>
+                  <a:srgbClr val="7030A0"/>
+                </a:solidFill>
+                <a:latin typeface="Arial" pitchFamily="34" charset="0"/>
+                <a:cs typeface="Arial" pitchFamily="34" charset="0"/>
+              </a:rPr>
+              <a:t>var</a:t>
+            </a:r>
+            <a:r>
+              <a:rPr lang="en-IN" sz="2400" dirty="0" smtClean="0">
+                <a:solidFill>
+                  <a:srgbClr val="7030A0"/>
+                </a:solidFill>
+                <a:latin typeface="Arial" pitchFamily="34" charset="0"/>
+                <a:cs typeface="Arial" pitchFamily="34" charset="0"/>
+              </a:rPr>
+              <a:t> re = /</a:t>
+            </a:r>
+            <a:r>
+              <a:rPr lang="en-IN" sz="2400" dirty="0" err="1" smtClean="0">
+                <a:solidFill>
+                  <a:srgbClr val="7030A0"/>
+                </a:solidFill>
+                <a:latin typeface="Arial" pitchFamily="34" charset="0"/>
+                <a:cs typeface="Arial" pitchFamily="34" charset="0"/>
+              </a:rPr>
+              <a:t>ab+c</a:t>
+            </a:r>
+            <a:r>
+              <a:rPr lang="en-IN" sz="2400" dirty="0" smtClean="0">
+                <a:solidFill>
+                  <a:srgbClr val="7030A0"/>
+                </a:solidFill>
+                <a:latin typeface="Arial" pitchFamily="34" charset="0"/>
+                <a:cs typeface="Arial" pitchFamily="34" charset="0"/>
+              </a:rPr>
+              <a:t>/;</a:t>
+            </a:r>
+          </a:p>
+          <a:p>
+            <a:pPr>
+              <a:buNone/>
+            </a:pPr>
+            <a:r>
+              <a:rPr lang="en-IN" sz="2400" dirty="0" smtClean="0">
+                <a:latin typeface="Arial" pitchFamily="34" charset="0"/>
+                <a:cs typeface="Arial" pitchFamily="34" charset="0"/>
+              </a:rPr>
+              <a:t>            2. </a:t>
+            </a:r>
+            <a:r>
+              <a:rPr lang="en-IN" sz="2400" dirty="0" err="1" smtClean="0">
+                <a:solidFill>
+                  <a:srgbClr val="7030A0"/>
+                </a:solidFill>
+                <a:latin typeface="Arial" pitchFamily="34" charset="0"/>
+                <a:cs typeface="Arial" pitchFamily="34" charset="0"/>
+              </a:rPr>
+              <a:t>var</a:t>
+            </a:r>
+            <a:r>
+              <a:rPr lang="en-IN" sz="2400" dirty="0" smtClean="0">
+                <a:solidFill>
+                  <a:srgbClr val="7030A0"/>
+                </a:solidFill>
+                <a:latin typeface="Arial" pitchFamily="34" charset="0"/>
+                <a:cs typeface="Arial" pitchFamily="34" charset="0"/>
+              </a:rPr>
+              <a:t> re = new </a:t>
+            </a:r>
+            <a:r>
+              <a:rPr lang="en-IN" sz="2400" dirty="0" err="1" smtClean="0">
+                <a:solidFill>
+                  <a:srgbClr val="7030A0"/>
+                </a:solidFill>
+                <a:latin typeface="Arial" pitchFamily="34" charset="0"/>
+                <a:cs typeface="Arial" pitchFamily="34" charset="0"/>
+              </a:rPr>
+              <a:t>RegExp</a:t>
+            </a:r>
+            <a:r>
+              <a:rPr lang="en-IN" sz="2400" dirty="0" smtClean="0">
+                <a:solidFill>
+                  <a:srgbClr val="7030A0"/>
+                </a:solidFill>
+                <a:latin typeface="Arial" pitchFamily="34" charset="0"/>
+                <a:cs typeface="Arial" pitchFamily="34" charset="0"/>
+              </a:rPr>
+              <a:t>("</a:t>
+            </a:r>
+            <a:r>
+              <a:rPr lang="en-IN" sz="2400" dirty="0" err="1" smtClean="0">
+                <a:solidFill>
+                  <a:srgbClr val="7030A0"/>
+                </a:solidFill>
+                <a:latin typeface="Arial" pitchFamily="34" charset="0"/>
+                <a:cs typeface="Arial" pitchFamily="34" charset="0"/>
+              </a:rPr>
+              <a:t>ab+c</a:t>
+            </a:r>
+            <a:r>
+              <a:rPr lang="en-IN" sz="2400" dirty="0" smtClean="0">
+                <a:solidFill>
+                  <a:srgbClr val="7030A0"/>
+                </a:solidFill>
+                <a:latin typeface="Arial" pitchFamily="34" charset="0"/>
+                <a:cs typeface="Arial" pitchFamily="34" charset="0"/>
+              </a:rPr>
+              <a:t>");</a:t>
+            </a:r>
+          </a:p>
+          <a:p>
             <a:endParaRPr lang="en-IN" dirty="0"/>
           </a:p>
         </p:txBody>
@@ -9316,9 +9789,9 @@
             <a:fld id="{B6F15528-21DE-4FAA-801E-634DDDAF4B2B}" type="slidenum">
               <a:rPr lang="en-US" smtClean="0"/>
               <a:pPr/>
-              <a:t>2</a:t>
+              <a:t>21</a:t>
             </a:fld>
-            <a:endParaRPr lang="en-US" dirty="0"/>
+            <a:endParaRPr lang="en-US"/>
           </a:p>
         </p:txBody>
       </p:sp>
@@ -9351,17 +9824,10 @@
   <p:clrMapOvr>
     <a:masterClrMapping/>
   </p:clrMapOvr>
-  <p:timing>
-    <p:tnLst>
-      <p:par>
-        <p:cTn id="1" dur="indefinite" restart="never" nodeType="tmRoot"/>
-      </p:par>
-    </p:tnLst>
-  </p:timing>
 </p:sld>
 </file>
 
-<file path=ppt/slides/slide20.xml><?xml version="1.0" encoding="utf-8"?>
+<file path=ppt/slides/slide22.xml><?xml version="1.0" encoding="utf-8"?>
 <p:sld xmlns:a="http://schemas.openxmlformats.org/drawingml/2006/main" xmlns:r="http://schemas.openxmlformats.org/officeDocument/2006/relationships" xmlns:p="http://schemas.openxmlformats.org/presentationml/2006/main">
   <p:cSld>
     <p:spTree>
@@ -9388,7 +9854,12 @@
             <p:ph type="title"/>
           </p:nvPr>
         </p:nvSpPr>
-        <p:spPr/>
+        <p:spPr>
+          <a:xfrm>
+            <a:off x="457200" y="274638"/>
+            <a:ext cx="8229600" cy="715962"/>
+          </a:xfrm>
+        </p:spPr>
         <p:txBody>
           <a:bodyPr>
             <a:normAutofit/>
@@ -9404,12 +9875,9 @@
                 <a:latin typeface="Arial" pitchFamily="34" charset="0"/>
                 <a:cs typeface="Arial" pitchFamily="34" charset="0"/>
               </a:rPr>
-              <a:t>Find and replace</a:t>
-            </a:r>
-            <a:endParaRPr lang="en-IN" sz="2400" dirty="0">
-              <a:latin typeface="Arial" pitchFamily="34" charset="0"/>
-              <a:cs typeface="Arial" pitchFamily="34" charset="0"/>
-            </a:endParaRPr>
+              <a:t>Examples of regular expressions</a:t>
+            </a:r>
+            <a:endParaRPr lang="en-IN" sz="2400" dirty="0"/>
           </a:p>
         </p:txBody>
       </p:sp>
@@ -9425,36 +9893,57 @@
         </p:nvSpPr>
         <p:spPr>
           <a:xfrm>
-            <a:off x="457200" y="1600200"/>
-            <a:ext cx="8229600" cy="4267199"/>
+            <a:off x="457200" y="1066800"/>
+            <a:ext cx="8229600" cy="5059363"/>
           </a:xfrm>
         </p:spPr>
         <p:txBody>
           <a:bodyPr>
-            <a:normAutofit fontScale="55000" lnSpcReduction="20000"/>
+            <a:normAutofit fontScale="62500" lnSpcReduction="20000"/>
           </a:bodyPr>
           <a:lstStyle/>
           <a:p>
+            <a:r>
+              <a:rPr lang="en-IN" b="1" dirty="0" smtClean="0"/>
+              <a:t>Finding Strings</a:t>
+            </a:r>
+          </a:p>
+          <a:p>
             <a:pPr>
               <a:buClrTx/>
-            </a:pPr>
-            <a:r>
-              <a:rPr lang="en-IN" sz="3600" dirty="0" smtClean="0">
-                <a:cs typeface="Arial" pitchFamily="34" charset="0"/>
-              </a:rPr>
-              <a:t>Finding out a substring or extracting pieces out of a string using </a:t>
-            </a:r>
-            <a:r>
-              <a:rPr lang="en-IN" sz="3600" dirty="0" err="1" smtClean="0">
-                <a:cs typeface="Arial" pitchFamily="34" charset="0"/>
-              </a:rPr>
-              <a:t>indexOf</a:t>
-            </a:r>
-            <a:r>
-              <a:rPr lang="en-IN" sz="3600" dirty="0" smtClean="0">
-                <a:cs typeface="Arial" pitchFamily="34" charset="0"/>
-              </a:rPr>
-              <a:t>() method.</a:t>
+              <a:buNone/>
+            </a:pPr>
+            <a:r>
+              <a:rPr lang="en-IN" dirty="0" err="1" smtClean="0">
+                <a:solidFill>
+                  <a:srgbClr val="7030A0"/>
+                </a:solidFill>
+              </a:rPr>
+              <a:t>var</a:t>
+            </a:r>
+            <a:r>
+              <a:rPr lang="en-IN" dirty="0" smtClean="0">
+                <a:solidFill>
+                  <a:srgbClr val="7030A0"/>
+                </a:solidFill>
+              </a:rPr>
+              <a:t> </a:t>
+            </a:r>
+            <a:r>
+              <a:rPr lang="en-IN" dirty="0" err="1" smtClean="0">
+                <a:solidFill>
+                  <a:srgbClr val="7030A0"/>
+                </a:solidFill>
+              </a:rPr>
+              <a:t>str</a:t>
+            </a:r>
+            <a:r>
+              <a:rPr lang="en-IN" dirty="0" smtClean="0">
+                <a:solidFill>
+                  <a:srgbClr val="7030A0"/>
+                </a:solidFill>
+              </a:rPr>
+              <a:t> = "how much wood would a  woodchuck chuck if a woodchuck could chuck wood";</a:t>
             </a:r>
           </a:p>
           <a:p>
@@ -9462,103 +9951,45 @@
               <a:buClrTx/>
               <a:buNone/>
             </a:pPr>
-            <a:endParaRPr lang="en-IN" sz="3600" dirty="0" smtClean="0">
-              <a:cs typeface="Arial" pitchFamily="34" charset="0"/>
-            </a:endParaRPr>
-          </a:p>
-          <a:p>
-            <a:pPr>
-              <a:lnSpc>
-                <a:spcPct val="150000"/>
-              </a:lnSpc>
-              <a:buClrTx/>
-              <a:buNone/>
-            </a:pPr>
-            <a:r>
-              <a:rPr lang="en-IN" sz="3600" dirty="0" smtClean="0">
-                <a:cs typeface="Arial" pitchFamily="34" charset="0"/>
-              </a:rPr>
-              <a:t>   </a:t>
-            </a:r>
-            <a:r>
-              <a:rPr lang="en-IN" sz="3600" dirty="0" err="1" smtClean="0">
+            <a:r>
+              <a:rPr lang="en-IN" dirty="0" smtClean="0">
                 <a:solidFill>
                   <a:srgbClr val="7030A0"/>
                 </a:solidFill>
-                <a:cs typeface="Arial" pitchFamily="34" charset="0"/>
+              </a:rPr>
+              <a:t>    </a:t>
+            </a:r>
+            <a:r>
+              <a:rPr lang="en-IN" dirty="0" err="1" smtClean="0">
+                <a:solidFill>
+                  <a:srgbClr val="7030A0"/>
+                </a:solidFill>
               </a:rPr>
               <a:t>var</a:t>
             </a:r>
             <a:r>
-              <a:rPr lang="en-IN" sz="3600" dirty="0" smtClean="0">
+              <a:rPr lang="en-IN" dirty="0" smtClean="0">
                 <a:solidFill>
                   <a:srgbClr val="7030A0"/>
                 </a:solidFill>
-                <a:cs typeface="Arial" pitchFamily="34" charset="0"/>
-              </a:rPr>
-              <a:t> </a:t>
-            </a:r>
-            <a:r>
-              <a:rPr lang="en-IN" sz="3600" dirty="0" err="1" smtClean="0">
+              </a:rPr>
+              <a:t> </a:t>
+            </a:r>
+            <a:r>
+              <a:rPr lang="en-IN" dirty="0" err="1" smtClean="0">
                 <a:solidFill>
                   <a:srgbClr val="7030A0"/>
                 </a:solidFill>
-                <a:cs typeface="Arial" pitchFamily="34" charset="0"/>
-              </a:rPr>
-              <a:t>str</a:t>
-            </a:r>
-            <a:r>
-              <a:rPr lang="en-IN" sz="3600" dirty="0" smtClean="0">
+              </a:rPr>
+              <a:t>regex</a:t>
+            </a:r>
+            <a:r>
+              <a:rPr lang="en-IN" dirty="0" smtClean="0">
                 <a:solidFill>
                   <a:srgbClr val="7030A0"/>
                 </a:solidFill>
-                <a:cs typeface="Arial" pitchFamily="34" charset="0"/>
-              </a:rPr>
-              <a:t> = "Hello world, welcome to the universe.";</a:t>
-            </a:r>
-            <a:br>
-              <a:rPr lang="en-IN" sz="3600" dirty="0" smtClean="0">
-                <a:solidFill>
-                  <a:srgbClr val="7030A0"/>
-                </a:solidFill>
-                <a:cs typeface="Arial" pitchFamily="34" charset="0"/>
-              </a:rPr>
-            </a:br>
-            <a:r>
-              <a:rPr lang="en-IN" sz="3600" dirty="0" err="1" smtClean="0">
-                <a:solidFill>
-                  <a:srgbClr val="7030A0"/>
-                </a:solidFill>
-                <a:cs typeface="Arial" pitchFamily="34" charset="0"/>
-              </a:rPr>
-              <a:t>var</a:t>
-            </a:r>
-            <a:r>
-              <a:rPr lang="en-IN" sz="3600" dirty="0" smtClean="0">
-                <a:solidFill>
-                  <a:srgbClr val="7030A0"/>
-                </a:solidFill>
-                <a:cs typeface="Arial" pitchFamily="34" charset="0"/>
-              </a:rPr>
-              <a:t> n = </a:t>
-            </a:r>
-            <a:r>
-              <a:rPr lang="en-IN" sz="3600" dirty="0" err="1" smtClean="0">
-                <a:solidFill>
-                  <a:srgbClr val="7030A0"/>
-                </a:solidFill>
-                <a:cs typeface="Arial" pitchFamily="34" charset="0"/>
-              </a:rPr>
-              <a:t>str.indexOf</a:t>
-            </a:r>
-            <a:r>
-              <a:rPr lang="en-IN" sz="3600" dirty="0" smtClean="0">
-                <a:solidFill>
-                  <a:srgbClr val="7030A0"/>
-                </a:solidFill>
-                <a:cs typeface="Arial" pitchFamily="34" charset="0"/>
-              </a:rPr>
-              <a:t>("welcome");</a:t>
+              </a:rPr>
+              <a:t> = /wood/;</a:t>
             </a:r>
           </a:p>
           <a:p>
@@ -9567,10 +9998,44 @@
               <a:buNone/>
             </a:pPr>
             <a:r>
-              <a:rPr lang="en-IN" sz="3600" dirty="0" smtClean="0">
-                <a:cs typeface="Arial" pitchFamily="34" charset="0"/>
-              </a:rPr>
-              <a:t>   =&gt; 13</a:t>
+              <a:rPr lang="en-IN" dirty="0" smtClean="0">
+                <a:solidFill>
+                  <a:srgbClr val="7030A0"/>
+                </a:solidFill>
+              </a:rPr>
+              <a:t>   if (</a:t>
+            </a:r>
+            <a:r>
+              <a:rPr lang="en-IN" dirty="0" err="1" smtClean="0">
+                <a:solidFill>
+                  <a:srgbClr val="7030A0"/>
+                </a:solidFill>
+              </a:rPr>
+              <a:t>regex.test</a:t>
+            </a:r>
+            <a:r>
+              <a:rPr lang="en-IN" dirty="0" smtClean="0">
+                <a:solidFill>
+                  <a:srgbClr val="7030A0"/>
+                </a:solidFill>
+              </a:rPr>
+              <a:t>(</a:t>
+            </a:r>
+            <a:r>
+              <a:rPr lang="en-IN" dirty="0" err="1" smtClean="0">
+                <a:solidFill>
+                  <a:srgbClr val="7030A0"/>
+                </a:solidFill>
+              </a:rPr>
+              <a:t>str</a:t>
+            </a:r>
+            <a:r>
+              <a:rPr lang="en-IN" dirty="0" smtClean="0">
+                <a:solidFill>
+                  <a:srgbClr val="7030A0"/>
+                </a:solidFill>
+              </a:rPr>
+              <a:t>)) {</a:t>
             </a:r>
           </a:p>
           <a:p>
@@ -9578,144 +10043,224 @@
               <a:buClrTx/>
               <a:buNone/>
             </a:pPr>
-            <a:endParaRPr lang="en-IN" sz="3600" dirty="0" smtClean="0">
-              <a:cs typeface="Arial" pitchFamily="34" charset="0"/>
-            </a:endParaRPr>
+            <a:r>
+              <a:rPr lang="en-IN" dirty="0" smtClean="0">
+                <a:solidFill>
+                  <a:srgbClr val="7030A0"/>
+                </a:solidFill>
+              </a:rPr>
+              <a:t>   console.log("we found 'wood' in the string!");</a:t>
+            </a:r>
           </a:p>
           <a:p>
             <a:pPr>
               <a:buClrTx/>
-            </a:pPr>
-            <a:r>
-              <a:rPr lang="en-IN" sz="3600" dirty="0" smtClean="0">
-                <a:cs typeface="Arial" pitchFamily="34" charset="0"/>
-              </a:rPr>
-              <a:t>Replacing a character can be done using replace() method.</a:t>
+              <a:buNone/>
+            </a:pPr>
+            <a:r>
+              <a:rPr lang="en-IN" dirty="0" smtClean="0">
+                <a:solidFill>
+                  <a:srgbClr val="7030A0"/>
+                </a:solidFill>
+              </a:rPr>
+              <a:t>   }</a:t>
             </a:r>
           </a:p>
           <a:p>
             <a:pPr>
               <a:buClrTx/>
-            </a:pPr>
-            <a:endParaRPr lang="en-IN" sz="3600" dirty="0" smtClean="0">
-              <a:cs typeface="Arial" pitchFamily="34" charset="0"/>
-            </a:endParaRPr>
+              <a:buFont typeface="Symbol"/>
+              <a:buChar char="Þ"/>
+            </a:pPr>
+            <a:r>
+              <a:rPr lang="en-IN" dirty="0" smtClean="0"/>
+              <a:t>"we found 'wood' in the string!“</a:t>
+            </a:r>
           </a:p>
           <a:p>
             <a:pPr>
               <a:buClrTx/>
-              <a:buNone/>
-            </a:pPr>
-            <a:r>
-              <a:rPr lang="en-IN" sz="3600" dirty="0" smtClean="0">
-                <a:cs typeface="Arial" pitchFamily="34" charset="0"/>
-              </a:rPr>
-              <a:t>   </a:t>
-            </a:r>
-            <a:r>
-              <a:rPr lang="en-IN" sz="3600" dirty="0" err="1" smtClean="0">
+              <a:buFont typeface="Symbol"/>
+              <a:buChar char="Þ"/>
+            </a:pPr>
+            <a:endParaRPr lang="en-IN" dirty="0" smtClean="0"/>
+          </a:p>
+          <a:p>
+            <a:r>
+              <a:rPr lang="en-IN" b="1" dirty="0" smtClean="0"/>
+              <a:t>Replacing with regular expressions</a:t>
+            </a:r>
+            <a:endParaRPr lang="en-IN" dirty="0" smtClean="0"/>
+          </a:p>
+          <a:p>
+            <a:pPr>
+              <a:buNone/>
+            </a:pPr>
+            <a:r>
+              <a:rPr lang="en-IN" dirty="0" smtClean="0"/>
+              <a:t> </a:t>
+            </a:r>
+          </a:p>
+          <a:p>
+            <a:pPr>
+              <a:buNone/>
+            </a:pPr>
+            <a:r>
+              <a:rPr lang="en-IN" dirty="0" err="1" smtClean="0">
                 <a:solidFill>
                   <a:srgbClr val="7030A0"/>
                 </a:solidFill>
-                <a:cs typeface="Arial" pitchFamily="34" charset="0"/>
+              </a:rPr>
+              <a:t>regex</a:t>
+            </a:r>
+            <a:r>
+              <a:rPr lang="en-IN" dirty="0" smtClean="0">
+                <a:solidFill>
+                  <a:srgbClr val="7030A0"/>
+                </a:solidFill>
+              </a:rPr>
+              <a:t> = /wood/g;</a:t>
+            </a:r>
+          </a:p>
+          <a:p>
+            <a:pPr>
+              <a:buNone/>
+            </a:pPr>
+            <a:r>
+              <a:rPr lang="en-IN" dirty="0" err="1" smtClean="0">
+                <a:solidFill>
+                  <a:srgbClr val="7030A0"/>
+                </a:solidFill>
               </a:rPr>
               <a:t>var</a:t>
             </a:r>
             <a:r>
-              <a:rPr lang="en-IN" sz="3600" dirty="0" smtClean="0">
+              <a:rPr lang="en-IN" dirty="0" smtClean="0">
                 <a:solidFill>
                   <a:srgbClr val="7030A0"/>
                 </a:solidFill>
-                <a:cs typeface="Arial" pitchFamily="34" charset="0"/>
-              </a:rPr>
-              <a:t> </a:t>
-            </a:r>
-            <a:r>
-              <a:rPr lang="en-IN" sz="3600" dirty="0" err="1" smtClean="0">
+              </a:rPr>
+              <a:t> </a:t>
+            </a:r>
+            <a:r>
+              <a:rPr lang="en-IN" dirty="0" err="1" smtClean="0">
                 <a:solidFill>
                   <a:srgbClr val="7030A0"/>
                 </a:solidFill>
-                <a:cs typeface="Arial" pitchFamily="34" charset="0"/>
-              </a:rPr>
-              <a:t>str</a:t>
-            </a:r>
-            <a:r>
-              <a:rPr lang="en-IN" sz="3600" dirty="0" smtClean="0">
+              </a:rPr>
+              <a:t>newstr</a:t>
+            </a:r>
+            <a:r>
+              <a:rPr lang="en-IN" dirty="0" smtClean="0">
                 <a:solidFill>
                   <a:srgbClr val="7030A0"/>
                 </a:solidFill>
-                <a:cs typeface="Arial" pitchFamily="34" charset="0"/>
-              </a:rPr>
-              <a:t> = "Mr Blue has a blue house and a blue car";</a:t>
-            </a:r>
-            <a:br>
-              <a:rPr lang="en-IN" sz="3600" dirty="0" smtClean="0">
+              </a:rPr>
+              <a:t> = </a:t>
+            </a:r>
+            <a:r>
+              <a:rPr lang="en-IN" dirty="0" err="1" smtClean="0">
                 <a:solidFill>
                   <a:srgbClr val="7030A0"/>
                 </a:solidFill>
-                <a:cs typeface="Arial" pitchFamily="34" charset="0"/>
-              </a:rPr>
-            </a:br>
-            <a:r>
-              <a:rPr lang="en-IN" sz="3600" dirty="0" err="1" smtClean="0">
+              </a:rPr>
+              <a:t>str.replace</a:t>
+            </a:r>
+            <a:r>
+              <a:rPr lang="en-IN" dirty="0" smtClean="0">
                 <a:solidFill>
                   <a:srgbClr val="7030A0"/>
                 </a:solidFill>
-                <a:cs typeface="Arial" pitchFamily="34" charset="0"/>
-              </a:rPr>
-              <a:t>var</a:t>
-            </a:r>
-            <a:r>
-              <a:rPr lang="en-IN" sz="3600" dirty="0" smtClean="0">
+              </a:rPr>
+              <a:t>(</a:t>
+            </a:r>
+            <a:r>
+              <a:rPr lang="en-IN" dirty="0" err="1" smtClean="0">
                 <a:solidFill>
                   <a:srgbClr val="7030A0"/>
                 </a:solidFill>
-                <a:cs typeface="Arial" pitchFamily="34" charset="0"/>
-              </a:rPr>
-              <a:t> res = </a:t>
-            </a:r>
-            <a:r>
-              <a:rPr lang="en-IN" sz="3600" dirty="0" err="1" smtClean="0">
+              </a:rPr>
+              <a:t>regex</a:t>
+            </a:r>
+            <a:r>
+              <a:rPr lang="en-IN" dirty="0" smtClean="0">
                 <a:solidFill>
                   <a:srgbClr val="7030A0"/>
                 </a:solidFill>
-                <a:cs typeface="Arial" pitchFamily="34" charset="0"/>
-              </a:rPr>
-              <a:t>str.replace</a:t>
-            </a:r>
-            <a:r>
-              <a:rPr lang="en-IN" sz="3600" dirty="0" smtClean="0">
+              </a:rPr>
+              <a:t>, "nun");</a:t>
+            </a:r>
+          </a:p>
+          <a:p>
+            <a:pPr>
+              <a:buNone/>
+            </a:pPr>
+            <a:r>
+              <a:rPr lang="en-IN" dirty="0" smtClean="0">
                 <a:solidFill>
                   <a:srgbClr val="7030A0"/>
                 </a:solidFill>
-                <a:cs typeface="Arial" pitchFamily="34" charset="0"/>
-              </a:rPr>
-              <a:t>(/blue/g, "red");</a:t>
+              </a:rPr>
+              <a:t>console.log(</a:t>
+            </a:r>
+            <a:r>
+              <a:rPr lang="en-IN" dirty="0" err="1" smtClean="0">
+                <a:solidFill>
+                  <a:srgbClr val="7030A0"/>
+                </a:solidFill>
+              </a:rPr>
+              <a:t>newstr</a:t>
+            </a:r>
+            <a:r>
+              <a:rPr lang="en-IN" dirty="0" smtClean="0">
+                <a:solidFill>
+                  <a:srgbClr val="7030A0"/>
+                </a:solidFill>
+              </a:rPr>
+              <a:t>);</a:t>
+            </a:r>
+          </a:p>
+          <a:p>
+            <a:pPr>
+              <a:buNone/>
+            </a:pPr>
+            <a:endParaRPr lang="en-IN" dirty="0" smtClean="0"/>
+          </a:p>
+          <a:p>
+            <a:pPr>
+              <a:buNone/>
+            </a:pPr>
+            <a:r>
+              <a:rPr lang="en-IN" dirty="0" smtClean="0"/>
+              <a:t>=&gt; "how much nun would a </a:t>
+            </a:r>
+            <a:r>
+              <a:rPr lang="en-IN" dirty="0" err="1" smtClean="0"/>
+              <a:t>nunchuck</a:t>
+            </a:r>
+            <a:r>
+              <a:rPr lang="en-IN" dirty="0" smtClean="0"/>
+              <a:t> chuck if a </a:t>
+            </a:r>
+            <a:r>
+              <a:rPr lang="en-IN" dirty="0" err="1" smtClean="0"/>
+              <a:t>nunchuck</a:t>
+            </a:r>
+            <a:r>
+              <a:rPr lang="en-IN" dirty="0" smtClean="0"/>
+              <a:t> could chuck nun"</a:t>
             </a:r>
           </a:p>
           <a:p>
             <a:pPr>
               <a:buClrTx/>
-              <a:buNone/>
-            </a:pPr>
-            <a:endParaRPr lang="en-IN" sz="3600" dirty="0" smtClean="0">
-              <a:solidFill>
-                <a:srgbClr val="7030A0"/>
-              </a:solidFill>
-              <a:cs typeface="Arial" pitchFamily="34" charset="0"/>
-            </a:endParaRPr>
-          </a:p>
-          <a:p>
-            <a:pPr>
-              <a:buClrTx/>
-              <a:buNone/>
-            </a:pPr>
-            <a:r>
-              <a:rPr lang="en-IN" sz="3600" dirty="0" smtClean="0">
-                <a:cs typeface="Arial" pitchFamily="34" charset="0"/>
-              </a:rPr>
-              <a:t>    =&gt; Mr Blue has a red house and a red car</a:t>
-            </a:r>
+              <a:buFont typeface="Symbol"/>
+              <a:buChar char="Þ"/>
+            </a:pPr>
+            <a:endParaRPr lang="en-IN" dirty="0" smtClean="0"/>
+          </a:p>
+          <a:p>
+            <a:endParaRPr lang="en-IN" dirty="0" smtClean="0"/>
           </a:p>
           <a:p>
             <a:endParaRPr lang="en-IN" dirty="0"/>
@@ -9740,7 +10285,7 @@
             <a:fld id="{B6F15528-21DE-4FAA-801E-634DDDAF4B2B}" type="slidenum">
               <a:rPr lang="en-US" smtClean="0"/>
               <a:pPr/>
-              <a:t>20</a:t>
+              <a:t>22</a:t>
             </a:fld>
             <a:endParaRPr lang="en-US"/>
           </a:p>
@@ -9775,17 +10320,10 @@
   <p:clrMapOvr>
     <a:masterClrMapping/>
   </p:clrMapOvr>
-  <p:timing>
-    <p:tnLst>
-      <p:par>
-        <p:cTn id="1" dur="indefinite" restart="never" nodeType="tmRoot"/>
-      </p:par>
-    </p:tnLst>
-  </p:timing>
 </p:sld>
 </file>
 
-<file path=ppt/slides/slide21.xml><?xml version="1.0" encoding="utf-8"?>
+<file path=ppt/slides/slide23.xml><?xml version="1.0" encoding="utf-8"?>
 <p:sld xmlns:a="http://schemas.openxmlformats.org/drawingml/2006/main" xmlns:r="http://schemas.openxmlformats.org/officeDocument/2006/relationships" xmlns:p="http://schemas.openxmlformats.org/presentationml/2006/main">
   <p:cSld>
     <p:spTree>
@@ -9812,24 +10350,35 @@
             <p:ph type="title"/>
           </p:nvPr>
         </p:nvSpPr>
-        <p:spPr/>
-        <p:txBody>
-          <a:bodyPr/>
+        <p:spPr>
+          <a:xfrm>
+            <a:off x="533400" y="304800"/>
+            <a:ext cx="8229600" cy="411162"/>
+          </a:xfrm>
+        </p:spPr>
+        <p:txBody>
+          <a:bodyPr>
+            <a:noAutofit/>
+          </a:bodyPr>
           <a:lstStyle/>
           <a:p>
             <a:pPr algn="l"/>
             <a:r>
-              <a:rPr lang="en-IN" u="sng" dirty="0" smtClean="0">
+              <a:rPr lang="en-IN" sz="3200" dirty="0" smtClean="0">
                 <a:solidFill>
                   <a:srgbClr val="0070C0"/>
                 </a:solidFill>
-              </a:rPr>
-              <a:t>Regular Expressions</a:t>
-            </a:r>
-            <a:endParaRPr lang="en-IN" dirty="0">
+                <a:latin typeface="Arial" pitchFamily="34" charset="0"/>
+                <a:cs typeface="Arial" pitchFamily="34" charset="0"/>
+              </a:rPr>
+              <a:t>Working with Time</a:t>
+            </a:r>
+            <a:endParaRPr lang="en-IN" sz="3200" dirty="0">
               <a:solidFill>
                 <a:srgbClr val="0070C0"/>
               </a:solidFill>
+              <a:latin typeface="Arial" pitchFamily="34" charset="0"/>
+              <a:cs typeface="Arial" pitchFamily="34" charset="0"/>
             </a:endParaRPr>
           </a:p>
         </p:txBody>
@@ -9846,50 +10395,124 @@
         </p:nvSpPr>
         <p:spPr>
           <a:xfrm>
-            <a:off x="457200" y="1600201"/>
-            <a:ext cx="8229600" cy="2819399"/>
+            <a:off x="381000" y="914400"/>
+            <a:ext cx="8534400" cy="5333999"/>
           </a:xfrm>
         </p:spPr>
         <p:txBody>
           <a:bodyPr>
-            <a:normAutofit fontScale="85000" lnSpcReduction="20000"/>
+            <a:noAutofit/>
           </a:bodyPr>
           <a:lstStyle/>
           <a:p>
-            <a:r>
-              <a:rPr lang="en-IN" sz="2400" dirty="0" smtClean="0">
-                <a:latin typeface="Arial" pitchFamily="34" charset="0"/>
-                <a:cs typeface="Arial" pitchFamily="34" charset="0"/>
-              </a:rPr>
-              <a:t>Used to match certain patterns of strings within other strings.</a:t>
-            </a:r>
+            <a:endParaRPr lang="en-IN" sz="1800" dirty="0" smtClean="0">
+              <a:latin typeface="Arial" pitchFamily="34" charset="0"/>
+              <a:cs typeface="Arial" pitchFamily="34" charset="0"/>
+            </a:endParaRPr>
+          </a:p>
+          <a:p>
+            <a:r>
+              <a:rPr lang="en-IN" sz="1800" dirty="0" smtClean="0">
+                <a:latin typeface="Arial" pitchFamily="34" charset="0"/>
+                <a:cs typeface="Arial" pitchFamily="34" charset="0"/>
+              </a:rPr>
+              <a:t>Data contain dates or times in an (mostly) arbitrary format and need to force that into an actual date.</a:t>
+            </a:r>
+          </a:p>
+          <a:p>
+            <a:pPr>
+              <a:buNone/>
+            </a:pPr>
+            <a:endParaRPr lang="en-IN" sz="1800" dirty="0" smtClean="0">
+              <a:latin typeface="Arial" pitchFamily="34" charset="0"/>
+              <a:cs typeface="Arial" pitchFamily="34" charset="0"/>
+            </a:endParaRPr>
+          </a:p>
+          <a:p>
+            <a:pPr>
+              <a:buNone/>
+            </a:pPr>
+            <a:r>
+              <a:rPr lang="en-IN" sz="1800" dirty="0" smtClean="0">
+                <a:solidFill>
+                  <a:srgbClr val="7030A0"/>
+                </a:solidFill>
+                <a:latin typeface="Arial" pitchFamily="34" charset="0"/>
+                <a:cs typeface="Arial" pitchFamily="34" charset="0"/>
+              </a:rPr>
+              <a:t>     </a:t>
+            </a:r>
+            <a:r>
+              <a:rPr lang="en-IN" sz="1800" dirty="0" err="1" smtClean="0">
+                <a:solidFill>
+                  <a:srgbClr val="7030A0"/>
+                </a:solidFill>
+                <a:latin typeface="Arial" pitchFamily="34" charset="0"/>
+                <a:cs typeface="Arial" pitchFamily="34" charset="0"/>
+              </a:rPr>
+              <a:t>var</a:t>
+            </a:r>
+            <a:r>
+              <a:rPr lang="en-IN" sz="1800" dirty="0" smtClean="0">
+                <a:solidFill>
+                  <a:srgbClr val="7030A0"/>
+                </a:solidFill>
+                <a:latin typeface="Arial" pitchFamily="34" charset="0"/>
+                <a:cs typeface="Arial" pitchFamily="34" charset="0"/>
+              </a:rPr>
+              <a:t> d = new Date ("2015-12");                </a:t>
+            </a:r>
+            <a:r>
+              <a:rPr lang="en-IN" sz="1800" dirty="0" smtClean="0">
+                <a:latin typeface="Arial" pitchFamily="34" charset="0"/>
+                <a:cs typeface="Arial" pitchFamily="34" charset="0"/>
+              </a:rPr>
+              <a:t>// </a:t>
+            </a:r>
+            <a:r>
+              <a:rPr lang="fr-FR" sz="1800" dirty="0" smtClean="0">
+                <a:latin typeface="Arial" pitchFamily="34" charset="0"/>
+                <a:cs typeface="Arial" pitchFamily="34" charset="0"/>
+              </a:rPr>
+              <a:t>Tue </a:t>
+            </a:r>
+            <a:r>
+              <a:rPr lang="fr-FR" sz="1800" dirty="0" err="1" smtClean="0">
+                <a:latin typeface="Arial" pitchFamily="34" charset="0"/>
+                <a:cs typeface="Arial" pitchFamily="34" charset="0"/>
+              </a:rPr>
+              <a:t>Dec</a:t>
+            </a:r>
+            <a:r>
+              <a:rPr lang="fr-FR" sz="1800" dirty="0" smtClean="0">
+                <a:latin typeface="Arial" pitchFamily="34" charset="0"/>
+                <a:cs typeface="Arial" pitchFamily="34" charset="0"/>
+              </a:rPr>
+              <a:t> 01 2015 05:30:00</a:t>
+            </a:r>
+          </a:p>
+          <a:p>
+            <a:pPr>
+              <a:buNone/>
+            </a:pPr>
+            <a:endParaRPr lang="en-IN" sz="1800" dirty="0" smtClean="0">
+              <a:latin typeface="Arial" pitchFamily="34" charset="0"/>
+              <a:cs typeface="Arial" pitchFamily="34" charset="0"/>
+            </a:endParaRPr>
           </a:p>
           <a:p>
             <a:pPr>
               <a:lnSpc>
-                <a:spcPct val="160000"/>
+                <a:spcPct val="150000"/>
               </a:lnSpc>
-            </a:pPr>
-            <a:r>
-              <a:rPr lang="en-IN" sz="2400" dirty="0" smtClean="0">
-                <a:latin typeface="Arial" pitchFamily="34" charset="0"/>
-                <a:cs typeface="Arial" pitchFamily="34" charset="0"/>
-              </a:rPr>
-              <a:t>Useful tool for extracting </a:t>
-            </a:r>
-            <a:r>
-              <a:rPr lang="en-IN" sz="2400" i="1" dirty="0" smtClean="0">
-                <a:latin typeface="Arial" pitchFamily="34" charset="0"/>
-                <a:cs typeface="Arial" pitchFamily="34" charset="0"/>
-              </a:rPr>
-              <a:t>patterns</a:t>
-            </a:r>
-            <a:r>
-              <a:rPr lang="en-IN" sz="2400" dirty="0" smtClean="0">
-                <a:latin typeface="Arial" pitchFamily="34" charset="0"/>
-                <a:cs typeface="Arial" pitchFamily="34" charset="0"/>
-              </a:rPr>
-              <a:t> rather than exact strings.</a:t>
+              <a:buClrTx/>
+            </a:pPr>
+            <a:r>
+              <a:rPr lang="en-IN" sz="1800" dirty="0" smtClean="0">
+                <a:latin typeface="Arial" pitchFamily="34" charset="0"/>
+                <a:cs typeface="Arial" pitchFamily="34" charset="0"/>
+              </a:rPr>
+              <a:t>We can also refer Date.js or moment.js libraries for methods to do this parsing.</a:t>
             </a:r>
           </a:p>
           <a:p>
@@ -9897,169 +10520,164 @@
               <a:lnSpc>
                 <a:spcPct val="120000"/>
               </a:lnSpc>
-            </a:pPr>
-            <a:r>
-              <a:rPr lang="en-IN" sz="2400" dirty="0" smtClean="0">
-                <a:latin typeface="Arial" pitchFamily="34" charset="0"/>
-                <a:cs typeface="Arial" pitchFamily="34" charset="0"/>
-              </a:rPr>
-              <a:t>Two </a:t>
-            </a:r>
-            <a:r>
-              <a:rPr lang="en-IN" sz="2400" dirty="0" err="1" smtClean="0">
-                <a:latin typeface="Arial" pitchFamily="34" charset="0"/>
-                <a:cs typeface="Arial" pitchFamily="34" charset="0"/>
-              </a:rPr>
-              <a:t>RegExp</a:t>
-            </a:r>
-            <a:r>
-              <a:rPr lang="en-IN" sz="2400" dirty="0" smtClean="0">
-                <a:latin typeface="Arial" pitchFamily="34" charset="0"/>
-                <a:cs typeface="Arial" pitchFamily="34" charset="0"/>
-              </a:rPr>
-              <a:t> object methods (exec and test) and four String methods (match, search, replace and split) are used.</a:t>
+              <a:buClrTx/>
+              <a:buNone/>
+            </a:pPr>
+            <a:r>
+              <a:rPr lang="en-IN" sz="1800" dirty="0" smtClean="0">
+                <a:solidFill>
+                  <a:srgbClr val="002060"/>
+                </a:solidFill>
+                <a:latin typeface="Arial" pitchFamily="34" charset="0"/>
+                <a:cs typeface="Arial" pitchFamily="34" charset="0"/>
+              </a:rPr>
+              <a:t>      E.g.  </a:t>
+            </a:r>
+            <a:r>
+              <a:rPr lang="en-IN" sz="1800" dirty="0" err="1" smtClean="0">
+                <a:solidFill>
+                  <a:srgbClr val="7030A0"/>
+                </a:solidFill>
+              </a:rPr>
+              <a:t>Date.parse</a:t>
+            </a:r>
+            <a:r>
+              <a:rPr lang="en-IN" sz="1800" dirty="0" smtClean="0">
+                <a:solidFill>
+                  <a:srgbClr val="7030A0"/>
+                </a:solidFill>
+              </a:rPr>
+              <a:t>(‘9/16/2015') ;                 </a:t>
+            </a:r>
+            <a:r>
+              <a:rPr lang="en-IN" sz="1800" dirty="0" smtClean="0"/>
+              <a:t>// Wed Sep 16 2015 00:00:00 GMT+0530</a:t>
             </a:r>
           </a:p>
           <a:p>
             <a:pPr>
               <a:lnSpc>
-                <a:spcPct val="170000"/>
+                <a:spcPct val="120000"/>
               </a:lnSpc>
-            </a:pPr>
-            <a:r>
-              <a:rPr lang="en-IN" sz="2400" dirty="0" smtClean="0">
-                <a:latin typeface="Arial" pitchFamily="34" charset="0"/>
-                <a:cs typeface="Arial" pitchFamily="34" charset="0"/>
-              </a:rPr>
-              <a:t>Two types of syntax</a:t>
+              <a:buClrTx/>
+              <a:buNone/>
+            </a:pPr>
+            <a:r>
+              <a:rPr lang="en-IN" sz="1800" dirty="0" smtClean="0"/>
+              <a:t>                  </a:t>
+            </a:r>
+            <a:r>
+              <a:rPr lang="en-IN" sz="1800" dirty="0" smtClean="0">
+                <a:solidFill>
+                  <a:srgbClr val="7030A0"/>
+                </a:solidFill>
+              </a:rPr>
+              <a:t>moment("12-25-1995", "MM-DD-YYYY");  </a:t>
             </a:r>
           </a:p>
           <a:p>
             <a:pPr>
-              <a:buNone/>
-            </a:pPr>
-            <a:r>
-              <a:rPr lang="en-IN" sz="2400" dirty="0" smtClean="0">
-                <a:latin typeface="Arial" pitchFamily="34" charset="0"/>
-                <a:cs typeface="Arial" pitchFamily="34" charset="0"/>
-              </a:rPr>
-              <a:t>            1. </a:t>
-            </a:r>
-            <a:r>
-              <a:rPr lang="en-IN" sz="2400" dirty="0" err="1" smtClean="0">
+              <a:lnSpc>
+                <a:spcPct val="120000"/>
+              </a:lnSpc>
+              <a:buClrTx/>
+              <a:buNone/>
+            </a:pPr>
+            <a:r>
+              <a:rPr lang="en-IN" sz="1800" dirty="0" smtClean="0"/>
+              <a:t>                                                                                       // Mon Dec 25 1995 00:00:00</a:t>
+            </a:r>
+          </a:p>
+          <a:p>
+            <a:pPr>
+              <a:lnSpc>
+                <a:spcPct val="120000"/>
+              </a:lnSpc>
+              <a:buClrTx/>
+              <a:buNone/>
+            </a:pPr>
+            <a:r>
+              <a:rPr lang="en-IN" sz="1800" dirty="0" smtClean="0"/>
+              <a:t>              </a:t>
+            </a:r>
+          </a:p>
+          <a:p>
+            <a:pPr>
+              <a:lnSpc>
+                <a:spcPct val="120000"/>
+              </a:lnSpc>
+            </a:pPr>
+            <a:r>
+              <a:rPr lang="en-IN" sz="1800" dirty="0" smtClean="0">
+                <a:latin typeface="Arial" pitchFamily="34" charset="0"/>
+                <a:cs typeface="Arial" pitchFamily="34" charset="0"/>
+              </a:rPr>
+              <a:t>We can perform time modification.</a:t>
+            </a:r>
+          </a:p>
+          <a:p>
+            <a:pPr>
+              <a:buClrTx/>
+              <a:buNone/>
+            </a:pPr>
+            <a:r>
+              <a:rPr lang="en-IN" sz="1800" dirty="0" smtClean="0">
+                <a:latin typeface="Arial" pitchFamily="34" charset="0"/>
+                <a:cs typeface="Arial" pitchFamily="34" charset="0"/>
+              </a:rPr>
+              <a:t>      Examples: </a:t>
+            </a:r>
+            <a:r>
+              <a:rPr lang="en-IN" sz="1800" dirty="0" smtClean="0">
                 <a:solidFill>
                   <a:srgbClr val="7030A0"/>
                 </a:solidFill>
                 <a:latin typeface="Arial" pitchFamily="34" charset="0"/>
                 <a:cs typeface="Arial" pitchFamily="34" charset="0"/>
               </a:rPr>
-              <a:t>var</a:t>
-            </a:r>
-            <a:r>
-              <a:rPr lang="en-IN" sz="2400" dirty="0" smtClean="0">
-                <a:solidFill>
-                  <a:srgbClr val="7030A0"/>
-                </a:solidFill>
-                <a:latin typeface="Arial" pitchFamily="34" charset="0"/>
-                <a:cs typeface="Arial" pitchFamily="34" charset="0"/>
-              </a:rPr>
-              <a:t> re = /</a:t>
-            </a:r>
-            <a:r>
-              <a:rPr lang="en-IN" sz="2400" dirty="0" err="1" smtClean="0">
-                <a:solidFill>
-                  <a:srgbClr val="7030A0"/>
-                </a:solidFill>
-                <a:latin typeface="Arial" pitchFamily="34" charset="0"/>
-                <a:cs typeface="Arial" pitchFamily="34" charset="0"/>
-              </a:rPr>
-              <a:t>ab+c</a:t>
-            </a:r>
-            <a:r>
-              <a:rPr lang="en-IN" sz="2400" dirty="0" smtClean="0">
-                <a:solidFill>
-                  <a:srgbClr val="7030A0"/>
-                </a:solidFill>
-                <a:latin typeface="Arial" pitchFamily="34" charset="0"/>
-                <a:cs typeface="Arial" pitchFamily="34" charset="0"/>
-              </a:rPr>
-              <a:t>/;</a:t>
+              <a:t>moment().format(). </a:t>
             </a:r>
           </a:p>
           <a:p>
             <a:pPr>
-              <a:buNone/>
-            </a:pPr>
-            <a:r>
-              <a:rPr lang="en-IN" sz="2400" dirty="0" smtClean="0">
-                <a:latin typeface="Arial" pitchFamily="34" charset="0"/>
-                <a:cs typeface="Arial" pitchFamily="34" charset="0"/>
-              </a:rPr>
-              <a:t>            2. </a:t>
-            </a:r>
-            <a:r>
-              <a:rPr lang="en-IN" sz="2400" dirty="0" err="1" smtClean="0">
-                <a:solidFill>
-                  <a:srgbClr val="7030A0"/>
-                </a:solidFill>
-                <a:latin typeface="Arial" pitchFamily="34" charset="0"/>
-                <a:cs typeface="Arial" pitchFamily="34" charset="0"/>
-              </a:rPr>
-              <a:t>var</a:t>
-            </a:r>
-            <a:r>
-              <a:rPr lang="en-IN" sz="2400" dirty="0" smtClean="0">
-                <a:solidFill>
-                  <a:srgbClr val="7030A0"/>
-                </a:solidFill>
-                <a:latin typeface="Arial" pitchFamily="34" charset="0"/>
-                <a:cs typeface="Arial" pitchFamily="34" charset="0"/>
-              </a:rPr>
-              <a:t> re = new </a:t>
-            </a:r>
-            <a:r>
-              <a:rPr lang="en-IN" sz="2400" dirty="0" err="1" smtClean="0">
-                <a:solidFill>
-                  <a:srgbClr val="7030A0"/>
-                </a:solidFill>
-                <a:latin typeface="Arial" pitchFamily="34" charset="0"/>
-                <a:cs typeface="Arial" pitchFamily="34" charset="0"/>
-              </a:rPr>
-              <a:t>RegExp</a:t>
-            </a:r>
-            <a:r>
-              <a:rPr lang="en-IN" sz="2400" dirty="0" smtClean="0">
-                <a:solidFill>
-                  <a:srgbClr val="7030A0"/>
-                </a:solidFill>
-                <a:latin typeface="Arial" pitchFamily="34" charset="0"/>
-                <a:cs typeface="Arial" pitchFamily="34" charset="0"/>
-              </a:rPr>
-              <a:t>("</a:t>
-            </a:r>
-            <a:r>
-              <a:rPr lang="en-IN" sz="2400" dirty="0" err="1" smtClean="0">
-                <a:solidFill>
-                  <a:srgbClr val="7030A0"/>
-                </a:solidFill>
-                <a:latin typeface="Arial" pitchFamily="34" charset="0"/>
-                <a:cs typeface="Arial" pitchFamily="34" charset="0"/>
-              </a:rPr>
-              <a:t>ab+c</a:t>
-            </a:r>
-            <a:r>
-              <a:rPr lang="en-IN" sz="2400" dirty="0" smtClean="0">
-                <a:solidFill>
-                  <a:srgbClr val="7030A0"/>
-                </a:solidFill>
-                <a:latin typeface="Arial" pitchFamily="34" charset="0"/>
-                <a:cs typeface="Arial" pitchFamily="34" charset="0"/>
-              </a:rPr>
-              <a:t>");</a:t>
-            </a:r>
-          </a:p>
-          <a:p>
-            <a:endParaRPr lang="en-IN" dirty="0"/>
+              <a:buClrTx/>
+              <a:buNone/>
+            </a:pPr>
+            <a:r>
+              <a:rPr lang="en-IN" sz="1800" dirty="0" smtClean="0">
+                <a:latin typeface="Arial" pitchFamily="34" charset="0"/>
+                <a:cs typeface="Arial" pitchFamily="34" charset="0"/>
+              </a:rPr>
+              <a:t>                        </a:t>
+            </a:r>
+            <a:endParaRPr lang="en-IN" sz="2000" dirty="0" smtClean="0">
+              <a:solidFill>
+                <a:srgbClr val="002060"/>
+              </a:solidFill>
+              <a:latin typeface="Arial" pitchFamily="34" charset="0"/>
+              <a:cs typeface="Arial" pitchFamily="34" charset="0"/>
+            </a:endParaRPr>
+          </a:p>
+          <a:p>
+            <a:pPr>
+              <a:buClrTx/>
+            </a:pPr>
+            <a:endParaRPr lang="en-IN" sz="2000" dirty="0" smtClean="0">
+              <a:latin typeface="Arial" pitchFamily="34" charset="0"/>
+              <a:cs typeface="Arial" pitchFamily="34" charset="0"/>
+            </a:endParaRPr>
+          </a:p>
+          <a:p>
+            <a:endParaRPr lang="en-IN" sz="2000" dirty="0" smtClean="0">
+              <a:latin typeface="Arial" pitchFamily="34" charset="0"/>
+              <a:cs typeface="Arial" pitchFamily="34" charset="0"/>
+            </a:endParaRPr>
+          </a:p>
+          <a:p>
+            <a:endParaRPr lang="en-IN" sz="2000" dirty="0">
+              <a:latin typeface="Arial" pitchFamily="34" charset="0"/>
+              <a:cs typeface="Arial" pitchFamily="34" charset="0"/>
+            </a:endParaRPr>
           </a:p>
         </p:txBody>
       </p:sp>
@@ -10081,7 +10699,7 @@
             <a:fld id="{B6F15528-21DE-4FAA-801E-634DDDAF4B2B}" type="slidenum">
               <a:rPr lang="en-US" smtClean="0"/>
               <a:pPr/>
-              <a:t>21</a:t>
+              <a:t>23</a:t>
             </a:fld>
             <a:endParaRPr lang="en-US"/>
           </a:p>
@@ -10116,937 +10734,6 @@
   <p:clrMapOvr>
     <a:masterClrMapping/>
   </p:clrMapOvr>
-  <p:timing>
-    <p:tnLst>
-      <p:par>
-        <p:cTn id="1" dur="indefinite" restart="never" nodeType="tmRoot"/>
-      </p:par>
-    </p:tnLst>
-  </p:timing>
-</p:sld>
-</file>
-
-<file path=ppt/slides/slide22.xml><?xml version="1.0" encoding="utf-8"?>
-<p:sld xmlns:a="http://schemas.openxmlformats.org/drawingml/2006/main" xmlns:r="http://schemas.openxmlformats.org/officeDocument/2006/relationships" xmlns:p="http://schemas.openxmlformats.org/presentationml/2006/main">
-  <p:cSld>
-    <p:spTree>
-      <p:nvGrpSpPr>
-        <p:cNvPr id="1" name=""/>
-        <p:cNvGrpSpPr/>
-        <p:nvPr/>
-      </p:nvGrpSpPr>
-      <p:grpSpPr>
-        <a:xfrm>
-          <a:off x="0" y="0"/>
-          <a:ext cx="0" cy="0"/>
-          <a:chOff x="0" y="0"/>
-          <a:chExt cx="0" cy="0"/>
-        </a:xfrm>
-      </p:grpSpPr>
-      <p:sp>
-        <p:nvSpPr>
-          <p:cNvPr id="2" name="Title 1"/>
-          <p:cNvSpPr>
-            <a:spLocks noGrp="1"/>
-          </p:cNvSpPr>
-          <p:nvPr>
-            <p:ph type="title"/>
-          </p:nvPr>
-        </p:nvSpPr>
-        <p:spPr>
-          <a:xfrm>
-            <a:off x="457200" y="274638"/>
-            <a:ext cx="8229600" cy="715962"/>
-          </a:xfrm>
-        </p:spPr>
-        <p:txBody>
-          <a:bodyPr>
-            <a:normAutofit/>
-          </a:bodyPr>
-          <a:lstStyle/>
-          <a:p>
-            <a:pPr algn="l"/>
-            <a:r>
-              <a:rPr lang="en-IN" sz="2400" dirty="0" smtClean="0">
-                <a:solidFill>
-                  <a:srgbClr val="002060"/>
-                </a:solidFill>
-                <a:latin typeface="Arial" pitchFamily="34" charset="0"/>
-                <a:cs typeface="Arial" pitchFamily="34" charset="0"/>
-              </a:rPr>
-              <a:t>Examples of regular expressions</a:t>
-            </a:r>
-            <a:endParaRPr lang="en-IN" sz="2400" dirty="0"/>
-          </a:p>
-        </p:txBody>
-      </p:sp>
-      <p:sp>
-        <p:nvSpPr>
-          <p:cNvPr id="3" name="Content Placeholder 2"/>
-          <p:cNvSpPr>
-            <a:spLocks noGrp="1"/>
-          </p:cNvSpPr>
-          <p:nvPr>
-            <p:ph idx="1"/>
-          </p:nvPr>
-        </p:nvSpPr>
-        <p:spPr>
-          <a:xfrm>
-            <a:off x="457200" y="1066800"/>
-            <a:ext cx="8229600" cy="5059363"/>
-          </a:xfrm>
-        </p:spPr>
-        <p:txBody>
-          <a:bodyPr>
-            <a:normAutofit fontScale="62500" lnSpcReduction="20000"/>
-          </a:bodyPr>
-          <a:lstStyle/>
-          <a:p>
-            <a:r>
-              <a:rPr lang="en-IN" b="1" dirty="0" smtClean="0"/>
-              <a:t>Finding Strings</a:t>
-            </a:r>
-          </a:p>
-          <a:p>
-            <a:pPr>
-              <a:buClrTx/>
-              <a:buNone/>
-            </a:pPr>
-            <a:r>
-              <a:rPr lang="en-IN" dirty="0" err="1" smtClean="0">
-                <a:solidFill>
-                  <a:srgbClr val="7030A0"/>
-                </a:solidFill>
-              </a:rPr>
-              <a:t>var</a:t>
-            </a:r>
-            <a:r>
-              <a:rPr lang="en-IN" dirty="0" smtClean="0">
-                <a:solidFill>
-                  <a:srgbClr val="7030A0"/>
-                </a:solidFill>
-              </a:rPr>
-              <a:t> </a:t>
-            </a:r>
-            <a:r>
-              <a:rPr lang="en-IN" dirty="0" err="1" smtClean="0">
-                <a:solidFill>
-                  <a:srgbClr val="7030A0"/>
-                </a:solidFill>
-              </a:rPr>
-              <a:t>str</a:t>
-            </a:r>
-            <a:r>
-              <a:rPr lang="en-IN" dirty="0" smtClean="0">
-                <a:solidFill>
-                  <a:srgbClr val="7030A0"/>
-                </a:solidFill>
-              </a:rPr>
-              <a:t> = "how much wood would a  woodchuck chuck if a woodchuck could chuck wood";</a:t>
-            </a:r>
-          </a:p>
-          <a:p>
-            <a:pPr>
-              <a:buClrTx/>
-              <a:buNone/>
-            </a:pPr>
-            <a:r>
-              <a:rPr lang="en-IN" dirty="0" smtClean="0">
-                <a:solidFill>
-                  <a:srgbClr val="7030A0"/>
-                </a:solidFill>
-              </a:rPr>
-              <a:t>    </a:t>
-            </a:r>
-            <a:r>
-              <a:rPr lang="en-IN" dirty="0" err="1" smtClean="0">
-                <a:solidFill>
-                  <a:srgbClr val="7030A0"/>
-                </a:solidFill>
-              </a:rPr>
-              <a:t>var</a:t>
-            </a:r>
-            <a:r>
-              <a:rPr lang="en-IN" dirty="0" smtClean="0">
-                <a:solidFill>
-                  <a:srgbClr val="7030A0"/>
-                </a:solidFill>
-              </a:rPr>
-              <a:t> </a:t>
-            </a:r>
-            <a:r>
-              <a:rPr lang="en-IN" dirty="0" err="1" smtClean="0">
-                <a:solidFill>
-                  <a:srgbClr val="7030A0"/>
-                </a:solidFill>
-              </a:rPr>
-              <a:t>regex</a:t>
-            </a:r>
-            <a:r>
-              <a:rPr lang="en-IN" dirty="0" smtClean="0">
-                <a:solidFill>
-                  <a:srgbClr val="7030A0"/>
-                </a:solidFill>
-              </a:rPr>
-              <a:t> = /wood/;</a:t>
-            </a:r>
-          </a:p>
-          <a:p>
-            <a:pPr>
-              <a:buClrTx/>
-              <a:buNone/>
-            </a:pPr>
-            <a:r>
-              <a:rPr lang="en-IN" dirty="0" smtClean="0">
-                <a:solidFill>
-                  <a:srgbClr val="7030A0"/>
-                </a:solidFill>
-              </a:rPr>
-              <a:t>   if (</a:t>
-            </a:r>
-            <a:r>
-              <a:rPr lang="en-IN" dirty="0" err="1" smtClean="0">
-                <a:solidFill>
-                  <a:srgbClr val="7030A0"/>
-                </a:solidFill>
-              </a:rPr>
-              <a:t>regex.test</a:t>
-            </a:r>
-            <a:r>
-              <a:rPr lang="en-IN" dirty="0" smtClean="0">
-                <a:solidFill>
-                  <a:srgbClr val="7030A0"/>
-                </a:solidFill>
-              </a:rPr>
-              <a:t>(</a:t>
-            </a:r>
-            <a:r>
-              <a:rPr lang="en-IN" dirty="0" err="1" smtClean="0">
-                <a:solidFill>
-                  <a:srgbClr val="7030A0"/>
-                </a:solidFill>
-              </a:rPr>
-              <a:t>str</a:t>
-            </a:r>
-            <a:r>
-              <a:rPr lang="en-IN" dirty="0" smtClean="0">
-                <a:solidFill>
-                  <a:srgbClr val="7030A0"/>
-                </a:solidFill>
-              </a:rPr>
-              <a:t>)) {</a:t>
-            </a:r>
-          </a:p>
-          <a:p>
-            <a:pPr>
-              <a:buClrTx/>
-              <a:buNone/>
-            </a:pPr>
-            <a:r>
-              <a:rPr lang="en-IN" dirty="0" smtClean="0">
-                <a:solidFill>
-                  <a:srgbClr val="7030A0"/>
-                </a:solidFill>
-              </a:rPr>
-              <a:t>   console.log("we found 'wood' in the string!");</a:t>
-            </a:r>
-          </a:p>
-          <a:p>
-            <a:pPr>
-              <a:buClrTx/>
-              <a:buNone/>
-            </a:pPr>
-            <a:r>
-              <a:rPr lang="en-IN" dirty="0" smtClean="0">
-                <a:solidFill>
-                  <a:srgbClr val="7030A0"/>
-                </a:solidFill>
-              </a:rPr>
-              <a:t>   }</a:t>
-            </a:r>
-          </a:p>
-          <a:p>
-            <a:pPr>
-              <a:buClrTx/>
-              <a:buFont typeface="Symbol"/>
-              <a:buChar char="Þ"/>
-            </a:pPr>
-            <a:r>
-              <a:rPr lang="en-IN" dirty="0" smtClean="0"/>
-              <a:t>"we found 'wood' in the string!“</a:t>
-            </a:r>
-          </a:p>
-          <a:p>
-            <a:pPr>
-              <a:buClrTx/>
-              <a:buFont typeface="Symbol"/>
-              <a:buChar char="Þ"/>
-            </a:pPr>
-            <a:endParaRPr lang="en-IN" dirty="0" smtClean="0"/>
-          </a:p>
-          <a:p>
-            <a:r>
-              <a:rPr lang="en-IN" b="1" dirty="0" smtClean="0"/>
-              <a:t>Replacing with regular expressions</a:t>
-            </a:r>
-            <a:endParaRPr lang="en-IN" dirty="0" smtClean="0"/>
-          </a:p>
-          <a:p>
-            <a:pPr>
-              <a:buNone/>
-            </a:pPr>
-            <a:r>
-              <a:rPr lang="en-IN" dirty="0" smtClean="0"/>
-              <a:t> </a:t>
-            </a:r>
-          </a:p>
-          <a:p>
-            <a:pPr>
-              <a:buNone/>
-            </a:pPr>
-            <a:r>
-              <a:rPr lang="en-IN" dirty="0" err="1" smtClean="0">
-                <a:solidFill>
-                  <a:srgbClr val="7030A0"/>
-                </a:solidFill>
-              </a:rPr>
-              <a:t>regex</a:t>
-            </a:r>
-            <a:r>
-              <a:rPr lang="en-IN" dirty="0" smtClean="0">
-                <a:solidFill>
-                  <a:srgbClr val="7030A0"/>
-                </a:solidFill>
-              </a:rPr>
-              <a:t> = /wood/g;</a:t>
-            </a:r>
-          </a:p>
-          <a:p>
-            <a:pPr>
-              <a:buNone/>
-            </a:pPr>
-            <a:r>
-              <a:rPr lang="en-IN" dirty="0" err="1" smtClean="0">
-                <a:solidFill>
-                  <a:srgbClr val="7030A0"/>
-                </a:solidFill>
-              </a:rPr>
-              <a:t>var</a:t>
-            </a:r>
-            <a:r>
-              <a:rPr lang="en-IN" dirty="0" smtClean="0">
-                <a:solidFill>
-                  <a:srgbClr val="7030A0"/>
-                </a:solidFill>
-              </a:rPr>
-              <a:t> </a:t>
-            </a:r>
-            <a:r>
-              <a:rPr lang="en-IN" dirty="0" err="1" smtClean="0">
-                <a:solidFill>
-                  <a:srgbClr val="7030A0"/>
-                </a:solidFill>
-              </a:rPr>
-              <a:t>newstr</a:t>
-            </a:r>
-            <a:r>
-              <a:rPr lang="en-IN" dirty="0" smtClean="0">
-                <a:solidFill>
-                  <a:srgbClr val="7030A0"/>
-                </a:solidFill>
-              </a:rPr>
-              <a:t> = </a:t>
-            </a:r>
-            <a:r>
-              <a:rPr lang="en-IN" dirty="0" err="1" smtClean="0">
-                <a:solidFill>
-                  <a:srgbClr val="7030A0"/>
-                </a:solidFill>
-              </a:rPr>
-              <a:t>str.replace</a:t>
-            </a:r>
-            <a:r>
-              <a:rPr lang="en-IN" dirty="0" smtClean="0">
-                <a:solidFill>
-                  <a:srgbClr val="7030A0"/>
-                </a:solidFill>
-              </a:rPr>
-              <a:t>(</a:t>
-            </a:r>
-            <a:r>
-              <a:rPr lang="en-IN" dirty="0" err="1" smtClean="0">
-                <a:solidFill>
-                  <a:srgbClr val="7030A0"/>
-                </a:solidFill>
-              </a:rPr>
-              <a:t>regex</a:t>
-            </a:r>
-            <a:r>
-              <a:rPr lang="en-IN" dirty="0" smtClean="0">
-                <a:solidFill>
-                  <a:srgbClr val="7030A0"/>
-                </a:solidFill>
-              </a:rPr>
-              <a:t>, "nun");</a:t>
-            </a:r>
-          </a:p>
-          <a:p>
-            <a:pPr>
-              <a:buNone/>
-            </a:pPr>
-            <a:r>
-              <a:rPr lang="en-IN" dirty="0" smtClean="0">
-                <a:solidFill>
-                  <a:srgbClr val="7030A0"/>
-                </a:solidFill>
-              </a:rPr>
-              <a:t>console.log(</a:t>
-            </a:r>
-            <a:r>
-              <a:rPr lang="en-IN" dirty="0" err="1" smtClean="0">
-                <a:solidFill>
-                  <a:srgbClr val="7030A0"/>
-                </a:solidFill>
-              </a:rPr>
-              <a:t>newstr</a:t>
-            </a:r>
-            <a:r>
-              <a:rPr lang="en-IN" dirty="0" smtClean="0">
-                <a:solidFill>
-                  <a:srgbClr val="7030A0"/>
-                </a:solidFill>
-              </a:rPr>
-              <a:t>);</a:t>
-            </a:r>
-          </a:p>
-          <a:p>
-            <a:pPr>
-              <a:buNone/>
-            </a:pPr>
-            <a:endParaRPr lang="en-IN" dirty="0" smtClean="0"/>
-          </a:p>
-          <a:p>
-            <a:pPr>
-              <a:buNone/>
-            </a:pPr>
-            <a:r>
-              <a:rPr lang="en-IN" dirty="0" smtClean="0"/>
-              <a:t>=&gt; "how much nun would a </a:t>
-            </a:r>
-            <a:r>
-              <a:rPr lang="en-IN" dirty="0" err="1" smtClean="0"/>
-              <a:t>nunchuck</a:t>
-            </a:r>
-            <a:r>
-              <a:rPr lang="en-IN" dirty="0" smtClean="0"/>
-              <a:t> chuck if a </a:t>
-            </a:r>
-            <a:r>
-              <a:rPr lang="en-IN" dirty="0" err="1" smtClean="0"/>
-              <a:t>nunchuck</a:t>
-            </a:r>
-            <a:r>
-              <a:rPr lang="en-IN" dirty="0" smtClean="0"/>
-              <a:t> could chuck nun"</a:t>
-            </a:r>
-          </a:p>
-          <a:p>
-            <a:pPr>
-              <a:buClrTx/>
-              <a:buFont typeface="Symbol"/>
-              <a:buChar char="Þ"/>
-            </a:pPr>
-            <a:endParaRPr lang="en-IN" dirty="0" smtClean="0"/>
-          </a:p>
-          <a:p>
-            <a:endParaRPr lang="en-IN" dirty="0" smtClean="0"/>
-          </a:p>
-          <a:p>
-            <a:endParaRPr lang="en-IN" dirty="0"/>
-          </a:p>
-        </p:txBody>
-      </p:sp>
-      <p:sp>
-        <p:nvSpPr>
-          <p:cNvPr id="4" name="Slide Number Placeholder 3"/>
-          <p:cNvSpPr>
-            <a:spLocks noGrp="1"/>
-          </p:cNvSpPr>
-          <p:nvPr>
-            <p:ph type="sldNum" sz="quarter" idx="12"/>
-          </p:nvPr>
-        </p:nvSpPr>
-        <p:spPr/>
-        <p:txBody>
-          <a:bodyPr/>
-          <a:lstStyle/>
-          <a:p>
-            <a:fld id="{B6F15528-21DE-4FAA-801E-634DDDAF4B2B}" type="slidenum">
-              <a:rPr lang="en-US" smtClean="0"/>
-              <a:pPr/>
-              <a:t>22</a:t>
-            </a:fld>
-            <a:endParaRPr lang="en-US"/>
-          </a:p>
-        </p:txBody>
-      </p:sp>
-      <p:pic>
-        <p:nvPicPr>
-          <p:cNvPr id="5" name="Picture 4" descr="C:\Users\Jimmy\Desktop\footer.png"/>
-          <p:cNvPicPr/>
-          <p:nvPr/>
-        </p:nvPicPr>
-        <p:blipFill>
-          <a:blip r:embed="rId2"/>
-          <a:srcRect/>
-          <a:stretch>
-            <a:fillRect/>
-          </a:stretch>
-        </p:blipFill>
-        <p:spPr bwMode="auto">
-          <a:xfrm>
-            <a:off x="609600" y="6248400"/>
-            <a:ext cx="8153400" cy="457200"/>
-          </a:xfrm>
-          <a:prstGeom prst="rect">
-            <a:avLst/>
-          </a:prstGeom>
-          <a:noFill/>
-        </p:spPr>
-      </p:pic>
-    </p:spTree>
-  </p:cSld>
-  <p:clrMapOvr>
-    <a:masterClrMapping/>
-  </p:clrMapOvr>
-  <p:timing>
-    <p:tnLst>
-      <p:par>
-        <p:cTn id="1" dur="indefinite" restart="never" nodeType="tmRoot"/>
-      </p:par>
-    </p:tnLst>
-  </p:timing>
-</p:sld>
-</file>
-
-<file path=ppt/slides/slide23.xml><?xml version="1.0" encoding="utf-8"?>
-<p:sld xmlns:a="http://schemas.openxmlformats.org/drawingml/2006/main" xmlns:r="http://schemas.openxmlformats.org/officeDocument/2006/relationships" xmlns:p="http://schemas.openxmlformats.org/presentationml/2006/main">
-  <p:cSld>
-    <p:spTree>
-      <p:nvGrpSpPr>
-        <p:cNvPr id="1" name=""/>
-        <p:cNvGrpSpPr/>
-        <p:nvPr/>
-      </p:nvGrpSpPr>
-      <p:grpSpPr>
-        <a:xfrm>
-          <a:off x="0" y="0"/>
-          <a:ext cx="0" cy="0"/>
-          <a:chOff x="0" y="0"/>
-          <a:chExt cx="0" cy="0"/>
-        </a:xfrm>
-      </p:grpSpPr>
-      <p:sp>
-        <p:nvSpPr>
-          <p:cNvPr id="2" name="Title 1"/>
-          <p:cNvSpPr>
-            <a:spLocks noGrp="1"/>
-          </p:cNvSpPr>
-          <p:nvPr>
-            <p:ph type="title"/>
-          </p:nvPr>
-        </p:nvSpPr>
-        <p:spPr>
-          <a:xfrm>
-            <a:off x="533400" y="304800"/>
-            <a:ext cx="8229600" cy="411162"/>
-          </a:xfrm>
-        </p:spPr>
-        <p:txBody>
-          <a:bodyPr>
-            <a:noAutofit/>
-          </a:bodyPr>
-          <a:lstStyle/>
-          <a:p>
-            <a:pPr algn="l"/>
-            <a:r>
-              <a:rPr lang="en-IN" sz="3200" dirty="0" smtClean="0">
-                <a:solidFill>
-                  <a:srgbClr val="0070C0"/>
-                </a:solidFill>
-                <a:latin typeface="Arial" pitchFamily="34" charset="0"/>
-                <a:cs typeface="Arial" pitchFamily="34" charset="0"/>
-              </a:rPr>
-              <a:t>Working with Time</a:t>
-            </a:r>
-            <a:endParaRPr lang="en-IN" sz="3200" dirty="0">
-              <a:solidFill>
-                <a:srgbClr val="0070C0"/>
-              </a:solidFill>
-              <a:latin typeface="Arial" pitchFamily="34" charset="0"/>
-              <a:cs typeface="Arial" pitchFamily="34" charset="0"/>
-            </a:endParaRPr>
-          </a:p>
-        </p:txBody>
-      </p:sp>
-      <p:sp>
-        <p:nvSpPr>
-          <p:cNvPr id="3" name="Content Placeholder 2"/>
-          <p:cNvSpPr>
-            <a:spLocks noGrp="1"/>
-          </p:cNvSpPr>
-          <p:nvPr>
-            <p:ph idx="1"/>
-          </p:nvPr>
-        </p:nvSpPr>
-        <p:spPr>
-          <a:xfrm>
-            <a:off x="381000" y="914400"/>
-            <a:ext cx="8534400" cy="5333999"/>
-          </a:xfrm>
-        </p:spPr>
-        <p:txBody>
-          <a:bodyPr>
-            <a:noAutofit/>
-          </a:bodyPr>
-          <a:lstStyle/>
-          <a:p>
-            <a:endParaRPr lang="en-IN" sz="1800" dirty="0" smtClean="0">
-              <a:latin typeface="Arial" pitchFamily="34" charset="0"/>
-              <a:cs typeface="Arial" pitchFamily="34" charset="0"/>
-            </a:endParaRPr>
-          </a:p>
-          <a:p>
-            <a:r>
-              <a:rPr lang="en-IN" sz="1800" dirty="0" smtClean="0">
-                <a:latin typeface="Arial" pitchFamily="34" charset="0"/>
-                <a:cs typeface="Arial" pitchFamily="34" charset="0"/>
-              </a:rPr>
-              <a:t>Data contain dates or times in an (mostly) arbitrary format and need to force that into an actual date.</a:t>
-            </a:r>
-          </a:p>
-          <a:p>
-            <a:pPr>
-              <a:buNone/>
-            </a:pPr>
-            <a:endParaRPr lang="en-IN" sz="1800" dirty="0" smtClean="0">
-              <a:latin typeface="Arial" pitchFamily="34" charset="0"/>
-              <a:cs typeface="Arial" pitchFamily="34" charset="0"/>
-            </a:endParaRPr>
-          </a:p>
-          <a:p>
-            <a:pPr>
-              <a:buNone/>
-            </a:pPr>
-            <a:r>
-              <a:rPr lang="en-IN" sz="1800" dirty="0" smtClean="0">
-                <a:solidFill>
-                  <a:srgbClr val="7030A0"/>
-                </a:solidFill>
-                <a:latin typeface="Arial" pitchFamily="34" charset="0"/>
-                <a:cs typeface="Arial" pitchFamily="34" charset="0"/>
-              </a:rPr>
-              <a:t>     </a:t>
-            </a:r>
-            <a:r>
-              <a:rPr lang="en-IN" sz="1800" dirty="0" err="1" smtClean="0">
-                <a:solidFill>
-                  <a:srgbClr val="7030A0"/>
-                </a:solidFill>
-                <a:latin typeface="Arial" pitchFamily="34" charset="0"/>
-                <a:cs typeface="Arial" pitchFamily="34" charset="0"/>
-              </a:rPr>
-              <a:t>var</a:t>
-            </a:r>
-            <a:r>
-              <a:rPr lang="en-IN" sz="1800" dirty="0" smtClean="0">
-                <a:solidFill>
-                  <a:srgbClr val="7030A0"/>
-                </a:solidFill>
-                <a:latin typeface="Arial" pitchFamily="34" charset="0"/>
-                <a:cs typeface="Arial" pitchFamily="34" charset="0"/>
-              </a:rPr>
-              <a:t> d = new Date ("2015-12");                </a:t>
-            </a:r>
-            <a:r>
-              <a:rPr lang="en-IN" sz="1800" dirty="0" smtClean="0">
-                <a:latin typeface="Arial" pitchFamily="34" charset="0"/>
-                <a:cs typeface="Arial" pitchFamily="34" charset="0"/>
-              </a:rPr>
-              <a:t>// </a:t>
-            </a:r>
-            <a:r>
-              <a:rPr lang="fr-FR" sz="1800" dirty="0" smtClean="0">
-                <a:latin typeface="Arial" pitchFamily="34" charset="0"/>
-                <a:cs typeface="Arial" pitchFamily="34" charset="0"/>
-              </a:rPr>
-              <a:t>Tue </a:t>
-            </a:r>
-            <a:r>
-              <a:rPr lang="fr-FR" sz="1800" dirty="0" err="1" smtClean="0">
-                <a:latin typeface="Arial" pitchFamily="34" charset="0"/>
-                <a:cs typeface="Arial" pitchFamily="34" charset="0"/>
-              </a:rPr>
-              <a:t>Dec</a:t>
-            </a:r>
-            <a:r>
-              <a:rPr lang="fr-FR" sz="1800" dirty="0" smtClean="0">
-                <a:latin typeface="Arial" pitchFamily="34" charset="0"/>
-                <a:cs typeface="Arial" pitchFamily="34" charset="0"/>
-              </a:rPr>
-              <a:t> 01 2015 05:30:00</a:t>
-            </a:r>
-          </a:p>
-          <a:p>
-            <a:pPr>
-              <a:buNone/>
-            </a:pPr>
-            <a:endParaRPr lang="en-IN" sz="1800" dirty="0" smtClean="0">
-              <a:latin typeface="Arial" pitchFamily="34" charset="0"/>
-              <a:cs typeface="Arial" pitchFamily="34" charset="0"/>
-            </a:endParaRPr>
-          </a:p>
-          <a:p>
-            <a:pPr>
-              <a:lnSpc>
-                <a:spcPct val="150000"/>
-              </a:lnSpc>
-              <a:buClrTx/>
-            </a:pPr>
-            <a:r>
-              <a:rPr lang="en-IN" sz="1800" dirty="0" smtClean="0">
-                <a:latin typeface="Arial" pitchFamily="34" charset="0"/>
-                <a:cs typeface="Arial" pitchFamily="34" charset="0"/>
-              </a:rPr>
-              <a:t>We can also refer Date.js or moment.js libraries for methods to do this parsing.</a:t>
-            </a:r>
-          </a:p>
-          <a:p>
-            <a:pPr>
-              <a:lnSpc>
-                <a:spcPct val="120000"/>
-              </a:lnSpc>
-              <a:buClrTx/>
-              <a:buNone/>
-            </a:pPr>
-            <a:r>
-              <a:rPr lang="en-IN" sz="1800" dirty="0" smtClean="0">
-                <a:solidFill>
-                  <a:srgbClr val="002060"/>
-                </a:solidFill>
-                <a:latin typeface="Arial" pitchFamily="34" charset="0"/>
-                <a:cs typeface="Arial" pitchFamily="34" charset="0"/>
-              </a:rPr>
-              <a:t>      E.g.  </a:t>
-            </a:r>
-            <a:r>
-              <a:rPr lang="en-IN" sz="1800" dirty="0" err="1" smtClean="0">
-                <a:solidFill>
-                  <a:srgbClr val="7030A0"/>
-                </a:solidFill>
-              </a:rPr>
-              <a:t>Date.parse</a:t>
-            </a:r>
-            <a:r>
-              <a:rPr lang="en-IN" sz="1800" dirty="0" smtClean="0">
-                <a:solidFill>
-                  <a:srgbClr val="7030A0"/>
-                </a:solidFill>
-              </a:rPr>
-              <a:t>(‘9/16/2015') ;                 </a:t>
-            </a:r>
-            <a:r>
-              <a:rPr lang="en-IN" sz="1800" dirty="0" smtClean="0"/>
-              <a:t>// Wed Sep 16 2015 00:00:00 GMT+0530</a:t>
-            </a:r>
-          </a:p>
-          <a:p>
-            <a:pPr>
-              <a:lnSpc>
-                <a:spcPct val="120000"/>
-              </a:lnSpc>
-              <a:buClrTx/>
-              <a:buNone/>
-            </a:pPr>
-            <a:r>
-              <a:rPr lang="en-IN" sz="1800" dirty="0" smtClean="0"/>
-              <a:t>                  </a:t>
-            </a:r>
-            <a:r>
-              <a:rPr lang="en-IN" sz="1800" dirty="0" smtClean="0">
-                <a:solidFill>
-                  <a:srgbClr val="7030A0"/>
-                </a:solidFill>
-              </a:rPr>
-              <a:t>moment("12-25-1995", "MM-DD-YYYY");  </a:t>
-            </a:r>
-          </a:p>
-          <a:p>
-            <a:pPr>
-              <a:lnSpc>
-                <a:spcPct val="120000"/>
-              </a:lnSpc>
-              <a:buClrTx/>
-              <a:buNone/>
-            </a:pPr>
-            <a:r>
-              <a:rPr lang="en-IN" sz="1800" dirty="0" smtClean="0"/>
-              <a:t>                                                                                       // Mon Dec 25 1995 00:00:00</a:t>
-            </a:r>
-          </a:p>
-          <a:p>
-            <a:pPr>
-              <a:lnSpc>
-                <a:spcPct val="120000"/>
-              </a:lnSpc>
-              <a:buClrTx/>
-              <a:buNone/>
-            </a:pPr>
-            <a:r>
-              <a:rPr lang="en-IN" sz="1800" dirty="0" smtClean="0"/>
-              <a:t>              </a:t>
-            </a:r>
-          </a:p>
-          <a:p>
-            <a:pPr>
-              <a:lnSpc>
-                <a:spcPct val="120000"/>
-              </a:lnSpc>
-            </a:pPr>
-            <a:r>
-              <a:rPr lang="en-IN" sz="1800" dirty="0" smtClean="0">
-                <a:latin typeface="Arial" pitchFamily="34" charset="0"/>
-                <a:cs typeface="Arial" pitchFamily="34" charset="0"/>
-              </a:rPr>
-              <a:t>We can perform time modification.</a:t>
-            </a:r>
-          </a:p>
-          <a:p>
-            <a:pPr>
-              <a:buClrTx/>
-              <a:buNone/>
-            </a:pPr>
-            <a:r>
-              <a:rPr lang="en-IN" sz="1800" dirty="0" smtClean="0">
-                <a:latin typeface="Arial" pitchFamily="34" charset="0"/>
-                <a:cs typeface="Arial" pitchFamily="34" charset="0"/>
-              </a:rPr>
-              <a:t>      Examples: </a:t>
-            </a:r>
-            <a:r>
-              <a:rPr lang="en-IN" sz="1800" dirty="0" smtClean="0">
-                <a:solidFill>
-                  <a:srgbClr val="7030A0"/>
-                </a:solidFill>
-                <a:latin typeface="Arial" pitchFamily="34" charset="0"/>
-                <a:cs typeface="Arial" pitchFamily="34" charset="0"/>
-              </a:rPr>
-              <a:t>moment().format(). </a:t>
-            </a:r>
-          </a:p>
-          <a:p>
-            <a:pPr>
-              <a:buClrTx/>
-              <a:buNone/>
-            </a:pPr>
-            <a:r>
-              <a:rPr lang="en-IN" sz="1800" dirty="0" smtClean="0">
-                <a:latin typeface="Arial" pitchFamily="34" charset="0"/>
-                <a:cs typeface="Arial" pitchFamily="34" charset="0"/>
-              </a:rPr>
-              <a:t>                        </a:t>
-            </a:r>
-            <a:endParaRPr lang="en-IN" sz="2000" dirty="0" smtClean="0">
-              <a:solidFill>
-                <a:srgbClr val="002060"/>
-              </a:solidFill>
-              <a:latin typeface="Arial" pitchFamily="34" charset="0"/>
-              <a:cs typeface="Arial" pitchFamily="34" charset="0"/>
-            </a:endParaRPr>
-          </a:p>
-          <a:p>
-            <a:pPr>
-              <a:buClrTx/>
-            </a:pPr>
-            <a:endParaRPr lang="en-IN" sz="2000" dirty="0" smtClean="0">
-              <a:latin typeface="Arial" pitchFamily="34" charset="0"/>
-              <a:cs typeface="Arial" pitchFamily="34" charset="0"/>
-            </a:endParaRPr>
-          </a:p>
-          <a:p>
-            <a:endParaRPr lang="en-IN" sz="2000" dirty="0" smtClean="0">
-              <a:latin typeface="Arial" pitchFamily="34" charset="0"/>
-              <a:cs typeface="Arial" pitchFamily="34" charset="0"/>
-            </a:endParaRPr>
-          </a:p>
-          <a:p>
-            <a:endParaRPr lang="en-IN" sz="2000" dirty="0">
-              <a:latin typeface="Arial" pitchFamily="34" charset="0"/>
-              <a:cs typeface="Arial" pitchFamily="34" charset="0"/>
-            </a:endParaRPr>
-          </a:p>
-        </p:txBody>
-      </p:sp>
-      <p:sp>
-        <p:nvSpPr>
-          <p:cNvPr id="4" name="Slide Number Placeholder 3"/>
-          <p:cNvSpPr>
-            <a:spLocks noGrp="1"/>
-          </p:cNvSpPr>
-          <p:nvPr>
-            <p:ph type="sldNum" sz="quarter" idx="12"/>
-          </p:nvPr>
-        </p:nvSpPr>
-        <p:spPr/>
-        <p:txBody>
-          <a:bodyPr/>
-          <a:lstStyle/>
-          <a:p>
-            <a:fld id="{B6F15528-21DE-4FAA-801E-634DDDAF4B2B}" type="slidenum">
-              <a:rPr lang="en-US" smtClean="0"/>
-              <a:pPr/>
-              <a:t>23</a:t>
-            </a:fld>
-            <a:endParaRPr lang="en-US"/>
-          </a:p>
-        </p:txBody>
-      </p:sp>
-      <p:pic>
-        <p:nvPicPr>
-          <p:cNvPr id="5" name="Picture 4" descr="C:\Users\Jimmy\Desktop\footer.png"/>
-          <p:cNvPicPr/>
-          <p:nvPr/>
-        </p:nvPicPr>
-        <p:blipFill>
-          <a:blip r:embed="rId2"/>
-          <a:srcRect/>
-          <a:stretch>
-            <a:fillRect/>
-          </a:stretch>
-        </p:blipFill>
-        <p:spPr bwMode="auto">
-          <a:xfrm>
-            <a:off x="609600" y="6248400"/>
-            <a:ext cx="8153400" cy="457200"/>
-          </a:xfrm>
-          <a:prstGeom prst="rect">
-            <a:avLst/>
-          </a:prstGeom>
-          <a:noFill/>
-        </p:spPr>
-      </p:pic>
-    </p:spTree>
-  </p:cSld>
-  <p:clrMapOvr>
-    <a:masterClrMapping/>
-  </p:clrMapOvr>
-  <p:timing>
-    <p:tnLst>
-      <p:par>
-        <p:cTn id="1" dur="indefinite" restart="never" nodeType="tmRoot"/>
-      </p:par>
-    </p:tnLst>
-  </p:timing>
 </p:sld>
 </file>
 
@@ -11527,13 +11214,6 @@
   <p:clrMapOvr>
     <a:masterClrMapping/>
   </p:clrMapOvr>
-  <p:timing>
-    <p:tnLst>
-      <p:par>
-        <p:cTn id="1" dur="indefinite" restart="never" nodeType="tmRoot"/>
-      </p:par>
-    </p:tnLst>
-  </p:timing>
 </p:sld>
 </file>
 
@@ -11777,13 +11457,6 @@
   <p:clrMapOvr>
     <a:masterClrMapping/>
   </p:clrMapOvr>
-  <p:timing>
-    <p:tnLst>
-      <p:par>
-        <p:cTn id="1" dur="indefinite" restart="never" nodeType="tmRoot"/>
-      </p:par>
-    </p:tnLst>
-  </p:timing>
 </p:sld>
 </file>
 
@@ -11992,13 +11665,6 @@
   <p:clrMapOvr>
     <a:masterClrMapping/>
   </p:clrMapOvr>
-  <p:timing>
-    <p:tnLst>
-      <p:par>
-        <p:cTn id="1" dur="indefinite" restart="never" nodeType="tmRoot"/>
-      </p:par>
-    </p:tnLst>
-  </p:timing>
 </p:sld>
 </file>
 
@@ -12374,14 +12040,7 @@
                 <a:latin typeface="Arial" pitchFamily="34" charset="0"/>
                 <a:cs typeface="Arial" pitchFamily="34" charset="0"/>
               </a:rPr>
-              <a:t>JavaScript Validation </a:t>
-            </a:r>
-            <a:r>
-              <a:rPr lang="en-US" sz="2200" b="1" dirty="0" smtClean="0">
-                <a:latin typeface="Arial" pitchFamily="34" charset="0"/>
-                <a:cs typeface="Arial" pitchFamily="34" charset="0"/>
-              </a:rPr>
-              <a:t>API</a:t>
+              <a:t>JavaScript Validation API</a:t>
             </a:r>
             <a:r>
               <a:rPr lang="en-US" sz="2200" b="1" i="1" dirty="0" smtClean="0">
@@ -12390,10 +12049,6 @@
               </a:rPr>
               <a:t> </a:t>
             </a:r>
-            <a:endParaRPr lang="en-US" sz="2200" b="1" i="1" dirty="0" smtClean="0">
-              <a:latin typeface="Arial" pitchFamily="34" charset="0"/>
-              <a:cs typeface="Arial" pitchFamily="34" charset="0"/>
-            </a:endParaRPr>
           </a:p>
           <a:p>
             <a:pPr lvl="1"/>
@@ -12651,21 +12306,7 @@
                 <a:latin typeface="Arial" pitchFamily="34" charset="0"/>
                 <a:cs typeface="Arial" pitchFamily="34" charset="0"/>
               </a:rPr>
-              <a:t>), the </a:t>
-            </a:r>
-            <a:r>
-              <a:rPr lang="en-US" sz="2200" dirty="0" smtClean="0">
-                <a:latin typeface="Arial" pitchFamily="34" charset="0"/>
-                <a:cs typeface="Arial" pitchFamily="34" charset="0"/>
-              </a:rPr>
-              <a:t>API </a:t>
-            </a:r>
-            <a:r>
-              <a:rPr lang="en-US" sz="2200" dirty="0" smtClean="0">
-                <a:latin typeface="Arial" pitchFamily="34" charset="0"/>
-                <a:cs typeface="Arial" pitchFamily="34" charset="0"/>
-              </a:rPr>
-              <a:t>provides set of </a:t>
+              <a:t>), the API provides set of </a:t>
             </a:r>
             <a:r>
               <a:rPr lang="en-US" sz="2200" b="1" dirty="0" smtClean="0">
@@ -13396,13 +13037,6 @@
   <p:clrMapOvr>
     <a:masterClrMapping/>
   </p:clrMapOvr>
-  <p:timing>
-    <p:tnLst>
-      <p:par>
-        <p:cTn id="1" dur="indefinite" restart="never" nodeType="tmRoot"/>
-      </p:par>
-    </p:tnLst>
-  </p:timing>
 </p:sld>
 </file>
 
@@ -14640,21 +14274,7 @@
                 <a:latin typeface="Arial" pitchFamily="34" charset="0"/>
                 <a:cs typeface="Arial" pitchFamily="34" charset="0"/>
               </a:rPr>
-              <a:t>We can </a:t>
-            </a:r>
-            <a:r>
-              <a:rPr lang="en-US" sz="2200" dirty="0" smtClean="0">
-                <a:latin typeface="Arial" pitchFamily="34" charset="0"/>
-                <a:cs typeface="Arial" pitchFamily="34" charset="0"/>
-              </a:rPr>
-              <a:t>achieve </a:t>
-            </a:r>
-            <a:r>
-              <a:rPr lang="en-US" sz="2200" dirty="0" smtClean="0">
-                <a:latin typeface="Arial" pitchFamily="34" charset="0"/>
-                <a:cs typeface="Arial" pitchFamily="34" charset="0"/>
-              </a:rPr>
-              <a:t>the same with HTML5 tags, which let the browser understand and do the validation for you. No JS needed:</a:t>
+              <a:t>We can achieve the same with HTML5 tags, which let the browser understand and do the validation for you. No JS needed:</a:t>
             </a:r>
           </a:p>
           <a:p>
@@ -15065,17 +14685,7 @@
                 <a:latin typeface="Arial" pitchFamily="34" charset="0"/>
                 <a:cs typeface="Arial" pitchFamily="34" charset="0"/>
               </a:rPr>
-              <a:t>Parse the value and test it against each of the rules? Complex logic / code? Efficient? Bug </a:t>
-            </a:r>
-            <a:r>
-              <a:rPr lang="en-US" sz="1900" i="1" dirty="0" smtClean="0">
-                <a:solidFill>
-                  <a:srgbClr val="0070C0"/>
-                </a:solidFill>
-                <a:latin typeface="Arial" pitchFamily="34" charset="0"/>
-                <a:cs typeface="Arial" pitchFamily="34" charset="0"/>
-              </a:rPr>
-              <a:t>causing?</a:t>
+              <a:t>Parse the value and test it against each of the rules? Complex logic / code? Efficient? Bug causing?</a:t>
             </a:r>
             <a:endParaRPr lang="en-US" sz="1900" b="1" i="1" dirty="0" smtClean="0">
               <a:solidFill>
@@ -19199,13 +18809,6 @@
   <p:clrMapOvr>
     <a:masterClrMapping/>
   </p:clrMapOvr>
-  <p:timing>
-    <p:tnLst>
-      <p:par>
-        <p:cTn id="1" dur="indefinite" restart="never" nodeType="tmRoot"/>
-      </p:par>
-    </p:tnLst>
-  </p:timing>
 </p:sld>
 </file>
 
@@ -19994,7 +19597,7 @@
     </p:spTree>
     <p:extLst>
       <p:ext uri="{BB962C8B-B14F-4D97-AF65-F5344CB8AC3E}">
-        <p14:creationId xmlns:p14="http://schemas.microsoft.com/office/powerpoint/2010/main" xmlns="" val="3590561983"/>
+        <p14:creationId xmlns="" xmlns:p14="http://schemas.microsoft.com/office/powerpoint/2010/main" val="3590561983"/>
       </p:ext>
     </p:extLst>
   </p:cSld>
@@ -20639,7 +20242,7 @@
     </p:spTree>
     <p:extLst>
       <p:ext uri="{BB962C8B-B14F-4D97-AF65-F5344CB8AC3E}">
-        <p14:creationId xmlns="" xmlns:p14="http://schemas.microsoft.com/office/powerpoint/2010/main" val="3590561983"/>
+        <p14:creationId xmlns:p14="http://schemas.microsoft.com/office/powerpoint/2010/main" xmlns="" val="3590561983"/>
       </p:ext>
     </p:extLst>
   </p:cSld>
@@ -20823,13 +20426,6 @@
   <p:clrMapOvr>
     <a:masterClrMapping/>
   </p:clrMapOvr>
-  <p:timing>
-    <p:tnLst>
-      <p:par>
-        <p:cTn id="1" dur="indefinite" restart="never" nodeType="tmRoot"/>
-      </p:par>
-    </p:tnLst>
-  </p:timing>
 </p:sld>
 </file>
 
@@ -21042,13 +20638,6 @@
   <p:clrMapOvr>
     <a:masterClrMapping/>
   </p:clrMapOvr>
-  <p:timing>
-    <p:tnLst>
-      <p:par>
-        <p:cTn id="1" dur="indefinite" restart="never" nodeType="tmRoot"/>
-      </p:par>
-    </p:tnLst>
-  </p:timing>
 </p:sld>
 </file>
 

--- a/Final.pptx
+++ b/Final.pptx
@@ -5,7 +5,7 @@
     <p:sldMasterId id="2147483648" r:id="rId1"/>
   </p:sldMasterIdLst>
   <p:notesMasterIdLst>
-    <p:notesMasterId r:id="rId45"/>
+    <p:notesMasterId r:id="rId46"/>
   </p:notesMasterIdLst>
   <p:sldIdLst>
     <p:sldId id="302" r:id="rId2"/>
@@ -49,8 +49,9 @@
     <p:sldId id="348" r:id="rId40"/>
     <p:sldId id="349" r:id="rId41"/>
     <p:sldId id="350" r:id="rId42"/>
-    <p:sldId id="299" r:id="rId43"/>
-    <p:sldId id="351" r:id="rId44"/>
+    <p:sldId id="378" r:id="rId43"/>
+    <p:sldId id="299" r:id="rId44"/>
+    <p:sldId id="351" r:id="rId45"/>
   </p:sldIdLst>
   <p:sldSz cx="9144000" cy="6858000" type="screen4x3"/>
   <p:notesSz cx="6858000" cy="9144000"/>
@@ -3847,7 +3848,7 @@
     </p:spTree>
     <p:extLst>
       <p:ext uri="{BB962C8B-B14F-4D97-AF65-F5344CB8AC3E}">
-        <p14:creationId xmlns:p14="http://schemas.microsoft.com/office/powerpoint/2010/main" xmlns="" val="3590561983"/>
+        <p14:creationId xmlns="" xmlns:p14="http://schemas.microsoft.com/office/powerpoint/2010/main" val="3590561983"/>
       </p:ext>
     </p:extLst>
   </p:cSld>
@@ -16639,7 +16640,7 @@
         <p:spPr>
           <a:xfrm>
             <a:off x="457200" y="3733800"/>
-            <a:ext cx="8305800" cy="2308324"/>
+            <a:ext cx="8305800" cy="2585323"/>
           </a:xfrm>
           <a:prstGeom prst="rect">
             <a:avLst/>
@@ -16723,10 +16724,8 @@
                 <a:latin typeface="Arial" pitchFamily="34" charset="0"/>
                 <a:cs typeface="Arial" pitchFamily="34" charset="0"/>
               </a:rPr>
-              <a:t>, function({Value}, [requirements]) {</a:t>
-            </a:r>
-          </a:p>
-          <a:p>
+              <a:t>, function({Value}, [requirements]) </a:t>
+            </a:r>
             <a:r>
               <a:rPr lang="en-US" b="1" dirty="0" smtClean="0">
                 <a:solidFill>
@@ -16735,7 +16734,7 @@
                 <a:latin typeface="Arial" pitchFamily="34" charset="0"/>
                 <a:cs typeface="Arial" pitchFamily="34" charset="0"/>
               </a:rPr>
-              <a:t>	If(expression){</a:t>
+              <a:t>{</a:t>
             </a:r>
           </a:p>
           <a:p>
@@ -16747,6 +16746,94 @@
                 <a:latin typeface="Arial" pitchFamily="34" charset="0"/>
                 <a:cs typeface="Arial" pitchFamily="34" charset="0"/>
               </a:rPr>
+              <a:t> </a:t>
+            </a:r>
+            <a:r>
+              <a:rPr lang="en-US" b="1" dirty="0" smtClean="0">
+                <a:solidFill>
+                  <a:srgbClr val="002060"/>
+                </a:solidFill>
+                <a:latin typeface="Arial" pitchFamily="34" charset="0"/>
+                <a:cs typeface="Arial" pitchFamily="34" charset="0"/>
+              </a:rPr>
+              <a:t>         </a:t>
+            </a:r>
+            <a:r>
+              <a:rPr lang="en-US" b="1" dirty="0" smtClean="0">
+                <a:solidFill>
+                  <a:srgbClr val="00B050"/>
+                </a:solidFill>
+                <a:latin typeface="Arial" pitchFamily="34" charset="0"/>
+                <a:cs typeface="Arial" pitchFamily="34" charset="0"/>
+              </a:rPr>
+              <a:t>For(loop through usernames){</a:t>
+            </a:r>
+            <a:endParaRPr lang="en-US" b="1" dirty="0" smtClean="0">
+              <a:solidFill>
+                <a:srgbClr val="00B050"/>
+              </a:solidFill>
+              <a:latin typeface="Arial" pitchFamily="34" charset="0"/>
+              <a:cs typeface="Arial" pitchFamily="34" charset="0"/>
+            </a:endParaRPr>
+          </a:p>
+          <a:p>
+            <a:r>
+              <a:rPr lang="en-US" b="1" dirty="0" smtClean="0">
+                <a:solidFill>
+                  <a:srgbClr val="002060"/>
+                </a:solidFill>
+                <a:latin typeface="Arial" pitchFamily="34" charset="0"/>
+                <a:cs typeface="Arial" pitchFamily="34" charset="0"/>
+              </a:rPr>
+              <a:t>	</a:t>
+            </a:r>
+            <a:r>
+              <a:rPr lang="en-US" b="1" dirty="0" smtClean="0">
+                <a:solidFill>
+                  <a:srgbClr val="002060"/>
+                </a:solidFill>
+                <a:latin typeface="Arial" pitchFamily="34" charset="0"/>
+                <a:cs typeface="Arial" pitchFamily="34" charset="0"/>
+              </a:rPr>
+              <a:t>If(value == usernames[</a:t>
+            </a:r>
+            <a:r>
+              <a:rPr lang="en-US" b="1" dirty="0" err="1" smtClean="0">
+                <a:solidFill>
+                  <a:srgbClr val="002060"/>
+                </a:solidFill>
+                <a:latin typeface="Arial" pitchFamily="34" charset="0"/>
+                <a:cs typeface="Arial" pitchFamily="34" charset="0"/>
+              </a:rPr>
+              <a:t>i</a:t>
+            </a:r>
+            <a:r>
+              <a:rPr lang="en-US" b="1" dirty="0" smtClean="0">
+                <a:solidFill>
+                  <a:srgbClr val="002060"/>
+                </a:solidFill>
+                <a:latin typeface="Arial" pitchFamily="34" charset="0"/>
+                <a:cs typeface="Arial" pitchFamily="34" charset="0"/>
+              </a:rPr>
+              <a:t>]){</a:t>
+            </a:r>
+            <a:endParaRPr lang="en-US" b="1" dirty="0" smtClean="0">
+              <a:solidFill>
+                <a:srgbClr val="002060"/>
+              </a:solidFill>
+              <a:latin typeface="Arial" pitchFamily="34" charset="0"/>
+              <a:cs typeface="Arial" pitchFamily="34" charset="0"/>
+            </a:endParaRPr>
+          </a:p>
+          <a:p>
+            <a:r>
+              <a:rPr lang="en-US" b="1" dirty="0" smtClean="0">
+                <a:solidFill>
+                  <a:srgbClr val="002060"/>
+                </a:solidFill>
+                <a:latin typeface="Arial" pitchFamily="34" charset="0"/>
+                <a:cs typeface="Arial" pitchFamily="34" charset="0"/>
+              </a:rPr>
               <a:t>		 return false;</a:t>
             </a:r>
           </a:p>
@@ -16759,8 +16846,35 @@
                 <a:latin typeface="Arial" pitchFamily="34" charset="0"/>
                 <a:cs typeface="Arial" pitchFamily="34" charset="0"/>
               </a:rPr>
-              <a:t>	}</a:t>
-            </a:r>
+              <a:t>	</a:t>
+            </a:r>
+            <a:r>
+              <a:rPr lang="en-US" b="1" dirty="0" smtClean="0">
+                <a:solidFill>
+                  <a:srgbClr val="002060"/>
+                </a:solidFill>
+                <a:latin typeface="Arial" pitchFamily="34" charset="0"/>
+                <a:cs typeface="Arial" pitchFamily="34" charset="0"/>
+              </a:rPr>
+              <a:t>}</a:t>
+            </a:r>
+            <a:r>
+              <a:rPr lang="en-US" b="1" dirty="0" smtClean="0">
+                <a:solidFill>
+                  <a:srgbClr val="00B050"/>
+                </a:solidFill>
+                <a:latin typeface="Arial" pitchFamily="34" charset="0"/>
+                <a:cs typeface="Arial" pitchFamily="34" charset="0"/>
+              </a:rPr>
+              <a:t>}</a:t>
+            </a:r>
+            <a:endParaRPr lang="en-US" b="1" dirty="0" smtClean="0">
+              <a:solidFill>
+                <a:srgbClr val="00B050"/>
+              </a:solidFill>
+              <a:latin typeface="Arial" pitchFamily="34" charset="0"/>
+              <a:cs typeface="Arial" pitchFamily="34" charset="0"/>
+            </a:endParaRPr>
           </a:p>
           <a:p>
             <a:r>
@@ -17654,6 +17768,16 @@
             <a:r>
               <a:rPr lang="en-US" sz="2000" dirty="0" smtClean="0">
                 <a:solidFill>
+                  <a:srgbClr val="00B050"/>
+                </a:solidFill>
+                <a:latin typeface="Arial" pitchFamily="34" charset="0"/>
+                <a:cs typeface="Arial" pitchFamily="34" charset="0"/>
+              </a:rPr>
+              <a:t>[</a:t>
+            </a:r>
+            <a:r>
+              <a:rPr lang="en-US" sz="2000" dirty="0" smtClean="0">
+                <a:solidFill>
                   <a:srgbClr val="0070C0"/>
                 </a:solidFill>
                 <a:latin typeface="Arial" pitchFamily="34" charset="0"/>
@@ -17669,7 +17793,7 @@
                 <a:latin typeface="Arial" pitchFamily="34" charset="0"/>
                 <a:cs typeface="Arial" pitchFamily="34" charset="0"/>
               </a:rPr>
-              <a:t>, </a:t>
+              <a:t>], </a:t>
             </a:r>
             <a:r>
               <a:rPr lang="en-US" sz="2000" dirty="0" smtClean="0">
@@ -17707,24 +17831,6 @@
                 <a:latin typeface="Arial" pitchFamily="34" charset="0"/>
                 <a:cs typeface="Arial" pitchFamily="34" charset="0"/>
               </a:rPr>
-              <a:t>Callback: A function that will fire after all validation rules are success.</a:t>
-            </a:r>
-          </a:p>
-          <a:p>
-            <a:endParaRPr lang="en-US" sz="2000" dirty="0" smtClean="0">
-              <a:solidFill>
-                <a:srgbClr val="00B050"/>
-              </a:solidFill>
-              <a:latin typeface="Arial" pitchFamily="34" charset="0"/>
-              <a:cs typeface="Arial" pitchFamily="34" charset="0"/>
-            </a:endParaRPr>
-          </a:p>
-          <a:p>
-            <a:r>
-              <a:rPr lang="en-US" sz="2000" dirty="0" smtClean="0">
-                <a:latin typeface="Arial" pitchFamily="34" charset="0"/>
-                <a:cs typeface="Arial" pitchFamily="34" charset="0"/>
-              </a:rPr>
               <a:t>Fields: Array of the form fields that’s being constructed as</a:t>
             </a:r>
           </a:p>
@@ -17979,7 +18085,31 @@
               </a:rPr>
               <a:t> function that runs before the field is validated, if it returns “false” the field will not be validated.</a:t>
             </a:r>
-            <a:endParaRPr lang="en-US" sz="2000" dirty="0">
+          </a:p>
+          <a:p>
+            <a:endParaRPr lang="en-US" sz="2000" dirty="0" smtClean="0">
+              <a:latin typeface="Arial" pitchFamily="34" charset="0"/>
+              <a:cs typeface="Arial" pitchFamily="34" charset="0"/>
+            </a:endParaRPr>
+          </a:p>
+          <a:p>
+            <a:r>
+              <a:rPr lang="en-US" sz="2000" dirty="0" smtClean="0">
+                <a:latin typeface="Arial" pitchFamily="34" charset="0"/>
+                <a:cs typeface="Arial" pitchFamily="34" charset="0"/>
+              </a:rPr>
+              <a:t>Callback</a:t>
+            </a:r>
+            <a:r>
+              <a:rPr lang="en-US" sz="2000" dirty="0" smtClean="0">
+                <a:latin typeface="Arial" pitchFamily="34" charset="0"/>
+                <a:cs typeface="Arial" pitchFamily="34" charset="0"/>
+              </a:rPr>
+              <a:t>: A function that will fire after all validation rules are success.</a:t>
+            </a:r>
+          </a:p>
+          <a:p>
+            <a:endParaRPr lang="en-US" sz="2000" dirty="0" smtClean="0">
               <a:solidFill>
                 <a:srgbClr val="00B050"/>
               </a:solidFill>
@@ -19044,8 +19174,46 @@
                 <a:latin typeface="Arial" pitchFamily="34" charset="0"/>
                 <a:cs typeface="Arial" pitchFamily="34" charset="0"/>
               </a:rPr>
-              <a:t>Simple, ease-of-use, good readability and clear documentation. Would definitely use for simple application.</a:t>
-            </a:r>
+              <a:t>Simple, ease-of-use, good readability and clear documentation. </a:t>
+            </a:r>
+            <a:r>
+              <a:rPr lang="en-US" sz="2200" i="1" dirty="0" smtClean="0">
+                <a:solidFill>
+                  <a:schemeClr val="bg1">
+                    <a:lumMod val="50000"/>
+                  </a:schemeClr>
+                </a:solidFill>
+                <a:latin typeface="Arial" pitchFamily="34" charset="0"/>
+                <a:cs typeface="Arial" pitchFamily="34" charset="0"/>
+              </a:rPr>
+              <a:t>May consider it </a:t>
+            </a:r>
+            <a:r>
+              <a:rPr lang="en-US" sz="2200" i="1" dirty="0" smtClean="0">
+                <a:solidFill>
+                  <a:schemeClr val="bg1">
+                    <a:lumMod val="50000"/>
+                  </a:schemeClr>
+                </a:solidFill>
+                <a:latin typeface="Arial" pitchFamily="34" charset="0"/>
+                <a:cs typeface="Arial" pitchFamily="34" charset="0"/>
+              </a:rPr>
+              <a:t>for simple application.</a:t>
+            </a:r>
+            <a:endParaRPr lang="en-US" sz="2200" b="1" i="1" dirty="0" smtClean="0">
+              <a:solidFill>
+                <a:schemeClr val="bg1">
+                  <a:lumMod val="50000"/>
+                </a:schemeClr>
+              </a:solidFill>
+              <a:latin typeface="Arial" pitchFamily="34" charset="0"/>
+              <a:cs typeface="Arial" pitchFamily="34" charset="0"/>
+            </a:endParaRPr>
+          </a:p>
+          <a:p>
+            <a:pPr>
+              <a:buNone/>
+            </a:pPr>
             <a:endParaRPr lang="en-US" sz="2200" b="1" dirty="0" smtClean="0">
               <a:latin typeface="Arial" pitchFamily="34" charset="0"/>
               <a:cs typeface="Arial" pitchFamily="34" charset="0"/>
@@ -19064,60 +19232,82 @@
             <a:pPr>
               <a:buNone/>
             </a:pPr>
-            <a:endParaRPr lang="en-US" sz="2200" b="1" dirty="0" smtClean="0">
+            <a:r>
+              <a:rPr lang="en-US" sz="2200" b="1" dirty="0" smtClean="0">
+                <a:solidFill>
+                  <a:srgbClr val="00B050"/>
+                </a:solidFill>
+                <a:latin typeface="Arial" pitchFamily="34" charset="0"/>
+                <a:cs typeface="Arial" pitchFamily="34" charset="0"/>
+              </a:rPr>
+              <a:t>Validate.js: </a:t>
+            </a:r>
+            <a:r>
+              <a:rPr lang="en-US" sz="2200" dirty="0" smtClean="0">
+                <a:latin typeface="Arial" pitchFamily="34" charset="0"/>
+                <a:cs typeface="Arial" pitchFamily="34" charset="0"/>
+              </a:rPr>
+              <a:t>No </a:t>
+            </a:r>
+            <a:r>
+              <a:rPr lang="en-US" sz="2200" dirty="0" smtClean="0">
+                <a:latin typeface="Arial" pitchFamily="34" charset="0"/>
+                <a:cs typeface="Arial" pitchFamily="34" charset="0"/>
+              </a:rPr>
+              <a:t>dependencies </a:t>
+            </a:r>
+            <a:r>
+              <a:rPr lang="en-US" sz="2200" i="1" dirty="0" smtClean="0">
+                <a:solidFill>
+                  <a:schemeClr val="bg1">
+                    <a:lumMod val="50000"/>
+                  </a:schemeClr>
+                </a:solidFill>
+                <a:latin typeface="Arial" pitchFamily="34" charset="0"/>
+                <a:cs typeface="Arial" pitchFamily="34" charset="0"/>
+              </a:rPr>
+              <a:t>(not </a:t>
+            </a:r>
+            <a:r>
+              <a:rPr lang="en-US" sz="2200" i="1" dirty="0" smtClean="0">
+                <a:solidFill>
+                  <a:schemeClr val="bg1">
+                    <a:lumMod val="50000"/>
+                  </a:schemeClr>
+                </a:solidFill>
+                <a:latin typeface="Arial" pitchFamily="34" charset="0"/>
+                <a:cs typeface="Arial" pitchFamily="34" charset="0"/>
+              </a:rPr>
+              <a:t>even </a:t>
+            </a:r>
+            <a:r>
+              <a:rPr lang="en-US" sz="2200" i="1" dirty="0" err="1" smtClean="0">
+                <a:solidFill>
+                  <a:schemeClr val="bg1">
+                    <a:lumMod val="50000"/>
+                  </a:schemeClr>
+                </a:solidFill>
+                <a:latin typeface="Arial" pitchFamily="34" charset="0"/>
+                <a:cs typeface="Arial" pitchFamily="34" charset="0"/>
+              </a:rPr>
+              <a:t>Jquery</a:t>
+            </a:r>
+            <a:r>
+              <a:rPr lang="en-US" sz="2200" i="1" dirty="0" smtClean="0">
+                <a:solidFill>
+                  <a:schemeClr val="bg1">
+                    <a:lumMod val="50000"/>
+                  </a:schemeClr>
+                </a:solidFill>
+                <a:latin typeface="Arial" pitchFamily="34" charset="0"/>
+                <a:cs typeface="Arial" pitchFamily="34" charset="0"/>
+              </a:rPr>
+              <a:t>).</a:t>
+            </a:r>
+            <a:endParaRPr lang="en-US" sz="2200" dirty="0" smtClean="0">
               <a:latin typeface="Arial" pitchFamily="34" charset="0"/>
               <a:cs typeface="Arial" pitchFamily="34" charset="0"/>
             </a:endParaRPr>
-          </a:p>
-          <a:p>
-            <a:pPr>
-              <a:buNone/>
-            </a:pPr>
-            <a:r>
-              <a:rPr lang="en-US" sz="2200" b="1" dirty="0" smtClean="0">
-                <a:solidFill>
-                  <a:srgbClr val="00B050"/>
-                </a:solidFill>
-                <a:latin typeface="Arial" pitchFamily="34" charset="0"/>
-                <a:cs typeface="Arial" pitchFamily="34" charset="0"/>
-              </a:rPr>
-              <a:t>Validate.js: </a:t>
-            </a:r>
-            <a:r>
-              <a:rPr lang="en-US" sz="2200" dirty="0" smtClean="0">
-                <a:latin typeface="Arial" pitchFamily="34" charset="0"/>
-                <a:cs typeface="Arial" pitchFamily="34" charset="0"/>
-              </a:rPr>
-              <a:t>No dependencies (not even </a:t>
-            </a:r>
-            <a:r>
-              <a:rPr lang="en-US" sz="2200" dirty="0" err="1" smtClean="0">
-                <a:latin typeface="Arial" pitchFamily="34" charset="0"/>
-                <a:cs typeface="Arial" pitchFamily="34" charset="0"/>
-              </a:rPr>
-              <a:t>JQuery</a:t>
-            </a:r>
-            <a:r>
-              <a:rPr lang="en-US" sz="2200" dirty="0" smtClean="0">
-                <a:latin typeface="Arial" pitchFamily="34" charset="0"/>
-                <a:cs typeface="Arial" pitchFamily="34" charset="0"/>
-              </a:rPr>
-              <a:t>), JS </a:t>
-            </a:r>
-            <a:r>
-              <a:rPr lang="en-US" sz="2200" dirty="0" err="1" smtClean="0">
-                <a:latin typeface="Arial" pitchFamily="34" charset="0"/>
-                <a:cs typeface="Arial" pitchFamily="34" charset="0"/>
-              </a:rPr>
-              <a:t>util</a:t>
-            </a:r>
-            <a:r>
-              <a:rPr lang="en-US" sz="2200" dirty="0" smtClean="0">
-                <a:latin typeface="Arial" pitchFamily="34" charset="0"/>
-                <a:cs typeface="Arial" pitchFamily="34" charset="0"/>
-              </a:rPr>
-              <a:t> code written for you.</a:t>
-            </a:r>
           </a:p>
         </p:txBody>
       </p:sp>
@@ -19344,48 +19534,6 @@
       </p:grpSpPr>
       <p:sp>
         <p:nvSpPr>
-          <p:cNvPr id="2" name="Titel 1"/>
-          <p:cNvSpPr>
-            <a:spLocks noGrp="1"/>
-          </p:cNvSpPr>
-          <p:nvPr>
-            <p:ph type="ctrTitle"/>
-          </p:nvPr>
-        </p:nvSpPr>
-        <p:spPr>
-          <a:xfrm>
-            <a:off x="533400" y="1981200"/>
-            <a:ext cx="8001000" cy="1143000"/>
-          </a:xfrm>
-        </p:spPr>
-        <p:txBody>
-          <a:bodyPr>
-            <a:normAutofit/>
-          </a:bodyPr>
-          <a:lstStyle/>
-          <a:p>
-            <a:r>
-              <a:rPr lang="de-DE" sz="4000" dirty="0" smtClean="0">
-                <a:solidFill>
-                  <a:srgbClr val="0070C0"/>
-                </a:solidFill>
-                <a:latin typeface="Arial" pitchFamily="34" charset="0"/>
-                <a:cs typeface="Arial" pitchFamily="34" charset="0"/>
-              </a:rPr>
-              <a:t>Thank you for your attention</a:t>
-            </a:r>
-            <a:endParaRPr lang="de-DE" sz="4000" dirty="0">
-              <a:solidFill>
-                <a:srgbClr val="0070C0"/>
-              </a:solidFill>
-              <a:latin typeface="Arial" pitchFamily="34" charset="0"/>
-              <a:cs typeface="Arial" pitchFamily="34" charset="0"/>
-            </a:endParaRPr>
-          </a:p>
-        </p:txBody>
-      </p:sp>
-      <p:sp>
-        <p:nvSpPr>
           <p:cNvPr id="4" name="Rectangle 3"/>
           <p:cNvSpPr/>
           <p:nvPr/>
@@ -19439,6 +19587,247 @@
               <a:rPr lang="en-US" smtClean="0"/>
               <a:pPr/>
               <a:t>42</a:t>
+            </a:fld>
+            <a:endParaRPr lang="en-US"/>
+          </a:p>
+        </p:txBody>
+      </p:sp>
+      <p:pic>
+        <p:nvPicPr>
+          <p:cNvPr id="6" name="Picture 5" descr="C:\Users\Jimmy\Desktop\footer.png"/>
+          <p:cNvPicPr/>
+          <p:nvPr/>
+        </p:nvPicPr>
+        <p:blipFill>
+          <a:blip r:embed="rId2"/>
+          <a:srcRect/>
+          <a:stretch>
+            <a:fillRect/>
+          </a:stretch>
+        </p:blipFill>
+        <p:spPr bwMode="auto">
+          <a:xfrm>
+            <a:off x="609600" y="6248400"/>
+            <a:ext cx="8153400" cy="457200"/>
+          </a:xfrm>
+          <a:prstGeom prst="rect">
+            <a:avLst/>
+          </a:prstGeom>
+          <a:noFill/>
+        </p:spPr>
+      </p:pic>
+      <p:pic>
+        <p:nvPicPr>
+          <p:cNvPr id="8" name="Picture 2" descr="C:\Users\Jimmy\Dropbox\TUM\WS15\Java Script Technology (IN0014, IN2107, IN4790)\rostlab_logo.png"/>
+          <p:cNvPicPr>
+            <a:picLocks noChangeAspect="1" noChangeArrowheads="1"/>
+          </p:cNvPicPr>
+          <p:nvPr/>
+        </p:nvPicPr>
+        <p:blipFill>
+          <a:blip r:embed="rId3"/>
+          <a:srcRect/>
+          <a:stretch>
+            <a:fillRect/>
+          </a:stretch>
+        </p:blipFill>
+        <p:spPr bwMode="auto">
+          <a:xfrm>
+            <a:off x="2971800" y="228600"/>
+            <a:ext cx="3429000" cy="474106"/>
+          </a:xfrm>
+          <a:prstGeom prst="rect">
+            <a:avLst/>
+          </a:prstGeom>
+          <a:noFill/>
+        </p:spPr>
+      </p:pic>
+      <p:pic>
+        <p:nvPicPr>
+          <p:cNvPr id="9" name="Picture 4" descr="C:\Users\Jimmy\Dropbox\TUM\WS15\Java Script Technology (IN0014, IN2107, IN4790)\ezgif.com-gif-maker.gif"/>
+          <p:cNvPicPr>
+            <a:picLocks noChangeAspect="1" noChangeArrowheads="1" noCrop="1"/>
+          </p:cNvPicPr>
+          <p:nvPr/>
+        </p:nvPicPr>
+        <p:blipFill>
+          <a:blip r:embed="rId4"/>
+          <a:srcRect/>
+          <a:stretch>
+            <a:fillRect/>
+          </a:stretch>
+        </p:blipFill>
+        <p:spPr bwMode="auto">
+          <a:xfrm>
+            <a:off x="3457575" y="257175"/>
+            <a:ext cx="428625" cy="428625"/>
+          </a:xfrm>
+          <a:prstGeom prst="rect">
+            <a:avLst/>
+          </a:prstGeom>
+          <a:noFill/>
+        </p:spPr>
+      </p:pic>
+      <p:pic>
+        <p:nvPicPr>
+          <p:cNvPr id="1026" name="Picture 2" descr="C:\Users\Jimmy\Desktop\webApp.png"/>
+          <p:cNvPicPr>
+            <a:picLocks noChangeAspect="1" noChangeArrowheads="1"/>
+          </p:cNvPicPr>
+          <p:nvPr/>
+        </p:nvPicPr>
+        <p:blipFill>
+          <a:blip r:embed="rId5"/>
+          <a:srcRect/>
+          <a:stretch>
+            <a:fillRect/>
+          </a:stretch>
+        </p:blipFill>
+        <p:spPr bwMode="auto">
+          <a:xfrm>
+            <a:off x="533400" y="914400"/>
+            <a:ext cx="8252926" cy="5219701"/>
+          </a:xfrm>
+          <a:prstGeom prst="rect">
+            <a:avLst/>
+          </a:prstGeom>
+          <a:noFill/>
+        </p:spPr>
+      </p:pic>
+    </p:spTree>
+    <p:extLst>
+      <p:ext uri="{BB962C8B-B14F-4D97-AF65-F5344CB8AC3E}">
+        <p14:creationId xmlns:p14="http://schemas.microsoft.com/office/powerpoint/2010/main" xmlns="" val="3590561983"/>
+      </p:ext>
+    </p:extLst>
+  </p:cSld>
+  <p:clrMapOvr>
+    <a:masterClrMapping/>
+  </p:clrMapOvr>
+  <p:timing>
+    <p:tnLst>
+      <p:par>
+        <p:cTn id="1" dur="indefinite" restart="never" nodeType="tmRoot"/>
+      </p:par>
+    </p:tnLst>
+  </p:timing>
+</p:sld>
+</file>
+
+<file path=ppt/slides/slide43.xml><?xml version="1.0" encoding="utf-8"?>
+<p:sld xmlns:a="http://schemas.openxmlformats.org/drawingml/2006/main" xmlns:r="http://schemas.openxmlformats.org/officeDocument/2006/relationships" xmlns:p="http://schemas.openxmlformats.org/presentationml/2006/main">
+  <p:cSld>
+    <p:spTree>
+      <p:nvGrpSpPr>
+        <p:cNvPr id="1" name=""/>
+        <p:cNvGrpSpPr/>
+        <p:nvPr/>
+      </p:nvGrpSpPr>
+      <p:grpSpPr>
+        <a:xfrm>
+          <a:off x="0" y="0"/>
+          <a:ext cx="0" cy="0"/>
+          <a:chOff x="0" y="0"/>
+          <a:chExt cx="0" cy="0"/>
+        </a:xfrm>
+      </p:grpSpPr>
+      <p:sp>
+        <p:nvSpPr>
+          <p:cNvPr id="2" name="Titel 1"/>
+          <p:cNvSpPr>
+            <a:spLocks noGrp="1"/>
+          </p:cNvSpPr>
+          <p:nvPr>
+            <p:ph type="ctrTitle"/>
+          </p:nvPr>
+        </p:nvSpPr>
+        <p:spPr>
+          <a:xfrm>
+            <a:off x="533400" y="1981200"/>
+            <a:ext cx="8001000" cy="1143000"/>
+          </a:xfrm>
+        </p:spPr>
+        <p:txBody>
+          <a:bodyPr>
+            <a:normAutofit/>
+          </a:bodyPr>
+          <a:lstStyle/>
+          <a:p>
+            <a:r>
+              <a:rPr lang="de-DE" sz="4000" dirty="0" smtClean="0">
+                <a:solidFill>
+                  <a:srgbClr val="0070C0"/>
+                </a:solidFill>
+                <a:latin typeface="Arial" pitchFamily="34" charset="0"/>
+                <a:cs typeface="Arial" pitchFamily="34" charset="0"/>
+              </a:rPr>
+              <a:t>Thank you for your attention</a:t>
+            </a:r>
+            <a:endParaRPr lang="de-DE" sz="4000" dirty="0">
+              <a:solidFill>
+                <a:srgbClr val="0070C0"/>
+              </a:solidFill>
+              <a:latin typeface="Arial" pitchFamily="34" charset="0"/>
+              <a:cs typeface="Arial" pitchFamily="34" charset="0"/>
+            </a:endParaRPr>
+          </a:p>
+        </p:txBody>
+      </p:sp>
+      <p:sp>
+        <p:nvSpPr>
+          <p:cNvPr id="4" name="Rectangle 3"/>
+          <p:cNvSpPr/>
+          <p:nvPr/>
+        </p:nvSpPr>
+        <p:spPr>
+          <a:xfrm>
+            <a:off x="2351212" y="3607743"/>
+            <a:ext cx="269626" cy="461665"/>
+          </a:xfrm>
+          <a:prstGeom prst="rect">
+            <a:avLst/>
+          </a:prstGeom>
+        </p:spPr>
+        <p:txBody>
+          <a:bodyPr wrap="none">
+            <a:spAutoFit/>
+          </a:bodyPr>
+          <a:lstStyle/>
+          <a:p>
+            <a:r>
+              <a:rPr lang="de-DE" sz="2400" dirty="0" smtClean="0">
+                <a:solidFill>
+                  <a:srgbClr val="292934">
+                    <a:lumMod val="75000"/>
+                    <a:lumOff val="25000"/>
+                  </a:srgbClr>
+                </a:solidFill>
+              </a:rPr>
+              <a:t> </a:t>
+            </a:r>
+            <a:endParaRPr lang="en-IN" dirty="0"/>
+          </a:p>
+        </p:txBody>
+      </p:sp>
+      <p:sp>
+        <p:nvSpPr>
+          <p:cNvPr id="5" name="Slide Number Placeholder 4"/>
+          <p:cNvSpPr>
+            <a:spLocks noGrp="1"/>
+          </p:cNvSpPr>
+          <p:nvPr>
+            <p:ph type="sldNum" sz="quarter" idx="12"/>
+          </p:nvPr>
+        </p:nvSpPr>
+        <p:spPr/>
+        <p:txBody>
+          <a:bodyPr/>
+          <a:lstStyle/>
+          <a:p>
+            <a:fld id="{B6F15528-21DE-4FAA-801E-634DDDAF4B2B}" type="slidenum">
+              <a:rPr lang="en-US" smtClean="0"/>
+              <a:pPr/>
+              <a:t>43</a:t>
             </a:fld>
             <a:endParaRPr lang="en-US"/>
           </a:p>
@@ -19597,7 +19986,7 @@
     </p:spTree>
     <p:extLst>
       <p:ext uri="{BB962C8B-B14F-4D97-AF65-F5344CB8AC3E}">
-        <p14:creationId xmlns="" xmlns:p14="http://schemas.microsoft.com/office/powerpoint/2010/main" val="3590561983"/>
+        <p14:creationId xmlns:p14="http://schemas.microsoft.com/office/powerpoint/2010/main" xmlns="" val="3590561983"/>
       </p:ext>
     </p:extLst>
   </p:cSld>
@@ -19614,7 +20003,7 @@
 </p:sld>
 </file>
 
-<file path=ppt/slides/slide43.xml><?xml version="1.0" encoding="utf-8"?>
+<file path=ppt/slides/slide44.xml><?xml version="1.0" encoding="utf-8"?>
 <p:sld xmlns:a="http://schemas.openxmlformats.org/drawingml/2006/main" xmlns:r="http://schemas.openxmlformats.org/officeDocument/2006/relationships" xmlns:p="http://schemas.openxmlformats.org/presentationml/2006/main">
   <p:cSld>
     <p:spTree>
@@ -19728,7 +20117,7 @@
             <a:fld id="{B6F15528-21DE-4FAA-801E-634DDDAF4B2B}" type="slidenum">
               <a:rPr lang="en-US" smtClean="0"/>
               <a:pPr/>
-              <a:t>43</a:t>
+              <a:t>44</a:t>
             </a:fld>
             <a:endParaRPr lang="en-US"/>
           </a:p>
@@ -20242,7 +20631,7 @@
     </p:spTree>
     <p:extLst>
       <p:ext uri="{BB962C8B-B14F-4D97-AF65-F5344CB8AC3E}">
-        <p14:creationId xmlns:p14="http://schemas.microsoft.com/office/powerpoint/2010/main" xmlns="" val="3590561983"/>
+        <p14:creationId xmlns="" xmlns:p14="http://schemas.microsoft.com/office/powerpoint/2010/main" val="3590561983"/>
       </p:ext>
     </p:extLst>
   </p:cSld>
